--- a/07.0 -- 广播 ------- 第07章.pptx
+++ b/07.0 -- 广播 ------- 第07章.pptx
@@ -331,7 +331,7 @@
               <a:pPr>
                 <a:defRPr/>
               </a:pPr>
-              <a:t>2020/10/25</a:t>
+              <a:t>2020/11/22</a:t>
             </a:fld>
             <a:endParaRPr lang="zh-CN" altLang="en-US" sz="1200"/>
           </a:p>
@@ -1262,7 +1262,7 @@
             <a:fld id="{C33D8BF3-04B1-4578-9944-A784348B543C}" type="datetimeFigureOut">
               <a:rPr lang="zh-CN" altLang="en-US"/>
               <a:pPr/>
-              <a:t>2020/10/25</a:t>
+              <a:t>2020/11/22</a:t>
             </a:fld>
             <a:endParaRPr lang="zh-CN" altLang="en-US"/>
           </a:p>
@@ -1461,7 +1461,7 @@
             <a:fld id="{C33D8BF3-04B1-4578-9944-A784348B543C}" type="datetimeFigureOut">
               <a:rPr lang="zh-CN" altLang="en-US"/>
               <a:pPr/>
-              <a:t>2020/10/25</a:t>
+              <a:t>2020/11/22</a:t>
             </a:fld>
             <a:endParaRPr lang="zh-CN" altLang="en-US"/>
           </a:p>
@@ -1610,7 +1610,7 @@
             <a:fld id="{C33D8BF3-04B1-4578-9944-A784348B543C}" type="datetimeFigureOut">
               <a:rPr lang="zh-CN" altLang="en-US"/>
               <a:pPr/>
-              <a:t>2020/10/25</a:t>
+              <a:t>2020/11/22</a:t>
             </a:fld>
             <a:endParaRPr lang="zh-CN" altLang="en-US"/>
           </a:p>
@@ -1759,7 +1759,7 @@
             <a:fld id="{C33D8BF3-04B1-4578-9944-A784348B543C}" type="datetimeFigureOut">
               <a:rPr lang="zh-CN" altLang="en-US"/>
               <a:pPr/>
-              <a:t>2020/10/25</a:t>
+              <a:t>2020/11/22</a:t>
             </a:fld>
             <a:endParaRPr lang="zh-CN" altLang="en-US"/>
           </a:p>
@@ -1961,7 +1961,7 @@
             <a:fld id="{C33D8BF3-04B1-4578-9944-A784348B543C}" type="datetimeFigureOut">
               <a:rPr lang="zh-CN" altLang="en-US"/>
               <a:pPr/>
-              <a:t>2020/10/25</a:t>
+              <a:t>2020/11/22</a:t>
             </a:fld>
             <a:endParaRPr lang="zh-CN" altLang="en-US"/>
           </a:p>
@@ -2350,7 +2350,7 @@
             <a:fld id="{C33D8BF3-04B1-4578-9944-A784348B543C}" type="datetimeFigureOut">
               <a:rPr lang="zh-CN" altLang="en-US"/>
               <a:pPr/>
-              <a:t>2020/10/25</a:t>
+              <a:t>2020/11/22</a:t>
             </a:fld>
             <a:endParaRPr lang="zh-CN" altLang="en-US"/>
           </a:p>
@@ -2618,7 +2618,7 @@
             <a:fld id="{C33D8BF3-04B1-4578-9944-A784348B543C}" type="datetimeFigureOut">
               <a:rPr lang="zh-CN" altLang="en-US"/>
               <a:pPr/>
-              <a:t>2020/10/25</a:t>
+              <a:t>2020/11/22</a:t>
             </a:fld>
             <a:endParaRPr lang="zh-CN" altLang="en-US"/>
           </a:p>
@@ -3021,7 +3021,7 @@
             <a:fld id="{C33D8BF3-04B1-4578-9944-A784348B543C}" type="datetimeFigureOut">
               <a:rPr lang="zh-CN" altLang="en-US"/>
               <a:pPr/>
-              <a:t>2020/10/25</a:t>
+              <a:t>2020/11/22</a:t>
             </a:fld>
             <a:endParaRPr lang="zh-CN" altLang="en-US"/>
           </a:p>
@@ -4510,7 +4510,7 @@
             <a:fld id="{C33D8BF3-04B1-4578-9944-A784348B543C}" type="datetimeFigureOut">
               <a:rPr lang="zh-CN" altLang="en-US"/>
               <a:pPr/>
-              <a:t>2020/10/25</a:t>
+              <a:t>2020/11/22</a:t>
             </a:fld>
             <a:endParaRPr lang="zh-CN" altLang="en-US"/>
           </a:p>
@@ -4637,7 +4637,7 @@
             <a:fld id="{C33D8BF3-04B1-4578-9944-A784348B543C}" type="datetimeFigureOut">
               <a:rPr lang="zh-CN" altLang="en-US"/>
               <a:pPr/>
-              <a:t>2020/10/25</a:t>
+              <a:t>2020/11/22</a:t>
             </a:fld>
             <a:endParaRPr lang="zh-CN" altLang="en-US"/>
           </a:p>
@@ -4853,7 +4853,7 @@
             <a:fld id="{C33D8BF3-04B1-4578-9944-A784348B543C}" type="datetimeFigureOut">
               <a:rPr lang="zh-CN" altLang="en-US"/>
               <a:pPr/>
-              <a:t>2020/10/25</a:t>
+              <a:t>2020/11/22</a:t>
             </a:fld>
             <a:endParaRPr lang="zh-CN" altLang="en-US"/>
           </a:p>
@@ -5075,7 +5075,7 @@
             <a:fld id="{C33D8BF3-04B1-4578-9944-A784348B543C}" type="datetimeFigureOut">
               <a:rPr lang="zh-CN" altLang="en-US"/>
               <a:pPr/>
-              <a:t>2020/10/25</a:t>
+              <a:t>2020/11/22</a:t>
             </a:fld>
             <a:endParaRPr lang="zh-CN" altLang="en-US"/>
           </a:p>
@@ -5485,7 +5485,7 @@
             <a:fld id="{C33D8BF3-04B1-4578-9944-A784348B543C}" type="datetimeFigureOut">
               <a:rPr lang="zh-CN" altLang="en-US"/>
               <a:pPr/>
-              <a:t>2020/10/25</a:t>
+              <a:t>2020/11/22</a:t>
             </a:fld>
             <a:endParaRPr lang="zh-CN" altLang="en-US"/>
           </a:p>
@@ -6192,19 +6192,23 @@
         </p:nvSpPr>
         <p:spPr>
           <a:xfrm>
-            <a:off x="3825875" y="1285875"/>
-            <a:ext cx="2449513" cy="2870200"/>
+            <a:off x="3718963" y="1350963"/>
+            <a:ext cx="5308689" cy="2614177"/>
           </a:xfrm>
           <a:prstGeom prst="rect">
             <a:avLst/>
           </a:prstGeom>
-          <a:noFill/>
+          <a:solidFill>
+            <a:schemeClr val="bg1">
+              <a:lumMod val="85000"/>
+            </a:schemeClr>
+          </a:solidFill>
           <a:ln w="9525">
             <a:noFill/>
           </a:ln>
         </p:spPr>
         <p:txBody>
-          <a:bodyPr wrap="none" lIns="68580" tIns="34290" rIns="68580" bIns="34290">
+          <a:bodyPr wrap="square" lIns="68580" tIns="34290" rIns="68580" bIns="34290">
             <a:spAutoFit/>
           </a:bodyPr>
           <a:lstStyle/>
@@ -6408,14 +6412,6 @@
               </a:rPr>
               <a:t>本章小结</a:t>
             </a:r>
-            <a:endParaRPr lang="zh-CN" altLang="en-US" sz="1400" b="1" dirty="0"/>
-          </a:p>
-          <a:p>
-            <a:pPr marL="214630" indent="-214630">
-              <a:buFont typeface="Wingdings" panose="05000000000000000000" pitchFamily="2" charset="2"/>
-              <a:buChar char="p"/>
-              <a:defRPr/>
-            </a:pPr>
             <a:endParaRPr lang="zh-CN" altLang="en-US" sz="1400" dirty="0">
               <a:solidFill>
                 <a:srgbClr val="262626"/>
@@ -6493,7 +6489,7 @@
         </p:nvSpPr>
         <p:spPr>
           <a:xfrm>
-            <a:off x="3608388" y="3940175"/>
+            <a:off x="3707940" y="3975745"/>
             <a:ext cx="5319712" cy="201613"/>
           </a:xfrm>
           <a:prstGeom prst="rect">
@@ -7406,35 +7402,20 @@
         </p:blipFill>
         <p:spPr bwMode="auto">
           <a:xfrm>
-            <a:off x="1228725" y="1787525"/>
-            <a:ext cx="6064250" cy="1771650"/>
+            <a:off x="899745" y="1779695"/>
+            <a:ext cx="6788931" cy="1983363"/>
           </a:xfrm>
           <a:prstGeom prst="rect">
             <a:avLst/>
           </a:prstGeom>
-          <a:noFill/>
+          <a:solidFill>
+            <a:schemeClr val="bg1">
+              <a:lumMod val="85000"/>
+            </a:schemeClr>
+          </a:solidFill>
           <a:ln>
             <a:noFill/>
           </a:ln>
-          <a:extLst>
-            <a:ext uri="{909E8E84-426E-40DD-AFC4-6F175D3DCCD1}">
-              <a14:hiddenFill xmlns:a14="http://schemas.microsoft.com/office/drawing/2010/main">
-                <a:solidFill>
-                  <a:srgbClr val="FFFFFF"/>
-                </a:solidFill>
-              </a14:hiddenFill>
-            </a:ext>
-            <a:ext uri="{91240B29-F687-4F45-9708-019B960494DF}">
-              <a14:hiddenLine xmlns:a14="http://schemas.microsoft.com/office/drawing/2010/main" w="9525">
-                <a:solidFill>
-                  <a:srgbClr val="000000"/>
-                </a:solidFill>
-                <a:miter lim="800000"/>
-                <a:headEnd/>
-                <a:tailEnd/>
-              </a14:hiddenLine>
-            </a:ext>
-          </a:extLst>
         </p:spPr>
       </p:pic>
     </p:spTree>
@@ -8682,35 +8663,20 @@
         </p:nvSpPr>
         <p:spPr bwMode="auto">
           <a:xfrm>
-            <a:off x="2665413" y="803275"/>
-            <a:ext cx="4906962" cy="1428750"/>
+            <a:off x="2665412" y="803275"/>
+            <a:ext cx="6154882" cy="798513"/>
           </a:xfrm>
           <a:prstGeom prst="rect">
             <a:avLst/>
           </a:prstGeom>
-          <a:noFill/>
+          <a:solidFill>
+            <a:schemeClr val="bg1">
+              <a:lumMod val="85000"/>
+            </a:schemeClr>
+          </a:solidFill>
           <a:ln>
             <a:noFill/>
           </a:ln>
-          <a:extLst>
-            <a:ext uri="{909E8E84-426E-40DD-AFC4-6F175D3DCCD1}">
-              <a14:hiddenFill xmlns:a14="http://schemas.microsoft.com/office/drawing/2010/main">
-                <a:solidFill>
-                  <a:srgbClr val="FFFFFF"/>
-                </a:solidFill>
-              </a14:hiddenFill>
-            </a:ext>
-            <a:ext uri="{91240B29-F687-4F45-9708-019B960494DF}">
-              <a14:hiddenLine xmlns:a14="http://schemas.microsoft.com/office/drawing/2010/main" w="9525">
-                <a:solidFill>
-                  <a:srgbClr val="000000"/>
-                </a:solidFill>
-                <a:miter lim="800000"/>
-                <a:headEnd/>
-                <a:tailEnd/>
-              </a14:hiddenLine>
-            </a:ext>
-          </a:extLst>
         </p:spPr>
         <p:txBody>
           <a:bodyPr/>
@@ -8835,7 +8801,7 @@
               </a:buClr>
             </a:pPr>
             <a:r>
-              <a:rPr lang="zh-CN" altLang="en-US" sz="1400">
+              <a:rPr lang="zh-CN" altLang="en-US" sz="1400" dirty="0">
                 <a:latin typeface="微软雅黑" panose="020B0503020204020204" pitchFamily="34" charset="-122"/>
                 <a:ea typeface="微软雅黑" panose="020B0503020204020204" pitchFamily="34" charset="-122"/>
                 <a:sym typeface="微软雅黑" panose="020B0503020204020204" pitchFamily="34" charset="-122"/>
@@ -8843,7 +8809,7 @@
               <a:t>点击按钮时，向</a:t>
             </a:r>
             <a:r>
-              <a:rPr lang="en-US" altLang="zh-CN" sz="1400">
+              <a:rPr lang="en-US" altLang="zh-CN" sz="1400" dirty="0">
                 <a:latin typeface="微软雅黑" panose="020B0503020204020204" pitchFamily="34" charset="-122"/>
                 <a:ea typeface="微软雅黑" panose="020B0503020204020204" pitchFamily="34" charset="-122"/>
                 <a:sym typeface="微软雅黑" panose="020B0503020204020204" pitchFamily="34" charset="-122"/>
@@ -8851,7 +8817,7 @@
               <a:t>Android</a:t>
             </a:r>
             <a:r>
-              <a:rPr lang="zh-CN" altLang="en-US" sz="1400">
+              <a:rPr lang="zh-CN" altLang="en-US" sz="1400" dirty="0">
                 <a:latin typeface="微软雅黑" panose="020B0503020204020204" pitchFamily="34" charset="-122"/>
                 <a:ea typeface="微软雅黑" panose="020B0503020204020204" pitchFamily="34" charset="-122"/>
                 <a:sym typeface="微软雅黑" panose="020B0503020204020204" pitchFamily="34" charset="-122"/>
@@ -8869,7 +8835,7 @@
               </a:buClr>
             </a:pPr>
             <a:r>
-              <a:rPr lang="zh-CN" altLang="en-US" sz="1400">
+              <a:rPr lang="zh-CN" altLang="en-US" sz="1400" dirty="0">
                 <a:latin typeface="微软雅黑" panose="020B0503020204020204" pitchFamily="34" charset="-122"/>
                 <a:ea typeface="微软雅黑" panose="020B0503020204020204" pitchFamily="34" charset="-122"/>
                 <a:sym typeface="微软雅黑" panose="020B0503020204020204" pitchFamily="34" charset="-122"/>
@@ -8877,7 +8843,7 @@
               <a:t>通过</a:t>
             </a:r>
             <a:r>
-              <a:rPr lang="en-US" altLang="zh-CN" sz="1400">
+              <a:rPr lang="en-US" altLang="zh-CN" sz="1400" dirty="0">
                 <a:latin typeface="微软雅黑" panose="020B0503020204020204" pitchFamily="34" charset="-122"/>
                 <a:ea typeface="微软雅黑" panose="020B0503020204020204" pitchFamily="34" charset="-122"/>
                 <a:sym typeface="微软雅黑" panose="020B0503020204020204" pitchFamily="34" charset="-122"/>
@@ -8885,7 +8851,7 @@
               <a:t>Log</a:t>
             </a:r>
             <a:r>
-              <a:rPr lang="zh-CN" altLang="en-US" sz="1400">
+              <a:rPr lang="zh-CN" altLang="en-US" sz="1400" dirty="0">
                 <a:latin typeface="微软雅黑" panose="020B0503020204020204" pitchFamily="34" charset="-122"/>
                 <a:ea typeface="微软雅黑" panose="020B0503020204020204" pitchFamily="34" charset="-122"/>
                 <a:sym typeface="微软雅黑" panose="020B0503020204020204" pitchFamily="34" charset="-122"/>
@@ -8893,7 +8859,7 @@
               <a:t>视窗观察看到</a:t>
             </a:r>
             <a:r>
-              <a:rPr lang="en-US" altLang="zh-CN" sz="1400">
+              <a:rPr lang="en-US" altLang="zh-CN" sz="1400" dirty="0">
                 <a:latin typeface="微软雅黑" panose="020B0503020204020204" pitchFamily="34" charset="-122"/>
                 <a:ea typeface="微软雅黑" panose="020B0503020204020204" pitchFamily="34" charset="-122"/>
                 <a:sym typeface="微软雅黑" panose="020B0503020204020204" pitchFamily="34" charset="-122"/>
@@ -8901,7 +8867,7 @@
               <a:t>Android</a:t>
             </a:r>
             <a:r>
-              <a:rPr lang="zh-CN" altLang="en-US" sz="1400">
+              <a:rPr lang="zh-CN" altLang="en-US" sz="1400" dirty="0">
                 <a:latin typeface="微软雅黑" panose="020B0503020204020204" pitchFamily="34" charset="-122"/>
                 <a:ea typeface="微软雅黑" panose="020B0503020204020204" pitchFamily="34" charset="-122"/>
                 <a:sym typeface="微软雅黑" panose="020B0503020204020204" pitchFamily="34" charset="-122"/>
@@ -8919,7 +8885,7 @@
               </a:buClr>
             </a:pPr>
             <a:r>
-              <a:rPr lang="zh-CN" altLang="en-US" sz="1400">
+              <a:rPr lang="zh-CN" altLang="en-US" sz="1400" dirty="0">
                 <a:latin typeface="微软雅黑" panose="020B0503020204020204" pitchFamily="34" charset="-122"/>
                 <a:ea typeface="微软雅黑" panose="020B0503020204020204" pitchFamily="34" charset="-122"/>
                 <a:sym typeface="微软雅黑" panose="020B0503020204020204" pitchFamily="34" charset="-122"/>
@@ -8936,7 +8902,7 @@
                 <a:schemeClr val="hlink"/>
               </a:buClr>
             </a:pPr>
-            <a:endParaRPr lang="zh-CN" altLang="en-US">
+            <a:endParaRPr lang="zh-CN" altLang="en-US" dirty="0">
               <a:sym typeface="Arial" panose="020B0604020202020204" pitchFamily="34" charset="0"/>
             </a:endParaRPr>
           </a:p>
@@ -8971,8 +8937,8 @@
         </p:blipFill>
         <p:spPr bwMode="auto">
           <a:xfrm>
-            <a:off x="2593975" y="1876425"/>
-            <a:ext cx="6511925" cy="1069975"/>
+            <a:off x="2665411" y="1785937"/>
+            <a:ext cx="4642210" cy="762762"/>
           </a:xfrm>
           <a:prstGeom prst="rect">
             <a:avLst/>
@@ -9103,38 +9069,23 @@
         </p:nvSpPr>
         <p:spPr bwMode="auto">
           <a:xfrm>
-            <a:off x="2870200" y="3013075"/>
-            <a:ext cx="4349750" cy="522288"/>
+            <a:off x="2665411" y="3291800"/>
+            <a:ext cx="6154883" cy="307777"/>
           </a:xfrm>
           <a:prstGeom prst="rect">
             <a:avLst/>
           </a:prstGeom>
-          <a:noFill/>
+          <a:solidFill>
+            <a:schemeClr val="bg1">
+              <a:lumMod val="85000"/>
+            </a:schemeClr>
+          </a:solidFill>
           <a:ln>
             <a:noFill/>
           </a:ln>
-          <a:extLst>
-            <a:ext uri="{909E8E84-426E-40DD-AFC4-6F175D3DCCD1}">
-              <a14:hiddenFill xmlns:a14="http://schemas.microsoft.com/office/drawing/2010/main">
-                <a:solidFill>
-                  <a:srgbClr val="FFFFFF"/>
-                </a:solidFill>
-              </a14:hiddenFill>
-            </a:ext>
-            <a:ext uri="{91240B29-F687-4F45-9708-019B960494DF}">
-              <a14:hiddenLine xmlns:a14="http://schemas.microsoft.com/office/drawing/2010/main" w="9525">
-                <a:solidFill>
-                  <a:srgbClr val="000000"/>
-                </a:solidFill>
-                <a:miter lim="800000"/>
-                <a:headEnd/>
-                <a:tailEnd/>
-              </a14:hiddenLine>
-            </a:ext>
-          </a:extLst>
         </p:spPr>
         <p:txBody>
-          <a:bodyPr>
+          <a:bodyPr wrap="square">
             <a:spAutoFit/>
           </a:bodyPr>
           <a:lstStyle>
@@ -9300,8 +9251,8 @@
         </p:blipFill>
         <p:spPr bwMode="auto">
           <a:xfrm>
-            <a:off x="2667000" y="3535363"/>
-            <a:ext cx="6438900" cy="1316037"/>
+            <a:off x="2665411" y="3799724"/>
+            <a:ext cx="4640621" cy="948489"/>
           </a:xfrm>
           <a:prstGeom prst="rect">
             <a:avLst/>
@@ -9620,166 +9571,285 @@
         </p:nvSpPr>
         <p:spPr bwMode="auto">
           <a:xfrm>
-            <a:off x="250825" y="1506538"/>
-            <a:ext cx="8728075" cy="2676525"/>
+            <a:off x="683730" y="1491675"/>
+            <a:ext cx="7243800" cy="2554545"/>
           </a:xfrm>
           <a:prstGeom prst="rect">
             <a:avLst/>
           </a:prstGeom>
-          <a:noFill/>
+          <a:solidFill>
+            <a:schemeClr val="bg1">
+              <a:lumMod val="85000"/>
+            </a:schemeClr>
+          </a:solidFill>
           <a:ln>
             <a:noFill/>
           </a:ln>
-          <a:extLst>
-            <a:ext uri="{909E8E84-426E-40DD-AFC4-6F175D3DCCD1}">
-              <a14:hiddenFill xmlns:a14="http://schemas.microsoft.com/office/drawing/2010/main">
-                <a:solidFill>
-                  <a:srgbClr val="FFFFFF"/>
-                </a:solidFill>
-              </a14:hiddenFill>
-            </a:ext>
-            <a:ext uri="{91240B29-F687-4F45-9708-019B960494DF}">
-              <a14:hiddenLine xmlns:a14="http://schemas.microsoft.com/office/drawing/2010/main" w="9525">
-                <a:solidFill>
-                  <a:srgbClr val="000000"/>
-                </a:solidFill>
-                <a:miter lim="800000"/>
-                <a:headEnd/>
-                <a:tailEnd/>
-              </a14:hiddenLine>
-            </a:ext>
-          </a:extLst>
         </p:spPr>
         <p:txBody>
-          <a:bodyPr>
+          <a:bodyPr wrap="square">
             <a:spAutoFit/>
           </a:bodyPr>
           <a:lstStyle/>
           <a:p>
-            <a:endParaRPr lang="en-US" altLang="zh-CN" sz="1400">
-              <a:solidFill>
-                <a:srgbClr val="000000"/>
-              </a:solidFill>
-              <a:latin typeface="Times New Roman" panose="02020603050405020304" pitchFamily="18" charset="0"/>
-              <a:sym typeface="Times New Roman" panose="02020603050405020304" pitchFamily="18" charset="0"/>
-            </a:endParaRPr>
+            <a:r>
+              <a:rPr lang="en-US" altLang="zh-CN" sz="2000" dirty="0">
+                <a:solidFill>
+                  <a:srgbClr val="000000"/>
+                </a:solidFill>
+                <a:latin typeface="Times New Roman" panose="02020603050405020304" pitchFamily="18" charset="0"/>
+                <a:sym typeface="Times New Roman" panose="02020603050405020304" pitchFamily="18" charset="0"/>
+              </a:rPr>
+              <a:t>public void </a:t>
+            </a:r>
+            <a:r>
+              <a:rPr lang="en-US" altLang="zh-CN" sz="2000" dirty="0" err="1">
+                <a:solidFill>
+                  <a:srgbClr val="000000"/>
+                </a:solidFill>
+                <a:latin typeface="Times New Roman" panose="02020603050405020304" pitchFamily="18" charset="0"/>
+                <a:sym typeface="Times New Roman" panose="02020603050405020304" pitchFamily="18" charset="0"/>
+              </a:rPr>
+              <a:t>onClick</a:t>
+            </a:r>
+            <a:r>
+              <a:rPr lang="en-US" altLang="zh-CN" sz="2000" dirty="0">
+                <a:solidFill>
+                  <a:srgbClr val="000000"/>
+                </a:solidFill>
+                <a:latin typeface="Times New Roman" panose="02020603050405020304" pitchFamily="18" charset="0"/>
+                <a:sym typeface="Times New Roman" panose="02020603050405020304" pitchFamily="18" charset="0"/>
+              </a:rPr>
+              <a:t>(View v) </a:t>
+            </a:r>
           </a:p>
           <a:p>
             <a:r>
-              <a:rPr lang="en-US" altLang="zh-CN" sz="2000">
+              <a:rPr lang="en-US" altLang="zh-CN" sz="2000" dirty="0">
                 <a:solidFill>
                   <a:srgbClr val="000000"/>
                 </a:solidFill>
                 <a:latin typeface="Times New Roman" panose="02020603050405020304" pitchFamily="18" charset="0"/>
                 <a:sym typeface="Times New Roman" panose="02020603050405020304" pitchFamily="18" charset="0"/>
               </a:rPr>
-              <a:t>	     public void onClick(View v) {</a:t>
+              <a:t>{</a:t>
             </a:r>
           </a:p>
           <a:p>
             <a:r>
-              <a:rPr lang="en-US" altLang="zh-CN" sz="2000">
+              <a:rPr lang="en-US" altLang="zh-CN" sz="2000" dirty="0">
                 <a:solidFill>
                   <a:srgbClr val="000000"/>
                 </a:solidFill>
                 <a:latin typeface="Times New Roman" panose="02020603050405020304" pitchFamily="18" charset="0"/>
                 <a:sym typeface="Times New Roman" panose="02020603050405020304" pitchFamily="18" charset="0"/>
               </a:rPr>
-              <a:t>	           // TODO Auto-generated method stub</a:t>
+              <a:t>// TODO Auto-generated method stub</a:t>
             </a:r>
           </a:p>
           <a:p>
             <a:r>
-              <a:rPr lang="en-US" altLang="zh-CN" sz="2000">
+              <a:rPr lang="en-US" altLang="zh-CN" sz="2000" dirty="0">
                 <a:solidFill>
                   <a:srgbClr val="000000"/>
                 </a:solidFill>
                 <a:latin typeface="Times New Roman" panose="02020603050405020304" pitchFamily="18" charset="0"/>
                 <a:sym typeface="Times New Roman" panose="02020603050405020304" pitchFamily="18" charset="0"/>
               </a:rPr>
-              <a:t>                         String Intent_Action = "</a:t>
-            </a:r>
-            <a:r>
-              <a:rPr lang="en-US" altLang="zh-CN" sz="2000" b="1">
-                <a:solidFill>
-                  <a:srgbClr val="00B050"/>
+              <a:t>String </a:t>
+            </a:r>
+            <a:r>
+              <a:rPr lang="en-US" altLang="zh-CN" sz="2000" dirty="0" err="1">
+                <a:solidFill>
+                  <a:srgbClr val="000000"/>
                 </a:solidFill>
                 <a:latin typeface="Times New Roman" panose="02020603050405020304" pitchFamily="18" charset="0"/>
                 <a:sym typeface="Times New Roman" panose="02020603050405020304" pitchFamily="18" charset="0"/>
               </a:rPr>
-              <a:t>com.android.BroadcastReceiverDemo</a:t>
-            </a:r>
-            <a:r>
-              <a:rPr lang="en-US" altLang="zh-CN" sz="2000">
+              <a:t>Intent_Action</a:t>
+            </a:r>
+            <a:r>
+              <a:rPr lang="en-US" altLang="zh-CN" sz="2000" dirty="0">
                 <a:solidFill>
                   <a:srgbClr val="000000"/>
                 </a:solidFill>
                 <a:latin typeface="Times New Roman" panose="02020603050405020304" pitchFamily="18" charset="0"/>
                 <a:sym typeface="Times New Roman" panose="02020603050405020304" pitchFamily="18" charset="0"/>
               </a:rPr>
+              <a:t> = "</a:t>
+            </a:r>
+            <a:r>
+              <a:rPr lang="en-US" altLang="zh-CN" sz="2000" b="1" dirty="0" err="1">
+                <a:solidFill>
+                  <a:srgbClr val="00B050"/>
+                </a:solidFill>
+                <a:latin typeface="Times New Roman" panose="02020603050405020304" pitchFamily="18" charset="0"/>
+                <a:sym typeface="Times New Roman" panose="02020603050405020304" pitchFamily="18" charset="0"/>
+              </a:rPr>
+              <a:t>com.android.BroadcastReceiverDemo</a:t>
+            </a:r>
+            <a:r>
+              <a:rPr lang="en-US" altLang="zh-CN" sz="2000" dirty="0">
+                <a:solidFill>
+                  <a:srgbClr val="000000"/>
+                </a:solidFill>
+                <a:latin typeface="Times New Roman" panose="02020603050405020304" pitchFamily="18" charset="0"/>
+                <a:sym typeface="Times New Roman" panose="02020603050405020304" pitchFamily="18" charset="0"/>
+              </a:rPr>
               <a:t>";</a:t>
             </a:r>
           </a:p>
           <a:p>
             <a:r>
-              <a:rPr lang="en-US" altLang="zh-CN" sz="2000">
+              <a:rPr lang="en-US" altLang="zh-CN" sz="2000" dirty="0">
                 <a:solidFill>
                   <a:srgbClr val="000000"/>
                 </a:solidFill>
                 <a:latin typeface="Times New Roman" panose="02020603050405020304" pitchFamily="18" charset="0"/>
                 <a:sym typeface="Times New Roman" panose="02020603050405020304" pitchFamily="18" charset="0"/>
               </a:rPr>
-              <a:t>	           Intent intent = new Intent(Intent_Action);</a:t>
+              <a:t>Intent </a:t>
+            </a:r>
+            <a:r>
+              <a:rPr lang="en-US" altLang="zh-CN" sz="2000" dirty="0" err="1">
+                <a:solidFill>
+                  <a:srgbClr val="000000"/>
+                </a:solidFill>
+                <a:latin typeface="Times New Roman" panose="02020603050405020304" pitchFamily="18" charset="0"/>
+                <a:sym typeface="Times New Roman" panose="02020603050405020304" pitchFamily="18" charset="0"/>
+              </a:rPr>
+              <a:t>intent</a:t>
+            </a:r>
+            <a:r>
+              <a:rPr lang="en-US" altLang="zh-CN" sz="2000" dirty="0">
+                <a:solidFill>
+                  <a:srgbClr val="000000"/>
+                </a:solidFill>
+                <a:latin typeface="Times New Roman" panose="02020603050405020304" pitchFamily="18" charset="0"/>
+                <a:sym typeface="Times New Roman" panose="02020603050405020304" pitchFamily="18" charset="0"/>
+              </a:rPr>
+              <a:t> = new Intent(</a:t>
+            </a:r>
+            <a:r>
+              <a:rPr lang="en-US" altLang="zh-CN" sz="2000" dirty="0" err="1">
+                <a:solidFill>
+                  <a:srgbClr val="000000"/>
+                </a:solidFill>
+                <a:latin typeface="Times New Roman" panose="02020603050405020304" pitchFamily="18" charset="0"/>
+                <a:sym typeface="Times New Roman" panose="02020603050405020304" pitchFamily="18" charset="0"/>
+              </a:rPr>
+              <a:t>Intent_Action</a:t>
+            </a:r>
+            <a:r>
+              <a:rPr lang="en-US" altLang="zh-CN" sz="2000" dirty="0">
+                <a:solidFill>
+                  <a:srgbClr val="000000"/>
+                </a:solidFill>
+                <a:latin typeface="Times New Roman" panose="02020603050405020304" pitchFamily="18" charset="0"/>
+                <a:sym typeface="Times New Roman" panose="02020603050405020304" pitchFamily="18" charset="0"/>
+              </a:rPr>
+              <a:t>);</a:t>
             </a:r>
           </a:p>
           <a:p>
             <a:r>
-              <a:rPr lang="en-US" altLang="zh-CN" sz="2000">
-                <a:solidFill>
-                  <a:srgbClr val="000000"/>
-                </a:solidFill>
+              <a:rPr lang="en-US" altLang="zh-CN" sz="2000" b="1" dirty="0" err="1">
+                <a:solidFill>
+                  <a:srgbClr val="0070C0"/>
+                </a:solidFill>
+                <a:highlight>
+                  <a:srgbClr val="FFFF00"/>
+                </a:highlight>
                 <a:latin typeface="Times New Roman" panose="02020603050405020304" pitchFamily="18" charset="0"/>
                 <a:sym typeface="Times New Roman" panose="02020603050405020304" pitchFamily="18" charset="0"/>
               </a:rPr>
-              <a:t>	           </a:t>
-            </a:r>
-            <a:r>
-              <a:rPr lang="en-US" altLang="zh-CN" sz="2000" b="1">
+              <a:t>sendBroadcast</a:t>
+            </a:r>
+            <a:r>
+              <a:rPr lang="en-US" altLang="zh-CN" sz="2000" b="1" dirty="0">
                 <a:solidFill>
                   <a:srgbClr val="0070C0"/>
                 </a:solidFill>
                 <a:latin typeface="Times New Roman" panose="02020603050405020304" pitchFamily="18" charset="0"/>
                 <a:sym typeface="Times New Roman" panose="02020603050405020304" pitchFamily="18" charset="0"/>
               </a:rPr>
-              <a:t>sendBroadcast(intent);</a:t>
+              <a:t>(intent);</a:t>
             </a:r>
           </a:p>
           <a:p>
             <a:r>
-              <a:rPr lang="en-US" altLang="zh-CN" sz="2000">
+              <a:rPr lang="en-US" altLang="zh-CN" sz="2000" dirty="0" err="1">
                 <a:solidFill>
                   <a:srgbClr val="000000"/>
                 </a:solidFill>
                 <a:latin typeface="Times New Roman" panose="02020603050405020304" pitchFamily="18" charset="0"/>
                 <a:sym typeface="Times New Roman" panose="02020603050405020304" pitchFamily="18" charset="0"/>
               </a:rPr>
-              <a:t>	           Log.e("BroadcastReceiver","sendbroadcast");</a:t>
+              <a:t>Log.e</a:t>
+            </a:r>
+            <a:r>
+              <a:rPr lang="en-US" altLang="zh-CN" sz="2000" dirty="0">
+                <a:solidFill>
+                  <a:srgbClr val="000000"/>
+                </a:solidFill>
+                <a:latin typeface="Times New Roman" panose="02020603050405020304" pitchFamily="18" charset="0"/>
+                <a:sym typeface="Times New Roman" panose="02020603050405020304" pitchFamily="18" charset="0"/>
+              </a:rPr>
+              <a:t>("</a:t>
+            </a:r>
+            <a:r>
+              <a:rPr lang="en-US" altLang="zh-CN" sz="2000" dirty="0" err="1">
+                <a:solidFill>
+                  <a:srgbClr val="000000"/>
+                </a:solidFill>
+                <a:latin typeface="Times New Roman" panose="02020603050405020304" pitchFamily="18" charset="0"/>
+                <a:sym typeface="Times New Roman" panose="02020603050405020304" pitchFamily="18" charset="0"/>
+              </a:rPr>
+              <a:t>BroadcastReceiver</a:t>
+            </a:r>
+            <a:r>
+              <a:rPr lang="en-US" altLang="zh-CN" sz="2000" dirty="0">
+                <a:solidFill>
+                  <a:srgbClr val="000000"/>
+                </a:solidFill>
+                <a:latin typeface="Times New Roman" panose="02020603050405020304" pitchFamily="18" charset="0"/>
+                <a:sym typeface="Times New Roman" panose="02020603050405020304" pitchFamily="18" charset="0"/>
+              </a:rPr>
+              <a:t>","</a:t>
+            </a:r>
+            <a:r>
+              <a:rPr lang="en-US" altLang="zh-CN" sz="2000" dirty="0" err="1">
+                <a:solidFill>
+                  <a:srgbClr val="000000"/>
+                </a:solidFill>
+                <a:latin typeface="Times New Roman" panose="02020603050405020304" pitchFamily="18" charset="0"/>
+                <a:sym typeface="Times New Roman" panose="02020603050405020304" pitchFamily="18" charset="0"/>
+              </a:rPr>
+              <a:t>sendbroadcast</a:t>
+            </a:r>
+            <a:r>
+              <a:rPr lang="en-US" altLang="zh-CN" sz="2000" dirty="0">
+                <a:solidFill>
+                  <a:srgbClr val="000000"/>
+                </a:solidFill>
+                <a:latin typeface="Times New Roman" panose="02020603050405020304" pitchFamily="18" charset="0"/>
+                <a:sym typeface="Times New Roman" panose="02020603050405020304" pitchFamily="18" charset="0"/>
+              </a:rPr>
+              <a:t>");</a:t>
             </a:r>
           </a:p>
           <a:p>
             <a:r>
-              <a:rPr lang="en-US" altLang="zh-CN" sz="2000">
+              <a:rPr lang="en-US" altLang="zh-CN" sz="2000" dirty="0">
                 <a:solidFill>
                   <a:srgbClr val="000000"/>
                 </a:solidFill>
                 <a:latin typeface="Times New Roman" panose="02020603050405020304" pitchFamily="18" charset="0"/>
                 <a:sym typeface="Times New Roman" panose="02020603050405020304" pitchFamily="18" charset="0"/>
               </a:rPr>
-              <a:t>	         }</a:t>
-            </a:r>
-          </a:p>
-          <a:p>
-            <a:endParaRPr lang="en-US" altLang="zh-CN" sz="1400">
+              <a:t>}</a:t>
+            </a:r>
+            <a:endParaRPr lang="en-US" altLang="zh-CN" sz="1400" dirty="0">
               <a:solidFill>
                 <a:srgbClr val="000000"/>
               </a:solidFill>
@@ -9979,7 +10049,7 @@
         </p:nvSpPr>
         <p:spPr bwMode="auto">
           <a:xfrm>
-            <a:off x="779463" y="855663"/>
+            <a:off x="432295" y="843630"/>
             <a:ext cx="7416800" cy="368300"/>
           </a:xfrm>
           <a:prstGeom prst="rect">
@@ -10016,7 +10086,7 @@
           <a:lstStyle/>
           <a:p>
             <a:r>
-              <a:rPr lang="en-US" altLang="zh-CN">
+              <a:rPr lang="en-US" altLang="zh-CN" dirty="0">
                 <a:solidFill>
                   <a:srgbClr val="000000"/>
                 </a:solidFill>
@@ -10026,7 +10096,7 @@
               <a:t>BroadcastReceiverActivity.java</a:t>
             </a:r>
             <a:r>
-              <a:rPr lang="zh-CN" altLang="en-US" sz="1400">
+              <a:rPr lang="zh-CN" altLang="en-US" sz="1400" dirty="0">
                 <a:solidFill>
                   <a:srgbClr val="000000"/>
                 </a:solidFill>
@@ -10037,7 +10107,7 @@
               <a:t>用来实现</a:t>
             </a:r>
             <a:r>
-              <a:rPr lang="zh-CN" altLang="en-US" sz="1400" b="1">
+              <a:rPr lang="zh-CN" altLang="en-US" sz="1400" b="1" dirty="0">
                 <a:solidFill>
                   <a:srgbClr val="000000"/>
                 </a:solidFill>
@@ -10048,7 +10118,7 @@
               <a:t>接收广播</a:t>
             </a:r>
             <a:r>
-              <a:rPr lang="zh-CN" altLang="en-US" sz="1400">
+              <a:rPr lang="zh-CN" altLang="en-US" sz="1400" dirty="0">
                 <a:solidFill>
                   <a:srgbClr val="000000"/>
                 </a:solidFill>
@@ -10077,38 +10147,23 @@
         </p:nvSpPr>
         <p:spPr bwMode="auto">
           <a:xfrm>
-            <a:off x="250825" y="1495425"/>
-            <a:ext cx="8402638" cy="3290888"/>
+            <a:off x="420777" y="1347665"/>
+            <a:ext cx="8425460" cy="3290888"/>
           </a:xfrm>
           <a:prstGeom prst="rect">
             <a:avLst/>
           </a:prstGeom>
-          <a:noFill/>
+          <a:solidFill>
+            <a:schemeClr val="bg1">
+              <a:lumMod val="85000"/>
+            </a:schemeClr>
+          </a:solidFill>
           <a:ln>
             <a:noFill/>
           </a:ln>
-          <a:extLst>
-            <a:ext uri="{909E8E84-426E-40DD-AFC4-6F175D3DCCD1}">
-              <a14:hiddenFill xmlns:a14="http://schemas.microsoft.com/office/drawing/2010/main">
-                <a:solidFill>
-                  <a:srgbClr val="FFFFFF"/>
-                </a:solidFill>
-              </a14:hiddenFill>
-            </a:ext>
-            <a:ext uri="{91240B29-F687-4F45-9708-019B960494DF}">
-              <a14:hiddenLine xmlns:a14="http://schemas.microsoft.com/office/drawing/2010/main" w="9525">
-                <a:solidFill>
-                  <a:srgbClr val="000000"/>
-                </a:solidFill>
-                <a:miter lim="800000"/>
-                <a:headEnd/>
-                <a:tailEnd/>
-              </a14:hiddenLine>
-            </a:ext>
-          </a:extLst>
         </p:spPr>
         <p:txBody>
-          <a:bodyPr>
+          <a:bodyPr wrap="square">
             <a:spAutoFit/>
           </a:bodyPr>
           <a:lstStyle>
@@ -10217,7 +10272,7 @@
             <a:pPr>
               <a:defRPr/>
             </a:pPr>
-            <a:endParaRPr lang="en-US" altLang="zh-CN" sz="1400">
+            <a:endParaRPr lang="en-US" altLang="zh-CN" sz="1400" dirty="0">
               <a:solidFill>
                 <a:srgbClr val="000000"/>
               </a:solidFill>
@@ -10230,14 +10285,54 @@
               <a:defRPr/>
             </a:pPr>
             <a:r>
-              <a:rPr lang="en-US" altLang="zh-CN" sz="2000">
+              <a:rPr lang="en-US" altLang="zh-CN" sz="2000" dirty="0">
                 <a:solidFill>
                   <a:srgbClr val="000000"/>
                 </a:solidFill>
                 <a:latin typeface="Times New Roman" panose="02020603050405020304" pitchFamily="18" charset="0"/>
                 <a:sym typeface="Times New Roman" panose="02020603050405020304" pitchFamily="18" charset="0"/>
               </a:rPr>
-              <a:t>public class BroadcastReceiverActivity extends BroadcastReceiver {</a:t>
+              <a:t>public class </a:t>
+            </a:r>
+            <a:r>
+              <a:rPr lang="en-US" altLang="zh-CN" sz="2000" dirty="0" err="1">
+                <a:solidFill>
+                  <a:srgbClr val="000000"/>
+                </a:solidFill>
+                <a:latin typeface="Times New Roman" panose="02020603050405020304" pitchFamily="18" charset="0"/>
+                <a:sym typeface="Times New Roman" panose="02020603050405020304" pitchFamily="18" charset="0"/>
+              </a:rPr>
+              <a:t>BroadcastReceiverActivity</a:t>
+            </a:r>
+            <a:r>
+              <a:rPr lang="en-US" altLang="zh-CN" sz="2000" dirty="0">
+                <a:solidFill>
+                  <a:srgbClr val="000000"/>
+                </a:solidFill>
+                <a:latin typeface="Times New Roman" panose="02020603050405020304" pitchFamily="18" charset="0"/>
+                <a:sym typeface="Times New Roman" panose="02020603050405020304" pitchFamily="18" charset="0"/>
+              </a:rPr>
+              <a:t> extends </a:t>
+            </a:r>
+            <a:r>
+              <a:rPr lang="en-US" altLang="zh-CN" sz="2000" dirty="0" err="1">
+                <a:solidFill>
+                  <a:srgbClr val="000000"/>
+                </a:solidFill>
+                <a:latin typeface="Times New Roman" panose="02020603050405020304" pitchFamily="18" charset="0"/>
+                <a:sym typeface="Times New Roman" panose="02020603050405020304" pitchFamily="18" charset="0"/>
+              </a:rPr>
+              <a:t>BroadcastReceiver</a:t>
+            </a:r>
+            <a:r>
+              <a:rPr lang="en-US" altLang="zh-CN" sz="2000" dirty="0">
+                <a:solidFill>
+                  <a:srgbClr val="000000"/>
+                </a:solidFill>
+                <a:latin typeface="Times New Roman" panose="02020603050405020304" pitchFamily="18" charset="0"/>
+                <a:sym typeface="Times New Roman" panose="02020603050405020304" pitchFamily="18" charset="0"/>
+              </a:rPr>
+              <a:t> {</a:t>
             </a:r>
           </a:p>
           <a:p>
@@ -10245,7 +10340,7 @@
               <a:defRPr/>
             </a:pPr>
             <a:r>
-              <a:rPr lang="en-US" altLang="zh-CN" sz="2000">
+              <a:rPr lang="en-US" altLang="zh-CN" sz="2000" dirty="0">
                 <a:solidFill>
                   <a:srgbClr val="000000"/>
                 </a:solidFill>
@@ -10260,7 +10355,7 @@
               <a:defRPr/>
             </a:pPr>
             <a:r>
-              <a:rPr lang="en-US" altLang="zh-CN" sz="2000">
+              <a:rPr lang="en-US" altLang="zh-CN" sz="2000" dirty="0">
                 <a:solidFill>
                   <a:srgbClr val="000000"/>
                 </a:solidFill>
@@ -10270,7 +10365,7 @@
               <a:t>               public void </a:t>
             </a:r>
             <a:r>
-              <a:rPr lang="en-US" altLang="zh-CN" sz="2000" b="1">
+              <a:rPr lang="en-US" altLang="zh-CN" sz="2000" b="1" dirty="0" err="1">
                 <a:solidFill>
                   <a:srgbClr val="0070C0"/>
                 </a:solidFill>
@@ -10280,14 +10375,34 @@
               <a:t>onReceive</a:t>
             </a:r>
             <a:r>
-              <a:rPr lang="en-US" altLang="zh-CN" sz="2000">
+              <a:rPr lang="en-US" altLang="zh-CN" sz="2000" dirty="0">
                 <a:solidFill>
                   <a:srgbClr val="000000"/>
                 </a:solidFill>
                 <a:latin typeface="Times New Roman" panose="02020603050405020304" pitchFamily="18" charset="0"/>
                 <a:sym typeface="Times New Roman" panose="02020603050405020304" pitchFamily="18" charset="0"/>
               </a:rPr>
-              <a:t>(Context context, Intent intent) {</a:t>
+              <a:t>(Context </a:t>
+            </a:r>
+            <a:r>
+              <a:rPr lang="en-US" altLang="zh-CN" sz="2000" dirty="0" err="1">
+                <a:solidFill>
+                  <a:srgbClr val="000000"/>
+                </a:solidFill>
+                <a:latin typeface="Times New Roman" panose="02020603050405020304" pitchFamily="18" charset="0"/>
+                <a:sym typeface="Times New Roman" panose="02020603050405020304" pitchFamily="18" charset="0"/>
+              </a:rPr>
+              <a:t>context</a:t>
+            </a:r>
+            <a:r>
+              <a:rPr lang="en-US" altLang="zh-CN" sz="2000" dirty="0">
+                <a:solidFill>
+                  <a:srgbClr val="000000"/>
+                </a:solidFill>
+                <a:latin typeface="Times New Roman" panose="02020603050405020304" pitchFamily="18" charset="0"/>
+                <a:sym typeface="Times New Roman" panose="02020603050405020304" pitchFamily="18" charset="0"/>
+              </a:rPr>
+              <a:t>, Intent intent) {</a:t>
             </a:r>
           </a:p>
           <a:p>
@@ -10295,7 +10410,7 @@
               <a:defRPr/>
             </a:pPr>
             <a:r>
-              <a:rPr lang="en-US" altLang="zh-CN" sz="2000">
+              <a:rPr lang="en-US" altLang="zh-CN" sz="2000" dirty="0">
                 <a:solidFill>
                   <a:srgbClr val="000000"/>
                 </a:solidFill>
@@ -10310,14 +10425,54 @@
               <a:defRPr/>
             </a:pPr>
             <a:r>
-              <a:rPr lang="en-US" altLang="zh-CN" sz="2000">
+              <a:rPr lang="en-US" altLang="zh-CN" sz="2000" dirty="0">
                 <a:solidFill>
                   <a:srgbClr val="000000"/>
                 </a:solidFill>
                 <a:latin typeface="Times New Roman" panose="02020603050405020304" pitchFamily="18" charset="0"/>
                 <a:sym typeface="Times New Roman" panose="02020603050405020304" pitchFamily="18" charset="0"/>
               </a:rPr>
-              <a:t>	   String Intent_Action = intent.getAction();</a:t>
+              <a:t>	   String </a:t>
+            </a:r>
+            <a:r>
+              <a:rPr lang="en-US" altLang="zh-CN" sz="2000" dirty="0" err="1">
+                <a:solidFill>
+                  <a:srgbClr val="000000"/>
+                </a:solidFill>
+                <a:latin typeface="Times New Roman" panose="02020603050405020304" pitchFamily="18" charset="0"/>
+                <a:sym typeface="Times New Roman" panose="02020603050405020304" pitchFamily="18" charset="0"/>
+              </a:rPr>
+              <a:t>Intent_Action</a:t>
+            </a:r>
+            <a:r>
+              <a:rPr lang="en-US" altLang="zh-CN" sz="2000" dirty="0">
+                <a:solidFill>
+                  <a:srgbClr val="000000"/>
+                </a:solidFill>
+                <a:latin typeface="Times New Roman" panose="02020603050405020304" pitchFamily="18" charset="0"/>
+                <a:sym typeface="Times New Roman" panose="02020603050405020304" pitchFamily="18" charset="0"/>
+              </a:rPr>
+              <a:t> = </a:t>
+            </a:r>
+            <a:r>
+              <a:rPr lang="en-US" altLang="zh-CN" sz="2000" dirty="0" err="1">
+                <a:solidFill>
+                  <a:srgbClr val="000000"/>
+                </a:solidFill>
+                <a:latin typeface="Times New Roman" panose="02020603050405020304" pitchFamily="18" charset="0"/>
+                <a:sym typeface="Times New Roman" panose="02020603050405020304" pitchFamily="18" charset="0"/>
+              </a:rPr>
+              <a:t>intent.getAction</a:t>
+            </a:r>
+            <a:r>
+              <a:rPr lang="en-US" altLang="zh-CN" sz="2000" dirty="0">
+                <a:solidFill>
+                  <a:srgbClr val="000000"/>
+                </a:solidFill>
+                <a:latin typeface="Times New Roman" panose="02020603050405020304" pitchFamily="18" charset="0"/>
+                <a:sym typeface="Times New Roman" panose="02020603050405020304" pitchFamily="18" charset="0"/>
+              </a:rPr>
+              <a:t>();</a:t>
             </a:r>
           </a:p>
           <a:p>
@@ -10325,7 +10480,7 @@
               <a:defRPr/>
             </a:pPr>
             <a:r>
-              <a:rPr lang="en-US" altLang="zh-CN" sz="2000">
+              <a:rPr lang="en-US" altLang="zh-CN" sz="2000" dirty="0">
                 <a:solidFill>
                   <a:srgbClr val="000000"/>
                 </a:solidFill>
@@ -10335,24 +10490,54 @@
               <a:t>	if("</a:t>
             </a:r>
             <a:r>
-              <a:rPr lang="en-US" altLang="zh-CN" sz="2000" b="1">
+              <a:rPr lang="en-US" altLang="zh-CN" sz="2000" b="1" dirty="0">
                 <a:solidFill>
                   <a:srgbClr val="00B050"/>
                 </a:solidFill>
                 <a:latin typeface="Times New Roman" panose="02020603050405020304" pitchFamily="18" charset="0"/>
                 <a:sym typeface="Times New Roman" panose="02020603050405020304" pitchFamily="18" charset="0"/>
               </a:rPr>
-              <a:t>com.android.BroadcastReceiverDemo</a:t>
-            </a:r>
-            <a:r>
-              <a:rPr lang="en-US" altLang="zh-CN" sz="2000">
-                <a:solidFill>
-                  <a:srgbClr val="000000"/>
+              <a:t>com.android.</a:t>
+            </a:r>
+            <a:r>
+              <a:rPr lang="en-US" altLang="zh-CN" sz="2000" b="1" dirty="0" err="1">
+                <a:solidFill>
+                  <a:srgbClr val="00B050"/>
                 </a:solidFill>
                 <a:latin typeface="Times New Roman" panose="02020603050405020304" pitchFamily="18" charset="0"/>
                 <a:sym typeface="Times New Roman" panose="02020603050405020304" pitchFamily="18" charset="0"/>
               </a:rPr>
-              <a:t>".equals(Intent_Action)){</a:t>
+              <a:t>BroadcastReceiverDemo</a:t>
+            </a:r>
+            <a:r>
+              <a:rPr lang="en-US" altLang="zh-CN" sz="2000" dirty="0">
+                <a:solidFill>
+                  <a:srgbClr val="000000"/>
+                </a:solidFill>
+                <a:latin typeface="Times New Roman" panose="02020603050405020304" pitchFamily="18" charset="0"/>
+                <a:sym typeface="Times New Roman" panose="02020603050405020304" pitchFamily="18" charset="0"/>
+              </a:rPr>
+              <a:t>".equals(</a:t>
+            </a:r>
+            <a:r>
+              <a:rPr lang="en-US" altLang="zh-CN" sz="2000" dirty="0" err="1">
+                <a:solidFill>
+                  <a:srgbClr val="000000"/>
+                </a:solidFill>
+                <a:latin typeface="Times New Roman" panose="02020603050405020304" pitchFamily="18" charset="0"/>
+                <a:sym typeface="Times New Roman" panose="02020603050405020304" pitchFamily="18" charset="0"/>
+              </a:rPr>
+              <a:t>Intent_Action</a:t>
+            </a:r>
+            <a:r>
+              <a:rPr lang="en-US" altLang="zh-CN" sz="2000" dirty="0">
+                <a:solidFill>
+                  <a:srgbClr val="000000"/>
+                </a:solidFill>
+                <a:latin typeface="Times New Roman" panose="02020603050405020304" pitchFamily="18" charset="0"/>
+                <a:sym typeface="Times New Roman" panose="02020603050405020304" pitchFamily="18" charset="0"/>
+              </a:rPr>
+              <a:t>)){</a:t>
             </a:r>
           </a:p>
           <a:p>
@@ -10360,14 +10545,74 @@
               <a:defRPr/>
             </a:pPr>
             <a:r>
-              <a:rPr lang="en-US" altLang="zh-CN" sz="2000">
+              <a:rPr lang="en-US" altLang="zh-CN" sz="2000" dirty="0">
                 <a:solidFill>
                   <a:srgbClr val="000000"/>
                 </a:solidFill>
                 <a:latin typeface="Times New Roman" panose="02020603050405020304" pitchFamily="18" charset="0"/>
                 <a:sym typeface="Times New Roman" panose="02020603050405020304" pitchFamily="18" charset="0"/>
               </a:rPr>
-              <a:t>	      Log.e("BroadcastReceiver","onReceive");</a:t>
+              <a:t>	      </a:t>
+            </a:r>
+            <a:r>
+              <a:rPr lang="en-US" altLang="zh-CN" sz="2000" dirty="0" err="1">
+                <a:solidFill>
+                  <a:srgbClr val="000000"/>
+                </a:solidFill>
+                <a:latin typeface="Times New Roman" panose="02020603050405020304" pitchFamily="18" charset="0"/>
+                <a:sym typeface="Times New Roman" panose="02020603050405020304" pitchFamily="18" charset="0"/>
+              </a:rPr>
+              <a:t>Log.e</a:t>
+            </a:r>
+            <a:r>
+              <a:rPr lang="en-US" altLang="zh-CN" sz="2000" dirty="0">
+                <a:solidFill>
+                  <a:srgbClr val="000000"/>
+                </a:solidFill>
+                <a:latin typeface="Times New Roman" panose="02020603050405020304" pitchFamily="18" charset="0"/>
+                <a:sym typeface="Times New Roman" panose="02020603050405020304" pitchFamily="18" charset="0"/>
+              </a:rPr>
+              <a:t>("</a:t>
+            </a:r>
+            <a:r>
+              <a:rPr lang="en-US" altLang="zh-CN" sz="2000" dirty="0" err="1">
+                <a:solidFill>
+                  <a:srgbClr val="000000"/>
+                </a:solidFill>
+                <a:latin typeface="Times New Roman" panose="02020603050405020304" pitchFamily="18" charset="0"/>
+                <a:sym typeface="Times New Roman" panose="02020603050405020304" pitchFamily="18" charset="0"/>
+              </a:rPr>
+              <a:t>BroadcastReceiver</a:t>
+            </a:r>
+            <a:r>
+              <a:rPr lang="en-US" altLang="zh-CN" sz="2000" dirty="0">
+                <a:solidFill>
+                  <a:srgbClr val="000000"/>
+                </a:solidFill>
+                <a:latin typeface="Times New Roman" panose="02020603050405020304" pitchFamily="18" charset="0"/>
+                <a:sym typeface="Times New Roman" panose="02020603050405020304" pitchFamily="18" charset="0"/>
+              </a:rPr>
+              <a:t>","</a:t>
+            </a:r>
+            <a:r>
+              <a:rPr lang="en-US" altLang="zh-CN" sz="2000" dirty="0" err="1">
+                <a:solidFill>
+                  <a:srgbClr val="000000"/>
+                </a:solidFill>
+                <a:latin typeface="Times New Roman" panose="02020603050405020304" pitchFamily="18" charset="0"/>
+                <a:sym typeface="Times New Roman" panose="02020603050405020304" pitchFamily="18" charset="0"/>
+              </a:rPr>
+              <a:t>onReceive</a:t>
+            </a:r>
+            <a:r>
+              <a:rPr lang="en-US" altLang="zh-CN" sz="2000" dirty="0">
+                <a:solidFill>
+                  <a:srgbClr val="000000"/>
+                </a:solidFill>
+                <a:latin typeface="Times New Roman" panose="02020603050405020304" pitchFamily="18" charset="0"/>
+                <a:sym typeface="Times New Roman" panose="02020603050405020304" pitchFamily="18" charset="0"/>
+              </a:rPr>
+              <a:t>");</a:t>
             </a:r>
           </a:p>
           <a:p>
@@ -10375,7 +10620,7 @@
               <a:defRPr/>
             </a:pPr>
             <a:r>
-              <a:rPr lang="en-US" altLang="zh-CN" sz="2000">
+              <a:rPr lang="en-US" altLang="zh-CN" sz="2000" dirty="0">
                 <a:solidFill>
                   <a:srgbClr val="000000"/>
                 </a:solidFill>
@@ -10390,7 +10635,7 @@
               <a:defRPr/>
             </a:pPr>
             <a:r>
-              <a:rPr lang="en-US" altLang="zh-CN" sz="2000">
+              <a:rPr lang="en-US" altLang="zh-CN" sz="2000" dirty="0">
                 <a:solidFill>
                   <a:srgbClr val="000000"/>
                 </a:solidFill>
@@ -10404,7 +10649,7 @@
             <a:pPr indent="266700">
               <a:defRPr/>
             </a:pPr>
-            <a:endParaRPr lang="en-US" altLang="zh-CN" sz="1400">
+            <a:endParaRPr lang="en-US" altLang="zh-CN" sz="1400" dirty="0">
               <a:solidFill>
                 <a:srgbClr val="000000"/>
               </a:solidFill>
@@ -10680,38 +10925,23 @@
         </p:nvSpPr>
         <p:spPr bwMode="auto">
           <a:xfrm>
-            <a:off x="76200" y="1952625"/>
-            <a:ext cx="9013825" cy="2060575"/>
+            <a:off x="179695" y="1952625"/>
+            <a:ext cx="8910330" cy="2060575"/>
           </a:xfrm>
           <a:prstGeom prst="rect">
             <a:avLst/>
           </a:prstGeom>
-          <a:noFill/>
+          <a:solidFill>
+            <a:schemeClr val="bg1">
+              <a:lumMod val="85000"/>
+            </a:schemeClr>
+          </a:solidFill>
           <a:ln>
             <a:noFill/>
           </a:ln>
-          <a:extLst>
-            <a:ext uri="{909E8E84-426E-40DD-AFC4-6F175D3DCCD1}">
-              <a14:hiddenFill xmlns:a14="http://schemas.microsoft.com/office/drawing/2010/main">
-                <a:solidFill>
-                  <a:srgbClr val="FFFFFF"/>
-                </a:solidFill>
-              </a14:hiddenFill>
-            </a:ext>
-            <a:ext uri="{91240B29-F687-4F45-9708-019B960494DF}">
-              <a14:hiddenLine xmlns:a14="http://schemas.microsoft.com/office/drawing/2010/main" w="9525">
-                <a:solidFill>
-                  <a:srgbClr val="000000"/>
-                </a:solidFill>
-                <a:miter lim="800000"/>
-                <a:headEnd/>
-                <a:tailEnd/>
-              </a14:hiddenLine>
-            </a:ext>
-          </a:extLst>
         </p:spPr>
         <p:txBody>
-          <a:bodyPr>
+          <a:bodyPr wrap="square">
             <a:spAutoFit/>
           </a:bodyPr>
           <a:lstStyle>
@@ -10826,7 +11056,7 @@
             </a:lvl9pPr>
           </a:lstStyle>
           <a:p>
-            <a:endParaRPr lang="en-US" altLang="zh-CN" sz="1400">
+            <a:endParaRPr lang="en-US" altLang="zh-CN" sz="1400" dirty="0">
               <a:solidFill>
                 <a:srgbClr val="000000"/>
               </a:solidFill>
@@ -10836,7 +11066,7 @@
           </a:p>
           <a:p>
             <a:r>
-              <a:rPr lang="en-US" altLang="zh-CN" sz="2000">
+              <a:rPr lang="en-US" altLang="zh-CN" sz="2000" dirty="0">
                 <a:solidFill>
                   <a:srgbClr val="000000"/>
                 </a:solidFill>
@@ -10846,7 +11076,7 @@
               <a:t>&lt;</a:t>
             </a:r>
             <a:r>
-              <a:rPr lang="en-US" altLang="zh-CN" sz="2000" b="1">
+              <a:rPr lang="en-US" altLang="zh-CN" sz="2000" b="1" dirty="0">
                 <a:solidFill>
                   <a:srgbClr val="00B050"/>
                 </a:solidFill>
@@ -10856,19 +11086,49 @@
               <a:t>receiver </a:t>
             </a:r>
             <a:r>
-              <a:rPr lang="en-US" altLang="zh-CN" sz="2000">
+              <a:rPr lang="en-US" altLang="zh-CN" sz="2000" dirty="0" err="1">
                 <a:solidFill>
                   <a:srgbClr val="000000"/>
                 </a:solidFill>
                 <a:latin typeface="Times New Roman" panose="02020603050405020304" pitchFamily="18" charset="0"/>
                 <a:sym typeface="Times New Roman" panose="02020603050405020304" pitchFamily="18" charset="0"/>
               </a:rPr>
-              <a:t>android:name=".BroadcastReceiverActivity"&gt;</a:t>
+              <a:t>android:name</a:t>
+            </a:r>
+            <a:r>
+              <a:rPr lang="en-US" altLang="zh-CN" sz="2000" dirty="0">
+                <a:solidFill>
+                  <a:srgbClr val="000000"/>
+                </a:solidFill>
+                <a:latin typeface="Times New Roman" panose="02020603050405020304" pitchFamily="18" charset="0"/>
+                <a:sym typeface="Times New Roman" panose="02020603050405020304" pitchFamily="18" charset="0"/>
+              </a:rPr>
+              <a:t>=".</a:t>
+            </a:r>
+            <a:r>
+              <a:rPr lang="en-US" altLang="zh-CN" sz="2000" dirty="0" err="1">
+                <a:solidFill>
+                  <a:srgbClr val="000000"/>
+                </a:solidFill>
+                <a:latin typeface="Times New Roman" panose="02020603050405020304" pitchFamily="18" charset="0"/>
+                <a:sym typeface="Times New Roman" panose="02020603050405020304" pitchFamily="18" charset="0"/>
+              </a:rPr>
+              <a:t>BroadcastReceiverActivity</a:t>
+            </a:r>
+            <a:r>
+              <a:rPr lang="en-US" altLang="zh-CN" sz="2000" dirty="0">
+                <a:solidFill>
+                  <a:srgbClr val="000000"/>
+                </a:solidFill>
+                <a:latin typeface="Times New Roman" panose="02020603050405020304" pitchFamily="18" charset="0"/>
+                <a:sym typeface="Times New Roman" panose="02020603050405020304" pitchFamily="18" charset="0"/>
+              </a:rPr>
+              <a:t>"&gt;</a:t>
             </a:r>
           </a:p>
           <a:p>
             <a:r>
-              <a:rPr lang="en-US" altLang="zh-CN" sz="2000">
+              <a:rPr lang="en-US" altLang="zh-CN" sz="2000" dirty="0">
                 <a:solidFill>
                   <a:srgbClr val="000000"/>
                 </a:solidFill>
@@ -10880,39 +11140,59 @@
           </a:p>
           <a:p>
             <a:r>
-              <a:rPr lang="en-US" altLang="zh-CN" sz="2000">
+              <a:rPr lang="en-US" altLang="zh-CN" sz="2000" dirty="0">
                 <a:solidFill>
                   <a:srgbClr val="000000"/>
                 </a:solidFill>
                 <a:latin typeface="Times New Roman" panose="02020603050405020304" pitchFamily="18" charset="0"/>
                 <a:sym typeface="Times New Roman" panose="02020603050405020304" pitchFamily="18" charset="0"/>
               </a:rPr>
-              <a:t>	             &lt;action android:name="</a:t>
-            </a:r>
-            <a:r>
-              <a:rPr lang="en-US" altLang="zh-CN" sz="2000" b="1">
-                <a:solidFill>
-                  <a:srgbClr val="00B050"/>
+              <a:t>	             &lt;action </a:t>
+            </a:r>
+            <a:r>
+              <a:rPr lang="en-US" altLang="zh-CN" sz="2000" dirty="0" err="1">
+                <a:solidFill>
+                  <a:srgbClr val="000000"/>
                 </a:solidFill>
                 <a:latin typeface="Times New Roman" panose="02020603050405020304" pitchFamily="18" charset="0"/>
                 <a:sym typeface="Times New Roman" panose="02020603050405020304" pitchFamily="18" charset="0"/>
               </a:rPr>
-              <a:t>com.android.BroadcastReceiverDemo</a:t>
-            </a:r>
-            <a:r>
-              <a:rPr lang="en-US" altLang="zh-CN" sz="2000">
+              <a:t>android:name</a:t>
+            </a:r>
+            <a:r>
+              <a:rPr lang="en-US" altLang="zh-CN" sz="2000" dirty="0">
                 <a:solidFill>
                   <a:srgbClr val="000000"/>
                 </a:solidFill>
                 <a:latin typeface="Times New Roman" panose="02020603050405020304" pitchFamily="18" charset="0"/>
                 <a:sym typeface="Times New Roman" panose="02020603050405020304" pitchFamily="18" charset="0"/>
               </a:rPr>
+              <a:t>="</a:t>
+            </a:r>
+            <a:r>
+              <a:rPr lang="en-US" altLang="zh-CN" sz="2000" b="1" dirty="0" err="1">
+                <a:solidFill>
+                  <a:srgbClr val="00B050"/>
+                </a:solidFill>
+                <a:latin typeface="Times New Roman" panose="02020603050405020304" pitchFamily="18" charset="0"/>
+                <a:sym typeface="Times New Roman" panose="02020603050405020304" pitchFamily="18" charset="0"/>
+              </a:rPr>
+              <a:t>com.android.BroadcastReceiverDemo</a:t>
+            </a:r>
+            <a:r>
+              <a:rPr lang="en-US" altLang="zh-CN" sz="2000" dirty="0">
+                <a:solidFill>
+                  <a:srgbClr val="000000"/>
+                </a:solidFill>
+                <a:latin typeface="Times New Roman" panose="02020603050405020304" pitchFamily="18" charset="0"/>
+                <a:sym typeface="Times New Roman" panose="02020603050405020304" pitchFamily="18" charset="0"/>
+              </a:rPr>
               <a:t>"/&gt;</a:t>
             </a:r>
           </a:p>
           <a:p>
             <a:r>
-              <a:rPr lang="en-US" altLang="zh-CN" sz="2000">
+              <a:rPr lang="en-US" altLang="zh-CN" sz="2000" dirty="0">
                 <a:solidFill>
                   <a:srgbClr val="000000"/>
                 </a:solidFill>
@@ -10924,7 +11204,7 @@
           </a:p>
           <a:p>
             <a:r>
-              <a:rPr lang="en-US" altLang="zh-CN" sz="2000">
+              <a:rPr lang="en-US" altLang="zh-CN" sz="2000" dirty="0">
                 <a:solidFill>
                   <a:srgbClr val="000000"/>
                 </a:solidFill>
@@ -10934,7 +11214,7 @@
               <a:t>&lt;/</a:t>
             </a:r>
             <a:r>
-              <a:rPr lang="en-US" altLang="zh-CN" sz="2000" b="1">
+              <a:rPr lang="en-US" altLang="zh-CN" sz="2000" b="1" dirty="0">
                 <a:solidFill>
                   <a:srgbClr val="00B050"/>
                 </a:solidFill>
@@ -10944,7 +11224,7 @@
               <a:t>receiver</a:t>
             </a:r>
             <a:r>
-              <a:rPr lang="en-US" altLang="zh-CN" sz="2000">
+              <a:rPr lang="en-US" altLang="zh-CN" sz="2000" dirty="0">
                 <a:solidFill>
                   <a:srgbClr val="000000"/>
                 </a:solidFill>
@@ -10955,7 +11235,7 @@
             </a:r>
           </a:p>
           <a:p>
-            <a:endParaRPr lang="en-US" altLang="zh-CN" sz="1400">
+            <a:endParaRPr lang="en-US" altLang="zh-CN" sz="1400" dirty="0">
               <a:solidFill>
                 <a:srgbClr val="000000"/>
               </a:solidFill>
@@ -11070,7 +11350,7 @@
         </p:nvGraphicFramePr>
         <p:xfrm>
           <a:off x="92075" y="1038225"/>
-          <a:ext cx="8961438" cy="3068638"/>
+          <a:ext cx="8961438" cy="3068739"/>
         </p:xfrm>
         <a:graphic>
           <a:graphicData uri="http://schemas.openxmlformats.org/drawingml/2006/table">
@@ -19175,7 +19455,7 @@
                         <a:buNone/>
                       </a:pPr>
                       <a:r>
-                        <a:rPr kumimoji="0" lang="en-US" altLang="zh-CN" sz="1200" b="0" i="0" u="none" strike="noStrike" cap="none" normalizeH="0" baseline="0">
+                        <a:rPr kumimoji="0" lang="en-US" altLang="zh-CN" sz="1200" b="0" i="0" u="none" strike="noStrike" cap="none" normalizeH="0" baseline="0" dirty="0" err="1">
                           <a:ln>
                             <a:noFill/>
                           </a:ln>
@@ -19189,6 +19469,18 @@
                         </a:rPr>
                         <a:t>android.provider.Telephony.SMS_RECEIVED</a:t>
                       </a:r>
+                      <a:endParaRPr kumimoji="0" lang="en-US" altLang="zh-CN" sz="1200" b="0" i="0" u="none" strike="noStrike" cap="none" normalizeH="0" baseline="0" dirty="0">
+                        <a:ln>
+                          <a:noFill/>
+                        </a:ln>
+                        <a:solidFill>
+                          <a:schemeClr val="tx1"/>
+                        </a:solidFill>
+                        <a:effectLst/>
+                        <a:latin typeface="Times New Roman" panose="02020603050405020304" pitchFamily="18" charset="0"/>
+                        <a:ea typeface="宋体" panose="02010600030101010101" pitchFamily="2" charset="-122"/>
+                        <a:sym typeface="Times New Roman" panose="02020603050405020304" pitchFamily="18" charset="0"/>
+                      </a:endParaRPr>
                     </a:p>
                   </a:txBody>
                   <a:tcPr marL="68582" marR="68582" marT="0" marB="0" horzOverflow="overflow">
@@ -20267,7 +20559,7 @@
                         <a:buNone/>
                       </a:pPr>
                       <a:r>
-                        <a:rPr kumimoji="0" lang="zh-CN" altLang="en-US" sz="1200" b="1" i="0" u="none" strike="noStrike" cap="none" normalizeH="0" baseline="0">
+                        <a:rPr kumimoji="0" lang="zh-CN" altLang="en-US" sz="1200" b="1" i="0" u="none" strike="noStrike" cap="none" normalizeH="0" baseline="0" dirty="0">
                           <a:ln>
                             <a:noFill/>
                           </a:ln>
@@ -20618,27 +20910,14 @@
           <a:prstGeom prst="rect">
             <a:avLst/>
           </a:prstGeom>
-          <a:noFill/>
+          <a:solidFill>
+            <a:schemeClr val="bg1">
+              <a:lumMod val="85000"/>
+            </a:schemeClr>
+          </a:solidFill>
           <a:ln>
             <a:noFill/>
           </a:ln>
-          <a:extLst>
-            <a:ext uri="{909E8E84-426E-40DD-AFC4-6F175D3DCCD1}">
-              <a14:hiddenFill xmlns:a14="http://schemas.microsoft.com/office/drawing/2010/main">
-                <a:solidFill>
-                  <a:srgbClr val="FFFFFF"/>
-                </a:solidFill>
-              </a14:hiddenFill>
-            </a:ext>
-            <a:ext uri="{91240B29-F687-4F45-9708-019B960494DF}">
-              <a14:hiddenLine xmlns:a14="http://schemas.microsoft.com/office/drawing/2010/main" w="9525">
-                <a:solidFill>
-                  <a:srgbClr val="000000"/>
-                </a:solidFill>
-                <a:bevel/>
-              </a14:hiddenLine>
-            </a:ext>
-          </a:extLst>
         </p:spPr>
         <p:txBody>
           <a:bodyPr>
@@ -20901,35 +21180,20 @@
         </p:nvSpPr>
         <p:spPr bwMode="auto">
           <a:xfrm>
-            <a:off x="149225" y="3384550"/>
+            <a:off x="214746" y="3363805"/>
             <a:ext cx="5865813" cy="920750"/>
           </a:xfrm>
           <a:prstGeom prst="rect">
             <a:avLst/>
           </a:prstGeom>
-          <a:noFill/>
+          <a:solidFill>
+            <a:schemeClr val="bg1">
+              <a:lumMod val="85000"/>
+            </a:schemeClr>
+          </a:solidFill>
           <a:ln>
             <a:noFill/>
           </a:ln>
-          <a:extLst>
-            <a:ext uri="{909E8E84-426E-40DD-AFC4-6F175D3DCCD1}">
-              <a14:hiddenFill xmlns:a14="http://schemas.microsoft.com/office/drawing/2010/main">
-                <a:solidFill>
-                  <a:srgbClr val="FFFFFF"/>
-                </a:solidFill>
-              </a14:hiddenFill>
-            </a:ext>
-            <a:ext uri="{91240B29-F687-4F45-9708-019B960494DF}">
-              <a14:hiddenLine xmlns:a14="http://schemas.microsoft.com/office/drawing/2010/main" w="9525">
-                <a:solidFill>
-                  <a:srgbClr val="000000"/>
-                </a:solidFill>
-                <a:miter lim="800000"/>
-                <a:headEnd/>
-                <a:tailEnd/>
-              </a14:hiddenLine>
-            </a:ext>
-          </a:extLst>
         </p:spPr>
         <p:txBody>
           <a:bodyPr>
@@ -21214,36 +21478,23 @@
         </p:nvSpPr>
         <p:spPr bwMode="auto">
           <a:xfrm>
-            <a:off x="196850" y="533400"/>
-            <a:ext cx="4776788" cy="1014413"/>
+            <a:off x="474380" y="1239097"/>
+            <a:ext cx="5394518" cy="943528"/>
           </a:xfrm>
           <a:prstGeom prst="rect">
             <a:avLst/>
           </a:prstGeom>
-          <a:noFill/>
+          <a:solidFill>
+            <a:schemeClr val="bg1">
+              <a:lumMod val="85000"/>
+            </a:schemeClr>
+          </a:solidFill>
           <a:ln>
             <a:noFill/>
           </a:ln>
-          <a:extLst>
-            <a:ext uri="{909E8E84-426E-40DD-AFC4-6F175D3DCCD1}">
-              <a14:hiddenFill xmlns:a14="http://schemas.microsoft.com/office/drawing/2010/main">
-                <a:solidFill>
-                  <a:srgbClr val="FFFFFF"/>
-                </a:solidFill>
-              </a14:hiddenFill>
-            </a:ext>
-            <a:ext uri="{91240B29-F687-4F45-9708-019B960494DF}">
-              <a14:hiddenLine xmlns:a14="http://schemas.microsoft.com/office/drawing/2010/main" w="9525">
-                <a:solidFill>
-                  <a:srgbClr val="000000"/>
-                </a:solidFill>
-                <a:bevel/>
-              </a14:hiddenLine>
-            </a:ext>
-          </a:extLst>
         </p:spPr>
         <p:txBody>
-          <a:bodyPr wrap="none" anchor="ctr">
+          <a:bodyPr wrap="square" anchor="ctr">
             <a:spAutoFit/>
           </a:bodyPr>
           <a:lstStyle>
@@ -21435,16 +21686,24 @@
           <p:cNvGraphicFramePr>
             <a:graphicFrameLocks noGrp="1"/>
           </p:cNvGraphicFramePr>
-          <p:nvPr/>
+          <p:nvPr>
+            <p:extLst>
+              <p:ext uri="{D42A27DB-BD31-4B8C-83A1-F6EECF244321}">
+                <p14:modId xmlns:p14="http://schemas.microsoft.com/office/powerpoint/2010/main" val="3197679383"/>
+              </p:ext>
+            </p:extLst>
+          </p:nvPr>
         </p:nvGraphicFramePr>
         <p:xfrm>
-          <a:off x="539750" y="1763713"/>
+          <a:off x="457110" y="2643755"/>
           <a:ext cx="5411788" cy="500062"/>
         </p:xfrm>
         <a:graphic>
           <a:graphicData uri="http://schemas.openxmlformats.org/drawingml/2006/table">
             <a:tbl>
-              <a:tblPr/>
+              <a:tblPr>
+                <a:effectLst/>
+              </a:tblPr>
               <a:tblGrid>
                 <a:gridCol w="5411788">
                   <a:extLst>
@@ -21785,7 +22044,11 @@
                     <a:lnBlToTr>
                       <a:noFill/>
                     </a:lnBlToTr>
-                    <a:noFill/>
+                    <a:solidFill>
+                      <a:schemeClr val="bg1">
+                        <a:lumMod val="85000"/>
+                      </a:schemeClr>
+                    </a:solidFill>
                   </a:tcPr>
                 </a:tc>
                 <a:extLst>
@@ -21827,8 +22090,8 @@
         </p:blipFill>
         <p:spPr bwMode="auto">
           <a:xfrm>
-            <a:off x="6162675" y="79375"/>
-            <a:ext cx="2882900" cy="5137150"/>
+            <a:off x="6372125" y="699620"/>
+            <a:ext cx="2373194" cy="4228885"/>
           </a:xfrm>
           <a:prstGeom prst="rect">
             <a:avLst/>
@@ -21874,38 +22137,23 @@
         </p:nvSpPr>
         <p:spPr bwMode="auto">
           <a:xfrm>
-            <a:off x="612775" y="2863850"/>
-            <a:ext cx="5411788" cy="920750"/>
+            <a:off x="457110" y="3946728"/>
+            <a:ext cx="5494427" cy="920750"/>
           </a:xfrm>
           <a:prstGeom prst="rect">
             <a:avLst/>
           </a:prstGeom>
-          <a:noFill/>
+          <a:solidFill>
+            <a:schemeClr val="bg1">
+              <a:lumMod val="85000"/>
+            </a:schemeClr>
+          </a:solidFill>
           <a:ln>
             <a:noFill/>
           </a:ln>
-          <a:extLst>
-            <a:ext uri="{909E8E84-426E-40DD-AFC4-6F175D3DCCD1}">
-              <a14:hiddenFill xmlns:a14="http://schemas.microsoft.com/office/drawing/2010/main">
-                <a:solidFill>
-                  <a:srgbClr val="FFFFFF"/>
-                </a:solidFill>
-              </a14:hiddenFill>
-            </a:ext>
-            <a:ext uri="{91240B29-F687-4F45-9708-019B960494DF}">
-              <a14:hiddenLine xmlns:a14="http://schemas.microsoft.com/office/drawing/2010/main" w="9525">
-                <a:solidFill>
-                  <a:srgbClr val="000000"/>
-                </a:solidFill>
-                <a:miter lim="800000"/>
-                <a:headEnd/>
-                <a:tailEnd/>
-              </a14:hiddenLine>
-            </a:ext>
-          </a:extLst>
         </p:spPr>
         <p:txBody>
-          <a:bodyPr>
+          <a:bodyPr wrap="square">
             <a:spAutoFit/>
           </a:bodyPr>
           <a:lstStyle>
@@ -22025,7 +22273,7 @@
               <a:buAutoNum type="arabicPeriod"/>
             </a:pPr>
             <a:r>
-              <a:rPr lang="zh-CN" altLang="en-US"/>
+              <a:rPr lang="zh-CN" altLang="en-US" dirty="0"/>
               <a:t>创建一个自己的广播</a:t>
             </a:r>
           </a:p>
@@ -22035,7 +22283,7 @@
               <a:buAutoNum type="arabicPeriod"/>
             </a:pPr>
             <a:r>
-              <a:rPr lang="zh-CN" altLang="en-US"/>
+              <a:rPr lang="zh-CN" altLang="en-US" dirty="0"/>
               <a:t>新建一个广播接收器，来接收自己发送的广播</a:t>
             </a:r>
           </a:p>
@@ -22045,7 +22293,7 @@
               <a:buAutoNum type="arabicPeriod"/>
             </a:pPr>
             <a:r>
-              <a:rPr lang="zh-CN" altLang="en-US"/>
+              <a:rPr lang="zh-CN" altLang="en-US" dirty="0"/>
               <a:t>注册广播接收器</a:t>
             </a:r>
           </a:p>
@@ -22801,29 +23049,14 @@
           <a:prstGeom prst="rect">
             <a:avLst/>
           </a:prstGeom>
-          <a:noFill/>
+          <a:solidFill>
+            <a:schemeClr val="bg1">
+              <a:lumMod val="85000"/>
+            </a:schemeClr>
+          </a:solidFill>
           <a:ln>
             <a:noFill/>
           </a:ln>
-          <a:extLst>
-            <a:ext uri="{909E8E84-426E-40DD-AFC4-6F175D3DCCD1}">
-              <a14:hiddenFill xmlns:a14="http://schemas.microsoft.com/office/drawing/2010/main">
-                <a:solidFill>
-                  <a:srgbClr val="FFFFFF"/>
-                </a:solidFill>
-              </a14:hiddenFill>
-            </a:ext>
-            <a:ext uri="{91240B29-F687-4F45-9708-019B960494DF}">
-              <a14:hiddenLine xmlns:a14="http://schemas.microsoft.com/office/drawing/2010/main" w="9525">
-                <a:solidFill>
-                  <a:srgbClr val="000000"/>
-                </a:solidFill>
-                <a:miter lim="800000"/>
-                <a:headEnd/>
-                <a:tailEnd/>
-              </a14:hiddenLine>
-            </a:ext>
-          </a:extLst>
         </p:spPr>
         <p:txBody>
           <a:bodyPr>
@@ -23004,10 +23237,13 @@
               <a:defRPr/>
             </a:pPr>
             <a:r>
-              <a:rPr dirty="0">
+              <a:rPr b="1" dirty="0">
                 <a:solidFill>
                   <a:srgbClr val="000000"/>
                 </a:solidFill>
+                <a:highlight>
+                  <a:srgbClr val="FFFF00"/>
+                </a:highlight>
                 <a:sym typeface="微软雅黑" panose="020B0503020204020204" pitchFamily="34" charset="-122"/>
               </a:rPr>
               <a:t>用于监听 / 接收 应用发出的广播消息，并做出响应</a:t>
@@ -23109,7 +23345,25 @@
                 </a:solidFill>
                 <a:sym typeface="微软雅黑" panose="020B0503020204020204" pitchFamily="34" charset="-122"/>
               </a:rPr>
-              <a:t>如当电话呼入时、网络可用时</a:t>
+              <a:t>如</a:t>
+            </a:r>
+            <a:r>
+              <a:rPr lang="zh-CN" altLang="en-US" dirty="0">
+                <a:solidFill>
+                  <a:srgbClr val="000000"/>
+                </a:solidFill>
+                <a:sym typeface="微软雅黑" panose="020B0503020204020204" pitchFamily="34" charset="-122"/>
+              </a:rPr>
+              <a:t>：</a:t>
+            </a:r>
+            <a:r>
+              <a:rPr dirty="0" err="1">
+                <a:solidFill>
+                  <a:srgbClr val="000000"/>
+                </a:solidFill>
+                <a:sym typeface="微软雅黑" panose="020B0503020204020204" pitchFamily="34" charset="-122"/>
+              </a:rPr>
+              <a:t>当电话呼入时、网络可用时</a:t>
             </a:r>
             <a:r>
               <a:rPr lang="zh-CN" dirty="0">
@@ -23244,7 +23498,7 @@
             </a:extLst>
           </p:cNvPr>
           <p:cNvPicPr>
-            <a:picLocks noChangeAspect="1" noChangeArrowheads="1"/>
+            <a:picLocks noGrp="1" noChangeAspect="1" noChangeArrowheads="1"/>
           </p:cNvPicPr>
           <p:nvPr>
             <p:ph sz="half" idx="2"/>
@@ -23265,8 +23519,8 @@
         </p:blipFill>
         <p:spPr bwMode="auto">
           <a:xfrm>
-            <a:off x="9525" y="1038225"/>
-            <a:ext cx="8901113" cy="1693863"/>
+            <a:off x="785195" y="857780"/>
+            <a:ext cx="6434605" cy="1224492"/>
           </a:xfrm>
           <a:noFill/>
           <a:extLst>
@@ -23339,38 +23593,23 @@
         </p:nvSpPr>
         <p:spPr bwMode="auto">
           <a:xfrm>
-            <a:off x="787400" y="3155950"/>
-            <a:ext cx="5969000" cy="922338"/>
+            <a:off x="786056" y="2600060"/>
+            <a:ext cx="6433743" cy="922338"/>
           </a:xfrm>
           <a:prstGeom prst="rect">
             <a:avLst/>
           </a:prstGeom>
-          <a:noFill/>
+          <a:solidFill>
+            <a:schemeClr val="bg1">
+              <a:lumMod val="85000"/>
+            </a:schemeClr>
+          </a:solidFill>
           <a:ln>
             <a:noFill/>
           </a:ln>
-          <a:extLst>
-            <a:ext uri="{909E8E84-426E-40DD-AFC4-6F175D3DCCD1}">
-              <a14:hiddenFill xmlns:a14="http://schemas.microsoft.com/office/drawing/2010/main">
-                <a:solidFill>
-                  <a:srgbClr val="FFFFFF"/>
-                </a:solidFill>
-              </a14:hiddenFill>
-            </a:ext>
-            <a:ext uri="{91240B29-F687-4F45-9708-019B960494DF}">
-              <a14:hiddenLine xmlns:a14="http://schemas.microsoft.com/office/drawing/2010/main" w="9525">
-                <a:solidFill>
-                  <a:srgbClr val="000000"/>
-                </a:solidFill>
-                <a:miter lim="800000"/>
-                <a:headEnd/>
-                <a:tailEnd/>
-              </a14:hiddenLine>
-            </a:ext>
-          </a:extLst>
         </p:spPr>
         <p:txBody>
-          <a:bodyPr>
+          <a:bodyPr wrap="square">
             <a:spAutoFit/>
           </a:bodyPr>
           <a:lstStyle>
@@ -23490,7 +23729,7 @@
               <a:buChar char=""/>
             </a:pPr>
             <a:r>
-              <a:rPr lang="zh-CN" altLang="en-US"/>
+              <a:rPr lang="zh-CN" altLang="en-US" dirty="0"/>
               <a:t>消息订阅者（广播接收者）</a:t>
             </a:r>
           </a:p>
@@ -23500,7 +23739,7 @@
               <a:buChar char=""/>
             </a:pPr>
             <a:r>
-              <a:rPr lang="zh-CN" altLang="en-US"/>
+              <a:rPr lang="zh-CN" altLang="en-US" dirty="0"/>
               <a:t>消息发布者（广播发布者）</a:t>
             </a:r>
           </a:p>
@@ -23510,7 +23749,7 @@
               <a:buChar char=""/>
             </a:pPr>
             <a:r>
-              <a:rPr lang="zh-CN" altLang="en-US"/>
+              <a:rPr lang="zh-CN" altLang="en-US" dirty="0"/>
               <a:t>消息中心（AMS，即Activity Manager Service）</a:t>
             </a:r>
           </a:p>
@@ -23532,53 +23771,45 @@
         </p:nvSpPr>
         <p:spPr bwMode="auto">
           <a:xfrm>
-            <a:off x="268288" y="4673600"/>
-            <a:ext cx="8383587" cy="244475"/>
+            <a:off x="785195" y="3885610"/>
+            <a:ext cx="6433743" cy="400110"/>
           </a:xfrm>
           <a:prstGeom prst="rect">
             <a:avLst/>
           </a:prstGeom>
-          <a:noFill/>
+          <a:solidFill>
+            <a:schemeClr val="bg1">
+              <a:lumMod val="85000"/>
+            </a:schemeClr>
+          </a:solidFill>
           <a:ln>
             <a:noFill/>
           </a:ln>
-          <a:extLst>
-            <a:ext uri="{909E8E84-426E-40DD-AFC4-6F175D3DCCD1}">
-              <a14:hiddenFill xmlns:a14="http://schemas.microsoft.com/office/drawing/2010/main">
-                <a:solidFill>
-                  <a:srgbClr val="FFFFFF"/>
-                </a:solidFill>
-              </a14:hiddenFill>
-            </a:ext>
-            <a:ext uri="{91240B29-F687-4F45-9708-019B960494DF}">
-              <a14:hiddenLine xmlns:a14="http://schemas.microsoft.com/office/drawing/2010/main" w="9525">
-                <a:solidFill>
-                  <a:srgbClr val="000000"/>
-                </a:solidFill>
-                <a:miter lim="800000"/>
-                <a:headEnd/>
-                <a:tailEnd/>
-              </a14:hiddenLine>
-            </a:ext>
-          </a:extLst>
         </p:spPr>
         <p:txBody>
-          <a:bodyPr>
+          <a:bodyPr wrap="square">
             <a:spAutoFit/>
           </a:bodyPr>
           <a:lstStyle/>
           <a:p>
             <a:r>
-              <a:rPr lang="zh-CN" altLang="en-US" sz="1000" b="1"/>
+              <a:rPr lang="zh-CN" altLang="en-US" sz="1000" b="1" dirty="0"/>
               <a:t>特别注意：广播发送者 和 广播接收者的执行是</a:t>
             </a:r>
             <a:r>
-              <a:rPr lang="zh-CN" altLang="en-US" sz="1000" b="1" u="sng"/>
+              <a:rPr lang="zh-CN" altLang="en-US" sz="1000" b="1" u="sng" dirty="0"/>
               <a:t>异步</a:t>
             </a:r>
             <a:r>
-              <a:rPr lang="zh-CN" altLang="en-US" sz="1000" b="1"/>
-              <a:t>的，发出去的广播不会关心有无接收者接收，也不确定接收者到底是何时才能接收到。</a:t>
+              <a:rPr lang="zh-CN" altLang="en-US" sz="1000" b="1" dirty="0"/>
+              <a:t>的。</a:t>
+            </a:r>
+            <a:endParaRPr lang="en-US" altLang="zh-CN" sz="1000" b="1" dirty="0"/>
+          </a:p>
+          <a:p>
+            <a:r>
+              <a:rPr lang="zh-CN" altLang="en-US" sz="1000" b="1" dirty="0"/>
+              <a:t>发出去的广播不会关心有无接收者接收，也不确定接收者到底是何时才能接收到。</a:t>
             </a:r>
           </a:p>
         </p:txBody>
@@ -23645,7 +23876,7 @@
             <a:r>
               <a:rPr lang="en-US" altLang="zh-CN" noProof="1">
                 <a:solidFill>
-                  <a:srgbClr val="000000"/>
+                  <a:schemeClr val="bg2"/>
                 </a:solidFill>
                 <a:latin typeface="微软雅黑" panose="020B0503020204020204" pitchFamily="34" charset="-122"/>
                 <a:ea typeface="微软雅黑" panose="020B0503020204020204" pitchFamily="34" charset="-122"/>
@@ -23656,7 +23887,7 @@
             <a:r>
               <a:rPr lang="zh-CN" altLang="en-US" noProof="1">
                 <a:solidFill>
-                  <a:srgbClr val="000000"/>
+                  <a:schemeClr val="bg2"/>
                 </a:solidFill>
                 <a:latin typeface="微软雅黑" panose="020B0503020204020204" pitchFamily="34" charset="-122"/>
                 <a:ea typeface="微软雅黑" panose="020B0503020204020204" pitchFamily="34" charset="-122"/>
@@ -23667,7 +23898,7 @@
             <a:r>
               <a:rPr lang="en-US" altLang="zh-CN" noProof="1">
                 <a:solidFill>
-                  <a:srgbClr val="000000"/>
+                  <a:schemeClr val="bg2"/>
                 </a:solidFill>
                 <a:latin typeface="微软雅黑" panose="020B0503020204020204" pitchFamily="34" charset="-122"/>
                 <a:ea typeface="微软雅黑" panose="020B0503020204020204" pitchFamily="34" charset="-122"/>
@@ -23678,7 +23909,7 @@
             <a:r>
               <a:rPr lang="zh-CN" altLang="en-US" dirty="0">
                 <a:solidFill>
-                  <a:srgbClr val="000000"/>
+                  <a:schemeClr val="bg2"/>
                 </a:solidFill>
                 <a:latin typeface="+mn-ea"/>
                 <a:ea typeface="+mn-ea"/>
@@ -23689,7 +23920,7 @@
             <a:r>
               <a:rPr lang="en-US" altLang="zh-CN" dirty="0">
                 <a:solidFill>
-                  <a:srgbClr val="000000"/>
+                  <a:schemeClr val="bg2"/>
                 </a:solidFill>
                 <a:latin typeface="+mn-ea"/>
                 <a:ea typeface="+mn-ea"/>
@@ -23700,7 +23931,7 @@
             <a:r>
               <a:rPr lang="zh-CN" altLang="en-US" dirty="0">
                 <a:solidFill>
-                  <a:srgbClr val="000000"/>
+                  <a:schemeClr val="bg2"/>
                 </a:solidFill>
                 <a:latin typeface="+mn-ea"/>
                 <a:ea typeface="+mn-ea"/>
@@ -23710,7 +23941,7 @@
             </a:r>
             <a:endParaRPr lang="en-US" altLang="zh-CN" noProof="1">
               <a:solidFill>
-                <a:srgbClr val="000000"/>
+                <a:schemeClr val="bg2"/>
               </a:solidFill>
               <a:latin typeface="微软雅黑" panose="020B0503020204020204" pitchFamily="34" charset="-122"/>
               <a:ea typeface="微软雅黑" panose="020B0503020204020204" pitchFamily="34" charset="-122"/>
@@ -23795,44 +24026,29 @@
         </p:nvSpPr>
         <p:spPr bwMode="auto">
           <a:xfrm>
-            <a:off x="323850" y="846138"/>
-            <a:ext cx="8566150" cy="4614862"/>
+            <a:off x="755807" y="1203655"/>
+            <a:ext cx="7632385" cy="3231654"/>
           </a:xfrm>
           <a:prstGeom prst="rect">
             <a:avLst/>
           </a:prstGeom>
-          <a:noFill/>
+          <a:solidFill>
+            <a:schemeClr val="bg1">
+              <a:lumMod val="85000"/>
+            </a:schemeClr>
+          </a:solidFill>
           <a:ln>
             <a:noFill/>
           </a:ln>
-          <a:extLst>
-            <a:ext uri="{909E8E84-426E-40DD-AFC4-6F175D3DCCD1}">
-              <a14:hiddenFill xmlns:a14="http://schemas.microsoft.com/office/drawing/2010/main">
-                <a:solidFill>
-                  <a:srgbClr val="FFFFFF"/>
-                </a:solidFill>
-              </a14:hiddenFill>
-            </a:ext>
-            <a:ext uri="{91240B29-F687-4F45-9708-019B960494DF}">
-              <a14:hiddenLine xmlns:a14="http://schemas.microsoft.com/office/drawing/2010/main" w="9525">
-                <a:solidFill>
-                  <a:srgbClr val="000000"/>
-                </a:solidFill>
-                <a:miter lim="800000"/>
-                <a:headEnd/>
-                <a:tailEnd/>
-              </a14:hiddenLine>
-            </a:ext>
-          </a:extLst>
         </p:spPr>
         <p:txBody>
-          <a:bodyPr>
+          <a:bodyPr wrap="square">
             <a:spAutoFit/>
           </a:bodyPr>
           <a:lstStyle/>
           <a:p>
             <a:r>
-              <a:rPr lang="zh-CN" altLang="en-US" sz="2000" b="1">
+              <a:rPr lang="zh-CN" altLang="en-US" sz="2000" b="1" dirty="0">
                 <a:solidFill>
                   <a:srgbClr val="00B050"/>
                 </a:solidFill>
@@ -23840,7 +24056,7 @@
               <a:t>1、 普通广播：</a:t>
             </a:r>
             <a:r>
-              <a:rPr lang="zh-CN" altLang="en-US" sz="2000" b="1">
+              <a:rPr lang="zh-CN" altLang="en-US" sz="2000" b="1" dirty="0">
                 <a:solidFill>
                   <a:srgbClr val="00B050"/>
                 </a:solidFill>
@@ -23848,7 +24064,7 @@
               </a:rPr>
               <a:t>sendBroadcast</a:t>
             </a:r>
-            <a:endParaRPr lang="en-US" altLang="zh-CN" sz="2000" b="1">
+            <a:endParaRPr lang="en-US" altLang="zh-CN" sz="2000" b="1" dirty="0">
               <a:solidFill>
                 <a:srgbClr val="00B050"/>
               </a:solidFill>
@@ -23859,26 +24075,26 @@
           </a:p>
           <a:p>
             <a:r>
-              <a:rPr lang="en-US" altLang="zh-CN"/>
+              <a:rPr lang="en-US" altLang="zh-CN" dirty="0"/>
               <a:t>	</a:t>
             </a:r>
           </a:p>
           <a:p>
             <a:r>
-              <a:rPr lang="en-US" altLang="zh-CN"/>
+              <a:rPr lang="en-US" altLang="zh-CN" dirty="0"/>
               <a:t>	</a:t>
             </a:r>
             <a:r>
-              <a:rPr lang="zh-CN" altLang="en-US"/>
+              <a:rPr lang="zh-CN" altLang="en-US" dirty="0"/>
               <a:t>依次传递</a:t>
             </a:r>
           </a:p>
           <a:p>
-            <a:endParaRPr lang="zh-CN" altLang="en-US"/>
+            <a:endParaRPr lang="zh-CN" altLang="en-US" dirty="0"/>
           </a:p>
           <a:p>
             <a:r>
-              <a:rPr lang="zh-CN" altLang="en-US" sz="2000" b="1">
+              <a:rPr lang="zh-CN" altLang="en-US" sz="2000" b="1" dirty="0">
                 <a:solidFill>
                   <a:srgbClr val="00B050"/>
                 </a:solidFill>
@@ -23886,7 +24102,7 @@
               <a:t>2、 有序广播：</a:t>
             </a:r>
             <a:r>
-              <a:rPr lang="zh-CN" altLang="en-US" sz="2000" b="1">
+              <a:rPr lang="zh-CN" altLang="en-US" sz="2000" b="1" dirty="0">
                 <a:solidFill>
                   <a:srgbClr val="00B050"/>
                 </a:solidFill>
@@ -23894,30 +24110,30 @@
               </a:rPr>
               <a:t>sendOrderedBroadcast</a:t>
             </a:r>
-            <a:endParaRPr lang="zh-CN" altLang="en-US"/>
+            <a:endParaRPr lang="zh-CN" altLang="en-US" dirty="0"/>
           </a:p>
           <a:p>
             <a:r>
-              <a:rPr lang="en-US" altLang="zh-CN"/>
+              <a:rPr lang="en-US" altLang="zh-CN" dirty="0"/>
               <a:t>	</a:t>
             </a:r>
           </a:p>
           <a:p>
             <a:r>
-              <a:rPr lang="en-US" altLang="zh-CN"/>
+              <a:rPr lang="en-US" altLang="zh-CN" dirty="0"/>
               <a:t>	</a:t>
             </a:r>
             <a:r>
-              <a:rPr lang="zh-CN" altLang="en-US"/>
+              <a:rPr lang="zh-CN" altLang="en-US" dirty="0"/>
               <a:t>处理顺序是按照不同优先级来区分</a:t>
             </a:r>
           </a:p>
           <a:p>
-            <a:endParaRPr lang="zh-CN" altLang="en-US"/>
+            <a:endParaRPr lang="zh-CN" altLang="en-US" dirty="0"/>
           </a:p>
           <a:p>
             <a:r>
-              <a:rPr lang="zh-CN" altLang="en-US" sz="2000" b="1">
+              <a:rPr lang="zh-CN" altLang="en-US" sz="2000" b="1" dirty="0">
                 <a:solidFill>
                   <a:srgbClr val="00B050"/>
                 </a:solidFill>
@@ -23925,7 +24141,7 @@
               <a:t>3、 粘性广播：</a:t>
             </a:r>
             <a:r>
-              <a:rPr lang="zh-CN" altLang="en-US" sz="2000" b="1">
+              <a:rPr lang="zh-CN" altLang="en-US" sz="2000" b="1" dirty="0">
                 <a:solidFill>
                   <a:srgbClr val="00B050"/>
                 </a:solidFill>
@@ -23933,38 +24149,23 @@
               </a:rPr>
               <a:t>sendStickyBroadcast</a:t>
             </a:r>
-            <a:endParaRPr lang="zh-CN" altLang="en-US"/>
+            <a:endParaRPr lang="zh-CN" altLang="en-US" dirty="0"/>
           </a:p>
           <a:p>
             <a:r>
-              <a:rPr lang="en-US" altLang="zh-CN"/>
+              <a:rPr lang="en-US" altLang="zh-CN" dirty="0"/>
               <a:t>	</a:t>
             </a:r>
           </a:p>
           <a:p>
             <a:r>
-              <a:rPr lang="en-US" altLang="zh-CN"/>
+              <a:rPr lang="en-US" altLang="zh-CN" dirty="0"/>
               <a:t>	</a:t>
             </a:r>
             <a:r>
-              <a:rPr lang="zh-CN" altLang="en-US"/>
+              <a:rPr lang="zh-CN" altLang="en-US" dirty="0"/>
               <a:t>在Android 5.0 &amp; API 21中已经失效，不建议使用。</a:t>
             </a:r>
-          </a:p>
-          <a:p>
-            <a:endParaRPr lang="zh-CN" altLang="en-US"/>
-          </a:p>
-          <a:p>
-            <a:endParaRPr lang="zh-CN" altLang="en-US"/>
-          </a:p>
-          <a:p>
-            <a:endParaRPr lang="zh-CN" altLang="en-US"/>
-          </a:p>
-          <a:p>
-            <a:endParaRPr lang="zh-CN" altLang="en-US"/>
-          </a:p>
-          <a:p>
-            <a:endParaRPr lang="zh-CN" altLang="en-US"/>
           </a:p>
         </p:txBody>
       </p:sp>
@@ -24307,7 +24508,13 @@
           <p:cNvGraphicFramePr>
             <a:graphicFrameLocks noGrp="1"/>
           </p:cNvGraphicFramePr>
-          <p:nvPr/>
+          <p:nvPr>
+            <p:extLst>
+              <p:ext uri="{D42A27DB-BD31-4B8C-83A1-F6EECF244321}">
+                <p14:modId xmlns:p14="http://schemas.microsoft.com/office/powerpoint/2010/main" val="690481823"/>
+              </p:ext>
+            </p:extLst>
+          </p:nvPr>
         </p:nvGraphicFramePr>
         <p:xfrm>
           <a:off x="347663" y="2114550"/>
@@ -24481,7 +24688,7 @@
                         <a:buFontTx/>
                         <a:buNone/>
                       </a:pPr>
-                      <a:endParaRPr kumimoji="0" lang="en-US" altLang="zh-CN" sz="1600" b="0" i="0" u="none" strike="noStrike" cap="none" normalizeH="0" baseline="0">
+                      <a:endParaRPr kumimoji="0" lang="en-US" altLang="zh-CN" sz="1600" b="0" i="0" u="none" strike="noStrike" cap="none" normalizeH="0" baseline="0" dirty="0">
                         <a:ln>
                           <a:noFill/>
                         </a:ln>
@@ -24511,7 +24718,7 @@
                         <a:buNone/>
                       </a:pPr>
                       <a:r>
-                        <a:rPr kumimoji="0" lang="en-US" altLang="zh-CN" sz="1600" b="0" i="0" u="none" strike="noStrike" cap="none" normalizeH="0" baseline="0">
+                        <a:rPr kumimoji="0" lang="en-US" altLang="zh-CN" sz="1600" b="0" i="0" u="none" strike="noStrike" cap="none" normalizeH="0" baseline="0" dirty="0">
                           <a:ln>
                             <a:noFill/>
                           </a:ln>
@@ -24523,22 +24730,67 @@
                           <a:ea typeface="宋体" panose="02010600030101010101" pitchFamily="2" charset="-122"/>
                           <a:sym typeface="Times New Roman" panose="02020603050405020304" pitchFamily="18" charset="0"/>
                         </a:rPr>
-                        <a:t>String Intent_Action = </a:t>
+                        <a:t>String </a:t>
                       </a:r>
                       <a:r>
-                        <a:rPr kumimoji="0" lang="en-US" altLang="zh-CN" sz="1600" b="1" i="0" u="none" strike="noStrike" cap="none" normalizeH="0" baseline="0">
+                        <a:rPr kumimoji="0" lang="en-US" altLang="zh-CN" sz="1600" b="0" i="0" u="none" strike="noStrike" cap="none" normalizeH="0" baseline="0" dirty="0" err="1">
                           <a:ln>
                             <a:noFill/>
                           </a:ln>
                           <a:solidFill>
-                            <a:srgbClr val="0070C0"/>
+                            <a:schemeClr val="tx1"/>
                           </a:solidFill>
                           <a:effectLst/>
                           <a:latin typeface="Times New Roman" panose="02020603050405020304" pitchFamily="18" charset="0"/>
                           <a:ea typeface="宋体" panose="02010600030101010101" pitchFamily="2" charset="-122"/>
                           <a:sym typeface="Times New Roman" panose="02020603050405020304" pitchFamily="18" charset="0"/>
                         </a:rPr>
-                        <a:t>com.android.BroadcastReceiverDemo;</a:t>
+                        <a:t>Intent_Action</a:t>
+                      </a:r>
+                      <a:r>
+                        <a:rPr kumimoji="0" lang="en-US" altLang="zh-CN" sz="1600" b="0" i="0" u="none" strike="noStrike" cap="none" normalizeH="0" baseline="0" dirty="0">
+                          <a:ln>
+                            <a:noFill/>
+                          </a:ln>
+                          <a:solidFill>
+                            <a:schemeClr val="tx1"/>
+                          </a:solidFill>
+                          <a:effectLst/>
+                          <a:latin typeface="Times New Roman" panose="02020603050405020304" pitchFamily="18" charset="0"/>
+                          <a:ea typeface="宋体" panose="02010600030101010101" pitchFamily="2" charset="-122"/>
+                          <a:sym typeface="Times New Roman" panose="02020603050405020304" pitchFamily="18" charset="0"/>
+                        </a:rPr>
+                        <a:t> = </a:t>
+                      </a:r>
+                      <a:r>
+                        <a:rPr kumimoji="0" lang="en-US" altLang="zh-CN" sz="1600" b="1" i="0" u="none" strike="noStrike" cap="none" normalizeH="0" baseline="0" dirty="0" err="1">
+                          <a:ln>
+                            <a:noFill/>
+                          </a:ln>
+                          <a:solidFill>
+                            <a:srgbClr val="0070C0"/>
+                          </a:solidFill>
+                          <a:effectLst/>
+                          <a:latin typeface="Times New Roman" panose="02020603050405020304" pitchFamily="18" charset="0"/>
+                          <a:ea typeface="宋体" panose="02010600030101010101" pitchFamily="2" charset="-122"/>
+                          <a:sym typeface="Times New Roman" panose="02020603050405020304" pitchFamily="18" charset="0"/>
+                        </a:rPr>
+                        <a:t>com.android.BroadcastReceiverDemo</a:t>
+                      </a:r>
+                      <a:r>
+                        <a:rPr kumimoji="0" lang="en-US" altLang="zh-CN" sz="1600" b="1" i="0" u="none" strike="noStrike" cap="none" normalizeH="0" baseline="0" dirty="0">
+                          <a:ln>
+                            <a:noFill/>
+                          </a:ln>
+                          <a:solidFill>
+                            <a:srgbClr val="0070C0"/>
+                          </a:solidFill>
+                          <a:effectLst/>
+                          <a:latin typeface="Times New Roman" panose="02020603050405020304" pitchFamily="18" charset="0"/>
+                          <a:ea typeface="宋体" panose="02010600030101010101" pitchFamily="2" charset="-122"/>
+                          <a:sym typeface="Times New Roman" panose="02020603050405020304" pitchFamily="18" charset="0"/>
+                        </a:rPr>
+                        <a:t>;</a:t>
                       </a:r>
                     </a:p>
                     <a:p>
@@ -24558,7 +24810,7 @@
                         <a:buNone/>
                       </a:pPr>
                       <a:r>
-                        <a:rPr kumimoji="0" lang="en-US" altLang="zh-CN" sz="1600" b="0" i="0" u="none" strike="noStrike" cap="none" normalizeH="0" baseline="0">
+                        <a:rPr kumimoji="0" lang="en-US" altLang="zh-CN" sz="1600" b="0" i="0" u="none" strike="noStrike" cap="none" normalizeH="0" baseline="0" dirty="0">
                           <a:ln>
                             <a:noFill/>
                           </a:ln>
@@ -24570,10 +24822,40 @@
                           <a:ea typeface="宋体" panose="02010600030101010101" pitchFamily="2" charset="-122"/>
                           <a:sym typeface="Times New Roman" panose="02020603050405020304" pitchFamily="18" charset="0"/>
                         </a:rPr>
-                        <a:t>Intent intent = new Intent</a:t>
+                        <a:t>Intent </a:t>
                       </a:r>
                       <a:r>
-                        <a:rPr kumimoji="0" lang="zh-CN" altLang="en-US" sz="1600" b="0" i="0" u="none" strike="noStrike" cap="none" normalizeH="0" baseline="0">
+                        <a:rPr kumimoji="0" lang="en-US" altLang="zh-CN" sz="1600" b="0" i="0" u="none" strike="noStrike" cap="none" normalizeH="0" baseline="0" dirty="0" err="1">
+                          <a:ln>
+                            <a:noFill/>
+                          </a:ln>
+                          <a:solidFill>
+                            <a:schemeClr val="tx1"/>
+                          </a:solidFill>
+                          <a:effectLst/>
+                          <a:latin typeface="Times New Roman" panose="02020603050405020304" pitchFamily="18" charset="0"/>
+                          <a:ea typeface="宋体" panose="02010600030101010101" pitchFamily="2" charset="-122"/>
+                          <a:sym typeface="Times New Roman" panose="02020603050405020304" pitchFamily="18" charset="0"/>
+                        </a:rPr>
+                        <a:t>intent</a:t>
+                      </a:r>
+                      <a:r>
+                        <a:rPr kumimoji="0" lang="en-US" altLang="zh-CN" sz="1600" b="0" i="0" u="none" strike="noStrike" cap="none" normalizeH="0" baseline="0" dirty="0">
+                          <a:ln>
+                            <a:noFill/>
+                          </a:ln>
+                          <a:solidFill>
+                            <a:schemeClr val="tx1"/>
+                          </a:solidFill>
+                          <a:effectLst/>
+                          <a:latin typeface="Times New Roman" panose="02020603050405020304" pitchFamily="18" charset="0"/>
+                          <a:ea typeface="宋体" panose="02010600030101010101" pitchFamily="2" charset="-122"/>
+                          <a:sym typeface="Times New Roman" panose="02020603050405020304" pitchFamily="18" charset="0"/>
+                        </a:rPr>
+                        <a:t> = new Intent</a:t>
+                      </a:r>
+                      <a:r>
+                        <a:rPr kumimoji="0" lang="zh-CN" altLang="en-US" sz="1600" b="0" i="0" u="none" strike="noStrike" cap="none" normalizeH="0" baseline="0" dirty="0">
                           <a:ln>
                             <a:noFill/>
                           </a:ln>
@@ -24588,7 +24870,7 @@
                         <a:t>（</a:t>
                       </a:r>
                       <a:r>
-                        <a:rPr kumimoji="0" lang="en-US" altLang="zh-CN" sz="1600" b="0" i="0" u="none" strike="noStrike" cap="none" normalizeH="0" baseline="0">
+                        <a:rPr kumimoji="0" lang="en-US" altLang="zh-CN" sz="1600" b="0" i="0" u="none" strike="noStrike" cap="none" normalizeH="0" baseline="0" dirty="0" err="1">
                           <a:ln>
                             <a:noFill/>
                           </a:ln>
@@ -24603,7 +24885,7 @@
                         <a:t>Intent_Action</a:t>
                       </a:r>
                       <a:r>
-                        <a:rPr kumimoji="0" lang="zh-CN" altLang="en-US" sz="1600" b="0" i="0" u="none" strike="noStrike" cap="none" normalizeH="0" baseline="0">
+                        <a:rPr kumimoji="0" lang="zh-CN" altLang="en-US" sz="1600" b="0" i="0" u="none" strike="noStrike" cap="none" normalizeH="0" baseline="0" dirty="0">
                           <a:ln>
                             <a:noFill/>
                           </a:ln>
@@ -24618,7 +24900,7 @@
                         <a:t>）</a:t>
                       </a:r>
                       <a:r>
-                        <a:rPr kumimoji="0" lang="en-US" altLang="zh-CN" sz="1600" b="0" i="0" u="none" strike="noStrike" cap="none" normalizeH="0" baseline="0">
+                        <a:rPr kumimoji="0" lang="en-US" altLang="zh-CN" sz="1600" b="0" i="0" u="none" strike="noStrike" cap="none" normalizeH="0" baseline="0" dirty="0">
                           <a:ln>
                             <a:noFill/>
                           </a:ln>
@@ -24632,7 +24914,7 @@
                         </a:rPr>
                         <a:t>;</a:t>
                       </a:r>
-                      <a:endParaRPr kumimoji="0" lang="zh-CN" altLang="en-US" sz="1600" b="0" i="0" u="none" strike="noStrike" cap="none" normalizeH="0" baseline="0">
+                      <a:endParaRPr kumimoji="0" lang="zh-CN" altLang="en-US" sz="1600" b="0" i="0" u="none" strike="noStrike" cap="none" normalizeH="0" baseline="0" dirty="0">
                         <a:ln>
                           <a:noFill/>
                         </a:ln>
@@ -24662,7 +24944,7 @@
                         <a:buNone/>
                       </a:pPr>
                       <a:r>
-                        <a:rPr kumimoji="0" lang="en-US" altLang="zh-CN" sz="1600" b="0" i="0" u="none" strike="noStrike" cap="none" normalizeH="0" baseline="0">
+                        <a:rPr kumimoji="0" lang="en-US" altLang="zh-CN" sz="1600" b="0" i="0" u="none" strike="noStrike" cap="none" normalizeH="0" baseline="0" dirty="0" err="1">
                           <a:ln>
                             <a:noFill/>
                           </a:ln>
@@ -24677,7 +24959,7 @@
                         <a:t>Intent.putExtra</a:t>
                       </a:r>
                       <a:r>
-                        <a:rPr kumimoji="0" lang="zh-CN" altLang="en-US" sz="1600" b="0" i="0" u="none" strike="noStrike" cap="none" normalizeH="0" baseline="0">
+                        <a:rPr kumimoji="0" lang="zh-CN" altLang="en-US" sz="1600" b="0" i="0" u="none" strike="noStrike" cap="none" normalizeH="0" baseline="0" dirty="0">
                           <a:ln>
                             <a:noFill/>
                           </a:ln>
@@ -24692,7 +24974,7 @@
                         <a:t>（</a:t>
                       </a:r>
                       <a:r>
-                        <a:rPr kumimoji="0" lang="en-US" altLang="zh-CN" sz="1600" b="0" i="0" u="none" strike="noStrike" cap="none" normalizeH="0" baseline="0">
+                        <a:rPr kumimoji="0" lang="en-US" altLang="zh-CN" sz="1600" b="0" i="0" u="none" strike="noStrike" cap="none" normalizeH="0" baseline="0" dirty="0">
                           <a:ln>
                             <a:noFill/>
                           </a:ln>
@@ -24707,7 +24989,7 @@
                         <a:t>“</a:t>
                       </a:r>
                       <a:r>
-                        <a:rPr kumimoji="0" lang="zh-CN" altLang="en-US" sz="1600" b="0" i="0" u="none" strike="noStrike" cap="none" normalizeH="0" baseline="0">
+                        <a:rPr kumimoji="0" lang="zh-CN" altLang="en-US" sz="1600" b="0" i="0" u="none" strike="noStrike" cap="none" normalizeH="0" baseline="0" dirty="0">
                           <a:ln>
                             <a:noFill/>
                           </a:ln>
@@ -24722,7 +25004,7 @@
                         <a:t>参数</a:t>
                       </a:r>
                       <a:r>
-                        <a:rPr kumimoji="0" lang="en-US" altLang="zh-CN" sz="1600" b="0" i="0" u="none" strike="noStrike" cap="none" normalizeH="0" baseline="0">
+                        <a:rPr kumimoji="0" lang="en-US" altLang="zh-CN" sz="1600" b="0" i="0" u="none" strike="noStrike" cap="none" normalizeH="0" baseline="0" dirty="0">
                           <a:ln>
                             <a:noFill/>
                           </a:ln>
@@ -24737,7 +25019,7 @@
                         <a:t>”</a:t>
                       </a:r>
                       <a:r>
-                        <a:rPr kumimoji="0" lang="zh-CN" altLang="en-US" sz="1600" b="0" i="0" u="none" strike="noStrike" cap="none" normalizeH="0" baseline="0">
+                        <a:rPr kumimoji="0" lang="zh-CN" altLang="en-US" sz="1600" b="0" i="0" u="none" strike="noStrike" cap="none" normalizeH="0" baseline="0" dirty="0">
                           <a:ln>
                             <a:noFill/>
                           </a:ln>
@@ -24752,7 +25034,7 @@
                         <a:t>，</a:t>
                       </a:r>
                       <a:r>
-                        <a:rPr kumimoji="0" lang="en-US" altLang="zh-CN" sz="1600" b="0" i="0" u="none" strike="noStrike" cap="none" normalizeH="0" baseline="0">
+                        <a:rPr kumimoji="0" lang="en-US" altLang="zh-CN" sz="1600" b="0" i="0" u="none" strike="noStrike" cap="none" normalizeH="0" baseline="0" dirty="0">
                           <a:ln>
                             <a:noFill/>
                           </a:ln>
@@ -24767,7 +25049,7 @@
                         <a:t>“</a:t>
                       </a:r>
                       <a:r>
-                        <a:rPr kumimoji="0" lang="zh-CN" altLang="en-US" sz="1600" b="0" i="0" u="none" strike="noStrike" cap="none" normalizeH="0" baseline="0">
+                        <a:rPr kumimoji="0" lang="zh-CN" altLang="en-US" sz="1600" b="0" i="0" u="none" strike="noStrike" cap="none" normalizeH="0" baseline="0" dirty="0">
                           <a:ln>
                             <a:noFill/>
                           </a:ln>
@@ -24782,7 +25064,7 @@
                         <a:t>参数值</a:t>
                       </a:r>
                       <a:r>
-                        <a:rPr kumimoji="0" lang="en-US" altLang="zh-CN" sz="1600" b="0" i="0" u="none" strike="noStrike" cap="none" normalizeH="0" baseline="0">
+                        <a:rPr kumimoji="0" lang="en-US" altLang="zh-CN" sz="1600" b="0" i="0" u="none" strike="noStrike" cap="none" normalizeH="0" baseline="0" dirty="0">
                           <a:ln>
                             <a:noFill/>
                           </a:ln>
@@ -24797,7 +25079,7 @@
                         <a:t>”</a:t>
                       </a:r>
                       <a:r>
-                        <a:rPr kumimoji="0" lang="zh-CN" altLang="en-US" sz="1600" b="0" i="0" u="none" strike="noStrike" cap="none" normalizeH="0" baseline="0">
+                        <a:rPr kumimoji="0" lang="zh-CN" altLang="en-US" sz="1600" b="0" i="0" u="none" strike="noStrike" cap="none" normalizeH="0" baseline="0" dirty="0">
                           <a:ln>
                             <a:noFill/>
                           </a:ln>
@@ -24829,7 +25111,7 @@
                         <a:buNone/>
                       </a:pPr>
                       <a:r>
-                        <a:rPr kumimoji="0" lang="en-US" altLang="zh-CN" sz="1600" b="1" i="0" u="none" strike="noStrike" cap="none" normalizeH="0" baseline="0">
+                        <a:rPr kumimoji="0" lang="en-US" altLang="zh-CN" sz="1600" b="1" i="0" u="none" strike="noStrike" cap="none" normalizeH="0" baseline="0" dirty="0" err="1">
                           <a:ln>
                             <a:noFill/>
                           </a:ln>
@@ -24844,7 +25126,7 @@
                         <a:t>SendBroadcast</a:t>
                       </a:r>
                       <a:r>
-                        <a:rPr kumimoji="0" lang="zh-CN" altLang="en-US" sz="1600" b="0" i="0" u="none" strike="noStrike" cap="none" normalizeH="0" baseline="0">
+                        <a:rPr kumimoji="0" lang="zh-CN" altLang="en-US" sz="1600" b="0" i="0" u="none" strike="noStrike" cap="none" normalizeH="0" baseline="0" dirty="0">
                           <a:ln>
                             <a:noFill/>
                           </a:ln>
@@ -24859,7 +25141,7 @@
                         <a:t>（</a:t>
                       </a:r>
                       <a:r>
-                        <a:rPr kumimoji="0" lang="en-US" altLang="zh-CN" sz="1600" b="0" i="0" u="none" strike="noStrike" cap="none" normalizeH="0" baseline="0">
+                        <a:rPr kumimoji="0" lang="en-US" altLang="zh-CN" sz="1600" b="0" i="0" u="none" strike="noStrike" cap="none" normalizeH="0" baseline="0" dirty="0">
                           <a:ln>
                             <a:noFill/>
                           </a:ln>
@@ -24874,7 +25156,7 @@
                         <a:t>intent</a:t>
                       </a:r>
                       <a:r>
-                        <a:rPr kumimoji="0" lang="zh-CN" altLang="en-US" sz="1600" b="0" i="0" u="none" strike="noStrike" cap="none" normalizeH="0" baseline="0">
+                        <a:rPr kumimoji="0" lang="zh-CN" altLang="en-US" sz="1600" b="0" i="0" u="none" strike="noStrike" cap="none" normalizeH="0" baseline="0" dirty="0">
                           <a:ln>
                             <a:noFill/>
                           </a:ln>
@@ -24933,7 +25215,11 @@
                     <a:lnBlToTr>
                       <a:noFill/>
                     </a:lnBlToTr>
-                    <a:noFill/>
+                    <a:solidFill>
+                      <a:schemeClr val="bg1">
+                        <a:lumMod val="85000"/>
+                      </a:schemeClr>
+                    </a:solidFill>
                   </a:tcPr>
                 </a:tc>
                 <a:extLst>
@@ -25236,27 +25522,14 @@
           <a:prstGeom prst="rect">
             <a:avLst/>
           </a:prstGeom>
-          <a:noFill/>
+          <a:solidFill>
+            <a:schemeClr val="bg1">
+              <a:lumMod val="85000"/>
+            </a:schemeClr>
+          </a:solidFill>
           <a:ln>
             <a:noFill/>
           </a:ln>
-          <a:extLst>
-            <a:ext uri="{909E8E84-426E-40DD-AFC4-6F175D3DCCD1}">
-              <a14:hiddenFill xmlns:a14="http://schemas.microsoft.com/office/drawing/2010/main">
-                <a:solidFill>
-                  <a:srgbClr val="FFFFFF"/>
-                </a:solidFill>
-              </a14:hiddenFill>
-            </a:ext>
-            <a:ext uri="{91240B29-F687-4F45-9708-019B960494DF}">
-              <a14:hiddenLine xmlns:a14="http://schemas.microsoft.com/office/drawing/2010/main" w="9525">
-                <a:solidFill>
-                  <a:srgbClr val="000000"/>
-                </a:solidFill>
-                <a:bevel/>
-              </a14:hiddenLine>
-            </a:ext>
-          </a:extLst>
         </p:spPr>
         <p:txBody>
           <a:bodyPr/>
@@ -25670,93 +25943,123 @@
         </p:nvSpPr>
         <p:spPr bwMode="auto">
           <a:xfrm>
-            <a:off x="1038225" y="1327150"/>
-            <a:ext cx="7715250" cy="2306638"/>
+            <a:off x="714375" y="1325562"/>
+            <a:ext cx="7961910" cy="2306638"/>
           </a:xfrm>
           <a:prstGeom prst="rect">
             <a:avLst/>
           </a:prstGeom>
-          <a:noFill/>
+          <a:solidFill>
+            <a:schemeClr val="bg1">
+              <a:lumMod val="85000"/>
+            </a:schemeClr>
+          </a:solidFill>
           <a:ln>
             <a:noFill/>
           </a:ln>
-          <a:extLst>
-            <a:ext uri="{909E8E84-426E-40DD-AFC4-6F175D3DCCD1}">
-              <a14:hiddenFill xmlns:a14="http://schemas.microsoft.com/office/drawing/2010/main">
-                <a:solidFill>
-                  <a:srgbClr val="FFFFFF"/>
-                </a:solidFill>
-              </a14:hiddenFill>
-            </a:ext>
-            <a:ext uri="{91240B29-F687-4F45-9708-019B960494DF}">
-              <a14:hiddenLine xmlns:a14="http://schemas.microsoft.com/office/drawing/2010/main" w="9525">
-                <a:solidFill>
-                  <a:srgbClr val="000000"/>
-                </a:solidFill>
-                <a:miter lim="800000"/>
-                <a:headEnd/>
-                <a:tailEnd/>
-              </a14:hiddenLine>
-            </a:ext>
-          </a:extLst>
         </p:spPr>
         <p:txBody>
-          <a:bodyPr>
+          <a:bodyPr wrap="square">
             <a:spAutoFit/>
           </a:bodyPr>
           <a:lstStyle/>
           <a:p>
             <a:r>
-              <a:rPr lang="en-US" altLang="zh-CN" sz="1600">
+              <a:rPr lang="en-US" altLang="zh-CN" sz="1600" dirty="0">
                 <a:sym typeface="Arial" panose="020B0604020202020204" pitchFamily="34" charset="0"/>
               </a:rPr>
-              <a:t>public class MyBroadcastReceiver extends </a:t>
-            </a:r>
-            <a:r>
-              <a:rPr lang="en-US" altLang="zh-CN" sz="1600" b="1">
+              <a:t>public class </a:t>
+            </a:r>
+            <a:r>
+              <a:rPr lang="en-US" altLang="zh-CN" sz="1600" dirty="0" err="1">
+                <a:sym typeface="Arial" panose="020B0604020202020204" pitchFamily="34" charset="0"/>
+              </a:rPr>
+              <a:t>MyBroadcastReceiver</a:t>
+            </a:r>
+            <a:r>
+              <a:rPr lang="en-US" altLang="zh-CN" sz="1600" dirty="0">
+                <a:sym typeface="Arial" panose="020B0604020202020204" pitchFamily="34" charset="0"/>
+              </a:rPr>
+              <a:t> extends </a:t>
+            </a:r>
+            <a:r>
+              <a:rPr lang="en-US" altLang="zh-CN" sz="1600" b="1" dirty="0" err="1">
                 <a:solidFill>
                   <a:srgbClr val="00B050"/>
                 </a:solidFill>
                 <a:sym typeface="Arial" panose="020B0604020202020204" pitchFamily="34" charset="0"/>
               </a:rPr>
-              <a:t>BroadcastReceiver </a:t>
-            </a:r>
-            <a:r>
-              <a:rPr lang="en-US" altLang="zh-CN" sz="1600">
+              <a:t>BroadcastReceiver</a:t>
+            </a:r>
+            <a:r>
+              <a:rPr lang="en-US" altLang="zh-CN" sz="1600" b="1" dirty="0">
+                <a:solidFill>
+                  <a:srgbClr val="00B050"/>
+                </a:solidFill>
                 <a:sym typeface="Arial" panose="020B0604020202020204" pitchFamily="34" charset="0"/>
               </a:rPr>
+              <a:t> </a:t>
+            </a:r>
+            <a:r>
+              <a:rPr lang="en-US" altLang="zh-CN" sz="1600" dirty="0">
+                <a:sym typeface="Arial" panose="020B0604020202020204" pitchFamily="34" charset="0"/>
+              </a:rPr>
               <a:t>{ </a:t>
             </a:r>
-            <a:endParaRPr lang="zh-CN" altLang="en-US" sz="1600">
+            <a:endParaRPr lang="zh-CN" altLang="en-US" sz="1600" dirty="0">
               <a:sym typeface="Arial" panose="020B0604020202020204" pitchFamily="34" charset="0"/>
             </a:endParaRPr>
           </a:p>
           <a:p>
             <a:r>
-              <a:rPr lang="en-US" altLang="zh-CN" sz="1600">
+              <a:rPr lang="en-US" altLang="zh-CN" sz="1600" dirty="0">
                 <a:sym typeface="Arial" panose="020B0604020202020204" pitchFamily="34" charset="0"/>
               </a:rPr>
               <a:t>   </a:t>
             </a:r>
-            <a:endParaRPr lang="zh-CN" altLang="en-US" sz="1600">
+            <a:endParaRPr lang="zh-CN" altLang="en-US" sz="1600" dirty="0">
               <a:sym typeface="Arial" panose="020B0604020202020204" pitchFamily="34" charset="0"/>
             </a:endParaRPr>
           </a:p>
           <a:p>
             <a:r>
-              <a:rPr lang="zh-CN" altLang="en-US" sz="1600">
+              <a:rPr lang="zh-CN" altLang="en-US" sz="1600" dirty="0">
                 <a:sym typeface="Arial" panose="020B0604020202020204" pitchFamily="34" charset="0"/>
               </a:rPr>
               <a:t>    </a:t>
             </a:r>
             <a:r>
-              <a:rPr lang="en-US" altLang="zh-CN" sz="1600">
+              <a:rPr lang="en-US" altLang="zh-CN" sz="1600" dirty="0">
                 <a:sym typeface="Arial" panose="020B0604020202020204" pitchFamily="34" charset="0"/>
               </a:rPr>
-              <a:t>String  Intent_Action = com.android.BroadcastReceiverDemo; // action</a:t>
-            </a:r>
-            <a:r>
-              <a:rPr lang="zh-CN" altLang="en-US" sz="1600">
+              <a:t>String  </a:t>
+            </a:r>
+            <a:r>
+              <a:rPr lang="en-US" altLang="zh-CN" sz="1600" dirty="0" err="1">
+                <a:sym typeface="Arial" panose="020B0604020202020204" pitchFamily="34" charset="0"/>
+              </a:rPr>
+              <a:t>Intent_Action</a:t>
+            </a:r>
+            <a:r>
+              <a:rPr lang="en-US" altLang="zh-CN" sz="1600" dirty="0">
+                <a:sym typeface="Arial" panose="020B0604020202020204" pitchFamily="34" charset="0"/>
+              </a:rPr>
+              <a:t> = </a:t>
+            </a:r>
+            <a:r>
+              <a:rPr lang="en-US" altLang="zh-CN" sz="1600" dirty="0" err="1">
+                <a:sym typeface="Arial" panose="020B0604020202020204" pitchFamily="34" charset="0"/>
+              </a:rPr>
+              <a:t>com.android.BroadcastReceiverDemo</a:t>
+            </a:r>
+            <a:r>
+              <a:rPr lang="en-US" altLang="zh-CN" sz="1600" dirty="0">
+                <a:sym typeface="Arial" panose="020B0604020202020204" pitchFamily="34" charset="0"/>
+              </a:rPr>
+              <a:t>; // action</a:t>
+            </a:r>
+            <a:r>
+              <a:rPr lang="zh-CN" altLang="en-US" sz="1600" dirty="0">
                 <a:sym typeface="Arial" panose="020B0604020202020204" pitchFamily="34" charset="0"/>
               </a:rPr>
               <a:t>名称</a:t>
@@ -25764,7 +26067,7 @@
           </a:p>
           <a:p>
             <a:r>
-              <a:rPr lang="zh-CN" altLang="en-US" sz="1600">
+              <a:rPr lang="zh-CN" altLang="en-US" sz="1600" dirty="0">
                 <a:sym typeface="Arial" panose="020B0604020202020204" pitchFamily="34" charset="0"/>
               </a:rPr>
               <a:t> </a:t>
@@ -25772,13 +26075,13 @@
           </a:p>
           <a:p>
             <a:r>
-              <a:rPr lang="en-US" altLang="zh-CN" sz="1600">
+              <a:rPr lang="en-US" altLang="zh-CN" sz="1600" dirty="0">
                 <a:sym typeface="Arial" panose="020B0604020202020204" pitchFamily="34" charset="0"/>
               </a:rPr>
               <a:t>    public void </a:t>
             </a:r>
             <a:r>
-              <a:rPr lang="en-US" altLang="zh-CN" sz="1600" b="1">
+              <a:rPr lang="en-US" altLang="zh-CN" sz="1600" b="1" dirty="0" err="1">
                 <a:solidFill>
                   <a:srgbClr val="00B050"/>
                 </a:solidFill>
@@ -25787,35 +26090,71 @@
               <a:t>onReceive</a:t>
             </a:r>
             <a:r>
-              <a:rPr lang="en-US" altLang="zh-CN" sz="1600">
+              <a:rPr lang="en-US" altLang="zh-CN" sz="1600" dirty="0">
                 <a:sym typeface="Arial" panose="020B0604020202020204" pitchFamily="34" charset="0"/>
               </a:rPr>
-              <a:t>(Context context, Intent intent) { </a:t>
-            </a:r>
-            <a:endParaRPr lang="zh-CN" altLang="en-US" sz="1600">
+              <a:t>(Context </a:t>
+            </a:r>
+            <a:r>
+              <a:rPr lang="en-US" altLang="zh-CN" sz="1600" dirty="0" err="1">
+                <a:sym typeface="Arial" panose="020B0604020202020204" pitchFamily="34" charset="0"/>
+              </a:rPr>
+              <a:t>context</a:t>
+            </a:r>
+            <a:r>
+              <a:rPr lang="en-US" altLang="zh-CN" sz="1600" dirty="0">
+                <a:sym typeface="Arial" panose="020B0604020202020204" pitchFamily="34" charset="0"/>
+              </a:rPr>
+              <a:t>, Intent intent) { </a:t>
+            </a:r>
+            <a:endParaRPr lang="zh-CN" altLang="en-US" sz="1600" dirty="0">
               <a:sym typeface="Arial" panose="020B0604020202020204" pitchFamily="34" charset="0"/>
             </a:endParaRPr>
           </a:p>
           <a:p>
             <a:r>
-              <a:rPr lang="en-US" altLang="zh-CN" sz="1600">
+              <a:rPr lang="en-US" altLang="zh-CN" sz="1600" dirty="0">
                 <a:sym typeface="Arial" panose="020B0604020202020204" pitchFamily="34" charset="0"/>
               </a:rPr>
-              <a:t>      if ( intent.getAction().equals( Intent_Action)) { </a:t>
-            </a:r>
-            <a:endParaRPr lang="zh-CN" altLang="en-US" sz="1600">
+              <a:t>      if ( </a:t>
+            </a:r>
+            <a:r>
+              <a:rPr lang="en-US" altLang="zh-CN" sz="1600" dirty="0" err="1">
+                <a:sym typeface="Arial" panose="020B0604020202020204" pitchFamily="34" charset="0"/>
+              </a:rPr>
+              <a:t>intent.getAction</a:t>
+            </a:r>
+            <a:r>
+              <a:rPr lang="en-US" altLang="zh-CN" sz="1600" dirty="0">
+                <a:sym typeface="Arial" panose="020B0604020202020204" pitchFamily="34" charset="0"/>
+              </a:rPr>
+              <a:t>().equals( </a:t>
+            </a:r>
+            <a:r>
+              <a:rPr lang="en-US" altLang="zh-CN" sz="1600" dirty="0" err="1">
+                <a:sym typeface="Arial" panose="020B0604020202020204" pitchFamily="34" charset="0"/>
+              </a:rPr>
+              <a:t>Intent_Action</a:t>
+            </a:r>
+            <a:r>
+              <a:rPr lang="en-US" altLang="zh-CN" sz="1600" dirty="0">
+                <a:sym typeface="Arial" panose="020B0604020202020204" pitchFamily="34" charset="0"/>
+              </a:rPr>
+              <a:t>)) { </a:t>
+            </a:r>
+            <a:endParaRPr lang="zh-CN" altLang="en-US" sz="1600" dirty="0">
               <a:sym typeface="Arial" panose="020B0604020202020204" pitchFamily="34" charset="0"/>
             </a:endParaRPr>
           </a:p>
           <a:p>
             <a:r>
-              <a:rPr lang="en-US" altLang="zh-CN" sz="1600">
+              <a:rPr lang="en-US" altLang="zh-CN" sz="1600" dirty="0">
                 <a:sym typeface="Arial" panose="020B0604020202020204" pitchFamily="34" charset="0"/>
               </a:rPr>
               <a:t>        //</a:t>
             </a:r>
             <a:r>
-              <a:rPr lang="zh-CN" altLang="en-US" sz="1600">
+              <a:rPr lang="zh-CN" altLang="en-US" sz="1600" dirty="0">
                 <a:sym typeface="Arial" panose="020B0604020202020204" pitchFamily="34" charset="0"/>
               </a:rPr>
               <a:t>相应事件的处理</a:t>
@@ -25823,17 +26162,17 @@
           </a:p>
           <a:p>
             <a:r>
-              <a:rPr lang="en-US" altLang="zh-CN" sz="1600">
+              <a:rPr lang="en-US" altLang="zh-CN" sz="1600" dirty="0">
                 <a:sym typeface="Arial" panose="020B0604020202020204" pitchFamily="34" charset="0"/>
               </a:rPr>
               <a:t>      } </a:t>
             </a:r>
-            <a:endParaRPr lang="zh-CN" altLang="en-US" sz="1600">
+            <a:endParaRPr lang="zh-CN" altLang="en-US" sz="1600" dirty="0">
               <a:sym typeface="Arial" panose="020B0604020202020204" pitchFamily="34" charset="0"/>
             </a:endParaRPr>
           </a:p>
           <a:p>
-            <a:endParaRPr lang="zh-CN" altLang="en-US" sz="1600">
+            <a:endParaRPr lang="zh-CN" altLang="en-US" sz="1600" dirty="0">
               <a:sym typeface="Arial" panose="020B0604020202020204" pitchFamily="34" charset="0"/>
             </a:endParaRPr>
           </a:p>
@@ -26045,8 +26384,8 @@
         </p:nvSpPr>
         <p:spPr bwMode="auto">
           <a:xfrm>
-            <a:off x="431800" y="3817938"/>
-            <a:ext cx="8143875" cy="1060450"/>
+            <a:off x="714375" y="3817938"/>
+            <a:ext cx="7961910" cy="1060450"/>
           </a:xfrm>
           <a:prstGeom prst="rect">
             <a:avLst/>
@@ -26074,7 +26413,7 @@
           </a:extLst>
         </p:spPr>
         <p:txBody>
-          <a:bodyPr>
+          <a:bodyPr wrap="square">
             <a:spAutoFit/>
           </a:bodyPr>
           <a:lstStyle>
@@ -26221,11 +26560,66 @@
             </a:r>
             <a:r>
               <a:rPr lang="en-US" altLang="zh-CN" sz="1400" dirty="0" err="1">
+                <a:highlight>
+                  <a:srgbClr val="FFFF00"/>
+                </a:highlight>
                 <a:latin typeface="+mn-ea"/>
                 <a:ea typeface="+mn-ea"/>
                 <a:sym typeface="微软雅黑" panose="020B0503020204020204" pitchFamily="34" charset="-122"/>
               </a:rPr>
               <a:t>onReceiver</a:t>
+            </a:r>
+            <a:r>
+              <a:rPr lang="en-US" altLang="zh-CN" sz="1400" dirty="0">
+                <a:highlight>
+                  <a:srgbClr val="FFFF00"/>
+                </a:highlight>
+                <a:latin typeface="+mn-ea"/>
+                <a:ea typeface="+mn-ea"/>
+                <a:sym typeface="微软雅黑" panose="020B0503020204020204" pitchFamily="34" charset="-122"/>
+              </a:rPr>
+              <a:t>()</a:t>
+            </a:r>
+            <a:r>
+              <a:rPr lang="zh-CN" altLang="en-US" sz="1400" dirty="0">
+                <a:highlight>
+                  <a:srgbClr val="FFFF00"/>
+                </a:highlight>
+                <a:latin typeface="+mn-ea"/>
+                <a:ea typeface="+mn-ea"/>
+                <a:sym typeface="微软雅黑" panose="020B0503020204020204" pitchFamily="34" charset="-122"/>
+              </a:rPr>
+              <a:t>方法必须要在</a:t>
+            </a:r>
+            <a:r>
+              <a:rPr lang="en-US" altLang="zh-CN" sz="1400" dirty="0">
+                <a:highlight>
+                  <a:srgbClr val="FFFF00"/>
+                </a:highlight>
+                <a:latin typeface="+mn-ea"/>
+                <a:ea typeface="+mn-ea"/>
+                <a:sym typeface="微软雅黑" panose="020B0503020204020204" pitchFamily="34" charset="-122"/>
+              </a:rPr>
+              <a:t>10</a:t>
+            </a:r>
+            <a:r>
+              <a:rPr lang="zh-CN" altLang="en-US" sz="1400" dirty="0">
+                <a:highlight>
+                  <a:srgbClr val="FFFF00"/>
+                </a:highlight>
+                <a:latin typeface="+mn-ea"/>
+                <a:ea typeface="+mn-ea"/>
+                <a:sym typeface="微软雅黑" panose="020B0503020204020204" pitchFamily="34" charset="-122"/>
+              </a:rPr>
+              <a:t>秒钟内执行完事件</a:t>
+            </a:r>
+            <a:r>
+              <a:rPr lang="zh-CN" altLang="en-US" sz="1400" dirty="0">
+                <a:latin typeface="+mn-ea"/>
+                <a:ea typeface="+mn-ea"/>
+                <a:sym typeface="微软雅黑" panose="020B0503020204020204" pitchFamily="34" charset="-122"/>
+              </a:rPr>
+              <a:t>，否则</a:t>
             </a:r>
             <a:r>
               <a:rPr lang="en-US" altLang="zh-CN" sz="1400" dirty="0">
@@ -26233,7 +26627,7 @@
                 <a:ea typeface="+mn-ea"/>
                 <a:sym typeface="微软雅黑" panose="020B0503020204020204" pitchFamily="34" charset="-122"/>
               </a:rPr>
-              <a:t>()</a:t>
+              <a:t>Android</a:t>
             </a:r>
             <a:r>
               <a:rPr lang="zh-CN" altLang="en-US" sz="1400" dirty="0">
@@ -26241,39 +26635,28 @@
                 <a:ea typeface="+mn-ea"/>
                 <a:sym typeface="微软雅黑" panose="020B0503020204020204" pitchFamily="34" charset="-122"/>
               </a:rPr>
-              <a:t>方法必须要在</a:t>
-            </a:r>
-            <a:r>
-              <a:rPr lang="en-US" altLang="zh-CN" sz="1400" dirty="0">
-                <a:latin typeface="+mn-ea"/>
-                <a:ea typeface="+mn-ea"/>
-                <a:sym typeface="微软雅黑" panose="020B0503020204020204" pitchFamily="34" charset="-122"/>
-              </a:rPr>
-              <a:t>10</a:t>
-            </a:r>
+              <a:t>系统会认为该组件失去响应，并提示用户强行关闭该组件。</a:t>
+            </a:r>
+            <a:endParaRPr lang="en-US" altLang="zh-CN" sz="1400" dirty="0">
+              <a:latin typeface="+mn-ea"/>
+              <a:ea typeface="+mn-ea"/>
+              <a:sym typeface="微软雅黑" panose="020B0503020204020204" pitchFamily="34" charset="-122"/>
+            </a:endParaRPr>
+          </a:p>
+          <a:p>
+            <a:pPr eaLnBrk="1" hangingPunct="1">
+              <a:lnSpc>
+                <a:spcPct val="150000"/>
+              </a:lnSpc>
+              <a:defRPr/>
+            </a:pPr>
             <a:r>
               <a:rPr lang="zh-CN" altLang="en-US" sz="1400" dirty="0">
                 <a:latin typeface="+mn-ea"/>
                 <a:ea typeface="+mn-ea"/>
                 <a:sym typeface="微软雅黑" panose="020B0503020204020204" pitchFamily="34" charset="-122"/>
               </a:rPr>
-              <a:t>秒钟内执行完事件，否则</a:t>
-            </a:r>
-            <a:r>
-              <a:rPr lang="en-US" altLang="zh-CN" sz="1400" dirty="0">
-                <a:latin typeface="+mn-ea"/>
-                <a:ea typeface="+mn-ea"/>
-                <a:sym typeface="微软雅黑" panose="020B0503020204020204" pitchFamily="34" charset="-122"/>
-              </a:rPr>
-              <a:t>Android</a:t>
-            </a:r>
-            <a:r>
-              <a:rPr lang="zh-CN" altLang="en-US" sz="1400" dirty="0">
-                <a:latin typeface="+mn-ea"/>
-                <a:ea typeface="+mn-ea"/>
-                <a:sym typeface="微软雅黑" panose="020B0503020204020204" pitchFamily="34" charset="-122"/>
-              </a:rPr>
-              <a:t>系统会认为该组件失去响应，并提示用户强行关闭该组件。因此，对于比较耗时的响应事件，可以另开一线程，单独进行事件的处理。</a:t>
+              <a:t>因此，对于比较耗时的响应事件，可以另开一线程，单独进行事件的处理。</a:t>
             </a:r>
             <a:endParaRPr lang="zh-CN" altLang="en-US" dirty="0">
               <a:sym typeface="Arial" panose="020B0604020202020204" pitchFamily="34" charset="0"/>
@@ -26413,9 +26796,14 @@
         </p:nvSpPr>
         <p:spPr>
           <a:xfrm>
-            <a:off x="161925" y="915988"/>
-            <a:ext cx="8655050" cy="3633787"/>
+            <a:off x="161926" y="915988"/>
+            <a:ext cx="6474566" cy="3633787"/>
           </a:xfrm>
+          <a:solidFill>
+            <a:schemeClr val="bg1">
+              <a:lumMod val="85000"/>
+            </a:schemeClr>
+          </a:solidFill>
         </p:spPr>
         <p:txBody>
           <a:bodyPr>
@@ -26429,11 +26817,31 @@
             </a:pPr>
             <a:r>
               <a:rPr lang="zh-CN" altLang="en-US" sz="2400" b="1" noProof="1">
+                <a:highlight>
+                  <a:srgbClr val="FFFF00"/>
+                </a:highlight>
                 <a:latin typeface="微软雅黑" panose="020B0503020204020204" pitchFamily="34" charset="-122"/>
                 <a:ea typeface="微软雅黑" panose="020B0503020204020204" pitchFamily="34" charset="-122"/>
               </a:rPr>
-              <a:t>应用程序无响应</a:t>
-            </a:r>
+              <a:t>应用程序无响应 </a:t>
+            </a:r>
+            <a:r>
+              <a:rPr lang="en-US" altLang="zh-CN" sz="2400" b="1" noProof="1">
+                <a:highlight>
+                  <a:srgbClr val="FFFF00"/>
+                </a:highlight>
+                <a:latin typeface="微软雅黑" panose="020B0503020204020204" pitchFamily="34" charset="-122"/>
+                <a:ea typeface="微软雅黑" panose="020B0503020204020204" pitchFamily="34" charset="-122"/>
+              </a:rPr>
+              <a:t>ANR</a:t>
+            </a:r>
+            <a:endParaRPr lang="zh-CN" altLang="en-US" sz="2400" b="1" noProof="1">
+              <a:highlight>
+                <a:srgbClr val="FFFF00"/>
+              </a:highlight>
+              <a:latin typeface="微软雅黑" panose="020B0503020204020204" pitchFamily="34" charset="-122"/>
+              <a:ea typeface="微软雅黑" panose="020B0503020204020204" pitchFamily="34" charset="-122"/>
+            </a:endParaRPr>
           </a:p>
           <a:p>
             <a:pPr marL="0" indent="0" fontAlgn="auto">
@@ -26488,7 +26896,41 @@
                 <a:latin typeface="微软雅黑" panose="020B0503020204020204" pitchFamily="34" charset="-122"/>
                 <a:ea typeface="微软雅黑" panose="020B0503020204020204" pitchFamily="34" charset="-122"/>
               </a:rPr>
-              <a:t>用户可以选择“等待”而让程序继续运行，也可以选择“强制关闭”。</a:t>
+              <a:t>用户可以选择“</a:t>
+            </a:r>
+            <a:r>
+              <a:rPr lang="zh-CN" altLang="en-US" sz="1600" noProof="1">
+                <a:highlight>
+                  <a:srgbClr val="FFFF00"/>
+                </a:highlight>
+                <a:latin typeface="微软雅黑" panose="020B0503020204020204" pitchFamily="34" charset="-122"/>
+                <a:ea typeface="微软雅黑" panose="020B0503020204020204" pitchFamily="34" charset="-122"/>
+              </a:rPr>
+              <a:t>等待</a:t>
+            </a:r>
+            <a:r>
+              <a:rPr lang="zh-CN" altLang="en-US" sz="1600" noProof="1">
+                <a:latin typeface="微软雅黑" panose="020B0503020204020204" pitchFamily="34" charset="-122"/>
+                <a:ea typeface="微软雅黑" panose="020B0503020204020204" pitchFamily="34" charset="-122"/>
+              </a:rPr>
+              <a:t>”让程序继续运行，也可选择“</a:t>
+            </a:r>
+            <a:r>
+              <a:rPr lang="zh-CN" altLang="en-US" sz="1600" noProof="1">
+                <a:highlight>
+                  <a:srgbClr val="FFFF00"/>
+                </a:highlight>
+                <a:latin typeface="微软雅黑" panose="020B0503020204020204" pitchFamily="34" charset="-122"/>
+                <a:ea typeface="微软雅黑" panose="020B0503020204020204" pitchFamily="34" charset="-122"/>
+              </a:rPr>
+              <a:t>强制关闭</a:t>
+            </a:r>
+            <a:r>
+              <a:rPr lang="zh-CN" altLang="en-US" sz="1600" noProof="1">
+                <a:latin typeface="微软雅黑" panose="020B0503020204020204" pitchFamily="34" charset="-122"/>
+                <a:ea typeface="微软雅黑" panose="020B0503020204020204" pitchFamily="34" charset="-122"/>
+              </a:rPr>
+              <a:t>”。</a:t>
             </a:r>
           </a:p>
           <a:p>
@@ -26597,26 +27039,26 @@
           <a:lstStyle/>
           <a:p>
             <a:r>
-              <a:rPr lang="zh-CN" altLang="en-US"/>
+              <a:rPr lang="zh-CN" altLang="en-US" dirty="0"/>
               <a:t>扩展知识 ：</a:t>
             </a:r>
             <a:r>
-              <a:rPr lang="en-US" altLang="zh-CN" sz="2400"/>
+              <a:rPr lang="en-US" altLang="zh-CN" sz="2400" dirty="0"/>
               <a:t>ANR</a:t>
             </a:r>
             <a:r>
-              <a:rPr lang="zh-CN" altLang="en-US"/>
+              <a:rPr lang="zh-CN" altLang="en-US" dirty="0"/>
               <a:t>（</a:t>
             </a:r>
             <a:r>
-              <a:rPr lang="zh-CN" altLang="en-US">
+              <a:rPr lang="zh-CN" altLang="en-US" dirty="0">
                 <a:latin typeface="微软雅黑" panose="020B0503020204020204" pitchFamily="34" charset="-122"/>
                 <a:ea typeface="微软雅黑" panose="020B0503020204020204" pitchFamily="34" charset="-122"/>
               </a:rPr>
               <a:t>Application Not Responding</a:t>
             </a:r>
             <a:r>
-              <a:rPr lang="zh-CN" altLang="en-US"/>
+              <a:rPr lang="zh-CN" altLang="en-US" dirty="0"/>
               <a:t>）</a:t>
             </a:r>
           </a:p>
@@ -26651,7 +27093,7 @@
         </p:blipFill>
         <p:spPr bwMode="auto">
           <a:xfrm>
-            <a:off x="6700838" y="182563"/>
+            <a:off x="6700838" y="262403"/>
             <a:ext cx="2220912" cy="3317875"/>
           </a:xfrm>
           <a:prstGeom prst="rect">
@@ -26684,62 +27126,32 @@
       </p:pic>
       <p:pic>
         <p:nvPicPr>
-          <p:cNvPr id="16388" name="图片 1" descr="20170502010400_0625">
+          <p:cNvPr id="2" name="图片 1">
             <a:extLst>
               <a:ext uri="{FF2B5EF4-FFF2-40B4-BE49-F238E27FC236}">
-                <a16:creationId xmlns:a16="http://schemas.microsoft.com/office/drawing/2014/main" id="{B903CB1D-4B0C-4241-B788-0B1397AED0EB}"/>
+                <a16:creationId xmlns:a16="http://schemas.microsoft.com/office/drawing/2014/main" id="{A16EB404-7E63-49B8-BD43-BC58DED56B27}"/>
               </a:ext>
             </a:extLst>
           </p:cNvPr>
           <p:cNvPicPr>
-            <a:picLocks noChangeAspect="1" noChangeArrowheads="1"/>
+            <a:picLocks noChangeAspect="1"/>
           </p:cNvPicPr>
           <p:nvPr/>
         </p:nvPicPr>
         <p:blipFill>
-          <a:blip r:embed="rId4">
-            <a:extLst>
-              <a:ext uri="{28A0092B-C50C-407E-A947-70E740481C1C}">
-                <a14:useLocalDpi xmlns:a14="http://schemas.microsoft.com/office/drawing/2010/main" val="0"/>
-              </a:ext>
-            </a:extLst>
-          </a:blip>
-          <a:srcRect/>
+          <a:blip r:embed="rId4"/>
           <a:stretch>
             <a:fillRect/>
           </a:stretch>
         </p:blipFill>
-        <p:spPr bwMode="auto">
+        <p:spPr>
           <a:xfrm>
-            <a:off x="5400675" y="3297238"/>
-            <a:ext cx="3521075" cy="1776412"/>
+            <a:off x="6636491" y="3653828"/>
+            <a:ext cx="2285259" cy="1227269"/>
           </a:xfrm>
           <a:prstGeom prst="rect">
             <a:avLst/>
           </a:prstGeom>
-          <a:noFill/>
-          <a:ln>
-            <a:noFill/>
-          </a:ln>
-          <a:extLst>
-            <a:ext uri="{909E8E84-426E-40DD-AFC4-6F175D3DCCD1}">
-              <a14:hiddenFill xmlns:a14="http://schemas.microsoft.com/office/drawing/2010/main">
-                <a:solidFill>
-                  <a:srgbClr val="FFFFFF"/>
-                </a:solidFill>
-              </a14:hiddenFill>
-            </a:ext>
-            <a:ext uri="{91240B29-F687-4F45-9708-019B960494DF}">
-              <a14:hiddenLine xmlns:a14="http://schemas.microsoft.com/office/drawing/2010/main" w="9525">
-                <a:solidFill>
-                  <a:srgbClr val="000000"/>
-                </a:solidFill>
-                <a:miter lim="800000"/>
-                <a:headEnd/>
-                <a:tailEnd/>
-              </a14:hiddenLine>
-            </a:ext>
-          </a:extLst>
         </p:spPr>
       </p:pic>
     </p:spTree>
@@ -26971,29 +27383,14 @@
           <a:prstGeom prst="rect">
             <a:avLst/>
           </a:prstGeom>
-          <a:noFill/>
+          <a:solidFill>
+            <a:schemeClr val="bg1">
+              <a:lumMod val="85000"/>
+            </a:schemeClr>
+          </a:solidFill>
           <a:ln>
             <a:noFill/>
           </a:ln>
-          <a:extLst>
-            <a:ext uri="{909E8E84-426E-40DD-AFC4-6F175D3DCCD1}">
-              <a14:hiddenFill xmlns:a14="http://schemas.microsoft.com/office/drawing/2010/main">
-                <a:solidFill>
-                  <a:srgbClr val="FFFFFF"/>
-                </a:solidFill>
-              </a14:hiddenFill>
-            </a:ext>
-            <a:ext uri="{91240B29-F687-4F45-9708-019B960494DF}">
-              <a14:hiddenLine xmlns:a14="http://schemas.microsoft.com/office/drawing/2010/main" w="6350">
-                <a:solidFill>
-                  <a:srgbClr val="000000"/>
-                </a:solidFill>
-                <a:miter lim="800000"/>
-                <a:headEnd/>
-                <a:tailEnd/>
-              </a14:hiddenLine>
-            </a:ext>
-          </a:extLst>
         </p:spPr>
         <p:txBody>
           <a:bodyPr lIns="0" tIns="0" rIns="0" bIns="0" anchor="ctr">
@@ -27002,7 +27399,7 @@
           <a:lstStyle/>
           <a:p>
             <a:r>
-              <a:rPr lang="en-US" altLang="zh-CN" sz="1400">
+              <a:rPr lang="en-US" altLang="zh-CN" sz="1400" dirty="0">
                 <a:solidFill>
                   <a:srgbClr val="00B050"/>
                 </a:solidFill>
@@ -27011,7 +27408,7 @@
               <a:t>//</a:t>
             </a:r>
             <a:r>
-              <a:rPr lang="zh-CN" altLang="en-US" sz="1400">
+              <a:rPr lang="zh-CN" altLang="en-US" sz="1400" dirty="0">
                 <a:solidFill>
                   <a:srgbClr val="00B050"/>
                 </a:solidFill>
@@ -27022,27 +27419,54 @@
           </a:p>
           <a:p>
             <a:r>
-              <a:rPr lang="en-US" altLang="zh-CN" sz="1400" b="1">
+              <a:rPr lang="en-US" altLang="zh-CN" sz="1400" b="1" dirty="0" err="1">
                 <a:solidFill>
                   <a:srgbClr val="00B050"/>
                 </a:solidFill>
                 <a:sym typeface="Arial" panose="020B0604020202020204" pitchFamily="34" charset="0"/>
               </a:rPr>
-              <a:t>MyBroadcastReceiver  </a:t>
-            </a:r>
-            <a:r>
-              <a:rPr lang="en-US" altLang="zh-CN" sz="1400">
+              <a:t>MyBroadcastReceiver</a:t>
+            </a:r>
+            <a:r>
+              <a:rPr lang="en-US" altLang="zh-CN" sz="1400" b="1" dirty="0">
                 <a:solidFill>
                   <a:srgbClr val="00B050"/>
                 </a:solidFill>
                 <a:sym typeface="Arial" panose="020B0604020202020204" pitchFamily="34" charset="0"/>
               </a:rPr>
-              <a:t>receiver = new MyBroadcastReceiver ();</a:t>
+              <a:t>  </a:t>
+            </a:r>
+            <a:r>
+              <a:rPr lang="en-US" altLang="zh-CN" sz="1400" dirty="0">
+                <a:solidFill>
+                  <a:srgbClr val="00B050"/>
+                </a:solidFill>
+                <a:sym typeface="Arial" panose="020B0604020202020204" pitchFamily="34" charset="0"/>
+              </a:rPr>
+              <a:t>receiver = new </a:t>
+            </a:r>
+            <a:r>
+              <a:rPr lang="en-US" altLang="zh-CN" sz="1400" dirty="0" err="1">
+                <a:solidFill>
+                  <a:srgbClr val="00B050"/>
+                </a:solidFill>
+                <a:sym typeface="Arial" panose="020B0604020202020204" pitchFamily="34" charset="0"/>
+              </a:rPr>
+              <a:t>MyBroadcastReceiver</a:t>
+            </a:r>
+            <a:r>
+              <a:rPr lang="en-US" altLang="zh-CN" sz="1400" dirty="0">
+                <a:solidFill>
+                  <a:srgbClr val="00B050"/>
+                </a:solidFill>
+                <a:sym typeface="Arial" panose="020B0604020202020204" pitchFamily="34" charset="0"/>
+              </a:rPr>
+              <a:t> ();</a:t>
             </a:r>
           </a:p>
           <a:p>
             <a:r>
-              <a:rPr lang="en-US" altLang="zh-CN" sz="1400">
+              <a:rPr lang="en-US" altLang="zh-CN" sz="1400" dirty="0">
                 <a:solidFill>
                   <a:srgbClr val="00B050"/>
                 </a:solidFill>
@@ -27051,7 +27475,7 @@
               <a:t>//</a:t>
             </a:r>
             <a:r>
-              <a:rPr lang="zh-CN" altLang="en-US" sz="1400">
+              <a:rPr lang="zh-CN" altLang="en-US" sz="1400" dirty="0">
                 <a:solidFill>
                   <a:srgbClr val="00B050"/>
                 </a:solidFill>
@@ -27062,18 +27486,81 @@
           </a:p>
           <a:p>
             <a:r>
-              <a:rPr lang="en-US" altLang="zh-CN" sz="1400">
+              <a:rPr lang="en-US" altLang="zh-CN" sz="1400" dirty="0" err="1">
                 <a:solidFill>
                   <a:srgbClr val="00B050"/>
                 </a:solidFill>
                 <a:sym typeface="Arial" panose="020B0604020202020204" pitchFamily="34" charset="0"/>
               </a:rPr>
-              <a:t>IntentFilter intentFilter = new IntentFilter("Intent_Action");</a:t>
+              <a:t>IntentFilter</a:t>
+            </a:r>
+            <a:r>
+              <a:rPr lang="en-US" altLang="zh-CN" sz="1400" dirty="0">
+                <a:solidFill>
+                  <a:srgbClr val="00B050"/>
+                </a:solidFill>
+                <a:sym typeface="Arial" panose="020B0604020202020204" pitchFamily="34" charset="0"/>
+              </a:rPr>
+              <a:t> </a:t>
+            </a:r>
+            <a:r>
+              <a:rPr lang="en-US" altLang="zh-CN" sz="1400" dirty="0" err="1">
+                <a:solidFill>
+                  <a:srgbClr val="00B050"/>
+                </a:solidFill>
+                <a:sym typeface="Arial" panose="020B0604020202020204" pitchFamily="34" charset="0"/>
+              </a:rPr>
+              <a:t>intentFilter</a:t>
+            </a:r>
+            <a:r>
+              <a:rPr lang="en-US" altLang="zh-CN" sz="1400" dirty="0">
+                <a:solidFill>
+                  <a:srgbClr val="00B050"/>
+                </a:solidFill>
+                <a:sym typeface="Arial" panose="020B0604020202020204" pitchFamily="34" charset="0"/>
+              </a:rPr>
+              <a:t> = new </a:t>
+            </a:r>
+            <a:r>
+              <a:rPr lang="en-US" altLang="zh-CN" sz="1400" dirty="0" err="1">
+                <a:solidFill>
+                  <a:srgbClr val="00B050"/>
+                </a:solidFill>
+                <a:sym typeface="Arial" panose="020B0604020202020204" pitchFamily="34" charset="0"/>
+              </a:rPr>
+              <a:t>IntentFilter</a:t>
+            </a:r>
+            <a:r>
+              <a:rPr lang="en-US" altLang="zh-CN" sz="1400" dirty="0">
+                <a:solidFill>
+                  <a:srgbClr val="00B050"/>
+                </a:solidFill>
+                <a:sym typeface="Arial" panose="020B0604020202020204" pitchFamily="34" charset="0"/>
+              </a:rPr>
+              <a:t>("</a:t>
+            </a:r>
+            <a:r>
+              <a:rPr lang="en-US" altLang="zh-CN" sz="1400" dirty="0" err="1">
+                <a:solidFill>
+                  <a:srgbClr val="00B050"/>
+                </a:solidFill>
+                <a:sym typeface="Arial" panose="020B0604020202020204" pitchFamily="34" charset="0"/>
+              </a:rPr>
+              <a:t>Intent_Action</a:t>
+            </a:r>
+            <a:r>
+              <a:rPr lang="en-US" altLang="zh-CN" sz="1400" dirty="0">
+                <a:solidFill>
+                  <a:srgbClr val="00B050"/>
+                </a:solidFill>
+                <a:sym typeface="Arial" panose="020B0604020202020204" pitchFamily="34" charset="0"/>
+              </a:rPr>
+              <a:t>");</a:t>
             </a:r>
           </a:p>
           <a:p>
             <a:r>
-              <a:rPr lang="en-US" altLang="zh-CN" sz="1400">
+              <a:rPr lang="en-US" altLang="zh-CN" sz="1400" dirty="0">
                 <a:solidFill>
                   <a:srgbClr val="00B050"/>
                 </a:solidFill>
@@ -27082,7 +27569,7 @@
               <a:t>//</a:t>
             </a:r>
             <a:r>
-              <a:rPr lang="zh-CN" altLang="en-US" sz="1400">
+              <a:rPr lang="zh-CN" altLang="en-US" sz="1400" dirty="0">
                 <a:solidFill>
                   <a:srgbClr val="00B050"/>
                 </a:solidFill>
@@ -27093,7 +27580,7 @@
           </a:p>
           <a:p>
             <a:r>
-              <a:rPr lang="en-US" altLang="zh-CN" sz="1400" b="1">
+              <a:rPr lang="en-US" altLang="zh-CN" sz="1400" b="1" dirty="0" err="1">
                 <a:solidFill>
                   <a:srgbClr val="00B050"/>
                 </a:solidFill>
@@ -27102,7 +27589,7 @@
               <a:t>registerReceiver</a:t>
             </a:r>
             <a:r>
-              <a:rPr lang="en-US" altLang="zh-CN" sz="1400">
+              <a:rPr lang="en-US" altLang="zh-CN" sz="1400" dirty="0">
                 <a:solidFill>
                   <a:srgbClr val="00B050"/>
                 </a:solidFill>
@@ -27111,7 +27598,7 @@
               <a:t>(receiver</a:t>
             </a:r>
             <a:r>
-              <a:rPr lang="zh-CN" altLang="en-US" sz="1400">
+              <a:rPr lang="zh-CN" altLang="en-US" sz="1400" dirty="0">
                 <a:solidFill>
                   <a:srgbClr val="00B050"/>
                 </a:solidFill>
@@ -27120,13 +27607,22 @@
               <a:t>，</a:t>
             </a:r>
             <a:r>
-              <a:rPr lang="en-US" altLang="zh-CN" sz="1400">
+              <a:rPr lang="en-US" altLang="zh-CN" sz="1400" dirty="0" err="1">
                 <a:solidFill>
                   <a:srgbClr val="00B050"/>
                 </a:solidFill>
                 <a:sym typeface="Arial" panose="020B0604020202020204" pitchFamily="34" charset="0"/>
               </a:rPr>
-              <a:t>intentFilter);</a:t>
+              <a:t>intentFilter</a:t>
+            </a:r>
+            <a:r>
+              <a:rPr lang="en-US" altLang="zh-CN" sz="1400" dirty="0">
+                <a:solidFill>
+                  <a:srgbClr val="00B050"/>
+                </a:solidFill>
+                <a:sym typeface="Arial" panose="020B0604020202020204" pitchFamily="34" charset="0"/>
+              </a:rPr>
+              <a:t>);</a:t>
             </a:r>
           </a:p>
         </p:txBody>
@@ -27315,29 +27811,14 @@
           <a:prstGeom prst="rect">
             <a:avLst/>
           </a:prstGeom>
-          <a:noFill/>
+          <a:solidFill>
+            <a:schemeClr val="bg1">
+              <a:lumMod val="85000"/>
+            </a:schemeClr>
+          </a:solidFill>
           <a:ln>
             <a:noFill/>
           </a:ln>
-          <a:extLst>
-            <a:ext uri="{909E8E84-426E-40DD-AFC4-6F175D3DCCD1}">
-              <a14:hiddenFill xmlns:a14="http://schemas.microsoft.com/office/drawing/2010/main">
-                <a:solidFill>
-                  <a:srgbClr val="FFFFFF"/>
-                </a:solidFill>
-              </a14:hiddenFill>
-            </a:ext>
-            <a:ext uri="{91240B29-F687-4F45-9708-019B960494DF}">
-              <a14:hiddenLine xmlns:a14="http://schemas.microsoft.com/office/drawing/2010/main" w="6350">
-                <a:solidFill>
-                  <a:srgbClr val="000000"/>
-                </a:solidFill>
-                <a:miter lim="800000"/>
-                <a:headEnd/>
-                <a:tailEnd/>
-              </a14:hiddenLine>
-            </a:ext>
-          </a:extLst>
         </p:spPr>
         <p:txBody>
           <a:bodyPr lIns="0" tIns="0" rIns="0" bIns="0" anchor="ctr">
@@ -27346,7 +27827,7 @@
           <a:lstStyle/>
           <a:p>
             <a:r>
-              <a:rPr lang="en-US" altLang="zh-CN" sz="1400">
+              <a:rPr lang="en-US" altLang="zh-CN" sz="1400" dirty="0">
                 <a:solidFill>
                   <a:srgbClr val="00B050"/>
                 </a:solidFill>
@@ -27355,7 +27836,7 @@
               <a:t>&lt;</a:t>
             </a:r>
             <a:r>
-              <a:rPr lang="en-US" altLang="zh-CN" sz="1400" b="1">
+              <a:rPr lang="en-US" altLang="zh-CN" sz="1400" b="1" dirty="0">
                 <a:solidFill>
                   <a:srgbClr val="00B050"/>
                 </a:solidFill>
@@ -27366,18 +27847,54 @@
           </a:p>
           <a:p>
             <a:r>
-              <a:rPr lang="en-US" altLang="zh-CN" sz="1400">
+              <a:rPr lang="en-US" altLang="zh-CN" sz="1400" dirty="0">
                 <a:solidFill>
                   <a:srgbClr val="00B050"/>
                 </a:solidFill>
                 <a:sym typeface="Arial" panose="020B0604020202020204" pitchFamily="34" charset="0"/>
               </a:rPr>
-              <a:t>  android:name = "MyBroadcastReceiver" &gt;</a:t>
+              <a:t>  </a:t>
+            </a:r>
+            <a:r>
+              <a:rPr lang="en-US" altLang="zh-CN" sz="1400" dirty="0" err="1">
+                <a:solidFill>
+                  <a:srgbClr val="00B050"/>
+                </a:solidFill>
+                <a:sym typeface="Arial" panose="020B0604020202020204" pitchFamily="34" charset="0"/>
+              </a:rPr>
+              <a:t>android:name</a:t>
+            </a:r>
+            <a:r>
+              <a:rPr lang="en-US" altLang="zh-CN" sz="1400" dirty="0">
+                <a:solidFill>
+                  <a:srgbClr val="00B050"/>
+                </a:solidFill>
+                <a:sym typeface="Arial" panose="020B0604020202020204" pitchFamily="34" charset="0"/>
+              </a:rPr>
+              <a:t> = "</a:t>
+            </a:r>
+            <a:r>
+              <a:rPr lang="en-US" altLang="zh-CN" sz="1400" dirty="0" err="1">
+                <a:solidFill>
+                  <a:srgbClr val="00B050"/>
+                </a:solidFill>
+                <a:sym typeface="Arial" panose="020B0604020202020204" pitchFamily="34" charset="0"/>
+              </a:rPr>
+              <a:t>MyBroadcastReceiver</a:t>
+            </a:r>
+            <a:r>
+              <a:rPr lang="en-US" altLang="zh-CN" sz="1400" dirty="0">
+                <a:solidFill>
+                  <a:srgbClr val="00B050"/>
+                </a:solidFill>
+                <a:sym typeface="Arial" panose="020B0604020202020204" pitchFamily="34" charset="0"/>
+              </a:rPr>
+              <a:t>" &gt;</a:t>
             </a:r>
           </a:p>
           <a:p>
             <a:r>
-              <a:rPr lang="en-US" altLang="zh-CN" sz="1400">
+              <a:rPr lang="en-US" altLang="zh-CN" sz="1400" dirty="0">
                 <a:solidFill>
                   <a:srgbClr val="00B050"/>
                 </a:solidFill>
@@ -27388,18 +27905,54 @@
           </a:p>
           <a:p>
             <a:r>
-              <a:rPr lang="en-US" altLang="zh-CN" sz="1400">
+              <a:rPr lang="en-US" altLang="zh-CN" sz="1400" dirty="0">
                 <a:solidFill>
                   <a:srgbClr val="00B050"/>
                 </a:solidFill>
                 <a:sym typeface="Arial" panose="020B0604020202020204" pitchFamily="34" charset="0"/>
               </a:rPr>
-              <a:t>    &lt;action android:name = " com.androidbook.MyBroadcastReceiver"/&gt;</a:t>
+              <a:t>    &lt;action </a:t>
+            </a:r>
+            <a:r>
+              <a:rPr lang="en-US" altLang="zh-CN" sz="1400" dirty="0" err="1">
+                <a:solidFill>
+                  <a:srgbClr val="00B050"/>
+                </a:solidFill>
+                <a:sym typeface="Arial" panose="020B0604020202020204" pitchFamily="34" charset="0"/>
+              </a:rPr>
+              <a:t>android:name</a:t>
+            </a:r>
+            <a:r>
+              <a:rPr lang="en-US" altLang="zh-CN" sz="1400" dirty="0">
+                <a:solidFill>
+                  <a:srgbClr val="00B050"/>
+                </a:solidFill>
+                <a:sym typeface="Arial" panose="020B0604020202020204" pitchFamily="34" charset="0"/>
+              </a:rPr>
+              <a:t> = " </a:t>
+            </a:r>
+            <a:r>
+              <a:rPr lang="en-US" altLang="zh-CN" sz="1400" dirty="0" err="1">
+                <a:solidFill>
+                  <a:srgbClr val="00B050"/>
+                </a:solidFill>
+                <a:sym typeface="Arial" panose="020B0604020202020204" pitchFamily="34" charset="0"/>
+              </a:rPr>
+              <a:t>com.androidbook.MyBroadcastReceiver</a:t>
+            </a:r>
+            <a:r>
+              <a:rPr lang="en-US" altLang="zh-CN" sz="1400" dirty="0">
+                <a:solidFill>
+                  <a:srgbClr val="00B050"/>
+                </a:solidFill>
+                <a:sym typeface="Arial" panose="020B0604020202020204" pitchFamily="34" charset="0"/>
+              </a:rPr>
+              <a:t>"/&gt;</a:t>
             </a:r>
           </a:p>
           <a:p>
             <a:r>
-              <a:rPr lang="en-US" altLang="zh-CN" sz="1400">
+              <a:rPr lang="en-US" altLang="zh-CN" sz="1400" dirty="0">
                 <a:solidFill>
                   <a:srgbClr val="00B050"/>
                 </a:solidFill>
@@ -27410,7 +27963,7 @@
           </a:p>
           <a:p>
             <a:r>
-              <a:rPr lang="en-US" altLang="zh-CN" sz="1400">
+              <a:rPr lang="en-US" altLang="zh-CN" sz="1400" dirty="0">
                 <a:solidFill>
                   <a:srgbClr val="00B050"/>
                 </a:solidFill>
@@ -27419,7 +27972,7 @@
               <a:t>&lt;/</a:t>
             </a:r>
             <a:r>
-              <a:rPr lang="en-US" altLang="zh-CN" sz="1400" b="1">
+              <a:rPr lang="en-US" altLang="zh-CN" sz="1400" b="1" dirty="0">
                 <a:solidFill>
                   <a:srgbClr val="00B050"/>
                 </a:solidFill>
@@ -27428,7 +27981,7 @@
               <a:t>receiver</a:t>
             </a:r>
             <a:r>
-              <a:rPr lang="en-US" altLang="zh-CN" sz="1400">
+              <a:rPr lang="en-US" altLang="zh-CN" sz="1400" dirty="0">
                 <a:solidFill>
                   <a:srgbClr val="00B050"/>
                 </a:solidFill>

--- a/07.0 -- 广播 ------- 第07章.pptx
+++ b/07.0 -- 广播 ------- 第07章.pptx
@@ -1,32 +1,32 @@
 
 <file path=ppt/presentation.xml><?xml version="1.0" encoding="utf-8"?>
-<p:presentation xmlns:a="http://schemas.openxmlformats.org/drawingml/2006/main" xmlns:r="http://schemas.openxmlformats.org/officeDocument/2006/relationships" xmlns:p="http://schemas.openxmlformats.org/presentationml/2006/main" saveSubsetFonts="1">
+<p:presentation xmlns:a="http://schemas.openxmlformats.org/drawingml/2006/main" xmlns:r="http://schemas.openxmlformats.org/officeDocument/2006/relationships" xmlns:p="http://schemas.openxmlformats.org/presentationml/2006/main">
   <p:sldMasterIdLst>
-    <p:sldMasterId id="2147483662" r:id="rId1"/>
+    <p:sldMasterId id="2147483648" r:id="rId1"/>
   </p:sldMasterIdLst>
   <p:notesMasterIdLst>
-    <p:notesMasterId r:id="rId21"/>
+    <p:notesMasterId r:id="rId4"/>
   </p:notesMasterIdLst>
   <p:sldIdLst>
-    <p:sldId id="294" r:id="rId2"/>
-    <p:sldId id="295" r:id="rId3"/>
-    <p:sldId id="321" r:id="rId4"/>
-    <p:sldId id="296" r:id="rId5"/>
-    <p:sldId id="298" r:id="rId6"/>
-    <p:sldId id="299" r:id="rId7"/>
-    <p:sldId id="300" r:id="rId8"/>
-    <p:sldId id="322" r:id="rId9"/>
-    <p:sldId id="301" r:id="rId10"/>
-    <p:sldId id="302" r:id="rId11"/>
-    <p:sldId id="303" r:id="rId12"/>
-    <p:sldId id="304" r:id="rId13"/>
-    <p:sldId id="307" r:id="rId14"/>
-    <p:sldId id="309" r:id="rId15"/>
-    <p:sldId id="310" r:id="rId16"/>
-    <p:sldId id="313" r:id="rId17"/>
-    <p:sldId id="314" r:id="rId18"/>
-    <p:sldId id="318" r:id="rId19"/>
-    <p:sldId id="320" r:id="rId20"/>
+    <p:sldId id="294" r:id="rId3"/>
+    <p:sldId id="295" r:id="rId5"/>
+    <p:sldId id="321" r:id="rId6"/>
+    <p:sldId id="296" r:id="rId7"/>
+    <p:sldId id="298" r:id="rId8"/>
+    <p:sldId id="299" r:id="rId9"/>
+    <p:sldId id="300" r:id="rId10"/>
+    <p:sldId id="322" r:id="rId11"/>
+    <p:sldId id="301" r:id="rId12"/>
+    <p:sldId id="302" r:id="rId13"/>
+    <p:sldId id="303" r:id="rId14"/>
+    <p:sldId id="304" r:id="rId15"/>
+    <p:sldId id="307" r:id="rId16"/>
+    <p:sldId id="309" r:id="rId17"/>
+    <p:sldId id="310" r:id="rId18"/>
+    <p:sldId id="313" r:id="rId19"/>
+    <p:sldId id="314" r:id="rId20"/>
+    <p:sldId id="318" r:id="rId21"/>
+    <p:sldId id="320" r:id="rId22"/>
   </p:sldIdLst>
   <p:sldSz cx="9144000" cy="5143500" type="screen16x9"/>
   <p:notesSz cx="6858000" cy="9144000"/>
@@ -160,22 +160,6 @@
       </a:defRPr>
     </a:lvl9pPr>
   </p:defaultTextStyle>
-  <p:extLst>
-    <p:ext uri="{EFAFB233-063F-42B5-8137-9DF3F51BA10A}">
-      <p15:sldGuideLst xmlns:p15="http://schemas.microsoft.com/office/powerpoint/2012/main">
-        <p15:guide id="1" orient="horz" pos="1524">
-          <p15:clr>
-            <a:srgbClr val="A4A3A4"/>
-          </p15:clr>
-        </p15:guide>
-        <p15:guide id="2" pos="2929">
-          <p15:clr>
-            <a:srgbClr val="A4A3A4"/>
-          </p15:clr>
-        </p15:guide>
-      </p15:sldGuideLst>
-    </p:ext>
-  </p:extLst>
 </p:presentation>
 </file>
 
@@ -206,13 +190,7 @@
       </p:grpSpPr>
       <p:sp>
         <p:nvSpPr>
-          <p:cNvPr id="2050" name="页眉占位符 1">
-            <a:extLst>
-              <a:ext uri="{FF2B5EF4-FFF2-40B4-BE49-F238E27FC236}">
-                <a16:creationId xmlns:a16="http://schemas.microsoft.com/office/drawing/2014/main" id="{DFDE0C4F-B6B6-4836-8051-3DF5D5A63C39}"/>
-              </a:ext>
-            </a:extLst>
-          </p:cNvPr>
+          <p:cNvPr id="2050" name="页眉占位符 1"/>
           <p:cNvSpPr>
             <a:spLocks noGrp="1" noChangeArrowheads="1"/>
           </p:cNvSpPr>
@@ -269,13 +247,7 @@
       </p:sp>
       <p:sp>
         <p:nvSpPr>
-          <p:cNvPr id="2051" name="日期占位符 2">
-            <a:extLst>
-              <a:ext uri="{FF2B5EF4-FFF2-40B4-BE49-F238E27FC236}">
-                <a16:creationId xmlns:a16="http://schemas.microsoft.com/office/drawing/2014/main" id="{D5DD173F-3810-40B3-8848-ECF22325519B}"/>
-              </a:ext>
-            </a:extLst>
-          </p:cNvPr>
+          <p:cNvPr id="2051" name="日期占位符 2"/>
           <p:cNvSpPr>
             <a:spLocks noGrp="1" noChangeArrowheads="1"/>
           </p:cNvSpPr>
@@ -328,10 +300,6 @@
             </a:pPr>
             <a:fld id="{22EB1446-B81E-4F1A-8E8B-D82CF5B2EBA5}" type="datetime1">
               <a:rPr lang="zh-CN" altLang="en-US"/>
-              <a:pPr>
-                <a:defRPr/>
-              </a:pPr>
-              <a:t>2020/11/22</a:t>
             </a:fld>
             <a:endParaRPr lang="zh-CN" altLang="en-US" sz="1200"/>
           </a:p>
@@ -339,18 +307,12 @@
       </p:sp>
       <p:sp>
         <p:nvSpPr>
-          <p:cNvPr id="7172" name="幻灯片图像占位符 3">
-            <a:extLst>
-              <a:ext uri="{FF2B5EF4-FFF2-40B4-BE49-F238E27FC236}">
-                <a16:creationId xmlns:a16="http://schemas.microsoft.com/office/drawing/2014/main" id="{74BCD7A9-9690-47D9-9483-38108AE0A87C}"/>
-              </a:ext>
-            </a:extLst>
-          </p:cNvPr>
+          <p:cNvPr id="7172" name="幻灯片图像占位符 3"/>
           <p:cNvSpPr>
             <a:spLocks noGrp="1" noRot="1" noChangeAspect="1" noChangeArrowheads="1"/>
           </p:cNvSpPr>
           <p:nvPr>
-            <p:ph type="sldImg" idx="4294967295"/>
+            <p:ph type="sldImg" idx="9"/>
           </p:nvPr>
         </p:nvSpPr>
         <p:spPr bwMode="auto">
@@ -388,13 +350,7 @@
       </p:sp>
       <p:sp>
         <p:nvSpPr>
-          <p:cNvPr id="2053" name="备注占位符 4">
-            <a:extLst>
-              <a:ext uri="{FF2B5EF4-FFF2-40B4-BE49-F238E27FC236}">
-                <a16:creationId xmlns:a16="http://schemas.microsoft.com/office/drawing/2014/main" id="{9CC7915D-DB8F-4B1D-9E12-F7B49EF04AC7}"/>
-              </a:ext>
-            </a:extLst>
-          </p:cNvPr>
+          <p:cNvPr id="2053" name="备注占位符 4"/>
           <p:cNvSpPr>
             <a:spLocks noGrp="1" noRot="1" noChangeAspect="1" noChangeArrowheads="1"/>
           </p:cNvSpPr>
@@ -555,6 +511,7 @@
               <a:rPr lang="zh-CN" altLang="en-US"/>
               <a:t>单击此处编辑母版文本样式</a:t>
             </a:r>
+            <a:endParaRPr lang="zh-CN" altLang="en-US"/>
           </a:p>
           <a:p>
             <a:pPr>
@@ -566,6 +523,7 @@
               <a:rPr lang="zh-CN" altLang="en-US"/>
               <a:t>第二级</a:t>
             </a:r>
+            <a:endParaRPr lang="zh-CN" altLang="en-US"/>
           </a:p>
           <a:p>
             <a:pPr>
@@ -577,6 +535,7 @@
               <a:rPr lang="zh-CN" altLang="en-US"/>
               <a:t>第三级</a:t>
             </a:r>
+            <a:endParaRPr lang="zh-CN" altLang="en-US"/>
           </a:p>
           <a:p>
             <a:pPr>
@@ -588,6 +547,7 @@
               <a:rPr lang="zh-CN" altLang="en-US"/>
               <a:t>第四级</a:t>
             </a:r>
+            <a:endParaRPr lang="zh-CN" altLang="en-US"/>
           </a:p>
           <a:p>
             <a:pPr>
@@ -599,18 +559,13 @@
               <a:rPr lang="zh-CN" altLang="en-US"/>
               <a:t>第五级</a:t>
             </a:r>
+            <a:endParaRPr lang="zh-CN" altLang="en-US"/>
           </a:p>
         </p:txBody>
       </p:sp>
       <p:sp>
         <p:nvSpPr>
-          <p:cNvPr id="2054" name="页脚占位符 5">
-            <a:extLst>
-              <a:ext uri="{FF2B5EF4-FFF2-40B4-BE49-F238E27FC236}">
-                <a16:creationId xmlns:a16="http://schemas.microsoft.com/office/drawing/2014/main" id="{50AC0580-D36E-4720-A06A-0FCFA4D92542}"/>
-              </a:ext>
-            </a:extLst>
-          </p:cNvPr>
+          <p:cNvPr id="2054" name="页脚占位符 5"/>
           <p:cNvSpPr>
             <a:spLocks noGrp="1" noChangeArrowheads="1"/>
           </p:cNvSpPr>
@@ -667,13 +622,7 @@
       </p:sp>
       <p:sp>
         <p:nvSpPr>
-          <p:cNvPr id="2055" name="灯片编号占位符 6">
-            <a:extLst>
-              <a:ext uri="{FF2B5EF4-FFF2-40B4-BE49-F238E27FC236}">
-                <a16:creationId xmlns:a16="http://schemas.microsoft.com/office/drawing/2014/main" id="{CA7AA21A-7DB6-4BE5-8E47-6847DAE57C51}"/>
-              </a:ext>
-            </a:extLst>
-          </p:cNvPr>
+          <p:cNvPr id="2055" name="灯片编号占位符 6"/>
           <p:cNvSpPr>
             <a:spLocks noGrp="1" noChangeArrowheads="1"/>
           </p:cNvSpPr>
@@ -714,11 +663,7 @@
           </a:extLst>
         </p:spPr>
         <p:txBody>
-          <a:bodyPr vert="horz" wrap="square" lIns="91440" tIns="45720" rIns="91440" bIns="45720" numCol="1" anchor="b" anchorCtr="0" compatLnSpc="1">
-            <a:prstTxWarp prst="textNoShape">
-              <a:avLst/>
-            </a:prstTxWarp>
-          </a:bodyPr>
+          <a:bodyPr vert="horz" wrap="square" lIns="91440" tIns="45720" rIns="91440" bIns="45720" numCol="1" anchor="b" anchorCtr="0" compatLnSpc="1"/>
           <a:lstStyle>
             <a:lvl1pPr algn="r">
               <a:defRPr/>
@@ -727,8 +672,6 @@
           <a:p>
             <a:fld id="{485C59A2-8CAE-4302-ABD3-81E44109B13B}" type="slidenum">
               <a:rPr lang="zh-CN" altLang="en-US"/>
-              <a:pPr/>
-              <a:t>‹#›</a:t>
             </a:fld>
             <a:endParaRPr lang="zh-CN" altLang="en-US" sz="1200"/>
           </a:p>
@@ -882,13 +825,7 @@
       </p:grpSpPr>
       <p:sp>
         <p:nvSpPr>
-          <p:cNvPr id="9217" name="幻灯片图像占位符 1">
-            <a:extLst>
-              <a:ext uri="{FF2B5EF4-FFF2-40B4-BE49-F238E27FC236}">
-                <a16:creationId xmlns:a16="http://schemas.microsoft.com/office/drawing/2014/main" id="{0C1B6EE8-01EE-4116-BA67-21DF084566D6}"/>
-              </a:ext>
-            </a:extLst>
-          </p:cNvPr>
+          <p:cNvPr id="9217" name="幻灯片图像占位符 1"/>
           <p:cNvSpPr>
             <a:spLocks noGrp="1" noRot="1" noChangeAspect="1" noChangeArrowheads="1" noTextEdit="1"/>
           </p:cNvSpPr>
@@ -900,13 +837,7 @@
       </p:sp>
       <p:sp>
         <p:nvSpPr>
-          <p:cNvPr id="9218" name="备注占位符 2">
-            <a:extLst>
-              <a:ext uri="{FF2B5EF4-FFF2-40B4-BE49-F238E27FC236}">
-                <a16:creationId xmlns:a16="http://schemas.microsoft.com/office/drawing/2014/main" id="{E74B8A52-F178-42D5-A2EC-C565A77D7D2D}"/>
-              </a:ext>
-            </a:extLst>
-          </p:cNvPr>
+          <p:cNvPr id="9218" name="备注占位符 2"/>
           <p:cNvSpPr>
             <a:spLocks noGrp="1" noChangeArrowheads="1"/>
           </p:cNvSpPr>
@@ -923,7 +854,6 @@
             <a:avLst/>
           </a:prstGeom>
           <a:noFill/>
-          <a:ln/>
           <a:extLst>
             <a:ext uri="{909E8E84-426E-40DD-AFC4-6F175D3DCCD1}">
               <a14:hiddenFill xmlns:a14="http://schemas.microsoft.com/office/drawing/2010/main">
@@ -954,13 +884,7 @@
       </p:sp>
       <p:sp>
         <p:nvSpPr>
-          <p:cNvPr id="9219" name="灯片编号占位符 3">
-            <a:extLst>
-              <a:ext uri="{FF2B5EF4-FFF2-40B4-BE49-F238E27FC236}">
-                <a16:creationId xmlns:a16="http://schemas.microsoft.com/office/drawing/2014/main" id="{AE45DB40-C994-4397-B2F9-E31635ABD390}"/>
-              </a:ext>
-            </a:extLst>
-          </p:cNvPr>
+          <p:cNvPr id="9219" name="灯片编号占位符 3"/>
           <p:cNvSpPr>
             <a:spLocks noGrp="1" noChangeArrowheads="1"/>
           </p:cNvSpPr>
@@ -977,8 +901,6 @@
           <a:p>
             <a:fld id="{08312A9E-B979-446D-91BA-C30790E0EC8C}" type="slidenum">
               <a:rPr lang="zh-CN" altLang="en-US" sz="1200"/>
-              <a:pPr/>
-              <a:t>1</a:t>
             </a:fld>
             <a:endParaRPr lang="zh-CN" altLang="en-US" sz="1200"/>
           </a:p>
@@ -993,7 +915,7 @@
 </file>
 
 <file path=ppt/slideLayouts/slideLayout1.xml><?xml version="1.0" encoding="utf-8"?>
-<p:sldLayout xmlns:a="http://schemas.openxmlformats.org/drawingml/2006/main" xmlns:r="http://schemas.openxmlformats.org/officeDocument/2006/relationships" xmlns:p="http://schemas.openxmlformats.org/presentationml/2006/main" showMasterSp="0" type="title" preserve="1">
+<p:sldLayout xmlns:a="http://schemas.openxmlformats.org/drawingml/2006/main" xmlns:r="http://schemas.openxmlformats.org/officeDocument/2006/relationships" xmlns:p="http://schemas.openxmlformats.org/presentationml/2006/main" type="title" preserve="1" showMasterSp="0">
   <p:cSld name="标题幻灯片">
     <p:spTree>
       <p:nvGrpSpPr>
@@ -1011,13 +933,7 @@
       </p:grpSpPr>
       <p:sp>
         <p:nvSpPr>
-          <p:cNvPr id="4" name="矩形 3">
-            <a:extLst>
-              <a:ext uri="{FF2B5EF4-FFF2-40B4-BE49-F238E27FC236}">
-                <a16:creationId xmlns:a16="http://schemas.microsoft.com/office/drawing/2014/main" id="{0702679F-8286-4802-816A-380A8B1238C5}"/>
-              </a:ext>
-            </a:extLst>
-          </p:cNvPr>
+          <p:cNvPr id="4" name="矩形 3"/>
           <p:cNvSpPr/>
           <p:nvPr/>
         </p:nvSpPr>
@@ -1067,13 +983,7 @@
       </p:sp>
       <p:sp>
         <p:nvSpPr>
-          <p:cNvPr id="5" name="矩形 4">
-            <a:extLst>
-              <a:ext uri="{FF2B5EF4-FFF2-40B4-BE49-F238E27FC236}">
-                <a16:creationId xmlns:a16="http://schemas.microsoft.com/office/drawing/2014/main" id="{7B25A88F-5427-478A-816F-D54792428A0B}"/>
-              </a:ext>
-            </a:extLst>
-          </p:cNvPr>
+          <p:cNvPr id="5" name="矩形 4"/>
           <p:cNvSpPr/>
           <p:nvPr/>
         </p:nvSpPr>
@@ -1236,13 +1146,7 @@
       </p:sp>
       <p:sp>
         <p:nvSpPr>
-          <p:cNvPr id="6" name="Date Placeholder 3">
-            <a:extLst>
-              <a:ext uri="{FF2B5EF4-FFF2-40B4-BE49-F238E27FC236}">
-                <a16:creationId xmlns:a16="http://schemas.microsoft.com/office/drawing/2014/main" id="{3EF41435-3672-46A4-B050-DC0F8311BB2F}"/>
-              </a:ext>
-            </a:extLst>
-          </p:cNvPr>
+          <p:cNvPr id="6" name="Date Placeholder 3"/>
           <p:cNvSpPr>
             <a:spLocks noGrp="1"/>
           </p:cNvSpPr>
@@ -1261,8 +1165,6 @@
           <a:p>
             <a:fld id="{C33D8BF3-04B1-4578-9944-A784348B543C}" type="datetimeFigureOut">
               <a:rPr lang="zh-CN" altLang="en-US"/>
-              <a:pPr/>
-              <a:t>2020/11/22</a:t>
             </a:fld>
             <a:endParaRPr lang="zh-CN" altLang="en-US"/>
           </a:p>
@@ -1270,13 +1172,7 @@
       </p:sp>
       <p:sp>
         <p:nvSpPr>
-          <p:cNvPr id="7" name="Footer Placeholder 4">
-            <a:extLst>
-              <a:ext uri="{FF2B5EF4-FFF2-40B4-BE49-F238E27FC236}">
-                <a16:creationId xmlns:a16="http://schemas.microsoft.com/office/drawing/2014/main" id="{F9C1740D-241E-4C4A-881E-A01D29E360C7}"/>
-              </a:ext>
-            </a:extLst>
-          </p:cNvPr>
+          <p:cNvPr id="7" name="Footer Placeholder 4"/>
           <p:cNvSpPr>
             <a:spLocks noGrp="1"/>
           </p:cNvSpPr>
@@ -1299,13 +1195,7 @@
       </p:sp>
       <p:sp>
         <p:nvSpPr>
-          <p:cNvPr id="8" name="Slide Number Placeholder 5">
-            <a:extLst>
-              <a:ext uri="{FF2B5EF4-FFF2-40B4-BE49-F238E27FC236}">
-                <a16:creationId xmlns:a16="http://schemas.microsoft.com/office/drawing/2014/main" id="{3CA3C837-5C91-4169-861E-63CD9ADD8DF3}"/>
-              </a:ext>
-            </a:extLst>
-          </p:cNvPr>
+          <p:cNvPr id="8" name="Slide Number Placeholder 5"/>
           <p:cNvSpPr>
             <a:spLocks noGrp="1"/>
           </p:cNvSpPr>
@@ -1324,19 +1214,12 @@
           <a:p>
             <a:fld id="{6559F89D-E67C-4A3B-A405-0881C6E31096}" type="slidenum">
               <a:rPr lang="zh-CN" altLang="en-US"/>
-              <a:pPr/>
-              <a:t>‹#›</a:t>
             </a:fld>
             <a:endParaRPr lang="zh-CN" altLang="en-US"/>
           </a:p>
         </p:txBody>
       </p:sp>
     </p:spTree>
-    <p:extLst>
-      <p:ext uri="{BB962C8B-B14F-4D97-AF65-F5344CB8AC3E}">
-        <p14:creationId xmlns:p14="http://schemas.microsoft.com/office/powerpoint/2010/main" val="1923472701"/>
-      </p:ext>
-    </p:extLst>
   </p:cSld>
   <p:clrMapOvr>
     <a:masterClrMapping/>
@@ -1402,6 +1285,7 @@
               <a:rPr lang="zh-CN" altLang="en-US" noProof="1"/>
               <a:t>单击此处编辑母版文本样式</a:t>
             </a:r>
+            <a:endParaRPr lang="zh-CN" altLang="en-US" noProof="1"/>
           </a:p>
           <a:p>
             <a:pPr lvl="1"/>
@@ -1409,6 +1293,7 @@
               <a:rPr lang="zh-CN" altLang="en-US" noProof="1"/>
               <a:t>第二级</a:t>
             </a:r>
+            <a:endParaRPr lang="zh-CN" altLang="en-US" noProof="1"/>
           </a:p>
           <a:p>
             <a:pPr lvl="2"/>
@@ -1416,6 +1301,7 @@
               <a:rPr lang="zh-CN" altLang="en-US" noProof="1"/>
               <a:t>第三级</a:t>
             </a:r>
+            <a:endParaRPr lang="zh-CN" altLang="en-US" noProof="1"/>
           </a:p>
           <a:p>
             <a:pPr lvl="3"/>
@@ -1423,6 +1309,7 @@
               <a:rPr lang="zh-CN" altLang="en-US" noProof="1"/>
               <a:t>第四级</a:t>
             </a:r>
+            <a:endParaRPr lang="zh-CN" altLang="en-US" noProof="1"/>
           </a:p>
           <a:p>
             <a:pPr lvl="4"/>
@@ -1430,18 +1317,13 @@
               <a:rPr lang="zh-CN" altLang="en-US" noProof="1"/>
               <a:t>第五级</a:t>
             </a:r>
+            <a:endParaRPr lang="zh-CN" altLang="en-US" noProof="1"/>
           </a:p>
         </p:txBody>
       </p:sp>
       <p:sp>
         <p:nvSpPr>
-          <p:cNvPr id="4" name="Date Placeholder 3">
-            <a:extLst>
-              <a:ext uri="{FF2B5EF4-FFF2-40B4-BE49-F238E27FC236}">
-                <a16:creationId xmlns:a16="http://schemas.microsoft.com/office/drawing/2014/main" id="{70ED5D7B-3864-4143-9835-336438AA6431}"/>
-              </a:ext>
-            </a:extLst>
-          </p:cNvPr>
+          <p:cNvPr id="4" name="Date Placeholder 3"/>
           <p:cNvSpPr>
             <a:spLocks noGrp="1"/>
           </p:cNvSpPr>
@@ -1460,8 +1342,6 @@
           <a:p>
             <a:fld id="{C33D8BF3-04B1-4578-9944-A784348B543C}" type="datetimeFigureOut">
               <a:rPr lang="zh-CN" altLang="en-US"/>
-              <a:pPr/>
-              <a:t>2020/11/22</a:t>
             </a:fld>
             <a:endParaRPr lang="zh-CN" altLang="en-US"/>
           </a:p>
@@ -1469,13 +1349,7 @@
       </p:sp>
       <p:sp>
         <p:nvSpPr>
-          <p:cNvPr id="5" name="Footer Placeholder 4">
-            <a:extLst>
-              <a:ext uri="{FF2B5EF4-FFF2-40B4-BE49-F238E27FC236}">
-                <a16:creationId xmlns:a16="http://schemas.microsoft.com/office/drawing/2014/main" id="{E8154F22-2AA4-40C1-8E33-040D2F9BAB69}"/>
-              </a:ext>
-            </a:extLst>
-          </p:cNvPr>
+          <p:cNvPr id="5" name="Footer Placeholder 4"/>
           <p:cNvSpPr>
             <a:spLocks noGrp="1"/>
           </p:cNvSpPr>
@@ -1498,13 +1372,7 @@
       </p:sp>
       <p:sp>
         <p:nvSpPr>
-          <p:cNvPr id="6" name="Slide Number Placeholder 5">
-            <a:extLst>
-              <a:ext uri="{FF2B5EF4-FFF2-40B4-BE49-F238E27FC236}">
-                <a16:creationId xmlns:a16="http://schemas.microsoft.com/office/drawing/2014/main" id="{F11D0A7A-3930-44FC-B27A-0095F117A8CD}"/>
-              </a:ext>
-            </a:extLst>
-          </p:cNvPr>
+          <p:cNvPr id="6" name="Slide Number Placeholder 5"/>
           <p:cNvSpPr>
             <a:spLocks noGrp="1"/>
           </p:cNvSpPr>
@@ -1523,19 +1391,12 @@
           <a:p>
             <a:fld id="{6348450F-1038-4811-8F00-3FEAADE26D3D}" type="slidenum">
               <a:rPr lang="zh-CN" altLang="en-US"/>
-              <a:pPr/>
-              <a:t>‹#›</a:t>
             </a:fld>
             <a:endParaRPr lang="zh-CN" altLang="en-US"/>
           </a:p>
         </p:txBody>
       </p:sp>
     </p:spTree>
-    <p:extLst>
-      <p:ext uri="{BB962C8B-B14F-4D97-AF65-F5344CB8AC3E}">
-        <p14:creationId xmlns:p14="http://schemas.microsoft.com/office/powerpoint/2010/main" val="3626902254"/>
-      </p:ext>
-    </p:extLst>
   </p:cSld>
   <p:clrMapOvr>
     <a:masterClrMapping/>
@@ -1579,18 +1440,13 @@
               <a:rPr lang="zh-CN" altLang="en-US" noProof="1"/>
               <a:t>单击此处编辑母版标题样式</a:t>
             </a:r>
+            <a:endParaRPr lang="zh-CN" altLang="en-US" noProof="1"/>
           </a:p>
         </p:txBody>
       </p:sp>
       <p:sp>
         <p:nvSpPr>
-          <p:cNvPr id="3" name="Date Placeholder 3">
-            <a:extLst>
-              <a:ext uri="{FF2B5EF4-FFF2-40B4-BE49-F238E27FC236}">
-                <a16:creationId xmlns:a16="http://schemas.microsoft.com/office/drawing/2014/main" id="{BA2CB20F-18AA-4F2D-9F39-4D08A74EE8D2}"/>
-              </a:ext>
-            </a:extLst>
-          </p:cNvPr>
+          <p:cNvPr id="3" name="Date Placeholder 3"/>
           <p:cNvSpPr>
             <a:spLocks noGrp="1"/>
           </p:cNvSpPr>
@@ -1609,8 +1465,6 @@
           <a:p>
             <a:fld id="{C33D8BF3-04B1-4578-9944-A784348B543C}" type="datetimeFigureOut">
               <a:rPr lang="zh-CN" altLang="en-US"/>
-              <a:pPr/>
-              <a:t>2020/11/22</a:t>
             </a:fld>
             <a:endParaRPr lang="zh-CN" altLang="en-US"/>
           </a:p>
@@ -1618,13 +1472,7 @@
       </p:sp>
       <p:sp>
         <p:nvSpPr>
-          <p:cNvPr id="4" name="Footer Placeholder 4">
-            <a:extLst>
-              <a:ext uri="{FF2B5EF4-FFF2-40B4-BE49-F238E27FC236}">
-                <a16:creationId xmlns:a16="http://schemas.microsoft.com/office/drawing/2014/main" id="{0FC47F21-5DB6-42DD-9D8E-FA282C2165E0}"/>
-              </a:ext>
-            </a:extLst>
-          </p:cNvPr>
+          <p:cNvPr id="4" name="Footer Placeholder 4"/>
           <p:cNvSpPr>
             <a:spLocks noGrp="1"/>
           </p:cNvSpPr>
@@ -1647,13 +1495,7 @@
       </p:sp>
       <p:sp>
         <p:nvSpPr>
-          <p:cNvPr id="5" name="Slide Number Placeholder 5">
-            <a:extLst>
-              <a:ext uri="{FF2B5EF4-FFF2-40B4-BE49-F238E27FC236}">
-                <a16:creationId xmlns:a16="http://schemas.microsoft.com/office/drawing/2014/main" id="{A7A3A28A-4DF4-4065-BB8A-1542964E3676}"/>
-              </a:ext>
-            </a:extLst>
-          </p:cNvPr>
+          <p:cNvPr id="5" name="Slide Number Placeholder 5"/>
           <p:cNvSpPr>
             <a:spLocks noGrp="1"/>
           </p:cNvSpPr>
@@ -1672,19 +1514,12 @@
           <a:p>
             <a:fld id="{F9DF2F12-A789-4B85-8784-7DD0C232F44E}" type="slidenum">
               <a:rPr lang="zh-CN" altLang="en-US"/>
-              <a:pPr/>
-              <a:t>‹#›</a:t>
             </a:fld>
             <a:endParaRPr lang="zh-CN" altLang="en-US"/>
           </a:p>
         </p:txBody>
       </p:sp>
     </p:spTree>
-    <p:extLst>
-      <p:ext uri="{BB962C8B-B14F-4D97-AF65-F5344CB8AC3E}">
-        <p14:creationId xmlns:p14="http://schemas.microsoft.com/office/powerpoint/2010/main" val="1475972495"/>
-      </p:ext>
-    </p:extLst>
   </p:cSld>
   <p:clrMapOvr>
     <a:masterClrMapping/>
@@ -1728,18 +1563,13 @@
               <a:rPr lang="zh-CN" altLang="en-US" noProof="1"/>
               <a:t>单击此处编辑母版标题样式</a:t>
             </a:r>
+            <a:endParaRPr lang="zh-CN" altLang="en-US" noProof="1"/>
           </a:p>
         </p:txBody>
       </p:sp>
       <p:sp>
         <p:nvSpPr>
-          <p:cNvPr id="3" name="Date Placeholder 3">
-            <a:extLst>
-              <a:ext uri="{FF2B5EF4-FFF2-40B4-BE49-F238E27FC236}">
-                <a16:creationId xmlns:a16="http://schemas.microsoft.com/office/drawing/2014/main" id="{2510A352-153D-4391-93AD-E97A16F2A396}"/>
-              </a:ext>
-            </a:extLst>
-          </p:cNvPr>
+          <p:cNvPr id="3" name="Date Placeholder 3"/>
           <p:cNvSpPr>
             <a:spLocks noGrp="1"/>
           </p:cNvSpPr>
@@ -1758,8 +1588,6 @@
           <a:p>
             <a:fld id="{C33D8BF3-04B1-4578-9944-A784348B543C}" type="datetimeFigureOut">
               <a:rPr lang="zh-CN" altLang="en-US"/>
-              <a:pPr/>
-              <a:t>2020/11/22</a:t>
             </a:fld>
             <a:endParaRPr lang="zh-CN" altLang="en-US"/>
           </a:p>
@@ -1767,13 +1595,7 @@
       </p:sp>
       <p:sp>
         <p:nvSpPr>
-          <p:cNvPr id="4" name="Footer Placeholder 4">
-            <a:extLst>
-              <a:ext uri="{FF2B5EF4-FFF2-40B4-BE49-F238E27FC236}">
-                <a16:creationId xmlns:a16="http://schemas.microsoft.com/office/drawing/2014/main" id="{9D6FDF95-C8C7-4518-84B9-56FEE47230AE}"/>
-              </a:ext>
-            </a:extLst>
-          </p:cNvPr>
+          <p:cNvPr id="4" name="Footer Placeholder 4"/>
           <p:cNvSpPr>
             <a:spLocks noGrp="1"/>
           </p:cNvSpPr>
@@ -1796,13 +1618,7 @@
       </p:sp>
       <p:sp>
         <p:nvSpPr>
-          <p:cNvPr id="5" name="Slide Number Placeholder 5">
-            <a:extLst>
-              <a:ext uri="{FF2B5EF4-FFF2-40B4-BE49-F238E27FC236}">
-                <a16:creationId xmlns:a16="http://schemas.microsoft.com/office/drawing/2014/main" id="{F4115837-EBD5-4A9A-A09C-8EC733A40E61}"/>
-              </a:ext>
-            </a:extLst>
-          </p:cNvPr>
+          <p:cNvPr id="5" name="Slide Number Placeholder 5"/>
           <p:cNvSpPr>
             <a:spLocks noGrp="1"/>
           </p:cNvSpPr>
@@ -1821,19 +1637,12 @@
           <a:p>
             <a:fld id="{0440B95B-4D06-4A45-837F-F750AF5A9575}" type="slidenum">
               <a:rPr lang="zh-CN" altLang="en-US"/>
-              <a:pPr/>
-              <a:t>‹#›</a:t>
             </a:fld>
             <a:endParaRPr lang="zh-CN" altLang="en-US"/>
           </a:p>
         </p:txBody>
       </p:sp>
     </p:spTree>
-    <p:extLst>
-      <p:ext uri="{BB962C8B-B14F-4D97-AF65-F5344CB8AC3E}">
-        <p14:creationId xmlns:p14="http://schemas.microsoft.com/office/powerpoint/2010/main" val="1543872767"/>
-      </p:ext>
-    </p:extLst>
   </p:cSld>
   <p:clrMapOvr>
     <a:masterClrMapping/>
@@ -1901,6 +1710,7 @@
               <a:rPr lang="zh-CN" altLang="en-US" noProof="1"/>
               <a:t>单击此处编辑母版文本样式</a:t>
             </a:r>
+            <a:endParaRPr lang="zh-CN" altLang="en-US" noProof="1"/>
           </a:p>
           <a:p>
             <a:pPr lvl="1"/>
@@ -1908,6 +1718,7 @@
               <a:rPr lang="zh-CN" altLang="en-US" noProof="1"/>
               <a:t>第二级</a:t>
             </a:r>
+            <a:endParaRPr lang="zh-CN" altLang="en-US" noProof="1"/>
           </a:p>
           <a:p>
             <a:pPr lvl="2"/>
@@ -1915,6 +1726,7 @@
               <a:rPr lang="zh-CN" altLang="en-US" noProof="1"/>
               <a:t>第三级</a:t>
             </a:r>
+            <a:endParaRPr lang="zh-CN" altLang="en-US" noProof="1"/>
           </a:p>
           <a:p>
             <a:pPr lvl="3"/>
@@ -1922,6 +1734,7 @@
               <a:rPr lang="zh-CN" altLang="en-US" noProof="1"/>
               <a:t>第四级</a:t>
             </a:r>
+            <a:endParaRPr lang="zh-CN" altLang="en-US" noProof="1"/>
           </a:p>
           <a:p>
             <a:pPr lvl="4"/>
@@ -1935,13 +1748,7 @@
       </p:sp>
       <p:sp>
         <p:nvSpPr>
-          <p:cNvPr id="4" name="Date Placeholder 3">
-            <a:extLst>
-              <a:ext uri="{FF2B5EF4-FFF2-40B4-BE49-F238E27FC236}">
-                <a16:creationId xmlns:a16="http://schemas.microsoft.com/office/drawing/2014/main" id="{4A146366-4980-4435-9F30-9BF12C1DAAE5}"/>
-              </a:ext>
-            </a:extLst>
-          </p:cNvPr>
+          <p:cNvPr id="4" name="Date Placeholder 3"/>
           <p:cNvSpPr>
             <a:spLocks noGrp="1"/>
           </p:cNvSpPr>
@@ -1960,8 +1767,6 @@
           <a:p>
             <a:fld id="{C33D8BF3-04B1-4578-9944-A784348B543C}" type="datetimeFigureOut">
               <a:rPr lang="zh-CN" altLang="en-US"/>
-              <a:pPr/>
-              <a:t>2020/11/22</a:t>
             </a:fld>
             <a:endParaRPr lang="zh-CN" altLang="en-US"/>
           </a:p>
@@ -1969,13 +1774,7 @@
       </p:sp>
       <p:sp>
         <p:nvSpPr>
-          <p:cNvPr id="5" name="Footer Placeholder 4">
-            <a:extLst>
-              <a:ext uri="{FF2B5EF4-FFF2-40B4-BE49-F238E27FC236}">
-                <a16:creationId xmlns:a16="http://schemas.microsoft.com/office/drawing/2014/main" id="{21F39286-7A11-48EE-84D6-B91A3030BFD6}"/>
-              </a:ext>
-            </a:extLst>
-          </p:cNvPr>
+          <p:cNvPr id="5" name="Footer Placeholder 4"/>
           <p:cNvSpPr>
             <a:spLocks noGrp="1"/>
           </p:cNvSpPr>
@@ -1998,13 +1797,7 @@
       </p:sp>
       <p:sp>
         <p:nvSpPr>
-          <p:cNvPr id="6" name="Slide Number Placeholder 5">
-            <a:extLst>
-              <a:ext uri="{FF2B5EF4-FFF2-40B4-BE49-F238E27FC236}">
-                <a16:creationId xmlns:a16="http://schemas.microsoft.com/office/drawing/2014/main" id="{3ACAC12C-13B5-4C32-A196-1D417F0E1E2F}"/>
-              </a:ext>
-            </a:extLst>
-          </p:cNvPr>
+          <p:cNvPr id="6" name="Slide Number Placeholder 5"/>
           <p:cNvSpPr>
             <a:spLocks noGrp="1"/>
           </p:cNvSpPr>
@@ -2023,19 +1816,12 @@
           <a:p>
             <a:fld id="{EC1CDDE3-E184-4B61-95F2-5B18ABBD977E}" type="slidenum">
               <a:rPr lang="zh-CN" altLang="en-US"/>
-              <a:pPr/>
-              <a:t>‹#›</a:t>
             </a:fld>
             <a:endParaRPr lang="zh-CN" altLang="en-US"/>
           </a:p>
         </p:txBody>
       </p:sp>
     </p:spTree>
-    <p:extLst>
-      <p:ext uri="{BB962C8B-B14F-4D97-AF65-F5344CB8AC3E}">
-        <p14:creationId xmlns:p14="http://schemas.microsoft.com/office/powerpoint/2010/main" val="1961806886"/>
-      </p:ext>
-    </p:extLst>
   </p:cSld>
   <p:clrMapOvr>
     <a:masterClrMapping/>
@@ -2044,7 +1830,7 @@
 </file>
 
 <file path=ppt/slideLayouts/slideLayout3.xml><?xml version="1.0" encoding="utf-8"?>
-<p:sldLayout xmlns:a="http://schemas.openxmlformats.org/drawingml/2006/main" xmlns:r="http://schemas.openxmlformats.org/officeDocument/2006/relationships" xmlns:p="http://schemas.openxmlformats.org/presentationml/2006/main" showMasterSp="0" type="secHead" preserve="1">
+<p:sldLayout xmlns:a="http://schemas.openxmlformats.org/drawingml/2006/main" xmlns:r="http://schemas.openxmlformats.org/officeDocument/2006/relationships" xmlns:p="http://schemas.openxmlformats.org/presentationml/2006/main" type="secHead" preserve="1" showMasterSp="0">
   <p:cSld name="节标题">
     <p:spTree>
       <p:nvGrpSpPr>
@@ -2062,13 +1848,7 @@
       </p:grpSpPr>
       <p:sp>
         <p:nvSpPr>
-          <p:cNvPr id="4" name="矩形 3">
-            <a:extLst>
-              <a:ext uri="{FF2B5EF4-FFF2-40B4-BE49-F238E27FC236}">
-                <a16:creationId xmlns:a16="http://schemas.microsoft.com/office/drawing/2014/main" id="{0EF02930-BB29-409F-B67C-EE4AB8284ADC}"/>
-              </a:ext>
-            </a:extLst>
-          </p:cNvPr>
+          <p:cNvPr id="4" name="矩形 3"/>
           <p:cNvSpPr/>
           <p:nvPr/>
         </p:nvSpPr>
@@ -2116,13 +1896,7 @@
       </p:sp>
       <p:sp>
         <p:nvSpPr>
-          <p:cNvPr id="5" name="矩形 4">
-            <a:extLst>
-              <a:ext uri="{FF2B5EF4-FFF2-40B4-BE49-F238E27FC236}">
-                <a16:creationId xmlns:a16="http://schemas.microsoft.com/office/drawing/2014/main" id="{AF147336-7DBA-4ECD-B97D-1141EA38F079}"/>
-              </a:ext>
-            </a:extLst>
-          </p:cNvPr>
+          <p:cNvPr id="5" name="矩形 4"/>
           <p:cNvSpPr/>
           <p:nvPr/>
         </p:nvSpPr>
@@ -2319,18 +2093,13 @@
               <a:rPr lang="zh-CN" altLang="en-US" noProof="1"/>
               <a:t>单击此处编辑母版文本样式</a:t>
             </a:r>
+            <a:endParaRPr lang="zh-CN" altLang="en-US" noProof="1"/>
           </a:p>
         </p:txBody>
       </p:sp>
       <p:sp>
         <p:nvSpPr>
-          <p:cNvPr id="6" name="Date Placeholder 3">
-            <a:extLst>
-              <a:ext uri="{FF2B5EF4-FFF2-40B4-BE49-F238E27FC236}">
-                <a16:creationId xmlns:a16="http://schemas.microsoft.com/office/drawing/2014/main" id="{7B141386-CFDD-4F06-B466-C043A472C8C9}"/>
-              </a:ext>
-            </a:extLst>
-          </p:cNvPr>
+          <p:cNvPr id="6" name="Date Placeholder 3"/>
           <p:cNvSpPr>
             <a:spLocks noGrp="1"/>
           </p:cNvSpPr>
@@ -2349,8 +2118,6 @@
           <a:p>
             <a:fld id="{C33D8BF3-04B1-4578-9944-A784348B543C}" type="datetimeFigureOut">
               <a:rPr lang="zh-CN" altLang="en-US"/>
-              <a:pPr/>
-              <a:t>2020/11/22</a:t>
             </a:fld>
             <a:endParaRPr lang="zh-CN" altLang="en-US"/>
           </a:p>
@@ -2358,13 +2125,7 @@
       </p:sp>
       <p:sp>
         <p:nvSpPr>
-          <p:cNvPr id="7" name="Footer Placeholder 4">
-            <a:extLst>
-              <a:ext uri="{FF2B5EF4-FFF2-40B4-BE49-F238E27FC236}">
-                <a16:creationId xmlns:a16="http://schemas.microsoft.com/office/drawing/2014/main" id="{85E19516-140F-4AC6-B9B0-85A7882A305B}"/>
-              </a:ext>
-            </a:extLst>
-          </p:cNvPr>
+          <p:cNvPr id="7" name="Footer Placeholder 4"/>
           <p:cNvSpPr>
             <a:spLocks noGrp="1"/>
           </p:cNvSpPr>
@@ -2387,13 +2148,7 @@
       </p:sp>
       <p:sp>
         <p:nvSpPr>
-          <p:cNvPr id="8" name="Slide Number Placeholder 5">
-            <a:extLst>
-              <a:ext uri="{FF2B5EF4-FFF2-40B4-BE49-F238E27FC236}">
-                <a16:creationId xmlns:a16="http://schemas.microsoft.com/office/drawing/2014/main" id="{1BA57B1C-9728-4B65-B94A-7F944AD16B31}"/>
-              </a:ext>
-            </a:extLst>
-          </p:cNvPr>
+          <p:cNvPr id="8" name="Slide Number Placeholder 5"/>
           <p:cNvSpPr>
             <a:spLocks noGrp="1"/>
           </p:cNvSpPr>
@@ -2412,19 +2167,12 @@
           <a:p>
             <a:fld id="{2105D1CF-1C06-49C3-8683-224FCA8193DA}" type="slidenum">
               <a:rPr lang="zh-CN" altLang="en-US"/>
-              <a:pPr/>
-              <a:t>‹#›</a:t>
             </a:fld>
             <a:endParaRPr lang="zh-CN" altLang="en-US"/>
           </a:p>
         </p:txBody>
       </p:sp>
     </p:spTree>
-    <p:extLst>
-      <p:ext uri="{BB962C8B-B14F-4D97-AF65-F5344CB8AC3E}">
-        <p14:creationId xmlns:p14="http://schemas.microsoft.com/office/powerpoint/2010/main" val="1905476842"/>
-      </p:ext>
-    </p:extLst>
   </p:cSld>
   <p:clrMapOvr>
     <a:masterClrMapping/>
@@ -2501,6 +2249,7 @@
               <a:rPr lang="zh-CN" altLang="en-US" noProof="1"/>
               <a:t>单击此处编辑母版文本样式</a:t>
             </a:r>
+            <a:endParaRPr lang="zh-CN" altLang="en-US" noProof="1"/>
           </a:p>
           <a:p>
             <a:pPr lvl="1"/>
@@ -2508,6 +2257,7 @@
               <a:rPr lang="zh-CN" altLang="en-US" noProof="1"/>
               <a:t>第二级</a:t>
             </a:r>
+            <a:endParaRPr lang="zh-CN" altLang="en-US" noProof="1"/>
           </a:p>
           <a:p>
             <a:pPr lvl="2"/>
@@ -2515,6 +2265,7 @@
               <a:rPr lang="zh-CN" altLang="en-US" noProof="1"/>
               <a:t>第三级</a:t>
             </a:r>
+            <a:endParaRPr lang="zh-CN" altLang="en-US" noProof="1"/>
           </a:p>
           <a:p>
             <a:pPr lvl="3"/>
@@ -2522,6 +2273,7 @@
               <a:rPr lang="zh-CN" altLang="en-US" noProof="1"/>
               <a:t>第四级</a:t>
             </a:r>
+            <a:endParaRPr lang="zh-CN" altLang="en-US" noProof="1"/>
           </a:p>
           <a:p>
             <a:pPr lvl="4"/>
@@ -2558,6 +2310,7 @@
               <a:rPr lang="zh-CN" altLang="en-US" noProof="1"/>
               <a:t>单击此处编辑母版文本样式</a:t>
             </a:r>
+            <a:endParaRPr lang="zh-CN" altLang="en-US" noProof="1"/>
           </a:p>
           <a:p>
             <a:pPr lvl="1"/>
@@ -2565,6 +2318,7 @@
               <a:rPr lang="zh-CN" altLang="en-US" noProof="1"/>
               <a:t>第二级</a:t>
             </a:r>
+            <a:endParaRPr lang="zh-CN" altLang="en-US" noProof="1"/>
           </a:p>
           <a:p>
             <a:pPr lvl="2"/>
@@ -2572,6 +2326,7 @@
               <a:rPr lang="zh-CN" altLang="en-US" noProof="1"/>
               <a:t>第三级</a:t>
             </a:r>
+            <a:endParaRPr lang="zh-CN" altLang="en-US" noProof="1"/>
           </a:p>
           <a:p>
             <a:pPr lvl="3"/>
@@ -2579,6 +2334,7 @@
               <a:rPr lang="zh-CN" altLang="en-US" noProof="1"/>
               <a:t>第四级</a:t>
             </a:r>
+            <a:endParaRPr lang="zh-CN" altLang="en-US" noProof="1"/>
           </a:p>
           <a:p>
             <a:pPr lvl="4"/>
@@ -2592,13 +2348,7 @@
       </p:sp>
       <p:sp>
         <p:nvSpPr>
-          <p:cNvPr id="5" name="Date Placeholder 3">
-            <a:extLst>
-              <a:ext uri="{FF2B5EF4-FFF2-40B4-BE49-F238E27FC236}">
-                <a16:creationId xmlns:a16="http://schemas.microsoft.com/office/drawing/2014/main" id="{09D47F6F-57F2-4F20-80BC-FA0C035C6BFD}"/>
-              </a:ext>
-            </a:extLst>
-          </p:cNvPr>
+          <p:cNvPr id="5" name="Date Placeholder 3"/>
           <p:cNvSpPr>
             <a:spLocks noGrp="1"/>
           </p:cNvSpPr>
@@ -2617,8 +2367,6 @@
           <a:p>
             <a:fld id="{C33D8BF3-04B1-4578-9944-A784348B543C}" type="datetimeFigureOut">
               <a:rPr lang="zh-CN" altLang="en-US"/>
-              <a:pPr/>
-              <a:t>2020/11/22</a:t>
             </a:fld>
             <a:endParaRPr lang="zh-CN" altLang="en-US"/>
           </a:p>
@@ -2626,13 +2374,7 @@
       </p:sp>
       <p:sp>
         <p:nvSpPr>
-          <p:cNvPr id="6" name="Footer Placeholder 4">
-            <a:extLst>
-              <a:ext uri="{FF2B5EF4-FFF2-40B4-BE49-F238E27FC236}">
-                <a16:creationId xmlns:a16="http://schemas.microsoft.com/office/drawing/2014/main" id="{E19ADB83-78FD-4960-89AD-78511D539E9A}"/>
-              </a:ext>
-            </a:extLst>
-          </p:cNvPr>
+          <p:cNvPr id="6" name="Footer Placeholder 4"/>
           <p:cNvSpPr>
             <a:spLocks noGrp="1"/>
           </p:cNvSpPr>
@@ -2655,13 +2397,7 @@
       </p:sp>
       <p:sp>
         <p:nvSpPr>
-          <p:cNvPr id="7" name="Slide Number Placeholder 5">
-            <a:extLst>
-              <a:ext uri="{FF2B5EF4-FFF2-40B4-BE49-F238E27FC236}">
-                <a16:creationId xmlns:a16="http://schemas.microsoft.com/office/drawing/2014/main" id="{363C81B4-3128-4D07-B10B-DA79687CA1BD}"/>
-              </a:ext>
-            </a:extLst>
-          </p:cNvPr>
+          <p:cNvPr id="7" name="Slide Number Placeholder 5"/>
           <p:cNvSpPr>
             <a:spLocks noGrp="1"/>
           </p:cNvSpPr>
@@ -2680,19 +2416,12 @@
           <a:p>
             <a:fld id="{EDCFD50C-C331-42C9-9319-80E76E591036}" type="slidenum">
               <a:rPr lang="zh-CN" altLang="en-US"/>
-              <a:pPr/>
-              <a:t>‹#›</a:t>
             </a:fld>
             <a:endParaRPr lang="zh-CN" altLang="en-US"/>
           </a:p>
         </p:txBody>
       </p:sp>
     </p:spTree>
-    <p:extLst>
-      <p:ext uri="{BB962C8B-B14F-4D97-AF65-F5344CB8AC3E}">
-        <p14:creationId xmlns:p14="http://schemas.microsoft.com/office/powerpoint/2010/main" val="2479396603"/>
-      </p:ext>
-    </p:extLst>
   </p:cSld>
   <p:clrMapOvr>
     <a:masterClrMapping/>
@@ -2779,6 +2508,7 @@
               <a:rPr lang="zh-CN" altLang="en-US" noProof="1"/>
               <a:t>单击此处编辑母版文本样式</a:t>
             </a:r>
+            <a:endParaRPr lang="zh-CN" altLang="en-US" noProof="1"/>
           </a:p>
         </p:txBody>
       </p:sp>
@@ -2807,6 +2537,7 @@
               <a:rPr lang="zh-CN" altLang="en-US" noProof="1"/>
               <a:t>单击此处编辑母版文本样式</a:t>
             </a:r>
+            <a:endParaRPr lang="zh-CN" altLang="en-US" noProof="1"/>
           </a:p>
           <a:p>
             <a:pPr lvl="1"/>
@@ -2814,6 +2545,7 @@
               <a:rPr lang="zh-CN" altLang="en-US" noProof="1"/>
               <a:t>第二级</a:t>
             </a:r>
+            <a:endParaRPr lang="zh-CN" altLang="en-US" noProof="1"/>
           </a:p>
           <a:p>
             <a:pPr lvl="2"/>
@@ -2821,6 +2553,7 @@
               <a:rPr lang="zh-CN" altLang="en-US" noProof="1"/>
               <a:t>第三级</a:t>
             </a:r>
+            <a:endParaRPr lang="zh-CN" altLang="en-US" noProof="1"/>
           </a:p>
           <a:p>
             <a:pPr lvl="3"/>
@@ -2828,6 +2561,7 @@
               <a:rPr lang="zh-CN" altLang="en-US" noProof="1"/>
               <a:t>第四级</a:t>
             </a:r>
+            <a:endParaRPr lang="zh-CN" altLang="en-US" noProof="1"/>
           </a:p>
           <a:p>
             <a:pPr lvl="4"/>
@@ -2901,6 +2635,7 @@
               <a:rPr lang="zh-CN" altLang="en-US" noProof="1"/>
               <a:t>单击此处编辑母版文本样式</a:t>
             </a:r>
+            <a:endParaRPr lang="zh-CN" altLang="en-US" noProof="1"/>
           </a:p>
         </p:txBody>
       </p:sp>
@@ -2929,6 +2664,7 @@
               <a:rPr lang="zh-CN" altLang="en-US" noProof="1"/>
               <a:t>单击此处编辑母版文本样式</a:t>
             </a:r>
+            <a:endParaRPr lang="zh-CN" altLang="en-US" noProof="1"/>
           </a:p>
           <a:p>
             <a:pPr lvl="1"/>
@@ -2936,6 +2672,7 @@
               <a:rPr lang="zh-CN" altLang="en-US" noProof="1"/>
               <a:t>第二级</a:t>
             </a:r>
+            <a:endParaRPr lang="zh-CN" altLang="en-US" noProof="1"/>
           </a:p>
           <a:p>
             <a:pPr lvl="2"/>
@@ -2943,6 +2680,7 @@
               <a:rPr lang="zh-CN" altLang="en-US" noProof="1"/>
               <a:t>第三级</a:t>
             </a:r>
+            <a:endParaRPr lang="zh-CN" altLang="en-US" noProof="1"/>
           </a:p>
           <a:p>
             <a:pPr lvl="3"/>
@@ -2950,6 +2688,7 @@
               <a:rPr lang="zh-CN" altLang="en-US" noProof="1"/>
               <a:t>第四级</a:t>
             </a:r>
+            <a:endParaRPr lang="zh-CN" altLang="en-US" noProof="1"/>
           </a:p>
           <a:p>
             <a:pPr lvl="4"/>
@@ -2995,13 +2734,7 @@
       </p:sp>
       <p:sp>
         <p:nvSpPr>
-          <p:cNvPr id="7" name="Date Placeholder 3">
-            <a:extLst>
-              <a:ext uri="{FF2B5EF4-FFF2-40B4-BE49-F238E27FC236}">
-                <a16:creationId xmlns:a16="http://schemas.microsoft.com/office/drawing/2014/main" id="{3DEAB2C2-9304-4BD1-8B23-DEF796A6EF49}"/>
-              </a:ext>
-            </a:extLst>
-          </p:cNvPr>
+          <p:cNvPr id="7" name="Date Placeholder 3"/>
           <p:cNvSpPr>
             <a:spLocks noGrp="1"/>
           </p:cNvSpPr>
@@ -3020,8 +2753,6 @@
           <a:p>
             <a:fld id="{C33D8BF3-04B1-4578-9944-A784348B543C}" type="datetimeFigureOut">
               <a:rPr lang="zh-CN" altLang="en-US"/>
-              <a:pPr/>
-              <a:t>2020/11/22</a:t>
             </a:fld>
             <a:endParaRPr lang="zh-CN" altLang="en-US"/>
           </a:p>
@@ -3029,13 +2760,7 @@
       </p:sp>
       <p:sp>
         <p:nvSpPr>
-          <p:cNvPr id="8" name="Footer Placeholder 4">
-            <a:extLst>
-              <a:ext uri="{FF2B5EF4-FFF2-40B4-BE49-F238E27FC236}">
-                <a16:creationId xmlns:a16="http://schemas.microsoft.com/office/drawing/2014/main" id="{112B493E-DFF9-4EBB-A61C-531B7CE25794}"/>
-              </a:ext>
-            </a:extLst>
-          </p:cNvPr>
+          <p:cNvPr id="8" name="Footer Placeholder 4"/>
           <p:cNvSpPr>
             <a:spLocks noGrp="1"/>
           </p:cNvSpPr>
@@ -3058,13 +2783,7 @@
       </p:sp>
       <p:sp>
         <p:nvSpPr>
-          <p:cNvPr id="9" name="Slide Number Placeholder 5">
-            <a:extLst>
-              <a:ext uri="{FF2B5EF4-FFF2-40B4-BE49-F238E27FC236}">
-                <a16:creationId xmlns:a16="http://schemas.microsoft.com/office/drawing/2014/main" id="{D7D94657-9170-4FA4-8E9F-7D86EA6ADCC4}"/>
-              </a:ext>
-            </a:extLst>
-          </p:cNvPr>
+          <p:cNvPr id="9" name="Slide Number Placeholder 5"/>
           <p:cNvSpPr>
             <a:spLocks noGrp="1"/>
           </p:cNvSpPr>
@@ -3083,19 +2802,12 @@
           <a:p>
             <a:fld id="{2B14B7FA-F5B2-4568-90F6-BD27066EA9B9}" type="slidenum">
               <a:rPr lang="zh-CN" altLang="en-US"/>
-              <a:pPr/>
-              <a:t>‹#›</a:t>
             </a:fld>
             <a:endParaRPr lang="zh-CN" altLang="en-US"/>
           </a:p>
         </p:txBody>
       </p:sp>
     </p:spTree>
-    <p:extLst>
-      <p:ext uri="{BB962C8B-B14F-4D97-AF65-F5344CB8AC3E}">
-        <p14:creationId xmlns:p14="http://schemas.microsoft.com/office/powerpoint/2010/main" val="3682098983"/>
-      </p:ext>
-    </p:extLst>
   </p:cSld>
   <p:clrMapOvr>
     <a:masterClrMapping/>
@@ -3122,13 +2834,7 @@
       </p:grpSpPr>
       <p:sp>
         <p:nvSpPr>
-          <p:cNvPr id="7" name="矩形 2">
-            <a:extLst>
-              <a:ext uri="{FF2B5EF4-FFF2-40B4-BE49-F238E27FC236}">
-                <a16:creationId xmlns:a16="http://schemas.microsoft.com/office/drawing/2014/main" id="{5B7FB289-74F7-4D4B-A3E2-FB6B44120E98}"/>
-              </a:ext>
-            </a:extLst>
-          </p:cNvPr>
+          <p:cNvPr id="7" name="矩形 2"/>
           <p:cNvSpPr>
             <a:spLocks noChangeArrowheads="1"/>
           </p:cNvSpPr>
@@ -3182,13 +2888,7 @@
       </p:sp>
       <p:sp>
         <p:nvSpPr>
-          <p:cNvPr id="8" name="矩形 3">
-            <a:extLst>
-              <a:ext uri="{FF2B5EF4-FFF2-40B4-BE49-F238E27FC236}">
-                <a16:creationId xmlns:a16="http://schemas.microsoft.com/office/drawing/2014/main" id="{056FA0F5-9527-421A-8F84-50B1D3CEE132}"/>
-              </a:ext>
-            </a:extLst>
-          </p:cNvPr>
+          <p:cNvPr id="8" name="矩形 3"/>
           <p:cNvSpPr>
             <a:spLocks noChangeArrowheads="1"/>
           </p:cNvSpPr>
@@ -3242,13 +2942,7 @@
       </p:sp>
       <p:sp>
         <p:nvSpPr>
-          <p:cNvPr id="9" name="矩形 4">
-            <a:extLst>
-              <a:ext uri="{FF2B5EF4-FFF2-40B4-BE49-F238E27FC236}">
-                <a16:creationId xmlns:a16="http://schemas.microsoft.com/office/drawing/2014/main" id="{981CC76B-56FA-44FE-ABDA-F9E9F5B51E8D}"/>
-              </a:ext>
-            </a:extLst>
-          </p:cNvPr>
+          <p:cNvPr id="9" name="矩形 4"/>
           <p:cNvSpPr>
             <a:spLocks noChangeArrowheads="1"/>
           </p:cNvSpPr>
@@ -3270,8 +2964,6 @@
               <a:schemeClr val="accent1"/>
             </a:solidFill>
             <a:round/>
-            <a:headEnd/>
-            <a:tailEnd/>
           </a:ln>
         </p:spPr>
         <p:txBody>
@@ -3295,13 +2987,7 @@
       </p:sp>
       <p:sp>
         <p:nvSpPr>
-          <p:cNvPr id="10" name="矩形 5">
-            <a:extLst>
-              <a:ext uri="{FF2B5EF4-FFF2-40B4-BE49-F238E27FC236}">
-                <a16:creationId xmlns:a16="http://schemas.microsoft.com/office/drawing/2014/main" id="{6D049036-A5EF-4C8D-95A7-7363A3A617B3}"/>
-              </a:ext>
-            </a:extLst>
-          </p:cNvPr>
+          <p:cNvPr id="10" name="矩形 5"/>
           <p:cNvSpPr>
             <a:spLocks noChangeArrowheads="1"/>
           </p:cNvSpPr>
@@ -3355,13 +3041,7 @@
       </p:sp>
       <p:sp>
         <p:nvSpPr>
-          <p:cNvPr id="11" name="矩形 6">
-            <a:extLst>
-              <a:ext uri="{FF2B5EF4-FFF2-40B4-BE49-F238E27FC236}">
-                <a16:creationId xmlns:a16="http://schemas.microsoft.com/office/drawing/2014/main" id="{5C00040A-1C4C-4A5F-8D74-5703C444208F}"/>
-              </a:ext>
-            </a:extLst>
-          </p:cNvPr>
+          <p:cNvPr id="11" name="矩形 6"/>
           <p:cNvSpPr>
             <a:spLocks noChangeArrowheads="1"/>
           </p:cNvSpPr>
@@ -3383,8 +3063,6 @@
               <a:schemeClr val="accent1"/>
             </a:solidFill>
             <a:round/>
-            <a:headEnd/>
-            <a:tailEnd/>
           </a:ln>
         </p:spPr>
         <p:txBody>
@@ -3409,19 +3087,13 @@
       </p:sp>
       <p:sp>
         <p:nvSpPr>
-          <p:cNvPr id="12" name="KSO_Shape">
-            <a:extLst>
-              <a:ext uri="{FF2B5EF4-FFF2-40B4-BE49-F238E27FC236}">
-                <a16:creationId xmlns:a16="http://schemas.microsoft.com/office/drawing/2014/main" id="{9B2F822D-1A5A-471A-9ADA-C3683A9274B0}"/>
-              </a:ext>
-            </a:extLst>
-          </p:cNvPr>
+          <p:cNvPr id="12" name="KSO_Shape"/>
           <p:cNvSpPr>
             <a:spLocks noChangeArrowheads="1"/>
           </p:cNvSpPr>
           <p:nvPr>
             <p:custDataLst>
-              <p:tags r:id="rId1"/>
+              <p:tags r:id="rId2"/>
             </p:custDataLst>
           </p:nvPr>
         </p:nvSpPr>
@@ -3604,8 +3276,6 @@
                   <a:srgbClr val="000000"/>
                 </a:solidFill>
                 <a:round/>
-                <a:headEnd/>
-                <a:tailEnd/>
               </a14:hiddenLine>
             </a:ext>
           </a:extLst>
@@ -3620,19 +3290,13 @@
       </p:sp>
       <p:sp>
         <p:nvSpPr>
-          <p:cNvPr id="13" name="KSO_Shape">
-            <a:extLst>
-              <a:ext uri="{FF2B5EF4-FFF2-40B4-BE49-F238E27FC236}">
-                <a16:creationId xmlns:a16="http://schemas.microsoft.com/office/drawing/2014/main" id="{9501CED6-D66B-4671-B129-043F4C02654A}"/>
-              </a:ext>
-            </a:extLst>
-          </p:cNvPr>
+          <p:cNvPr id="13" name="KSO_Shape"/>
           <p:cNvSpPr>
             <a:spLocks noChangeArrowheads="1"/>
           </p:cNvSpPr>
           <p:nvPr>
             <p:custDataLst>
-              <p:tags r:id="rId2"/>
+              <p:tags r:id="rId3"/>
             </p:custDataLst>
           </p:nvPr>
         </p:nvSpPr>
@@ -4010,8 +3674,6 @@
                   <a:srgbClr val="000000"/>
                 </a:solidFill>
                 <a:round/>
-                <a:headEnd/>
-                <a:tailEnd/>
               </a14:hiddenLine>
             </a:ext>
           </a:extLst>
@@ -4026,19 +3688,13 @@
       </p:sp>
       <p:sp>
         <p:nvSpPr>
-          <p:cNvPr id="14" name="KSO_Shape">
-            <a:extLst>
-              <a:ext uri="{FF2B5EF4-FFF2-40B4-BE49-F238E27FC236}">
-                <a16:creationId xmlns:a16="http://schemas.microsoft.com/office/drawing/2014/main" id="{C8EB2C5B-40AF-4BC5-8FEE-C549D11402E4}"/>
-              </a:ext>
-            </a:extLst>
-          </p:cNvPr>
+          <p:cNvPr id="14" name="KSO_Shape"/>
           <p:cNvSpPr>
             <a:spLocks noChangeArrowheads="1"/>
           </p:cNvSpPr>
           <p:nvPr>
             <p:custDataLst>
-              <p:tags r:id="rId3"/>
+              <p:tags r:id="rId4"/>
             </p:custDataLst>
           </p:nvPr>
         </p:nvSpPr>
@@ -4318,8 +3974,6 @@
                   <a:srgbClr val="000000"/>
                 </a:solidFill>
                 <a:round/>
-                <a:headEnd/>
-                <a:tailEnd/>
               </a14:hiddenLine>
             </a:ext>
           </a:extLst>
@@ -4362,6 +4016,7 @@
               <a:rPr lang="zh-CN" altLang="en-US" noProof="1"/>
               <a:t>编辑标题</a:t>
             </a:r>
+            <a:endParaRPr lang="zh-CN" altLang="en-US" noProof="1"/>
           </a:p>
         </p:txBody>
       </p:sp>
@@ -4401,6 +4056,7 @@
               <a:rPr lang="zh-CN" altLang="en-US" noProof="1"/>
               <a:t>编辑文本</a:t>
             </a:r>
+            <a:endParaRPr lang="zh-CN" altLang="en-US" noProof="1"/>
           </a:p>
         </p:txBody>
       </p:sp>
@@ -4440,6 +4096,7 @@
               <a:rPr lang="zh-CN" altLang="en-US" noProof="1"/>
               <a:t>编辑文本</a:t>
             </a:r>
+            <a:endParaRPr lang="zh-CN" altLang="en-US" noProof="1"/>
           </a:p>
         </p:txBody>
       </p:sp>
@@ -4479,18 +4136,13 @@
               <a:rPr lang="zh-CN" altLang="en-US" noProof="1"/>
               <a:t>编辑文本</a:t>
             </a:r>
+            <a:endParaRPr lang="zh-CN" altLang="en-US" noProof="1"/>
           </a:p>
         </p:txBody>
       </p:sp>
       <p:sp>
         <p:nvSpPr>
-          <p:cNvPr id="15" name="日期占位符 17">
-            <a:extLst>
-              <a:ext uri="{FF2B5EF4-FFF2-40B4-BE49-F238E27FC236}">
-                <a16:creationId xmlns:a16="http://schemas.microsoft.com/office/drawing/2014/main" id="{F8BDB542-0097-4CBF-A793-6421D67E5FC8}"/>
-              </a:ext>
-            </a:extLst>
-          </p:cNvPr>
+          <p:cNvPr id="15" name="日期占位符 17"/>
           <p:cNvSpPr>
             <a:spLocks noGrp="1"/>
           </p:cNvSpPr>
@@ -4509,8 +4161,6 @@
           <a:p>
             <a:fld id="{C33D8BF3-04B1-4578-9944-A784348B543C}" type="datetimeFigureOut">
               <a:rPr lang="zh-CN" altLang="en-US"/>
-              <a:pPr/>
-              <a:t>2020/11/22</a:t>
             </a:fld>
             <a:endParaRPr lang="zh-CN" altLang="en-US"/>
           </a:p>
@@ -4518,13 +4168,7 @@
       </p:sp>
       <p:sp>
         <p:nvSpPr>
-          <p:cNvPr id="18" name="页脚占位符 18">
-            <a:extLst>
-              <a:ext uri="{FF2B5EF4-FFF2-40B4-BE49-F238E27FC236}">
-                <a16:creationId xmlns:a16="http://schemas.microsoft.com/office/drawing/2014/main" id="{9C447CBC-1F9C-49E6-9FA6-D8D6F440EDAC}"/>
-              </a:ext>
-            </a:extLst>
-          </p:cNvPr>
+          <p:cNvPr id="18" name="页脚占位符 18"/>
           <p:cNvSpPr>
             <a:spLocks noGrp="1"/>
           </p:cNvSpPr>
@@ -4547,13 +4191,7 @@
       </p:sp>
       <p:sp>
         <p:nvSpPr>
-          <p:cNvPr id="19" name="灯片编号占位符 19">
-            <a:extLst>
-              <a:ext uri="{FF2B5EF4-FFF2-40B4-BE49-F238E27FC236}">
-                <a16:creationId xmlns:a16="http://schemas.microsoft.com/office/drawing/2014/main" id="{8C8A0323-6799-4FF3-82ED-C64F7AC53D74}"/>
-              </a:ext>
-            </a:extLst>
-          </p:cNvPr>
+          <p:cNvPr id="19" name="灯片编号占位符 19"/>
           <p:cNvSpPr>
             <a:spLocks noGrp="1"/>
           </p:cNvSpPr>
@@ -4572,19 +4210,12 @@
           <a:p>
             <a:fld id="{8F5E74D8-5D95-4357-99CC-A5A3666806EF}" type="slidenum">
               <a:rPr lang="zh-CN" altLang="en-US"/>
-              <a:pPr/>
-              <a:t>‹#›</a:t>
             </a:fld>
             <a:endParaRPr lang="zh-CN" altLang="en-US"/>
           </a:p>
         </p:txBody>
       </p:sp>
     </p:spTree>
-    <p:extLst>
-      <p:ext uri="{BB962C8B-B14F-4D97-AF65-F5344CB8AC3E}">
-        <p14:creationId xmlns:p14="http://schemas.microsoft.com/office/powerpoint/2010/main" val="1149200510"/>
-      </p:ext>
-    </p:extLst>
   </p:cSld>
   <p:clrMapOvr>
     <a:masterClrMapping/>
@@ -4593,7 +4224,7 @@
 </file>
 
 <file path=ppt/slideLayouts/slideLayout7.xml><?xml version="1.0" encoding="utf-8"?>
-<p:sldLayout xmlns:a="http://schemas.openxmlformats.org/drawingml/2006/main" xmlns:r="http://schemas.openxmlformats.org/officeDocument/2006/relationships" xmlns:p="http://schemas.openxmlformats.org/presentationml/2006/main" showMasterSp="0" type="blank" preserve="1">
+<p:sldLayout xmlns:a="http://schemas.openxmlformats.org/drawingml/2006/main" xmlns:r="http://schemas.openxmlformats.org/officeDocument/2006/relationships" xmlns:p="http://schemas.openxmlformats.org/presentationml/2006/main" type="blank" preserve="1" showMasterSp="0">
   <p:cSld name="空白">
     <p:spTree>
       <p:nvGrpSpPr>
@@ -4611,13 +4242,7 @@
       </p:grpSpPr>
       <p:sp>
         <p:nvSpPr>
-          <p:cNvPr id="2" name="Date Placeholder 1">
-            <a:extLst>
-              <a:ext uri="{FF2B5EF4-FFF2-40B4-BE49-F238E27FC236}">
-                <a16:creationId xmlns:a16="http://schemas.microsoft.com/office/drawing/2014/main" id="{E810F1A3-2C4D-40FF-BB15-6816FB4279B5}"/>
-              </a:ext>
-            </a:extLst>
-          </p:cNvPr>
+          <p:cNvPr id="2" name="Date Placeholder 1"/>
           <p:cNvSpPr>
             <a:spLocks noGrp="1"/>
           </p:cNvSpPr>
@@ -4636,8 +4261,6 @@
           <a:p>
             <a:fld id="{C33D8BF3-04B1-4578-9944-A784348B543C}" type="datetimeFigureOut">
               <a:rPr lang="zh-CN" altLang="en-US"/>
-              <a:pPr/>
-              <a:t>2020/11/22</a:t>
             </a:fld>
             <a:endParaRPr lang="zh-CN" altLang="en-US"/>
           </a:p>
@@ -4645,13 +4268,7 @@
       </p:sp>
       <p:sp>
         <p:nvSpPr>
-          <p:cNvPr id="3" name="Footer Placeholder 2">
-            <a:extLst>
-              <a:ext uri="{FF2B5EF4-FFF2-40B4-BE49-F238E27FC236}">
-                <a16:creationId xmlns:a16="http://schemas.microsoft.com/office/drawing/2014/main" id="{EDE10B77-CC43-4D18-8ACF-CB4F760C6DD3}"/>
-              </a:ext>
-            </a:extLst>
-          </p:cNvPr>
+          <p:cNvPr id="3" name="Footer Placeholder 2"/>
           <p:cNvSpPr>
             <a:spLocks noGrp="1"/>
           </p:cNvSpPr>
@@ -4674,13 +4291,7 @@
       </p:sp>
       <p:sp>
         <p:nvSpPr>
-          <p:cNvPr id="4" name="Slide Number Placeholder 3">
-            <a:extLst>
-              <a:ext uri="{FF2B5EF4-FFF2-40B4-BE49-F238E27FC236}">
-                <a16:creationId xmlns:a16="http://schemas.microsoft.com/office/drawing/2014/main" id="{A1316692-B16C-41EA-BD23-928DD659C5A5}"/>
-              </a:ext>
-            </a:extLst>
-          </p:cNvPr>
+          <p:cNvPr id="4" name="Slide Number Placeholder 3"/>
           <p:cNvSpPr>
             <a:spLocks noGrp="1"/>
           </p:cNvSpPr>
@@ -4699,19 +4310,12 @@
           <a:p>
             <a:fld id="{3AFD9E8F-BD72-428A-9933-F4B8631C61C0}" type="slidenum">
               <a:rPr lang="zh-CN" altLang="en-US"/>
-              <a:pPr/>
-              <a:t>‹#›</a:t>
             </a:fld>
             <a:endParaRPr lang="zh-CN" altLang="en-US"/>
           </a:p>
         </p:txBody>
       </p:sp>
     </p:spTree>
-    <p:extLst>
-      <p:ext uri="{BB962C8B-B14F-4D97-AF65-F5344CB8AC3E}">
-        <p14:creationId xmlns:p14="http://schemas.microsoft.com/office/powerpoint/2010/main" val="1593831351"/>
-      </p:ext>
-    </p:extLst>
   </p:cSld>
   <p:clrMapOvr>
     <a:masterClrMapping/>
@@ -4827,13 +4431,7 @@
       </p:sp>
       <p:sp>
         <p:nvSpPr>
-          <p:cNvPr id="5" name="Date Placeholder 3">
-            <a:extLst>
-              <a:ext uri="{FF2B5EF4-FFF2-40B4-BE49-F238E27FC236}">
-                <a16:creationId xmlns:a16="http://schemas.microsoft.com/office/drawing/2014/main" id="{C27B2F0A-4C8F-4736-A454-33E86F1EE138}"/>
-              </a:ext>
-            </a:extLst>
-          </p:cNvPr>
+          <p:cNvPr id="5" name="Date Placeholder 3"/>
           <p:cNvSpPr>
             <a:spLocks noGrp="1"/>
           </p:cNvSpPr>
@@ -4852,8 +4450,6 @@
           <a:p>
             <a:fld id="{C33D8BF3-04B1-4578-9944-A784348B543C}" type="datetimeFigureOut">
               <a:rPr lang="zh-CN" altLang="en-US"/>
-              <a:pPr/>
-              <a:t>2020/11/22</a:t>
             </a:fld>
             <a:endParaRPr lang="zh-CN" altLang="en-US"/>
           </a:p>
@@ -4861,13 +4457,7 @@
       </p:sp>
       <p:sp>
         <p:nvSpPr>
-          <p:cNvPr id="6" name="Footer Placeholder 4">
-            <a:extLst>
-              <a:ext uri="{FF2B5EF4-FFF2-40B4-BE49-F238E27FC236}">
-                <a16:creationId xmlns:a16="http://schemas.microsoft.com/office/drawing/2014/main" id="{351C8373-667C-47A8-A641-E48A438DF6A5}"/>
-              </a:ext>
-            </a:extLst>
-          </p:cNvPr>
+          <p:cNvPr id="6" name="Footer Placeholder 4"/>
           <p:cNvSpPr>
             <a:spLocks noGrp="1"/>
           </p:cNvSpPr>
@@ -4890,13 +4480,7 @@
       </p:sp>
       <p:sp>
         <p:nvSpPr>
-          <p:cNvPr id="7" name="Slide Number Placeholder 5">
-            <a:extLst>
-              <a:ext uri="{FF2B5EF4-FFF2-40B4-BE49-F238E27FC236}">
-                <a16:creationId xmlns:a16="http://schemas.microsoft.com/office/drawing/2014/main" id="{2123BFDF-AE13-4376-BE93-CED935E738C7}"/>
-              </a:ext>
-            </a:extLst>
-          </p:cNvPr>
+          <p:cNvPr id="7" name="Slide Number Placeholder 5"/>
           <p:cNvSpPr>
             <a:spLocks noGrp="1"/>
           </p:cNvSpPr>
@@ -4915,19 +4499,12 @@
           <a:p>
             <a:fld id="{4AF2F017-E52E-4FF6-A437-B01F648B4869}" type="slidenum">
               <a:rPr lang="zh-CN" altLang="en-US"/>
-              <a:pPr/>
-              <a:t>‹#›</a:t>
             </a:fld>
             <a:endParaRPr lang="zh-CN" altLang="en-US"/>
           </a:p>
         </p:txBody>
       </p:sp>
     </p:spTree>
-    <p:extLst>
-      <p:ext uri="{BB962C8B-B14F-4D97-AF65-F5344CB8AC3E}">
-        <p14:creationId xmlns:p14="http://schemas.microsoft.com/office/powerpoint/2010/main" val="3400950284"/>
-      </p:ext>
-    </p:extLst>
   </p:cSld>
   <p:clrMapOvr>
     <a:masterClrMapping/>
@@ -4936,7 +4513,7 @@
 </file>
 
 <file path=ppt/slideLayouts/slideLayout9.xml><?xml version="1.0" encoding="utf-8"?>
-<p:sldLayout xmlns:a="http://schemas.openxmlformats.org/drawingml/2006/main" xmlns:r="http://schemas.openxmlformats.org/officeDocument/2006/relationships" xmlns:p="http://schemas.openxmlformats.org/presentationml/2006/main" showMasterSp="0" type="vertTitleAndTx" preserve="1">
+<p:sldLayout xmlns:a="http://schemas.openxmlformats.org/drawingml/2006/main" xmlns:r="http://schemas.openxmlformats.org/officeDocument/2006/relationships" xmlns:p="http://schemas.openxmlformats.org/presentationml/2006/main" type="vertTitleAndTx" preserve="1" showMasterSp="0">
   <p:cSld name="垂直排列标题与&#10;文本">
     <p:spTree>
       <p:nvGrpSpPr>
@@ -5015,6 +4592,7 @@
               <a:rPr lang="zh-CN" altLang="en-US" noProof="1"/>
               <a:t>单击此处编辑母版文本样式</a:t>
             </a:r>
+            <a:endParaRPr lang="zh-CN" altLang="en-US" noProof="1"/>
           </a:p>
           <a:p>
             <a:pPr lvl="1"/>
@@ -5022,6 +4600,7 @@
               <a:rPr lang="zh-CN" altLang="en-US" noProof="1"/>
               <a:t>第二级</a:t>
             </a:r>
+            <a:endParaRPr lang="zh-CN" altLang="en-US" noProof="1"/>
           </a:p>
           <a:p>
             <a:pPr lvl="2"/>
@@ -5029,6 +4608,7 @@
               <a:rPr lang="zh-CN" altLang="en-US" noProof="1"/>
               <a:t>第三级</a:t>
             </a:r>
+            <a:endParaRPr lang="zh-CN" altLang="en-US" noProof="1"/>
           </a:p>
           <a:p>
             <a:pPr lvl="3"/>
@@ -5036,6 +4616,7 @@
               <a:rPr lang="zh-CN" altLang="en-US" noProof="1"/>
               <a:t>第四级</a:t>
             </a:r>
+            <a:endParaRPr lang="zh-CN" altLang="en-US" noProof="1"/>
           </a:p>
           <a:p>
             <a:pPr lvl="4"/>
@@ -5049,13 +4630,7 @@
       </p:sp>
       <p:sp>
         <p:nvSpPr>
-          <p:cNvPr id="4" name="Date Placeholder 3">
-            <a:extLst>
-              <a:ext uri="{FF2B5EF4-FFF2-40B4-BE49-F238E27FC236}">
-                <a16:creationId xmlns:a16="http://schemas.microsoft.com/office/drawing/2014/main" id="{3B88F1F0-C00D-42B3-860D-205CC75A3E60}"/>
-              </a:ext>
-            </a:extLst>
-          </p:cNvPr>
+          <p:cNvPr id="4" name="Date Placeholder 3"/>
           <p:cNvSpPr>
             <a:spLocks noGrp="1"/>
           </p:cNvSpPr>
@@ -5074,8 +4649,6 @@
           <a:p>
             <a:fld id="{C33D8BF3-04B1-4578-9944-A784348B543C}" type="datetimeFigureOut">
               <a:rPr lang="zh-CN" altLang="en-US"/>
-              <a:pPr/>
-              <a:t>2020/11/22</a:t>
             </a:fld>
             <a:endParaRPr lang="zh-CN" altLang="en-US"/>
           </a:p>
@@ -5083,13 +4656,7 @@
       </p:sp>
       <p:sp>
         <p:nvSpPr>
-          <p:cNvPr id="5" name="Footer Placeholder 4">
-            <a:extLst>
-              <a:ext uri="{FF2B5EF4-FFF2-40B4-BE49-F238E27FC236}">
-                <a16:creationId xmlns:a16="http://schemas.microsoft.com/office/drawing/2014/main" id="{77207557-96B4-4667-B8FE-FFBDBB4FA086}"/>
-              </a:ext>
-            </a:extLst>
-          </p:cNvPr>
+          <p:cNvPr id="5" name="Footer Placeholder 4"/>
           <p:cNvSpPr>
             <a:spLocks noGrp="1"/>
           </p:cNvSpPr>
@@ -5112,13 +4679,7 @@
       </p:sp>
       <p:sp>
         <p:nvSpPr>
-          <p:cNvPr id="6" name="Slide Number Placeholder 5">
-            <a:extLst>
-              <a:ext uri="{FF2B5EF4-FFF2-40B4-BE49-F238E27FC236}">
-                <a16:creationId xmlns:a16="http://schemas.microsoft.com/office/drawing/2014/main" id="{5600A756-8243-4F3F-A79E-A5D8B710159A}"/>
-              </a:ext>
-            </a:extLst>
-          </p:cNvPr>
+          <p:cNvPr id="6" name="Slide Number Placeholder 5"/>
           <p:cNvSpPr>
             <a:spLocks noGrp="1"/>
           </p:cNvSpPr>
@@ -5137,19 +4698,12 @@
           <a:p>
             <a:fld id="{867ED24D-6BF9-4524-83E5-6AE386D5E58E}" type="slidenum">
               <a:rPr lang="zh-CN" altLang="en-US"/>
-              <a:pPr/>
-              <a:t>‹#›</a:t>
             </a:fld>
             <a:endParaRPr lang="zh-CN" altLang="en-US"/>
           </a:p>
         </p:txBody>
       </p:sp>
     </p:spTree>
-    <p:extLst>
-      <p:ext uri="{BB962C8B-B14F-4D97-AF65-F5344CB8AC3E}">
-        <p14:creationId xmlns:p14="http://schemas.microsoft.com/office/powerpoint/2010/main" val="1560493492"/>
-      </p:ext>
-    </p:extLst>
   </p:cSld>
   <p:clrMapOvr>
     <a:masterClrMapping/>
@@ -5184,13 +4738,7 @@
       </p:grpSpPr>
       <p:sp>
         <p:nvSpPr>
-          <p:cNvPr id="7" name="矩形 6">
-            <a:extLst>
-              <a:ext uri="{FF2B5EF4-FFF2-40B4-BE49-F238E27FC236}">
-                <a16:creationId xmlns:a16="http://schemas.microsoft.com/office/drawing/2014/main" id="{5ADDF9BD-3126-4F01-A0F1-AF9C04D52F85}"/>
-              </a:ext>
-            </a:extLst>
-          </p:cNvPr>
+          <p:cNvPr id="7" name="矩形 6"/>
           <p:cNvSpPr/>
           <p:nvPr/>
         </p:nvSpPr>
@@ -5240,13 +4788,7 @@
       </p:sp>
       <p:sp>
         <p:nvSpPr>
-          <p:cNvPr id="8" name="矩形 7">
-            <a:extLst>
-              <a:ext uri="{FF2B5EF4-FFF2-40B4-BE49-F238E27FC236}">
-                <a16:creationId xmlns:a16="http://schemas.microsoft.com/office/drawing/2014/main" id="{4962581B-6AC1-4ABE-B51A-38990BEBBFC3}"/>
-              </a:ext>
-            </a:extLst>
-          </p:cNvPr>
+          <p:cNvPr id="8" name="矩形 7"/>
           <p:cNvSpPr/>
           <p:nvPr/>
         </p:nvSpPr>
@@ -5259,7 +4801,7 @@
             <a:avLst/>
           </a:prstGeom>
           <a:blipFill dpi="0" rotWithShape="1">
-            <a:blip r:embed="rId16" cstate="print">
+            <a:blip r:embed="rId13" cstate="print">
               <a:extLst>
                 <a:ext uri="{28A0092B-C50C-407E-A947-70E740481C1C}">
                   <a14:useLocalDpi xmlns:a14="http://schemas.microsoft.com/office/drawing/2010/main" val="0"/>
@@ -5306,13 +4848,7 @@
       </p:sp>
       <p:sp>
         <p:nvSpPr>
-          <p:cNvPr id="1028" name="Title Placeholder 1">
-            <a:extLst>
-              <a:ext uri="{FF2B5EF4-FFF2-40B4-BE49-F238E27FC236}">
-                <a16:creationId xmlns:a16="http://schemas.microsoft.com/office/drawing/2014/main" id="{A7358FF8-B4E8-46B6-BB39-AA857891F30D}"/>
-              </a:ext>
-            </a:extLst>
-          </p:cNvPr>
+          <p:cNvPr id="1028" name="Title Placeholder 1"/>
           <p:cNvSpPr>
             <a:spLocks noGrp="1" noChangeArrowheads="1"/>
           </p:cNvSpPr>
@@ -5356,11 +4892,7 @@
           </a:extLst>
         </p:spPr>
         <p:txBody>
-          <a:bodyPr vert="horz" wrap="square" lIns="91440" tIns="45720" rIns="91440" bIns="45720" numCol="1" anchor="ctr" anchorCtr="0" compatLnSpc="1">
-            <a:prstTxWarp prst="textNoShape">
-              <a:avLst/>
-            </a:prstTxWarp>
-          </a:bodyPr>
+          <a:bodyPr vert="horz" wrap="square" lIns="91440" tIns="45720" rIns="91440" bIns="45720" numCol="1" anchor="ctr" anchorCtr="0" compatLnSpc="1"/>
           <a:lstStyle/>
           <a:p>
             <a:pPr lvl="0"/>
@@ -5374,13 +4906,7 @@
       </p:sp>
       <p:sp>
         <p:nvSpPr>
-          <p:cNvPr id="3" name="Text Placeholder 2">
-            <a:extLst>
-              <a:ext uri="{FF2B5EF4-FFF2-40B4-BE49-F238E27FC236}">
-                <a16:creationId xmlns:a16="http://schemas.microsoft.com/office/drawing/2014/main" id="{ACB49BBA-232F-4106-AF5A-244CD8DDB2EB}"/>
-              </a:ext>
-            </a:extLst>
-          </p:cNvPr>
+          <p:cNvPr id="3" name="Text Placeholder 2"/>
           <p:cNvSpPr>
             <a:spLocks noGrp="1"/>
           </p:cNvSpPr>
@@ -5411,6 +4937,7 @@
               <a:rPr lang="zh-CN" altLang="en-US" noProof="1"/>
               <a:t>单击此处编辑母版文本样式</a:t>
             </a:r>
+            <a:endParaRPr lang="zh-CN" altLang="en-US" noProof="1"/>
           </a:p>
           <a:p>
             <a:pPr lvl="1"/>
@@ -5418,6 +4945,7 @@
               <a:rPr lang="zh-CN" altLang="en-US" noProof="1"/>
               <a:t>第二级</a:t>
             </a:r>
+            <a:endParaRPr lang="zh-CN" altLang="en-US" noProof="1"/>
           </a:p>
           <a:p>
             <a:pPr lvl="2"/>
@@ -5425,6 +4953,7 @@
               <a:rPr lang="zh-CN" altLang="en-US" noProof="1"/>
               <a:t>第三级</a:t>
             </a:r>
+            <a:endParaRPr lang="zh-CN" altLang="en-US" noProof="1"/>
           </a:p>
           <a:p>
             <a:pPr lvl="3"/>
@@ -5432,6 +4961,7 @@
               <a:rPr lang="zh-CN" altLang="en-US" noProof="1"/>
               <a:t>第四级</a:t>
             </a:r>
+            <a:endParaRPr lang="zh-CN" altLang="en-US" noProof="1"/>
           </a:p>
           <a:p>
             <a:pPr lvl="4"/>
@@ -5445,13 +4975,7 @@
       </p:sp>
       <p:sp>
         <p:nvSpPr>
-          <p:cNvPr id="4" name="Date Placeholder 3">
-            <a:extLst>
-              <a:ext uri="{FF2B5EF4-FFF2-40B4-BE49-F238E27FC236}">
-                <a16:creationId xmlns:a16="http://schemas.microsoft.com/office/drawing/2014/main" id="{1B4732D7-EA10-4AF8-A6B8-AD65A55F0B63}"/>
-              </a:ext>
-            </a:extLst>
-          </p:cNvPr>
+          <p:cNvPr id="4" name="Date Placeholder 3"/>
           <p:cNvSpPr>
             <a:spLocks noGrp="1"/>
           </p:cNvSpPr>
@@ -5484,8 +5008,6 @@
           <a:p>
             <a:fld id="{C33D8BF3-04B1-4578-9944-A784348B543C}" type="datetimeFigureOut">
               <a:rPr lang="zh-CN" altLang="en-US"/>
-              <a:pPr/>
-              <a:t>2020/11/22</a:t>
             </a:fld>
             <a:endParaRPr lang="zh-CN" altLang="en-US"/>
           </a:p>
@@ -5493,13 +5015,7 @@
       </p:sp>
       <p:sp>
         <p:nvSpPr>
-          <p:cNvPr id="5" name="Footer Placeholder 4">
-            <a:extLst>
-              <a:ext uri="{FF2B5EF4-FFF2-40B4-BE49-F238E27FC236}">
-                <a16:creationId xmlns:a16="http://schemas.microsoft.com/office/drawing/2014/main" id="{C552ACDC-BAFA-41E8-975B-53903632715F}"/>
-              </a:ext>
-            </a:extLst>
-          </p:cNvPr>
+          <p:cNvPr id="5" name="Footer Placeholder 4"/>
           <p:cNvSpPr>
             <a:spLocks noGrp="1"/>
           </p:cNvSpPr>
@@ -5536,13 +5052,7 @@
       </p:sp>
       <p:sp>
         <p:nvSpPr>
-          <p:cNvPr id="6" name="Slide Number Placeholder 5">
-            <a:extLst>
-              <a:ext uri="{FF2B5EF4-FFF2-40B4-BE49-F238E27FC236}">
-                <a16:creationId xmlns:a16="http://schemas.microsoft.com/office/drawing/2014/main" id="{FB896064-6F28-4891-8C4D-2F5DC672B212}"/>
-              </a:ext>
-            </a:extLst>
-          </p:cNvPr>
+          <p:cNvPr id="6" name="Slide Number Placeholder 5"/>
           <p:cNvSpPr>
             <a:spLocks noGrp="1"/>
           </p:cNvSpPr>
@@ -5560,11 +5070,7 @@
           </a:prstGeom>
         </p:spPr>
         <p:txBody>
-          <a:bodyPr vert="horz" wrap="square" lIns="91440" tIns="45720" rIns="91440" bIns="45720" numCol="1" anchor="ctr" anchorCtr="0" compatLnSpc="1">
-            <a:prstTxWarp prst="textNoShape">
-              <a:avLst/>
-            </a:prstTxWarp>
-          </a:bodyPr>
+          <a:bodyPr vert="horz" wrap="square" lIns="91440" tIns="45720" rIns="91440" bIns="45720" numCol="1" anchor="ctr" anchorCtr="0" compatLnSpc="1"/>
           <a:lstStyle>
             <a:lvl1pPr algn="r">
               <a:defRPr sz="900">
@@ -5577,8 +5083,6 @@
           <a:p>
             <a:fld id="{EDC56272-18F7-4461-ADEA-2C80FCCF4958}" type="slidenum">
               <a:rPr lang="zh-CN" altLang="en-US"/>
-              <a:pPr/>
-              <a:t>‹#›</a:t>
             </a:fld>
             <a:endParaRPr lang="zh-CN" altLang="en-US"/>
           </a:p>
@@ -5588,18 +5092,18 @@
   </p:cSld>
   <p:clrMap bg1="lt1" tx1="dk1" bg2="lt2" tx2="dk2" accent1="accent1" accent2="accent2" accent3="accent3" accent4="accent4" accent5="accent5" accent6="accent6" hlink="hlink" folHlink="folHlink"/>
   <p:sldLayoutIdLst>
-    <p:sldLayoutId id="2147483679" r:id="rId1"/>
-    <p:sldLayoutId id="2147483678" r:id="rId2"/>
-    <p:sldLayoutId id="2147483680" r:id="rId3"/>
-    <p:sldLayoutId id="2147483677" r:id="rId4"/>
-    <p:sldLayoutId id="2147483676" r:id="rId5"/>
-    <p:sldLayoutId id="2147483681" r:id="rId6"/>
-    <p:sldLayoutId id="2147483682" r:id="rId7"/>
-    <p:sldLayoutId id="2147483675" r:id="rId8"/>
-    <p:sldLayoutId id="2147483683" r:id="rId9"/>
-    <p:sldLayoutId id="2147483674" r:id="rId10"/>
-    <p:sldLayoutId id="2147483673" r:id="rId11"/>
-    <p:sldLayoutId id="2147483672" r:id="rId12"/>
+    <p:sldLayoutId id="2147483649" r:id="rId1"/>
+    <p:sldLayoutId id="2147483650" r:id="rId2"/>
+    <p:sldLayoutId id="2147483651" r:id="rId3"/>
+    <p:sldLayoutId id="2147483652" r:id="rId4"/>
+    <p:sldLayoutId id="2147483653" r:id="rId5"/>
+    <p:sldLayoutId id="2147483654" r:id="rId6"/>
+    <p:sldLayoutId id="2147483655" r:id="rId7"/>
+    <p:sldLayoutId id="2147483656" r:id="rId8"/>
+    <p:sldLayoutId id="2147483657" r:id="rId9"/>
+    <p:sldLayoutId id="2147483658" r:id="rId10"/>
+    <p:sldLayoutId id="2147483659" r:id="rId11"/>
+    <p:sldLayoutId id="2147483660" r:id="rId12"/>
   </p:sldLayoutIdLst>
   <p:txStyles>
     <p:titleStyle>
@@ -6065,13 +5569,7 @@
       </p:grpSpPr>
       <p:sp>
         <p:nvSpPr>
-          <p:cNvPr id="2" name="矩形 1">
-            <a:extLst>
-              <a:ext uri="{FF2B5EF4-FFF2-40B4-BE49-F238E27FC236}">
-                <a16:creationId xmlns:a16="http://schemas.microsoft.com/office/drawing/2014/main" id="{4C75ADEB-5CE2-4512-BD68-9FB7F613E116}"/>
-              </a:ext>
-            </a:extLst>
-          </p:cNvPr>
+          <p:cNvPr id="2" name="矩形 1"/>
           <p:cNvSpPr/>
           <p:nvPr/>
         </p:nvSpPr>
@@ -6119,13 +5617,7 @@
       </p:sp>
       <p:sp>
         <p:nvSpPr>
-          <p:cNvPr id="3" name="文本框 2">
-            <a:extLst>
-              <a:ext uri="{FF2B5EF4-FFF2-40B4-BE49-F238E27FC236}">
-                <a16:creationId xmlns:a16="http://schemas.microsoft.com/office/drawing/2014/main" id="{16F9DD31-2FD0-42BB-9E72-4B6D7D27687B}"/>
-              </a:ext>
-            </a:extLst>
-          </p:cNvPr>
+          <p:cNvPr id="3" name="文本框 2"/>
           <p:cNvSpPr txBox="1"/>
           <p:nvPr/>
         </p:nvSpPr>
@@ -6151,7 +5643,7 @@
             <a:r>
               <a:rPr lang="zh-CN" altLang="en-US" sz="3000" kern="10" noProof="1">
                 <a:blipFill dpi="0" rotWithShape="1">
-                  <a:blip r:embed="rId4"/>
+                  <a:blip r:embed="rId1"/>
                   <a:srcRect/>
                   <a:tile tx="0" ty="0" sx="100000" sy="100000" flip="none" algn="tl"/>
                 </a:blipFill>
@@ -6180,13 +5672,7 @@
       </p:sp>
       <p:sp>
         <p:nvSpPr>
-          <p:cNvPr id="5" name="TextBox 23">
-            <a:extLst>
-              <a:ext uri="{FF2B5EF4-FFF2-40B4-BE49-F238E27FC236}">
-                <a16:creationId xmlns:a16="http://schemas.microsoft.com/office/drawing/2014/main" id="{B3BFECC8-402B-4A42-8EEC-85F3858E092C}"/>
-              </a:ext>
-            </a:extLst>
-          </p:cNvPr>
+          <p:cNvPr id="5" name="TextBox 23"/>
           <p:cNvSpPr txBox="1"/>
           <p:nvPr/>
         </p:nvSpPr>
@@ -6424,13 +5910,7 @@
       </p:sp>
       <p:sp>
         <p:nvSpPr>
-          <p:cNvPr id="9" name="文本框 8">
-            <a:extLst>
-              <a:ext uri="{FF2B5EF4-FFF2-40B4-BE49-F238E27FC236}">
-                <a16:creationId xmlns:a16="http://schemas.microsoft.com/office/drawing/2014/main" id="{D5DE7404-F3C4-4BD1-9EB6-6589D0CE8BC0}"/>
-              </a:ext>
-            </a:extLst>
-          </p:cNvPr>
+          <p:cNvPr id="9" name="文本框 8"/>
           <p:cNvSpPr txBox="1"/>
           <p:nvPr/>
         </p:nvSpPr>
@@ -6472,18 +5952,24 @@
               </a:rPr>
               <a:t>广播</a:t>
             </a:r>
+            <a:endParaRPr lang="zh-CN" altLang="en-US" sz="2400" b="1" kern="10" noProof="1">
+              <a:effectLst>
+                <a:outerShdw blurRad="38100" dist="19050" dir="2700000" algn="tl" rotWithShape="0">
+                  <a:schemeClr val="dk1">
+                    <a:alpha val="40000"/>
+                  </a:schemeClr>
+                </a:outerShdw>
+              </a:effectLst>
+              <a:latin typeface="微软雅黑" panose="020B0503020204020204" pitchFamily="34" charset="-122"/>
+              <a:ea typeface="微软雅黑" panose="020B0503020204020204" pitchFamily="34" charset="-122"/>
+              <a:sym typeface="+mn-ea"/>
+            </a:endParaRPr>
           </a:p>
         </p:txBody>
       </p:sp>
       <p:sp>
         <p:nvSpPr>
-          <p:cNvPr id="10" name="矩形 9">
-            <a:extLst>
-              <a:ext uri="{FF2B5EF4-FFF2-40B4-BE49-F238E27FC236}">
-                <a16:creationId xmlns:a16="http://schemas.microsoft.com/office/drawing/2014/main" id="{57412929-BA5F-405E-A897-1E00E33DD93F}"/>
-              </a:ext>
-            </a:extLst>
-          </p:cNvPr>
+          <p:cNvPr id="10" name="矩形 9"/>
           <p:cNvSpPr/>
           <p:nvPr/>
         </p:nvSpPr>
@@ -6531,13 +6017,7 @@
       </p:sp>
       <p:sp>
         <p:nvSpPr>
-          <p:cNvPr id="11" name="矩形 10">
-            <a:extLst>
-              <a:ext uri="{FF2B5EF4-FFF2-40B4-BE49-F238E27FC236}">
-                <a16:creationId xmlns:a16="http://schemas.microsoft.com/office/drawing/2014/main" id="{0A484773-477C-4A17-83AB-471126D81EF3}"/>
-              </a:ext>
-            </a:extLst>
-          </p:cNvPr>
+          <p:cNvPr id="11" name="矩形 10"/>
           <p:cNvSpPr/>
           <p:nvPr/>
         </p:nvSpPr>
@@ -6585,7 +6065,7 @@
       </p:sp>
     </p:spTree>
     <p:custDataLst>
-      <p:tags r:id="rId1"/>
+      <p:tags r:id="rId2"/>
     </p:custDataLst>
   </p:cSld>
   <p:clrMapOvr>
@@ -6603,7 +6083,7 @@
               <p:cTn id="2" dur="indefinite" nodeType="mainSeq">
                 <p:childTnLst>
                   <p:par>
-                    <p:cTn id="3" fill="hold" nodeType="clickPar">
+                    <p:cTn id="3" fill="hold">
                       <p:stCondLst>
                         <p:cond delay="indefinite"/>
                         <p:cond evt="onBegin" delay="0">
@@ -6612,7 +6092,7 @@
                       </p:stCondLst>
                       <p:childTnLst>
                         <p:par>
-                          <p:cTn id="4" fill="hold" nodeType="withGroup">
+                          <p:cTn id="4" fill="hold">
                             <p:stCondLst>
                               <p:cond delay="0"/>
                             </p:stCondLst>
@@ -6799,9 +6279,9 @@
                           </p:cTn>
                         </p:par>
                         <p:par>
-                          <p:cTn id="18" fill="hold" nodeType="afterGroup">
+                          <p:cTn id="18" fill="hold">
                             <p:stCondLst>
-                              <p:cond delay="700"/>
+                              <p:cond delay="500"/>
                             </p:stCondLst>
                             <p:childTnLst>
                               <p:par>
@@ -6881,9 +6361,9 @@
                           </p:cTn>
                         </p:par>
                         <p:par>
-                          <p:cTn id="23" fill="hold" nodeType="afterGroup">
+                          <p:cTn id="23" fill="hold">
                             <p:stCondLst>
-                              <p:cond delay="1200"/>
+                              <p:cond delay="1000"/>
                             </p:stCondLst>
                             <p:childTnLst>
                               <p:par>
@@ -6977,20 +6457,14 @@
       </p:grpSpPr>
       <p:pic>
         <p:nvPicPr>
-          <p:cNvPr id="18433" name="Picture 2">
-            <a:extLst>
-              <a:ext uri="{FF2B5EF4-FFF2-40B4-BE49-F238E27FC236}">
-                <a16:creationId xmlns:a16="http://schemas.microsoft.com/office/drawing/2014/main" id="{0E8F5CB9-34A2-4779-AA06-CD3C3710A177}"/>
-              </a:ext>
-            </a:extLst>
-          </p:cNvPr>
+          <p:cNvPr id="18433" name="Picture 2"/>
           <p:cNvPicPr>
             <a:picLocks noChangeAspect="1" noChangeArrowheads="1"/>
           </p:cNvPicPr>
           <p:nvPr/>
         </p:nvPicPr>
         <p:blipFill>
-          <a:blip r:embed="rId3">
+          <a:blip r:embed="rId1">
             <a:extLst>
               <a:ext uri="{28A0092B-C50C-407E-A947-70E740481C1C}">
                 <a14:useLocalDpi xmlns:a14="http://schemas.microsoft.com/office/drawing/2010/main" val="0"/>
@@ -7037,13 +6511,7 @@
       </p:pic>
       <p:sp>
         <p:nvSpPr>
-          <p:cNvPr id="18434" name="TextBox 108">
-            <a:extLst>
-              <a:ext uri="{FF2B5EF4-FFF2-40B4-BE49-F238E27FC236}">
-                <a16:creationId xmlns:a16="http://schemas.microsoft.com/office/drawing/2014/main" id="{BC710714-7D46-40A0-B3D8-EC15A48F4D49}"/>
-              </a:ext>
-            </a:extLst>
-          </p:cNvPr>
+          <p:cNvPr id="18434" name="TextBox 108"/>
           <p:cNvSpPr>
             <a:spLocks noChangeArrowheads="1"/>
           </p:cNvSpPr>
@@ -7090,7 +6558,7 @@
             <a:r>
               <a:rPr lang="en-US" altLang="zh-CN">
                 <a:solidFill>
-                  <a:srgbClr val="000000"/>
+                  <a:schemeClr val="bg1"/>
                 </a:solidFill>
                 <a:latin typeface="微软雅黑" panose="020B0503020204020204" pitchFamily="34" charset="-122"/>
                 <a:ea typeface="微软雅黑" panose="020B0503020204020204" pitchFamily="34" charset="-122"/>
@@ -7101,7 +6569,7 @@
             <a:r>
               <a:rPr lang="zh-CN" altLang="en-US">
                 <a:solidFill>
-                  <a:srgbClr val="000000"/>
+                  <a:schemeClr val="bg1"/>
                 </a:solidFill>
                 <a:latin typeface="微软雅黑" panose="020B0503020204020204" pitchFamily="34" charset="-122"/>
                 <a:ea typeface="微软雅黑" panose="020B0503020204020204" pitchFamily="34" charset="-122"/>
@@ -7109,9 +6577,9 @@
               </a:rPr>
               <a:t>声明广播</a:t>
             </a:r>
-            <a:endParaRPr lang="en-US" altLang="zh-CN">
+            <a:endParaRPr lang="zh-CN" altLang="en-US">
               <a:solidFill>
-                <a:srgbClr val="000000"/>
+                <a:schemeClr val="bg1"/>
               </a:solidFill>
               <a:latin typeface="微软雅黑" panose="020B0503020204020204" pitchFamily="34" charset="-122"/>
               <a:ea typeface="微软雅黑" panose="020B0503020204020204" pitchFamily="34" charset="-122"/>
@@ -7122,13 +6590,7 @@
       </p:sp>
       <p:sp>
         <p:nvSpPr>
-          <p:cNvPr id="13316" name="Rectangle 3">
-            <a:extLst>
-              <a:ext uri="{FF2B5EF4-FFF2-40B4-BE49-F238E27FC236}">
-                <a16:creationId xmlns:a16="http://schemas.microsoft.com/office/drawing/2014/main" id="{8A847E51-9EB7-4885-83D1-CFFA03B3EAA2}"/>
-              </a:ext>
-            </a:extLst>
-          </p:cNvPr>
+          <p:cNvPr id="13316" name="Rectangle 3"/>
           <p:cNvSpPr>
             <a:spLocks noChangeArrowheads="1"/>
           </p:cNvSpPr>
@@ -7302,6 +6764,11 @@
               </a:rPr>
               <a:t>）两种广播注册方法的区别</a:t>
             </a:r>
+            <a:endParaRPr lang="zh-CN" altLang="en-US" sz="1600" dirty="0">
+              <a:latin typeface="+mj-ea"/>
+              <a:ea typeface="+mj-ea"/>
+              <a:sym typeface="微软雅黑" panose="020B0503020204020204" pitchFamily="34" charset="-122"/>
+            </a:endParaRPr>
           </a:p>
           <a:p>
             <a:pPr>
@@ -7356,6 +6823,9 @@
               </a:rPr>
               <a:t> </a:t>
             </a:r>
+            <a:endParaRPr lang="zh-CN" altLang="en-US" dirty="0">
+              <a:sym typeface="Arial" panose="020B0604020202020204" pitchFamily="34" charset="0"/>
+            </a:endParaRPr>
           </a:p>
           <a:p>
             <a:pPr marL="342900" indent="-342900">
@@ -7375,20 +6845,14 @@
       </p:sp>
       <p:pic>
         <p:nvPicPr>
-          <p:cNvPr id="18436" name="图片 1" descr="944365-0ae738c6d50c0adf">
-            <a:extLst>
-              <a:ext uri="{FF2B5EF4-FFF2-40B4-BE49-F238E27FC236}">
-                <a16:creationId xmlns:a16="http://schemas.microsoft.com/office/drawing/2014/main" id="{BA74D272-0557-4211-BCFE-2409563773FF}"/>
-              </a:ext>
-            </a:extLst>
-          </p:cNvPr>
+          <p:cNvPr id="18436" name="图片 1" descr="944365-0ae738c6d50c0adf"/>
           <p:cNvPicPr>
             <a:picLocks noChangeAspect="1" noChangeArrowheads="1"/>
           </p:cNvPicPr>
           <p:nvPr/>
         </p:nvPicPr>
         <p:blipFill>
-          <a:blip r:embed="rId4">
+          <a:blip r:embed="rId2">
             <a:extLst>
               <a:ext uri="{28A0092B-C50C-407E-A947-70E740481C1C}">
                 <a14:useLocalDpi xmlns:a14="http://schemas.microsoft.com/office/drawing/2010/main" val="0"/>
@@ -7420,7 +6884,7 @@
       </p:pic>
     </p:spTree>
     <p:custDataLst>
-      <p:tags r:id="rId1"/>
+      <p:tags r:id="rId3"/>
     </p:custDataLst>
   </p:cSld>
   <p:clrMapOvr>
@@ -7449,20 +6913,14 @@
       </p:grpSpPr>
       <p:pic>
         <p:nvPicPr>
-          <p:cNvPr id="19457" name="Picture 2">
-            <a:extLst>
-              <a:ext uri="{FF2B5EF4-FFF2-40B4-BE49-F238E27FC236}">
-                <a16:creationId xmlns:a16="http://schemas.microsoft.com/office/drawing/2014/main" id="{C86E0608-6AAA-47E9-83E0-CFD628CC8E15}"/>
-              </a:ext>
-            </a:extLst>
-          </p:cNvPr>
+          <p:cNvPr id="19457" name="Picture 2"/>
           <p:cNvPicPr>
             <a:picLocks noChangeAspect="1" noChangeArrowheads="1"/>
           </p:cNvPicPr>
           <p:nvPr/>
         </p:nvPicPr>
         <p:blipFill>
-          <a:blip r:embed="rId3">
+          <a:blip r:embed="rId1">
             <a:extLst>
               <a:ext uri="{28A0092B-C50C-407E-A947-70E740481C1C}">
                 <a14:useLocalDpi xmlns:a14="http://schemas.microsoft.com/office/drawing/2010/main" val="0"/>
@@ -7509,13 +6967,7 @@
       </p:pic>
       <p:sp>
         <p:nvSpPr>
-          <p:cNvPr id="19458" name="TextBox 108">
-            <a:extLst>
-              <a:ext uri="{FF2B5EF4-FFF2-40B4-BE49-F238E27FC236}">
-                <a16:creationId xmlns:a16="http://schemas.microsoft.com/office/drawing/2014/main" id="{4C26E718-8E05-4F32-BD20-2902B2DD3171}"/>
-              </a:ext>
-            </a:extLst>
-          </p:cNvPr>
+          <p:cNvPr id="19458" name="TextBox 108"/>
           <p:cNvSpPr>
             <a:spLocks noChangeArrowheads="1"/>
           </p:cNvSpPr>
@@ -7562,7 +7014,7 @@
             <a:r>
               <a:rPr lang="en-US" altLang="zh-CN">
                 <a:solidFill>
-                  <a:srgbClr val="000000"/>
+                  <a:schemeClr val="bg1"/>
                 </a:solidFill>
                 <a:latin typeface="微软雅黑" panose="020B0503020204020204" pitchFamily="34" charset="-122"/>
                 <a:ea typeface="微软雅黑" panose="020B0503020204020204" pitchFamily="34" charset="-122"/>
@@ -7573,7 +7025,7 @@
             <a:r>
               <a:rPr lang="zh-CN" altLang="en-US">
                 <a:solidFill>
-                  <a:srgbClr val="000000"/>
+                  <a:schemeClr val="bg1"/>
                 </a:solidFill>
                 <a:latin typeface="微软雅黑" panose="020B0503020204020204" pitchFamily="34" charset="-122"/>
                 <a:ea typeface="微软雅黑" panose="020B0503020204020204" pitchFamily="34" charset="-122"/>
@@ -7581,9 +7033,9 @@
               </a:rPr>
               <a:t>广播的生命周期</a:t>
             </a:r>
-            <a:endParaRPr lang="en-US" altLang="zh-CN">
+            <a:endParaRPr lang="zh-CN" altLang="en-US">
               <a:solidFill>
-                <a:srgbClr val="000000"/>
+                <a:schemeClr val="bg1"/>
               </a:solidFill>
               <a:latin typeface="微软雅黑" panose="020B0503020204020204" pitchFamily="34" charset="-122"/>
               <a:ea typeface="微软雅黑" panose="020B0503020204020204" pitchFamily="34" charset="-122"/>
@@ -7594,16 +7046,8 @@
       </p:sp>
       <p:grpSp>
         <p:nvGrpSpPr>
-          <p:cNvPr id="19459" name="Group 4">
-            <a:extLst>
-              <a:ext uri="{FF2B5EF4-FFF2-40B4-BE49-F238E27FC236}">
-                <a16:creationId xmlns:a16="http://schemas.microsoft.com/office/drawing/2014/main" id="{BBB6BA39-D04F-46F7-9E26-83DF0D51070B}"/>
-              </a:ext>
-            </a:extLst>
-          </p:cNvPr>
-          <p:cNvGrpSpPr>
-            <a:grpSpLocks/>
-          </p:cNvGrpSpPr>
+          <p:cNvPr id="19459" name="Group 4"/>
+          <p:cNvGrpSpPr/>
           <p:nvPr/>
         </p:nvGrpSpPr>
         <p:grpSpPr bwMode="auto">
@@ -7616,13 +7060,7 @@
         </p:grpSpPr>
         <p:sp>
           <p:nvSpPr>
-            <p:cNvPr id="19460" name="AutoShape 5">
-              <a:extLst>
-                <a:ext uri="{FF2B5EF4-FFF2-40B4-BE49-F238E27FC236}">
-                  <a16:creationId xmlns:a16="http://schemas.microsoft.com/office/drawing/2014/main" id="{6E543B61-F065-4CC4-A8D4-10D5F43279ED}"/>
-                </a:ext>
-              </a:extLst>
-            </p:cNvPr>
+            <p:cNvPr id="19460" name="AutoShape 5"/>
             <p:cNvSpPr>
               <a:spLocks noChangeArrowheads="1"/>
             </p:cNvSpPr>
@@ -7646,8 +7084,6 @@
                 <a:srgbClr val="FFFFFF"/>
               </a:solidFill>
               <a:bevel/>
-              <a:headEnd/>
-              <a:tailEnd/>
             </a:ln>
           </p:spPr>
           <p:txBody>
@@ -7660,13 +7096,7 @@
         </p:sp>
         <p:sp>
           <p:nvSpPr>
-            <p:cNvPr id="19461" name="Rectangle 6">
-              <a:extLst>
-                <a:ext uri="{FF2B5EF4-FFF2-40B4-BE49-F238E27FC236}">
-                  <a16:creationId xmlns:a16="http://schemas.microsoft.com/office/drawing/2014/main" id="{3A168225-D06E-4266-9B74-83BE2FB3E571}"/>
-                </a:ext>
-              </a:extLst>
-            </p:cNvPr>
+            <p:cNvPr id="19461" name="Rectangle 6"/>
             <p:cNvSpPr>
               <a:spLocks noChangeArrowheads="1"/>
             </p:cNvSpPr>
@@ -7725,18 +7155,18 @@
                 </a:rPr>
                 <a:t>发送广播</a:t>
               </a:r>
+              <a:endParaRPr lang="zh-CN" altLang="en-US">
+                <a:solidFill>
+                  <a:srgbClr val="FFFFFF"/>
+                </a:solidFill>
+                <a:sym typeface="宋体" panose="02010600030101010101" pitchFamily="2" charset="-122"/>
+              </a:endParaRPr>
             </a:p>
           </p:txBody>
         </p:sp>
         <p:sp>
           <p:nvSpPr>
-            <p:cNvPr id="19462" name="AutoShape 7">
-              <a:extLst>
-                <a:ext uri="{FF2B5EF4-FFF2-40B4-BE49-F238E27FC236}">
-                  <a16:creationId xmlns:a16="http://schemas.microsoft.com/office/drawing/2014/main" id="{29D6A8E2-E4B7-441A-B67F-A45B091A8472}"/>
-                </a:ext>
-              </a:extLst>
-            </p:cNvPr>
+            <p:cNvPr id="19462" name="AutoShape 7"/>
             <p:cNvSpPr>
               <a:spLocks noChangeArrowheads="1"/>
             </p:cNvSpPr>
@@ -7782,13 +7212,7 @@
         </p:sp>
         <p:sp>
           <p:nvSpPr>
-            <p:cNvPr id="19463" name="Rectangle 8">
-              <a:extLst>
-                <a:ext uri="{FF2B5EF4-FFF2-40B4-BE49-F238E27FC236}">
-                  <a16:creationId xmlns:a16="http://schemas.microsoft.com/office/drawing/2014/main" id="{9691C2B8-3A1D-41E8-8824-8C729EB5A3A8}"/>
-                </a:ext>
-              </a:extLst>
-            </p:cNvPr>
+            <p:cNvPr id="19463" name="Rectangle 8"/>
             <p:cNvSpPr>
               <a:spLocks noChangeArrowheads="1"/>
             </p:cNvSpPr>
@@ -7849,13 +7273,7 @@
         </p:sp>
         <p:sp>
           <p:nvSpPr>
-            <p:cNvPr id="19464" name="AutoShape 9">
-              <a:extLst>
-                <a:ext uri="{FF2B5EF4-FFF2-40B4-BE49-F238E27FC236}">
-                  <a16:creationId xmlns:a16="http://schemas.microsoft.com/office/drawing/2014/main" id="{BF10713E-4044-4A16-919C-EF0E8990C6BB}"/>
-                </a:ext>
-              </a:extLst>
-            </p:cNvPr>
+            <p:cNvPr id="19464" name="AutoShape 9"/>
             <p:cNvSpPr>
               <a:spLocks noChangeArrowheads="1"/>
             </p:cNvSpPr>
@@ -7879,8 +7297,6 @@
                 <a:srgbClr val="FFFFFF"/>
               </a:solidFill>
               <a:bevel/>
-              <a:headEnd/>
-              <a:tailEnd/>
             </a:ln>
           </p:spPr>
           <p:txBody>
@@ -7893,13 +7309,7 @@
         </p:sp>
         <p:sp>
           <p:nvSpPr>
-            <p:cNvPr id="19465" name="Rectangle 10">
-              <a:extLst>
-                <a:ext uri="{FF2B5EF4-FFF2-40B4-BE49-F238E27FC236}">
-                  <a16:creationId xmlns:a16="http://schemas.microsoft.com/office/drawing/2014/main" id="{A4C2879C-79DC-4E90-BEC3-2AA9F791A23B}"/>
-                </a:ext>
-              </a:extLst>
-            </p:cNvPr>
+            <p:cNvPr id="19465" name="Rectangle 10"/>
             <p:cNvSpPr>
               <a:spLocks noChangeArrowheads="1"/>
             </p:cNvSpPr>
@@ -7958,18 +7368,18 @@
                 </a:rPr>
                 <a:t>接收广播</a:t>
               </a:r>
+              <a:endParaRPr lang="zh-CN" altLang="en-US">
+                <a:solidFill>
+                  <a:srgbClr val="FFFFFF"/>
+                </a:solidFill>
+                <a:sym typeface="宋体" panose="02010600030101010101" pitchFamily="2" charset="-122"/>
+              </a:endParaRPr>
             </a:p>
           </p:txBody>
         </p:sp>
         <p:sp>
           <p:nvSpPr>
-            <p:cNvPr id="19466" name="AutoShape 11">
-              <a:extLst>
-                <a:ext uri="{FF2B5EF4-FFF2-40B4-BE49-F238E27FC236}">
-                  <a16:creationId xmlns:a16="http://schemas.microsoft.com/office/drawing/2014/main" id="{E4D468EE-56CF-457F-8859-4E803C0022D8}"/>
-                </a:ext>
-              </a:extLst>
-            </p:cNvPr>
+            <p:cNvPr id="19466" name="AutoShape 11"/>
             <p:cNvSpPr>
               <a:spLocks noChangeArrowheads="1"/>
             </p:cNvSpPr>
@@ -8015,13 +7425,7 @@
         </p:sp>
         <p:sp>
           <p:nvSpPr>
-            <p:cNvPr id="19467" name="Rectangle 12">
-              <a:extLst>
-                <a:ext uri="{FF2B5EF4-FFF2-40B4-BE49-F238E27FC236}">
-                  <a16:creationId xmlns:a16="http://schemas.microsoft.com/office/drawing/2014/main" id="{86C7146A-AB54-4614-ABBE-B74807B85E6B}"/>
-                </a:ext>
-              </a:extLst>
-            </p:cNvPr>
+            <p:cNvPr id="19467" name="Rectangle 12"/>
             <p:cNvSpPr>
               <a:spLocks noChangeArrowheads="1"/>
             </p:cNvSpPr>
@@ -8082,13 +7486,7 @@
         </p:sp>
         <p:sp>
           <p:nvSpPr>
-            <p:cNvPr id="19468" name="AutoShape 13">
-              <a:extLst>
-                <a:ext uri="{FF2B5EF4-FFF2-40B4-BE49-F238E27FC236}">
-                  <a16:creationId xmlns:a16="http://schemas.microsoft.com/office/drawing/2014/main" id="{F189CA22-3C77-4296-B80C-F0533E6F344E}"/>
-                </a:ext>
-              </a:extLst>
-            </p:cNvPr>
+            <p:cNvPr id="19468" name="AutoShape 13"/>
             <p:cNvSpPr>
               <a:spLocks noChangeArrowheads="1"/>
             </p:cNvSpPr>
@@ -8112,8 +7510,6 @@
                 <a:srgbClr val="FFFFFF"/>
               </a:solidFill>
               <a:bevel/>
-              <a:headEnd/>
-              <a:tailEnd/>
             </a:ln>
           </p:spPr>
           <p:txBody>
@@ -8126,13 +7522,7 @@
         </p:sp>
         <p:sp>
           <p:nvSpPr>
-            <p:cNvPr id="19469" name="Rectangle 14">
-              <a:extLst>
-                <a:ext uri="{FF2B5EF4-FFF2-40B4-BE49-F238E27FC236}">
-                  <a16:creationId xmlns:a16="http://schemas.microsoft.com/office/drawing/2014/main" id="{177BDEAC-32DA-461E-9CFB-84B61C800069}"/>
-                </a:ext>
-              </a:extLst>
-            </p:cNvPr>
+            <p:cNvPr id="19469" name="Rectangle 14"/>
             <p:cNvSpPr>
               <a:spLocks noChangeArrowheads="1"/>
             </p:cNvSpPr>
@@ -8191,19 +7581,19 @@
                 </a:rPr>
                 <a:t>结束</a:t>
               </a:r>
+              <a:endParaRPr lang="zh-CN" altLang="en-US">
+                <a:solidFill>
+                  <a:srgbClr val="FFFFFF"/>
+                </a:solidFill>
+                <a:sym typeface="宋体" panose="02010600030101010101" pitchFamily="2" charset="-122"/>
+              </a:endParaRPr>
             </a:p>
           </p:txBody>
         </p:sp>
       </p:grpSp>
       <p:sp>
         <p:nvSpPr>
-          <p:cNvPr id="19470" name="TextBox 1">
-            <a:extLst>
-              <a:ext uri="{FF2B5EF4-FFF2-40B4-BE49-F238E27FC236}">
-                <a16:creationId xmlns:a16="http://schemas.microsoft.com/office/drawing/2014/main" id="{E5E58845-52D1-4147-8BCD-22B7F40DB0D8}"/>
-              </a:ext>
-            </a:extLst>
-          </p:cNvPr>
+          <p:cNvPr id="19470" name="TextBox 1"/>
           <p:cNvSpPr>
             <a:spLocks noChangeArrowheads="1"/>
           </p:cNvSpPr>
@@ -8280,12 +7670,20 @@
               </a:rPr>
               <a:t>）广播的生命周期流程</a:t>
             </a:r>
+            <a:endParaRPr lang="zh-CN" altLang="en-US" sz="1600">
+              <a:solidFill>
+                <a:srgbClr val="000000"/>
+              </a:solidFill>
+              <a:latin typeface="微软雅黑" panose="020B0503020204020204" pitchFamily="34" charset="-122"/>
+              <a:ea typeface="微软雅黑" panose="020B0503020204020204" pitchFamily="34" charset="-122"/>
+              <a:sym typeface="微软雅黑" panose="020B0503020204020204" pitchFamily="34" charset="-122"/>
+            </a:endParaRPr>
           </a:p>
         </p:txBody>
       </p:sp>
     </p:spTree>
     <p:custDataLst>
-      <p:tags r:id="rId1"/>
+      <p:tags r:id="rId2"/>
     </p:custDataLst>
   </p:cSld>
   <p:clrMapOvr>
@@ -8314,20 +7712,14 @@
       </p:grpSpPr>
       <p:pic>
         <p:nvPicPr>
-          <p:cNvPr id="20481" name="Picture 2">
-            <a:extLst>
-              <a:ext uri="{FF2B5EF4-FFF2-40B4-BE49-F238E27FC236}">
-                <a16:creationId xmlns:a16="http://schemas.microsoft.com/office/drawing/2014/main" id="{FBBC30C7-2905-4CC8-A71D-2D7364F9931D}"/>
-              </a:ext>
-            </a:extLst>
-          </p:cNvPr>
+          <p:cNvPr id="20481" name="Picture 2"/>
           <p:cNvPicPr>
             <a:picLocks noChangeAspect="1" noChangeArrowheads="1"/>
           </p:cNvPicPr>
           <p:nvPr/>
         </p:nvPicPr>
         <p:blipFill>
-          <a:blip r:embed="rId3">
+          <a:blip r:embed="rId1">
             <a:extLst>
               <a:ext uri="{28A0092B-C50C-407E-A947-70E740481C1C}">
                 <a14:useLocalDpi xmlns:a14="http://schemas.microsoft.com/office/drawing/2010/main" val="0"/>
@@ -8374,13 +7766,7 @@
       </p:pic>
       <p:sp>
         <p:nvSpPr>
-          <p:cNvPr id="12291" name="矩形 3">
-            <a:extLst>
-              <a:ext uri="{FF2B5EF4-FFF2-40B4-BE49-F238E27FC236}">
-                <a16:creationId xmlns:a16="http://schemas.microsoft.com/office/drawing/2014/main" id="{98690554-4D9D-46A7-9B16-7A3631521BE6}"/>
-              </a:ext>
-            </a:extLst>
-          </p:cNvPr>
+          <p:cNvPr id="12291" name="矩形 3"/>
           <p:cNvSpPr>
             <a:spLocks noChangeArrowheads="1"/>
           </p:cNvSpPr>
@@ -8589,20 +7975,14 @@
       </p:sp>
       <p:pic>
         <p:nvPicPr>
-          <p:cNvPr id="20483" name="Picture 2" descr="device-2012-06-19-212402">
-            <a:extLst>
-              <a:ext uri="{FF2B5EF4-FFF2-40B4-BE49-F238E27FC236}">
-                <a16:creationId xmlns:a16="http://schemas.microsoft.com/office/drawing/2014/main" id="{34DB0378-D1EC-4753-9723-27E5D3969EC3}"/>
-              </a:ext>
-            </a:extLst>
-          </p:cNvPr>
+          <p:cNvPr id="20483" name="Picture 2" descr="device-2012-06-19-212402"/>
           <p:cNvPicPr>
             <a:picLocks noChangeAspect="1" noChangeArrowheads="1"/>
           </p:cNvPicPr>
           <p:nvPr/>
         </p:nvPicPr>
         <p:blipFill>
-          <a:blip r:embed="rId4">
+          <a:blip r:embed="rId2">
             <a:extLst>
               <a:ext uri="{28A0092B-C50C-407E-A947-70E740481C1C}">
                 <a14:useLocalDpi xmlns:a14="http://schemas.microsoft.com/office/drawing/2010/main" val="0"/>
@@ -8649,13 +8029,7 @@
       </p:pic>
       <p:sp>
         <p:nvSpPr>
-          <p:cNvPr id="20484" name="Rectangle 3">
-            <a:extLst>
-              <a:ext uri="{FF2B5EF4-FFF2-40B4-BE49-F238E27FC236}">
-                <a16:creationId xmlns:a16="http://schemas.microsoft.com/office/drawing/2014/main" id="{DB160CD5-C24E-4794-8662-644F92D9AC4E}"/>
-              </a:ext>
-            </a:extLst>
-          </p:cNvPr>
+          <p:cNvPr id="20484" name="Rectangle 3"/>
           <p:cNvSpPr>
             <a:spLocks noChangeArrowheads="1"/>
           </p:cNvSpPr>
@@ -8824,6 +8198,11 @@
               </a:rPr>
               <a:t>发送一个广播。</a:t>
             </a:r>
+            <a:endParaRPr lang="zh-CN" altLang="en-US" sz="1400" dirty="0">
+              <a:latin typeface="微软雅黑" panose="020B0503020204020204" pitchFamily="34" charset="-122"/>
+              <a:ea typeface="微软雅黑" panose="020B0503020204020204" pitchFamily="34" charset="-122"/>
+              <a:sym typeface="微软雅黑" panose="020B0503020204020204" pitchFamily="34" charset="-122"/>
+            </a:endParaRPr>
           </a:p>
           <a:p>
             <a:pPr>
@@ -8874,6 +8253,11 @@
               </a:rPr>
               <a:t>广播的生命周期，</a:t>
             </a:r>
+            <a:endParaRPr lang="zh-CN" altLang="en-US" sz="1400" dirty="0">
+              <a:latin typeface="微软雅黑" panose="020B0503020204020204" pitchFamily="34" charset="-122"/>
+              <a:ea typeface="微软雅黑" panose="020B0503020204020204" pitchFamily="34" charset="-122"/>
+              <a:sym typeface="微软雅黑" panose="020B0503020204020204" pitchFamily="34" charset="-122"/>
+            </a:endParaRPr>
           </a:p>
           <a:p>
             <a:pPr>
@@ -8892,6 +8276,11 @@
               </a:rPr>
               <a:t>如下图所示 ：</a:t>
             </a:r>
+            <a:endParaRPr lang="zh-CN" altLang="en-US" sz="1400" dirty="0">
+              <a:latin typeface="微软雅黑" panose="020B0503020204020204" pitchFamily="34" charset="-122"/>
+              <a:ea typeface="微软雅黑" panose="020B0503020204020204" pitchFamily="34" charset="-122"/>
+              <a:sym typeface="微软雅黑" panose="020B0503020204020204" pitchFamily="34" charset="-122"/>
+            </a:endParaRPr>
           </a:p>
           <a:p>
             <a:pPr>
@@ -8910,20 +8299,14 @@
       </p:sp>
       <p:pic>
         <p:nvPicPr>
-          <p:cNvPr id="20485" name="Picture 2" descr="C:\Users\LIUNIN~1\AppData\Local\Temp\ksohtml\wps9600.tmp.jpg">
-            <a:extLst>
-              <a:ext uri="{FF2B5EF4-FFF2-40B4-BE49-F238E27FC236}">
-                <a16:creationId xmlns:a16="http://schemas.microsoft.com/office/drawing/2014/main" id="{7E6C8E7E-D3F1-40CB-8F53-DA85FCBDDC1A}"/>
-              </a:ext>
-            </a:extLst>
-          </p:cNvPr>
+          <p:cNvPr id="20485" name="Picture 2" descr="C:\Users\LIUNIN~1\AppData\Local\Temp\ksohtml\wps9600.tmp.jpg"/>
           <p:cNvPicPr>
             <a:picLocks noChangeAspect="1" noChangeArrowheads="1"/>
           </p:cNvPicPr>
           <p:nvPr/>
         </p:nvPicPr>
         <p:blipFill>
-          <a:blip r:embed="rId5">
+          <a:blip r:embed="rId3">
             <a:extLst>
               <a:ext uri="{28A0092B-C50C-407E-A947-70E740481C1C}">
                 <a14:useLocalDpi xmlns:a14="http://schemas.microsoft.com/office/drawing/2010/main" val="0"/>
@@ -8970,13 +8353,7 @@
       </p:pic>
       <p:sp>
         <p:nvSpPr>
-          <p:cNvPr id="20486" name="TextBox 108">
-            <a:extLst>
-              <a:ext uri="{FF2B5EF4-FFF2-40B4-BE49-F238E27FC236}">
-                <a16:creationId xmlns:a16="http://schemas.microsoft.com/office/drawing/2014/main" id="{9A729766-C978-4DE9-B76B-19CB9172E937}"/>
-              </a:ext>
-            </a:extLst>
-          </p:cNvPr>
+          <p:cNvPr id="20486" name="TextBox 108"/>
           <p:cNvSpPr>
             <a:spLocks noChangeArrowheads="1"/>
           </p:cNvSpPr>
@@ -9023,7 +8400,7 @@
             <a:r>
               <a:rPr lang="en-US" altLang="zh-CN">
                 <a:solidFill>
-                  <a:srgbClr val="000000"/>
+                  <a:schemeClr val="bg1"/>
                 </a:solidFill>
                 <a:latin typeface="微软雅黑" panose="020B0503020204020204" pitchFamily="34" charset="-122"/>
                 <a:ea typeface="微软雅黑" panose="020B0503020204020204" pitchFamily="34" charset="-122"/>
@@ -9034,7 +8411,7 @@
             <a:r>
               <a:rPr lang="zh-CN" altLang="en-US">
                 <a:solidFill>
-                  <a:srgbClr val="000000"/>
+                  <a:schemeClr val="bg1"/>
                 </a:solidFill>
                 <a:latin typeface="微软雅黑" panose="020B0503020204020204" pitchFamily="34" charset="-122"/>
                 <a:ea typeface="微软雅黑" panose="020B0503020204020204" pitchFamily="34" charset="-122"/>
@@ -9042,9 +8419,9 @@
               </a:rPr>
               <a:t>广播的生命周期</a:t>
             </a:r>
-            <a:endParaRPr lang="en-US" altLang="zh-CN">
+            <a:endParaRPr lang="zh-CN" altLang="en-US">
               <a:solidFill>
-                <a:srgbClr val="000000"/>
+                <a:schemeClr val="bg1"/>
               </a:solidFill>
               <a:latin typeface="微软雅黑" panose="020B0503020204020204" pitchFamily="34" charset="-122"/>
               <a:ea typeface="微软雅黑" panose="020B0503020204020204" pitchFamily="34" charset="-122"/>
@@ -9055,13 +8432,7 @@
       </p:sp>
       <p:sp>
         <p:nvSpPr>
-          <p:cNvPr id="13315" name="矩形 3">
-            <a:extLst>
-              <a:ext uri="{FF2B5EF4-FFF2-40B4-BE49-F238E27FC236}">
-                <a16:creationId xmlns:a16="http://schemas.microsoft.com/office/drawing/2014/main" id="{DA9C8A37-B805-40B2-9C94-3474CC9055C2}"/>
-              </a:ext>
-            </a:extLst>
-          </p:cNvPr>
+          <p:cNvPr id="13315" name="矩形 3"/>
           <p:cNvSpPr>
             <a:spLocks noChangeArrowheads="1"/>
           </p:cNvSpPr>
@@ -9224,20 +8595,14 @@
       </p:sp>
       <p:pic>
         <p:nvPicPr>
-          <p:cNvPr id="20488" name="Picture 2" descr="C:\Users\LIUNIN~1\AppData\Local\Temp\ksohtml\wpsE835.tmp.jpg">
-            <a:extLst>
-              <a:ext uri="{FF2B5EF4-FFF2-40B4-BE49-F238E27FC236}">
-                <a16:creationId xmlns:a16="http://schemas.microsoft.com/office/drawing/2014/main" id="{07477CD4-2D55-4C6B-8DA3-3F1BD8553CC8}"/>
-              </a:ext>
-            </a:extLst>
-          </p:cNvPr>
+          <p:cNvPr id="20488" name="Picture 2" descr="C:\Users\LIUNIN~1\AppData\Local\Temp\ksohtml\wpsE835.tmp.jpg"/>
           <p:cNvPicPr>
             <a:picLocks noChangeAspect="1" noChangeArrowheads="1"/>
           </p:cNvPicPr>
           <p:nvPr/>
         </p:nvPicPr>
         <p:blipFill>
-          <a:blip r:embed="rId6">
+          <a:blip r:embed="rId4">
             <a:extLst>
               <a:ext uri="{28A0092B-C50C-407E-A947-70E740481C1C}">
                 <a14:useLocalDpi xmlns:a14="http://schemas.microsoft.com/office/drawing/2010/main" val="0"/>
@@ -9284,7 +8649,7 @@
       </p:pic>
     </p:spTree>
     <p:custDataLst>
-      <p:tags r:id="rId1"/>
+      <p:tags r:id="rId5"/>
     </p:custDataLst>
   </p:cSld>
   <p:clrMapOvr>
@@ -9313,20 +8678,14 @@
       </p:grpSpPr>
       <p:pic>
         <p:nvPicPr>
-          <p:cNvPr id="21505" name="Picture 2">
-            <a:extLst>
-              <a:ext uri="{FF2B5EF4-FFF2-40B4-BE49-F238E27FC236}">
-                <a16:creationId xmlns:a16="http://schemas.microsoft.com/office/drawing/2014/main" id="{723343DE-BB48-4CCD-B8FC-8D99336A1F52}"/>
-              </a:ext>
-            </a:extLst>
-          </p:cNvPr>
+          <p:cNvPr id="21505" name="Picture 2"/>
           <p:cNvPicPr>
             <a:picLocks noChangeAspect="1" noChangeArrowheads="1"/>
           </p:cNvPicPr>
           <p:nvPr/>
         </p:nvPicPr>
         <p:blipFill>
-          <a:blip r:embed="rId3">
+          <a:blip r:embed="rId1">
             <a:extLst>
               <a:ext uri="{28A0092B-C50C-407E-A947-70E740481C1C}">
                 <a14:useLocalDpi xmlns:a14="http://schemas.microsoft.com/office/drawing/2010/main" val="0"/>
@@ -9373,13 +8732,7 @@
       </p:pic>
       <p:sp>
         <p:nvSpPr>
-          <p:cNvPr id="21506" name="TextBox 1">
-            <a:extLst>
-              <a:ext uri="{FF2B5EF4-FFF2-40B4-BE49-F238E27FC236}">
-                <a16:creationId xmlns:a16="http://schemas.microsoft.com/office/drawing/2014/main" id="{48715205-46FA-42EA-87D1-29B7AB7C95B9}"/>
-              </a:ext>
-            </a:extLst>
-          </p:cNvPr>
+          <p:cNvPr id="21506" name="TextBox 1"/>
           <p:cNvSpPr>
             <a:spLocks noChangeArrowheads="1"/>
           </p:cNvSpPr>
@@ -9467,18 +8820,20 @@
               </a:rPr>
               <a:t>，代码如下：</a:t>
             </a:r>
+            <a:endParaRPr lang="zh-CN" altLang="en-US" sz="1400">
+              <a:solidFill>
+                <a:srgbClr val="000000"/>
+              </a:solidFill>
+              <a:latin typeface="微软雅黑" panose="020B0503020204020204" pitchFamily="34" charset="-122"/>
+              <a:ea typeface="微软雅黑" panose="020B0503020204020204" pitchFamily="34" charset="-122"/>
+              <a:sym typeface="微软雅黑" panose="020B0503020204020204" pitchFamily="34" charset="-122"/>
+            </a:endParaRPr>
           </a:p>
         </p:txBody>
       </p:sp>
       <p:sp>
         <p:nvSpPr>
-          <p:cNvPr id="21507" name="TextBox 108">
-            <a:extLst>
-              <a:ext uri="{FF2B5EF4-FFF2-40B4-BE49-F238E27FC236}">
-                <a16:creationId xmlns:a16="http://schemas.microsoft.com/office/drawing/2014/main" id="{6317BC9B-47A4-4FDE-A291-760BB92E53EE}"/>
-              </a:ext>
-            </a:extLst>
-          </p:cNvPr>
+          <p:cNvPr id="21507" name="TextBox 108"/>
           <p:cNvSpPr>
             <a:spLocks noChangeArrowheads="1"/>
           </p:cNvSpPr>
@@ -9525,7 +8880,7 @@
             <a:r>
               <a:rPr lang="en-US" altLang="zh-CN">
                 <a:solidFill>
-                  <a:srgbClr val="000000"/>
+                  <a:schemeClr val="bg1"/>
                 </a:solidFill>
                 <a:latin typeface="微软雅黑" panose="020B0503020204020204" pitchFamily="34" charset="-122"/>
                 <a:ea typeface="微软雅黑" panose="020B0503020204020204" pitchFamily="34" charset="-122"/>
@@ -9536,7 +8891,7 @@
             <a:r>
               <a:rPr lang="zh-CN" altLang="en-US">
                 <a:solidFill>
-                  <a:srgbClr val="000000"/>
+                  <a:schemeClr val="bg1"/>
                 </a:solidFill>
                 <a:latin typeface="微软雅黑" panose="020B0503020204020204" pitchFamily="34" charset="-122"/>
                 <a:ea typeface="微软雅黑" panose="020B0503020204020204" pitchFamily="34" charset="-122"/>
@@ -9544,9 +8899,9 @@
               </a:rPr>
               <a:t>广播的生命周期</a:t>
             </a:r>
-            <a:endParaRPr lang="en-US" altLang="zh-CN">
+            <a:endParaRPr lang="zh-CN" altLang="en-US">
               <a:solidFill>
-                <a:srgbClr val="000000"/>
+                <a:schemeClr val="bg1"/>
               </a:solidFill>
               <a:latin typeface="微软雅黑" panose="020B0503020204020204" pitchFamily="34" charset="-122"/>
               <a:ea typeface="微软雅黑" panose="020B0503020204020204" pitchFamily="34" charset="-122"/>
@@ -9557,13 +8912,7 @@
       </p:sp>
       <p:sp>
         <p:nvSpPr>
-          <p:cNvPr id="21508" name="TextBox 3">
-            <a:extLst>
-              <a:ext uri="{FF2B5EF4-FFF2-40B4-BE49-F238E27FC236}">
-                <a16:creationId xmlns:a16="http://schemas.microsoft.com/office/drawing/2014/main" id="{708F885A-8FA2-45B9-9C3C-47A03DFC0721}"/>
-              </a:ext>
-            </a:extLst>
-          </p:cNvPr>
+          <p:cNvPr id="21508" name="TextBox 3"/>
           <p:cNvSpPr>
             <a:spLocks noChangeArrowheads="1"/>
           </p:cNvSpPr>
@@ -9622,6 +8971,13 @@
               </a:rPr>
               <a:t>(View v) </a:t>
             </a:r>
+            <a:endParaRPr lang="en-US" altLang="zh-CN" sz="2000" dirty="0">
+              <a:solidFill>
+                <a:srgbClr val="000000"/>
+              </a:solidFill>
+              <a:latin typeface="Times New Roman" panose="02020603050405020304" pitchFamily="18" charset="0"/>
+              <a:sym typeface="Times New Roman" panose="02020603050405020304" pitchFamily="18" charset="0"/>
+            </a:endParaRPr>
           </a:p>
           <a:p>
             <a:r>
@@ -9634,6 +8990,13 @@
               </a:rPr>
               <a:t>{</a:t>
             </a:r>
+            <a:endParaRPr lang="en-US" altLang="zh-CN" sz="2000" dirty="0">
+              <a:solidFill>
+                <a:srgbClr val="000000"/>
+              </a:solidFill>
+              <a:latin typeface="Times New Roman" panose="02020603050405020304" pitchFamily="18" charset="0"/>
+              <a:sym typeface="Times New Roman" panose="02020603050405020304" pitchFamily="18" charset="0"/>
+            </a:endParaRPr>
           </a:p>
           <a:p>
             <a:r>
@@ -9646,6 +9009,13 @@
               </a:rPr>
               <a:t>// TODO Auto-generated method stub</a:t>
             </a:r>
+            <a:endParaRPr lang="en-US" altLang="zh-CN" sz="2000" dirty="0">
+              <a:solidFill>
+                <a:srgbClr val="000000"/>
+              </a:solidFill>
+              <a:latin typeface="Times New Roman" panose="02020603050405020304" pitchFamily="18" charset="0"/>
+              <a:sym typeface="Times New Roman" panose="02020603050405020304" pitchFamily="18" charset="0"/>
+            </a:endParaRPr>
           </a:p>
           <a:p>
             <a:r>
@@ -9698,6 +9068,13 @@
               </a:rPr>
               <a:t>";</a:t>
             </a:r>
+            <a:endParaRPr lang="en-US" altLang="zh-CN" sz="2000" dirty="0">
+              <a:solidFill>
+                <a:srgbClr val="000000"/>
+              </a:solidFill>
+              <a:latin typeface="Times New Roman" panose="02020603050405020304" pitchFamily="18" charset="0"/>
+              <a:sym typeface="Times New Roman" panose="02020603050405020304" pitchFamily="18" charset="0"/>
+            </a:endParaRPr>
           </a:p>
           <a:p>
             <a:r>
@@ -9750,6 +9127,13 @@
               </a:rPr>
               <a:t>);</a:t>
             </a:r>
+            <a:endParaRPr lang="en-US" altLang="zh-CN" sz="2000" dirty="0">
+              <a:solidFill>
+                <a:srgbClr val="000000"/>
+              </a:solidFill>
+              <a:latin typeface="Times New Roman" panose="02020603050405020304" pitchFamily="18" charset="0"/>
+              <a:sym typeface="Times New Roman" panose="02020603050405020304" pitchFamily="18" charset="0"/>
+            </a:endParaRPr>
           </a:p>
           <a:p>
             <a:r>
@@ -9775,6 +9159,13 @@
               </a:rPr>
               <a:t>(intent);</a:t>
             </a:r>
+            <a:endParaRPr lang="en-US" altLang="zh-CN" sz="2000" b="1" dirty="0">
+              <a:solidFill>
+                <a:srgbClr val="0070C0"/>
+              </a:solidFill>
+              <a:latin typeface="Times New Roman" panose="02020603050405020304" pitchFamily="18" charset="0"/>
+              <a:sym typeface="Times New Roman" panose="02020603050405020304" pitchFamily="18" charset="0"/>
+            </a:endParaRPr>
           </a:p>
           <a:p>
             <a:r>
@@ -9837,6 +9228,13 @@
               </a:rPr>
               <a:t>");</a:t>
             </a:r>
+            <a:endParaRPr lang="en-US" altLang="zh-CN" sz="2000" dirty="0">
+              <a:solidFill>
+                <a:srgbClr val="000000"/>
+              </a:solidFill>
+              <a:latin typeface="Times New Roman" panose="02020603050405020304" pitchFamily="18" charset="0"/>
+              <a:sym typeface="Times New Roman" panose="02020603050405020304" pitchFamily="18" charset="0"/>
+            </a:endParaRPr>
           </a:p>
           <a:p>
             <a:r>
@@ -9861,7 +9259,7 @@
       </p:sp>
     </p:spTree>
     <p:custDataLst>
-      <p:tags r:id="rId1"/>
+      <p:tags r:id="rId2"/>
     </p:custDataLst>
   </p:cSld>
   <p:clrMapOvr>
@@ -9890,20 +9288,14 @@
       </p:grpSpPr>
       <p:pic>
         <p:nvPicPr>
-          <p:cNvPr id="22529" name="Picture 2">
-            <a:extLst>
-              <a:ext uri="{FF2B5EF4-FFF2-40B4-BE49-F238E27FC236}">
-                <a16:creationId xmlns:a16="http://schemas.microsoft.com/office/drawing/2014/main" id="{45D8F2AE-E0C9-404D-8F3F-1F53FE140BF9}"/>
-              </a:ext>
-            </a:extLst>
-          </p:cNvPr>
+          <p:cNvPr id="22529" name="Picture 2"/>
           <p:cNvPicPr>
             <a:picLocks noChangeAspect="1" noChangeArrowheads="1"/>
           </p:cNvPicPr>
           <p:nvPr/>
         </p:nvPicPr>
         <p:blipFill>
-          <a:blip r:embed="rId3">
+          <a:blip r:embed="rId1">
             <a:extLst>
               <a:ext uri="{28A0092B-C50C-407E-A947-70E740481C1C}">
                 <a14:useLocalDpi xmlns:a14="http://schemas.microsoft.com/office/drawing/2010/main" val="0"/>
@@ -9950,13 +9342,7 @@
       </p:pic>
       <p:sp>
         <p:nvSpPr>
-          <p:cNvPr id="22530" name="TextBox 108">
-            <a:extLst>
-              <a:ext uri="{FF2B5EF4-FFF2-40B4-BE49-F238E27FC236}">
-                <a16:creationId xmlns:a16="http://schemas.microsoft.com/office/drawing/2014/main" id="{96FB4E97-A90C-4FB1-9C04-D4C5E0516546}"/>
-              </a:ext>
-            </a:extLst>
-          </p:cNvPr>
+          <p:cNvPr id="22530" name="TextBox 108"/>
           <p:cNvSpPr>
             <a:spLocks noChangeArrowheads="1"/>
           </p:cNvSpPr>
@@ -10003,7 +9389,7 @@
             <a:r>
               <a:rPr lang="en-US" altLang="zh-CN">
                 <a:solidFill>
-                  <a:srgbClr val="000000"/>
+                  <a:schemeClr val="bg1"/>
                 </a:solidFill>
                 <a:latin typeface="微软雅黑" panose="020B0503020204020204" pitchFamily="34" charset="-122"/>
                 <a:ea typeface="微软雅黑" panose="020B0503020204020204" pitchFamily="34" charset="-122"/>
@@ -10014,7 +9400,7 @@
             <a:r>
               <a:rPr lang="zh-CN" altLang="en-US">
                 <a:solidFill>
-                  <a:srgbClr val="000000"/>
+                  <a:schemeClr val="bg1"/>
                 </a:solidFill>
                 <a:latin typeface="微软雅黑" panose="020B0503020204020204" pitchFamily="34" charset="-122"/>
                 <a:ea typeface="微软雅黑" panose="020B0503020204020204" pitchFamily="34" charset="-122"/>
@@ -10022,9 +9408,9 @@
               </a:rPr>
               <a:t>广播的生命周期</a:t>
             </a:r>
-            <a:endParaRPr lang="en-US" altLang="zh-CN">
+            <a:endParaRPr lang="zh-CN" altLang="en-US">
               <a:solidFill>
-                <a:srgbClr val="000000"/>
+                <a:schemeClr val="bg1"/>
               </a:solidFill>
               <a:latin typeface="微软雅黑" panose="020B0503020204020204" pitchFamily="34" charset="-122"/>
               <a:ea typeface="微软雅黑" panose="020B0503020204020204" pitchFamily="34" charset="-122"/>
@@ -10035,13 +9421,7 @@
       </p:sp>
       <p:sp>
         <p:nvSpPr>
-          <p:cNvPr id="22531" name="TextBox 1">
-            <a:extLst>
-              <a:ext uri="{FF2B5EF4-FFF2-40B4-BE49-F238E27FC236}">
-                <a16:creationId xmlns:a16="http://schemas.microsoft.com/office/drawing/2014/main" id="{DC9842E3-DC71-462B-8E6D-7E490CB11D6B}"/>
-              </a:ext>
-            </a:extLst>
-          </p:cNvPr>
+          <p:cNvPr id="22531" name="TextBox 1"/>
           <p:cNvSpPr>
             <a:spLocks noChangeArrowheads="1"/>
           </p:cNvSpPr>
@@ -10128,18 +9508,20 @@
               </a:rPr>
               <a:t>，代码如下：</a:t>
             </a:r>
+            <a:endParaRPr lang="zh-CN" altLang="en-US" sz="1400" dirty="0">
+              <a:solidFill>
+                <a:srgbClr val="000000"/>
+              </a:solidFill>
+              <a:latin typeface="微软雅黑" panose="020B0503020204020204" pitchFamily="34" charset="-122"/>
+              <a:ea typeface="微软雅黑" panose="020B0503020204020204" pitchFamily="34" charset="-122"/>
+              <a:sym typeface="微软雅黑" panose="020B0503020204020204" pitchFamily="34" charset="-122"/>
+            </a:endParaRPr>
           </a:p>
         </p:txBody>
       </p:sp>
       <p:sp>
         <p:nvSpPr>
-          <p:cNvPr id="20485" name="矩形 3">
-            <a:extLst>
-              <a:ext uri="{FF2B5EF4-FFF2-40B4-BE49-F238E27FC236}">
-                <a16:creationId xmlns:a16="http://schemas.microsoft.com/office/drawing/2014/main" id="{120C09E4-D0AE-4484-9812-FE7458E0F937}"/>
-              </a:ext>
-            </a:extLst>
-          </p:cNvPr>
+          <p:cNvPr id="20485" name="矩形 3"/>
           <p:cNvSpPr>
             <a:spLocks noChangeArrowheads="1"/>
           </p:cNvSpPr>
@@ -10334,6 +9716,13 @@
               </a:rPr>
               <a:t> {</a:t>
             </a:r>
+            <a:endParaRPr lang="en-US" altLang="zh-CN" sz="2000" dirty="0">
+              <a:solidFill>
+                <a:srgbClr val="000000"/>
+              </a:solidFill>
+              <a:latin typeface="Times New Roman" panose="02020603050405020304" pitchFamily="18" charset="0"/>
+              <a:sym typeface="Times New Roman" panose="02020603050405020304" pitchFamily="18" charset="0"/>
+            </a:endParaRPr>
           </a:p>
           <a:p>
             <a:pPr>
@@ -10349,6 +9738,13 @@
               </a:rPr>
               <a:t>            @Override</a:t>
             </a:r>
+            <a:endParaRPr lang="en-US" altLang="zh-CN" sz="2000" dirty="0">
+              <a:solidFill>
+                <a:srgbClr val="000000"/>
+              </a:solidFill>
+              <a:latin typeface="Times New Roman" panose="02020603050405020304" pitchFamily="18" charset="0"/>
+              <a:sym typeface="Times New Roman" panose="02020603050405020304" pitchFamily="18" charset="0"/>
+            </a:endParaRPr>
           </a:p>
           <a:p>
             <a:pPr>
@@ -10404,6 +9800,13 @@
               </a:rPr>
               <a:t>, Intent intent) {</a:t>
             </a:r>
+            <a:endParaRPr lang="en-US" altLang="zh-CN" sz="2000" dirty="0">
+              <a:solidFill>
+                <a:srgbClr val="000000"/>
+              </a:solidFill>
+              <a:latin typeface="Times New Roman" panose="02020603050405020304" pitchFamily="18" charset="0"/>
+              <a:sym typeface="Times New Roman" panose="02020603050405020304" pitchFamily="18" charset="0"/>
+            </a:endParaRPr>
           </a:p>
           <a:p>
             <a:pPr>
@@ -10419,6 +9822,13 @@
               </a:rPr>
               <a:t>	  // TODO Auto-generated method stub</a:t>
             </a:r>
+            <a:endParaRPr lang="en-US" altLang="zh-CN" sz="2000" dirty="0">
+              <a:solidFill>
+                <a:srgbClr val="000000"/>
+              </a:solidFill>
+              <a:latin typeface="Times New Roman" panose="02020603050405020304" pitchFamily="18" charset="0"/>
+              <a:sym typeface="Times New Roman" panose="02020603050405020304" pitchFamily="18" charset="0"/>
+            </a:endParaRPr>
           </a:p>
           <a:p>
             <a:pPr>
@@ -10474,6 +9884,13 @@
               </a:rPr>
               <a:t>();</a:t>
             </a:r>
+            <a:endParaRPr lang="en-US" altLang="zh-CN" sz="2000" dirty="0">
+              <a:solidFill>
+                <a:srgbClr val="000000"/>
+              </a:solidFill>
+              <a:latin typeface="Times New Roman" panose="02020603050405020304" pitchFamily="18" charset="0"/>
+              <a:sym typeface="Times New Roman" panose="02020603050405020304" pitchFamily="18" charset="0"/>
+            </a:endParaRPr>
           </a:p>
           <a:p>
             <a:pPr>
@@ -10539,6 +9956,13 @@
               </a:rPr>
               <a:t>)){</a:t>
             </a:r>
+            <a:endParaRPr lang="en-US" altLang="zh-CN" sz="2000" dirty="0">
+              <a:solidFill>
+                <a:srgbClr val="000000"/>
+              </a:solidFill>
+              <a:latin typeface="Times New Roman" panose="02020603050405020304" pitchFamily="18" charset="0"/>
+              <a:sym typeface="Times New Roman" panose="02020603050405020304" pitchFamily="18" charset="0"/>
+            </a:endParaRPr>
           </a:p>
           <a:p>
             <a:pPr>
@@ -10614,6 +10038,13 @@
               </a:rPr>
               <a:t>");</a:t>
             </a:r>
+            <a:endParaRPr lang="en-US" altLang="zh-CN" sz="2000" dirty="0">
+              <a:solidFill>
+                <a:srgbClr val="000000"/>
+              </a:solidFill>
+              <a:latin typeface="Times New Roman" panose="02020603050405020304" pitchFamily="18" charset="0"/>
+              <a:sym typeface="Times New Roman" panose="02020603050405020304" pitchFamily="18" charset="0"/>
+            </a:endParaRPr>
           </a:p>
           <a:p>
             <a:pPr>
@@ -10629,6 +10060,13 @@
               </a:rPr>
               <a:t>                      }</a:t>
             </a:r>
+            <a:endParaRPr lang="en-US" altLang="zh-CN" sz="2000" dirty="0">
+              <a:solidFill>
+                <a:srgbClr val="000000"/>
+              </a:solidFill>
+              <a:latin typeface="Times New Roman" panose="02020603050405020304" pitchFamily="18" charset="0"/>
+              <a:sym typeface="Times New Roman" panose="02020603050405020304" pitchFamily="18" charset="0"/>
+            </a:endParaRPr>
           </a:p>
           <a:p>
             <a:pPr>
@@ -10644,6 +10082,13 @@
               </a:rPr>
               <a:t>              }</a:t>
             </a:r>
+            <a:endParaRPr lang="en-US" altLang="zh-CN" sz="2000" dirty="0">
+              <a:solidFill>
+                <a:srgbClr val="000000"/>
+              </a:solidFill>
+              <a:latin typeface="Times New Roman" panose="02020603050405020304" pitchFamily="18" charset="0"/>
+              <a:sym typeface="Times New Roman" panose="02020603050405020304" pitchFamily="18" charset="0"/>
+            </a:endParaRPr>
           </a:p>
           <a:p>
             <a:pPr indent="266700">
@@ -10661,7 +10106,7 @@
       </p:sp>
     </p:spTree>
     <p:custDataLst>
-      <p:tags r:id="rId1"/>
+      <p:tags r:id="rId2"/>
     </p:custDataLst>
   </p:cSld>
   <p:clrMapOvr>
@@ -10690,20 +10135,14 @@
       </p:grpSpPr>
       <p:pic>
         <p:nvPicPr>
-          <p:cNvPr id="23553" name="Picture 2">
-            <a:extLst>
-              <a:ext uri="{FF2B5EF4-FFF2-40B4-BE49-F238E27FC236}">
-                <a16:creationId xmlns:a16="http://schemas.microsoft.com/office/drawing/2014/main" id="{AC355F4A-42CA-4ACB-B8C0-A279F07E679B}"/>
-              </a:ext>
-            </a:extLst>
-          </p:cNvPr>
+          <p:cNvPr id="23553" name="Picture 2"/>
           <p:cNvPicPr>
             <a:picLocks noChangeAspect="1" noChangeArrowheads="1"/>
           </p:cNvPicPr>
           <p:nvPr/>
         </p:nvPicPr>
         <p:blipFill>
-          <a:blip r:embed="rId3">
+          <a:blip r:embed="rId1">
             <a:extLst>
               <a:ext uri="{28A0092B-C50C-407E-A947-70E740481C1C}">
                 <a14:useLocalDpi xmlns:a14="http://schemas.microsoft.com/office/drawing/2010/main" val="0"/>
@@ -10750,13 +10189,7 @@
       </p:pic>
       <p:sp>
         <p:nvSpPr>
-          <p:cNvPr id="23554" name="TextBox 108">
-            <a:extLst>
-              <a:ext uri="{FF2B5EF4-FFF2-40B4-BE49-F238E27FC236}">
-                <a16:creationId xmlns:a16="http://schemas.microsoft.com/office/drawing/2014/main" id="{E00783E2-34E2-41B1-A98B-590463575CE9}"/>
-              </a:ext>
-            </a:extLst>
-          </p:cNvPr>
+          <p:cNvPr id="23554" name="TextBox 108"/>
           <p:cNvSpPr>
             <a:spLocks noChangeArrowheads="1"/>
           </p:cNvSpPr>
@@ -10803,7 +10236,7 @@
             <a:r>
               <a:rPr lang="en-US" altLang="zh-CN">
                 <a:solidFill>
-                  <a:srgbClr val="000000"/>
+                  <a:schemeClr val="bg1"/>
                 </a:solidFill>
                 <a:latin typeface="微软雅黑" panose="020B0503020204020204" pitchFamily="34" charset="-122"/>
                 <a:ea typeface="微软雅黑" panose="020B0503020204020204" pitchFamily="34" charset="-122"/>
@@ -10814,7 +10247,7 @@
             <a:r>
               <a:rPr lang="zh-CN" altLang="en-US">
                 <a:solidFill>
-                  <a:srgbClr val="000000"/>
+                  <a:schemeClr val="bg1"/>
                 </a:solidFill>
                 <a:latin typeface="微软雅黑" panose="020B0503020204020204" pitchFamily="34" charset="-122"/>
                 <a:ea typeface="微软雅黑" panose="020B0503020204020204" pitchFamily="34" charset="-122"/>
@@ -10822,9 +10255,9 @@
               </a:rPr>
               <a:t>广播的生命周期</a:t>
             </a:r>
-            <a:endParaRPr lang="en-US" altLang="zh-CN">
+            <a:endParaRPr lang="zh-CN" altLang="en-US">
               <a:solidFill>
-                <a:srgbClr val="000000"/>
+                <a:schemeClr val="bg1"/>
               </a:solidFill>
               <a:latin typeface="微软雅黑" panose="020B0503020204020204" pitchFamily="34" charset="-122"/>
               <a:ea typeface="微软雅黑" panose="020B0503020204020204" pitchFamily="34" charset="-122"/>
@@ -10835,13 +10268,7 @@
       </p:sp>
       <p:sp>
         <p:nvSpPr>
-          <p:cNvPr id="23555" name="TextBox 1">
-            <a:extLst>
-              <a:ext uri="{FF2B5EF4-FFF2-40B4-BE49-F238E27FC236}">
-                <a16:creationId xmlns:a16="http://schemas.microsoft.com/office/drawing/2014/main" id="{7047B1EA-92E9-4EA5-B0D3-E733AC3E5D68}"/>
-              </a:ext>
-            </a:extLst>
-          </p:cNvPr>
+          <p:cNvPr id="23555" name="TextBox 1"/>
           <p:cNvSpPr>
             <a:spLocks noChangeArrowheads="1"/>
           </p:cNvSpPr>
@@ -10906,18 +10333,20 @@
               </a:rPr>
               <a:t>代码如下：</a:t>
             </a:r>
+            <a:endParaRPr lang="zh-CN" altLang="en-US" sz="1400">
+              <a:solidFill>
+                <a:srgbClr val="000000"/>
+              </a:solidFill>
+              <a:latin typeface="微软雅黑" panose="020B0503020204020204" pitchFamily="34" charset="-122"/>
+              <a:ea typeface="微软雅黑" panose="020B0503020204020204" pitchFamily="34" charset="-122"/>
+              <a:sym typeface="微软雅黑" panose="020B0503020204020204" pitchFamily="34" charset="-122"/>
+            </a:endParaRPr>
           </a:p>
         </p:txBody>
       </p:sp>
       <p:sp>
         <p:nvSpPr>
-          <p:cNvPr id="23556" name="矩形 1">
-            <a:extLst>
-              <a:ext uri="{FF2B5EF4-FFF2-40B4-BE49-F238E27FC236}">
-                <a16:creationId xmlns:a16="http://schemas.microsoft.com/office/drawing/2014/main" id="{1448EB4A-B7D7-4B3D-ABD4-C539E9A1DDD0}"/>
-              </a:ext>
-            </a:extLst>
-          </p:cNvPr>
+          <p:cNvPr id="23556" name="矩形 1"/>
           <p:cNvSpPr>
             <a:spLocks noChangeArrowheads="1"/>
           </p:cNvSpPr>
@@ -11125,6 +10554,13 @@
               </a:rPr>
               <a:t>"&gt;</a:t>
             </a:r>
+            <a:endParaRPr lang="en-US" altLang="zh-CN" sz="2000" dirty="0">
+              <a:solidFill>
+                <a:srgbClr val="000000"/>
+              </a:solidFill>
+              <a:latin typeface="Times New Roman" panose="02020603050405020304" pitchFamily="18" charset="0"/>
+              <a:sym typeface="Times New Roman" panose="02020603050405020304" pitchFamily="18" charset="0"/>
+            </a:endParaRPr>
           </a:p>
           <a:p>
             <a:r>
@@ -11137,6 +10573,13 @@
               </a:rPr>
               <a:t>	  &lt;intent-filter &gt;</a:t>
             </a:r>
+            <a:endParaRPr lang="en-US" altLang="zh-CN" sz="2000" dirty="0">
+              <a:solidFill>
+                <a:srgbClr val="000000"/>
+              </a:solidFill>
+              <a:latin typeface="Times New Roman" panose="02020603050405020304" pitchFamily="18" charset="0"/>
+              <a:sym typeface="Times New Roman" panose="02020603050405020304" pitchFamily="18" charset="0"/>
+            </a:endParaRPr>
           </a:p>
           <a:p>
             <a:r>
@@ -11189,6 +10632,13 @@
               </a:rPr>
               <a:t>"/&gt;</a:t>
             </a:r>
+            <a:endParaRPr lang="en-US" altLang="zh-CN" sz="2000" dirty="0">
+              <a:solidFill>
+                <a:srgbClr val="000000"/>
+              </a:solidFill>
+              <a:latin typeface="Times New Roman" panose="02020603050405020304" pitchFamily="18" charset="0"/>
+              <a:sym typeface="Times New Roman" panose="02020603050405020304" pitchFamily="18" charset="0"/>
+            </a:endParaRPr>
           </a:p>
           <a:p>
             <a:r>
@@ -11201,6 +10651,13 @@
               </a:rPr>
               <a:t>	  &lt;/intent-filter&gt;</a:t>
             </a:r>
+            <a:endParaRPr lang="en-US" altLang="zh-CN" sz="2000" dirty="0">
+              <a:solidFill>
+                <a:srgbClr val="000000"/>
+              </a:solidFill>
+              <a:latin typeface="Times New Roman" panose="02020603050405020304" pitchFamily="18" charset="0"/>
+              <a:sym typeface="Times New Roman" panose="02020603050405020304" pitchFamily="18" charset="0"/>
+            </a:endParaRPr>
           </a:p>
           <a:p>
             <a:r>
@@ -11233,6 +10690,13 @@
               </a:rPr>
               <a:t>&gt;</a:t>
             </a:r>
+            <a:endParaRPr lang="en-US" altLang="zh-CN" sz="2000" dirty="0">
+              <a:solidFill>
+                <a:srgbClr val="000000"/>
+              </a:solidFill>
+              <a:latin typeface="Times New Roman" panose="02020603050405020304" pitchFamily="18" charset="0"/>
+              <a:sym typeface="Times New Roman" panose="02020603050405020304" pitchFamily="18" charset="0"/>
+            </a:endParaRPr>
           </a:p>
           <a:p>
             <a:endParaRPr lang="en-US" altLang="zh-CN" sz="1400" dirty="0">
@@ -11247,7 +10711,7 @@
       </p:sp>
     </p:spTree>
     <p:custDataLst>
-      <p:tags r:id="rId1"/>
+      <p:tags r:id="rId2"/>
     </p:custDataLst>
   </p:cSld>
   <p:clrMapOvr>
@@ -11276,20 +10740,14 @@
       </p:grpSpPr>
       <p:pic>
         <p:nvPicPr>
-          <p:cNvPr id="24577" name="Picture 2">
-            <a:extLst>
-              <a:ext uri="{FF2B5EF4-FFF2-40B4-BE49-F238E27FC236}">
-                <a16:creationId xmlns:a16="http://schemas.microsoft.com/office/drawing/2014/main" id="{DF94C2B0-38E9-4915-82FB-3FA603A4777C}"/>
-              </a:ext>
-            </a:extLst>
-          </p:cNvPr>
+          <p:cNvPr id="24577" name="Picture 2"/>
           <p:cNvPicPr>
             <a:picLocks noChangeAspect="1" noChangeArrowheads="1"/>
           </p:cNvPicPr>
           <p:nvPr/>
         </p:nvPicPr>
         <p:blipFill>
-          <a:blip r:embed="rId3">
+          <a:blip r:embed="rId1">
             <a:extLst>
               <a:ext uri="{28A0092B-C50C-407E-A947-70E740481C1C}">
                 <a14:useLocalDpi xmlns:a14="http://schemas.microsoft.com/office/drawing/2010/main" val="0"/>
@@ -11336,17 +10794,15 @@
       </p:pic>
       <p:graphicFrame>
         <p:nvGraphicFramePr>
-          <p:cNvPr id="24579" name="表格 3">
-            <a:extLst>
-              <a:ext uri="{FF2B5EF4-FFF2-40B4-BE49-F238E27FC236}">
-                <a16:creationId xmlns:a16="http://schemas.microsoft.com/office/drawing/2014/main" id="{D2327ED2-712B-4A20-8F2F-AACAE031C3FA}"/>
-              </a:ext>
-            </a:extLst>
-          </p:cNvPr>
+          <p:cNvPr id="24579" name="表格 3"/>
           <p:cNvGraphicFramePr>
             <a:graphicFrameLocks noGrp="1"/>
           </p:cNvGraphicFramePr>
-          <p:nvPr/>
+          <p:nvPr>
+            <p:custDataLst>
+              <p:tags r:id="rId2"/>
+            </p:custDataLst>
+          </p:nvPr>
         </p:nvGraphicFramePr>
         <p:xfrm>
           <a:off x="92075" y="1038225"/>
@@ -11357,27 +10813,9 @@
             <a:tbl>
               <a:tblPr/>
               <a:tblGrid>
-                <a:gridCol w="4346729">
-                  <a:extLst>
-                    <a:ext uri="{9D8B030D-6E8A-4147-A177-3AD203B41FA5}">
-                      <a16:colId xmlns:a16="http://schemas.microsoft.com/office/drawing/2014/main" val="20000"/>
-                    </a:ext>
-                  </a:extLst>
-                </a:gridCol>
-                <a:gridCol w="3049378">
-                  <a:extLst>
-                    <a:ext uri="{9D8B030D-6E8A-4147-A177-3AD203B41FA5}">
-                      <a16:colId xmlns:a16="http://schemas.microsoft.com/office/drawing/2014/main" val="20001"/>
-                    </a:ext>
-                  </a:extLst>
-                </a:gridCol>
-                <a:gridCol w="1565331">
-                  <a:extLst>
-                    <a:ext uri="{9D8B030D-6E8A-4147-A177-3AD203B41FA5}">
-                      <a16:colId xmlns:a16="http://schemas.microsoft.com/office/drawing/2014/main" val="20002"/>
-                    </a:ext>
-                  </a:extLst>
-                </a:gridCol>
+                <a:gridCol w="4346729"/>
+                <a:gridCol w="3049378"/>
+                <a:gridCol w="1565331"/>
               </a:tblGrid>
               <a:tr h="213338">
                 <a:tc>
@@ -11549,6 +10987,18 @@
                         </a:rPr>
                         <a:t>常量</a:t>
                       </a:r>
+                      <a:endParaRPr kumimoji="0" lang="zh-CN" altLang="en-US" sz="1400" b="0" i="0" u="none" strike="noStrike" cap="none" normalizeH="0" baseline="0">
+                        <a:ln>
+                          <a:noFill/>
+                        </a:ln>
+                        <a:solidFill>
+                          <a:schemeClr val="tx1"/>
+                        </a:solidFill>
+                        <a:effectLst/>
+                        <a:latin typeface="Times New Roman" panose="02020603050405020304" pitchFamily="18" charset="0"/>
+                        <a:ea typeface="宋体" panose="02010600030101010101" pitchFamily="2" charset="-122"/>
+                        <a:sym typeface="Times New Roman" panose="02020603050405020304" pitchFamily="18" charset="0"/>
+                      </a:endParaRPr>
                     </a:p>
                   </a:txBody>
                   <a:tcPr marL="68582" marR="68582" marT="0" marB="0" horzOverflow="overflow">
@@ -12055,11 +11505,6 @@
                     <a:noFill/>
                   </a:tcPr>
                 </a:tc>
-                <a:extLst>
-                  <a:ext uri="{0D108BD9-81ED-4DB2-BD59-A6C34878D82A}">
-                    <a16:rowId xmlns:a16="http://schemas.microsoft.com/office/drawing/2014/main" val="10000"/>
-                  </a:ext>
-                </a:extLst>
               </a:tr>
               <a:tr h="182861">
                 <a:tc>
@@ -12231,6 +11676,18 @@
                         </a:rPr>
                         <a:t>android.intent.action.BOOT_COMPLETED  </a:t>
                       </a:r>
+                      <a:endParaRPr kumimoji="0" lang="en-US" altLang="zh-CN" sz="1200" b="0" i="0" u="none" strike="noStrike" cap="none" normalizeH="0" baseline="0">
+                        <a:ln>
+                          <a:noFill/>
+                        </a:ln>
+                        <a:solidFill>
+                          <a:schemeClr val="tx1"/>
+                        </a:solidFill>
+                        <a:effectLst/>
+                        <a:latin typeface="Times New Roman" panose="02020603050405020304" pitchFamily="18" charset="0"/>
+                        <a:ea typeface="宋体" panose="02010600030101010101" pitchFamily="2" charset="-122"/>
+                        <a:sym typeface="Times New Roman" panose="02020603050405020304" pitchFamily="18" charset="0"/>
+                      </a:endParaRPr>
                     </a:p>
                   </a:txBody>
                   <a:tcPr marL="68582" marR="68582" marT="0" marB="0" horzOverflow="overflow">
@@ -12448,6 +11905,18 @@
                         </a:rPr>
                         <a:t>ACTION_BOOT_COMPLETED</a:t>
                       </a:r>
+                      <a:endParaRPr kumimoji="0" lang="en-US" altLang="zh-CN" sz="1200" b="0" i="0" u="none" strike="noStrike" cap="none" normalizeH="0" baseline="0">
+                        <a:ln>
+                          <a:noFill/>
+                        </a:ln>
+                        <a:solidFill>
+                          <a:schemeClr val="tx1"/>
+                        </a:solidFill>
+                        <a:effectLst/>
+                        <a:latin typeface="Times New Roman" panose="02020603050405020304" pitchFamily="18" charset="0"/>
+                        <a:ea typeface="宋体" panose="02010600030101010101" pitchFamily="2" charset="-122"/>
+                        <a:sym typeface="Times New Roman" panose="02020603050405020304" pitchFamily="18" charset="0"/>
+                      </a:endParaRPr>
                     </a:p>
                   </a:txBody>
                   <a:tcPr marL="68582" marR="68582" marT="0" marB="0" horzOverflow="overflow">
@@ -12665,6 +12134,18 @@
                         </a:rPr>
                         <a:t>系统启动</a:t>
                       </a:r>
+                      <a:endParaRPr kumimoji="0" lang="zh-CN" altLang="en-US" sz="1200" b="1" i="0" u="none" strike="noStrike" cap="none" normalizeH="0" baseline="0">
+                        <a:ln>
+                          <a:noFill/>
+                        </a:ln>
+                        <a:solidFill>
+                          <a:srgbClr val="00B050"/>
+                        </a:solidFill>
+                        <a:effectLst/>
+                        <a:latin typeface="Times New Roman" panose="02020603050405020304" pitchFamily="18" charset="0"/>
+                        <a:ea typeface="宋体" panose="02010600030101010101" pitchFamily="2" charset="-122"/>
+                        <a:sym typeface="Times New Roman" panose="02020603050405020304" pitchFamily="18" charset="0"/>
+                      </a:endParaRPr>
                     </a:p>
                   </a:txBody>
                   <a:tcPr marL="68582" marR="68582" marT="0" marB="0" horzOverflow="overflow">
@@ -12713,11 +12194,6 @@
                     <a:noFill/>
                   </a:tcPr>
                 </a:tc>
-                <a:extLst>
-                  <a:ext uri="{0D108BD9-81ED-4DB2-BD59-A6C34878D82A}">
-                    <a16:rowId xmlns:a16="http://schemas.microsoft.com/office/drawing/2014/main" val="10001"/>
-                  </a:ext>
-                </a:extLst>
               </a:tr>
               <a:tr h="235561">
                 <a:tc>
@@ -12889,6 +12365,18 @@
                         </a:rPr>
                         <a:t>android.intent.action.ACTION_TIME_CHANGED</a:t>
                       </a:r>
+                      <a:endParaRPr kumimoji="0" lang="en-US" altLang="zh-CN" sz="1200" b="0" i="0" u="none" strike="noStrike" cap="none" normalizeH="0" baseline="0">
+                        <a:ln>
+                          <a:noFill/>
+                        </a:ln>
+                        <a:solidFill>
+                          <a:schemeClr val="tx1"/>
+                        </a:solidFill>
+                        <a:effectLst/>
+                        <a:latin typeface="Times New Roman" panose="02020603050405020304" pitchFamily="18" charset="0"/>
+                        <a:ea typeface="宋体" panose="02010600030101010101" pitchFamily="2" charset="-122"/>
+                        <a:sym typeface="Times New Roman" panose="02020603050405020304" pitchFamily="18" charset="0"/>
+                      </a:endParaRPr>
                     </a:p>
                   </a:txBody>
                   <a:tcPr marL="68582" marR="68582" marT="0" marB="0" horzOverflow="overflow">
@@ -13106,6 +12594,18 @@
                         </a:rPr>
                         <a:t>ACTION_TIME_CHANGED</a:t>
                       </a:r>
+                      <a:endParaRPr kumimoji="0" lang="en-US" altLang="zh-CN" sz="1200" b="0" i="0" u="none" strike="noStrike" cap="none" normalizeH="0" baseline="0">
+                        <a:ln>
+                          <a:noFill/>
+                        </a:ln>
+                        <a:solidFill>
+                          <a:schemeClr val="tx1"/>
+                        </a:solidFill>
+                        <a:effectLst/>
+                        <a:latin typeface="Times New Roman" panose="02020603050405020304" pitchFamily="18" charset="0"/>
+                        <a:ea typeface="宋体" panose="02010600030101010101" pitchFamily="2" charset="-122"/>
+                        <a:sym typeface="Times New Roman" panose="02020603050405020304" pitchFamily="18" charset="0"/>
+                      </a:endParaRPr>
                     </a:p>
                   </a:txBody>
                   <a:tcPr marL="68582" marR="68582" marT="0" marB="0" horzOverflow="overflow">
@@ -13323,6 +12823,18 @@
                         </a:rPr>
                         <a:t>时间改变</a:t>
                       </a:r>
+                      <a:endParaRPr kumimoji="0" lang="zh-CN" altLang="en-US" sz="1200" b="1" i="0" u="none" strike="noStrike" cap="none" normalizeH="0" baseline="0">
+                        <a:ln>
+                          <a:noFill/>
+                        </a:ln>
+                        <a:solidFill>
+                          <a:srgbClr val="00B050"/>
+                        </a:solidFill>
+                        <a:effectLst/>
+                        <a:latin typeface="Times New Roman" panose="02020603050405020304" pitchFamily="18" charset="0"/>
+                        <a:ea typeface="宋体" panose="02010600030101010101" pitchFamily="2" charset="-122"/>
+                        <a:sym typeface="Times New Roman" panose="02020603050405020304" pitchFamily="18" charset="0"/>
+                      </a:endParaRPr>
                     </a:p>
                   </a:txBody>
                   <a:tcPr marL="68582" marR="68582" marT="0" marB="0" horzOverflow="overflow">
@@ -13371,11 +12883,6 @@
                     <a:noFill/>
                   </a:tcPr>
                 </a:tc>
-                <a:extLst>
-                  <a:ext uri="{0D108BD9-81ED-4DB2-BD59-A6C34878D82A}">
-                    <a16:rowId xmlns:a16="http://schemas.microsoft.com/office/drawing/2014/main" val="10002"/>
-                  </a:ext>
-                </a:extLst>
               </a:tr>
               <a:tr h="236831">
                 <a:tc>
@@ -13547,6 +13054,18 @@
                         </a:rPr>
                         <a:t>android.intent.action.ACTION_DATE_CHANGED</a:t>
                       </a:r>
+                      <a:endParaRPr kumimoji="0" lang="zh-CN" altLang="en-US" sz="1200" b="0" i="0" u="none" strike="noStrike" cap="none" normalizeH="0" baseline="0">
+                        <a:ln>
+                          <a:noFill/>
+                        </a:ln>
+                        <a:solidFill>
+                          <a:schemeClr val="tx1"/>
+                        </a:solidFill>
+                        <a:effectLst/>
+                        <a:latin typeface="Times New Roman" panose="02020603050405020304" pitchFamily="18" charset="0"/>
+                        <a:ea typeface="宋体" panose="02010600030101010101" pitchFamily="2" charset="-122"/>
+                        <a:sym typeface="Times New Roman" panose="02020603050405020304" pitchFamily="18" charset="0"/>
+                      </a:endParaRPr>
                     </a:p>
                   </a:txBody>
                   <a:tcPr marL="68582" marR="68582" marT="0" marB="0" horzOverflow="overflow">
@@ -13764,6 +13283,18 @@
                         </a:rPr>
                         <a:t>ACTION_DATE_CHANGED</a:t>
                       </a:r>
+                      <a:endParaRPr kumimoji="0" lang="en-US" altLang="zh-CN" sz="1200" b="0" i="0" u="none" strike="noStrike" cap="none" normalizeH="0" baseline="0">
+                        <a:ln>
+                          <a:noFill/>
+                        </a:ln>
+                        <a:solidFill>
+                          <a:schemeClr val="tx1"/>
+                        </a:solidFill>
+                        <a:effectLst/>
+                        <a:latin typeface="Times New Roman" panose="02020603050405020304" pitchFamily="18" charset="0"/>
+                        <a:ea typeface="宋体" panose="02010600030101010101" pitchFamily="2" charset="-122"/>
+                        <a:sym typeface="Times New Roman" panose="02020603050405020304" pitchFamily="18" charset="0"/>
+                      </a:endParaRPr>
                     </a:p>
                   </a:txBody>
                   <a:tcPr marL="68582" marR="68582" marT="0" marB="0" horzOverflow="overflow">
@@ -13981,6 +13512,18 @@
                         </a:rPr>
                         <a:t>日期改变</a:t>
                       </a:r>
+                      <a:endParaRPr kumimoji="0" lang="zh-CN" altLang="en-US" sz="1200" b="1" i="0" u="none" strike="noStrike" cap="none" normalizeH="0" baseline="0">
+                        <a:ln>
+                          <a:noFill/>
+                        </a:ln>
+                        <a:solidFill>
+                          <a:srgbClr val="00B050"/>
+                        </a:solidFill>
+                        <a:effectLst/>
+                        <a:latin typeface="Times New Roman" panose="02020603050405020304" pitchFamily="18" charset="0"/>
+                        <a:ea typeface="宋体" panose="02010600030101010101" pitchFamily="2" charset="-122"/>
+                        <a:sym typeface="Times New Roman" panose="02020603050405020304" pitchFamily="18" charset="0"/>
+                      </a:endParaRPr>
                     </a:p>
                   </a:txBody>
                   <a:tcPr marL="68582" marR="68582" marT="0" marB="0" horzOverflow="overflow">
@@ -14029,11 +13572,6 @@
                     <a:noFill/>
                   </a:tcPr>
                 </a:tc>
-                <a:extLst>
-                  <a:ext uri="{0D108BD9-81ED-4DB2-BD59-A6C34878D82A}">
-                    <a16:rowId xmlns:a16="http://schemas.microsoft.com/office/drawing/2014/main" val="10003"/>
-                  </a:ext>
-                </a:extLst>
               </a:tr>
               <a:tr h="236196">
                 <a:tc>
@@ -14205,6 +13743,18 @@
                         </a:rPr>
                         <a:t>android.intent.action.ACTION_TIMEZONE_CHANGED</a:t>
                       </a:r>
+                      <a:endParaRPr kumimoji="0" lang="zh-CN" altLang="en-US" sz="1200" b="0" i="0" u="none" strike="noStrike" cap="none" normalizeH="0" baseline="0">
+                        <a:ln>
+                          <a:noFill/>
+                        </a:ln>
+                        <a:solidFill>
+                          <a:schemeClr val="tx1"/>
+                        </a:solidFill>
+                        <a:effectLst/>
+                        <a:latin typeface="Times New Roman" panose="02020603050405020304" pitchFamily="18" charset="0"/>
+                        <a:ea typeface="宋体" panose="02010600030101010101" pitchFamily="2" charset="-122"/>
+                        <a:sym typeface="Times New Roman" panose="02020603050405020304" pitchFamily="18" charset="0"/>
+                      </a:endParaRPr>
                     </a:p>
                   </a:txBody>
                   <a:tcPr marL="68582" marR="68582" marT="0" marB="0" horzOverflow="overflow">
@@ -14422,6 +13972,18 @@
                         </a:rPr>
                         <a:t>ACTION_TIMEZONE_CHANGED</a:t>
                       </a:r>
+                      <a:endParaRPr kumimoji="0" lang="en-US" altLang="zh-CN" sz="1200" b="0" i="0" u="none" strike="noStrike" cap="none" normalizeH="0" baseline="0">
+                        <a:ln>
+                          <a:noFill/>
+                        </a:ln>
+                        <a:solidFill>
+                          <a:schemeClr val="tx1"/>
+                        </a:solidFill>
+                        <a:effectLst/>
+                        <a:latin typeface="Times New Roman" panose="02020603050405020304" pitchFamily="18" charset="0"/>
+                        <a:ea typeface="宋体" panose="02010600030101010101" pitchFamily="2" charset="-122"/>
+                        <a:sym typeface="Times New Roman" panose="02020603050405020304" pitchFamily="18" charset="0"/>
+                      </a:endParaRPr>
                     </a:p>
                   </a:txBody>
                   <a:tcPr marL="68582" marR="68582" marT="0" marB="0" horzOverflow="overflow">
@@ -14639,6 +14201,18 @@
                         </a:rPr>
                         <a:t>时区改变</a:t>
                       </a:r>
+                      <a:endParaRPr kumimoji="0" lang="zh-CN" altLang="en-US" sz="1200" b="1" i="0" u="none" strike="noStrike" cap="none" normalizeH="0" baseline="0">
+                        <a:ln>
+                          <a:noFill/>
+                        </a:ln>
+                        <a:solidFill>
+                          <a:srgbClr val="00B050"/>
+                        </a:solidFill>
+                        <a:effectLst/>
+                        <a:latin typeface="Times New Roman" panose="02020603050405020304" pitchFamily="18" charset="0"/>
+                        <a:ea typeface="宋体" panose="02010600030101010101" pitchFamily="2" charset="-122"/>
+                        <a:sym typeface="Times New Roman" panose="02020603050405020304" pitchFamily="18" charset="0"/>
+                      </a:endParaRPr>
                     </a:p>
                   </a:txBody>
                   <a:tcPr marL="68582" marR="68582" marT="0" marB="0" horzOverflow="overflow">
@@ -14687,11 +14261,6 @@
                     <a:noFill/>
                   </a:tcPr>
                 </a:tc>
-                <a:extLst>
-                  <a:ext uri="{0D108BD9-81ED-4DB2-BD59-A6C34878D82A}">
-                    <a16:rowId xmlns:a16="http://schemas.microsoft.com/office/drawing/2014/main" val="10004"/>
-                  </a:ext>
-                </a:extLst>
               </a:tr>
               <a:tr h="235561">
                 <a:tc>
@@ -14863,6 +14432,18 @@
                         </a:rPr>
                         <a:t>android.intent.action.ACTION_BATTERY_LOW</a:t>
                       </a:r>
+                      <a:endParaRPr kumimoji="0" lang="en-US" altLang="zh-CN" sz="1200" b="0" i="0" u="none" strike="noStrike" cap="none" normalizeH="0" baseline="0">
+                        <a:ln>
+                          <a:noFill/>
+                        </a:ln>
+                        <a:solidFill>
+                          <a:schemeClr val="tx1"/>
+                        </a:solidFill>
+                        <a:effectLst/>
+                        <a:latin typeface="Times New Roman" panose="02020603050405020304" pitchFamily="18" charset="0"/>
+                        <a:ea typeface="宋体" panose="02010600030101010101" pitchFamily="2" charset="-122"/>
+                        <a:sym typeface="Times New Roman" panose="02020603050405020304" pitchFamily="18" charset="0"/>
+                      </a:endParaRPr>
                     </a:p>
                   </a:txBody>
                   <a:tcPr marL="68582" marR="68582" marT="0" marB="0" horzOverflow="overflow">
@@ -15080,6 +14661,18 @@
                         </a:rPr>
                         <a:t>ACTION_BATTERY_LOW</a:t>
                       </a:r>
+                      <a:endParaRPr kumimoji="0" lang="en-US" altLang="zh-CN" sz="1200" b="0" i="0" u="none" strike="noStrike" cap="none" normalizeH="0" baseline="0">
+                        <a:ln>
+                          <a:noFill/>
+                        </a:ln>
+                        <a:solidFill>
+                          <a:schemeClr val="tx1"/>
+                        </a:solidFill>
+                        <a:effectLst/>
+                        <a:latin typeface="Times New Roman" panose="02020603050405020304" pitchFamily="18" charset="0"/>
+                        <a:ea typeface="宋体" panose="02010600030101010101" pitchFamily="2" charset="-122"/>
+                        <a:sym typeface="Times New Roman" panose="02020603050405020304" pitchFamily="18" charset="0"/>
+                      </a:endParaRPr>
                     </a:p>
                   </a:txBody>
                   <a:tcPr marL="68582" marR="68582" marT="0" marB="0" horzOverflow="overflow">
@@ -15297,6 +14890,18 @@
                         </a:rPr>
                         <a:t>电量低</a:t>
                       </a:r>
+                      <a:endParaRPr kumimoji="0" lang="zh-CN" altLang="en-US" sz="1200" b="1" i="0" u="none" strike="noStrike" cap="none" normalizeH="0" baseline="0">
+                        <a:ln>
+                          <a:noFill/>
+                        </a:ln>
+                        <a:solidFill>
+                          <a:srgbClr val="00B050"/>
+                        </a:solidFill>
+                        <a:effectLst/>
+                        <a:latin typeface="Times New Roman" panose="02020603050405020304" pitchFamily="18" charset="0"/>
+                        <a:ea typeface="宋体" panose="02010600030101010101" pitchFamily="2" charset="-122"/>
+                        <a:sym typeface="Times New Roman" panose="02020603050405020304" pitchFamily="18" charset="0"/>
+                      </a:endParaRPr>
                     </a:p>
                   </a:txBody>
                   <a:tcPr marL="68582" marR="68582" marT="0" marB="0" horzOverflow="overflow">
@@ -15345,11 +14950,6 @@
                     <a:noFill/>
                   </a:tcPr>
                 </a:tc>
-                <a:extLst>
-                  <a:ext uri="{0D108BD9-81ED-4DB2-BD59-A6C34878D82A}">
-                    <a16:rowId xmlns:a16="http://schemas.microsoft.com/office/drawing/2014/main" val="10005"/>
-                  </a:ext>
-                </a:extLst>
               </a:tr>
               <a:tr h="182861">
                 <a:tc>
@@ -15521,6 +15121,18 @@
                         </a:rPr>
                         <a:t>android.intent.action.ACTION_MEDIA_EJECT</a:t>
                       </a:r>
+                      <a:endParaRPr kumimoji="0" lang="en-US" altLang="zh-CN" sz="1200" b="0" i="0" u="none" strike="noStrike" cap="none" normalizeH="0" baseline="0">
+                        <a:ln>
+                          <a:noFill/>
+                        </a:ln>
+                        <a:solidFill>
+                          <a:schemeClr val="tx1"/>
+                        </a:solidFill>
+                        <a:effectLst/>
+                        <a:latin typeface="Times New Roman" panose="02020603050405020304" pitchFamily="18" charset="0"/>
+                        <a:ea typeface="宋体" panose="02010600030101010101" pitchFamily="2" charset="-122"/>
+                        <a:sym typeface="Times New Roman" panose="02020603050405020304" pitchFamily="18" charset="0"/>
+                      </a:endParaRPr>
                     </a:p>
                   </a:txBody>
                   <a:tcPr marL="68582" marR="68582" marT="0" marB="0" horzOverflow="overflow">
@@ -15738,6 +15350,18 @@
                         </a:rPr>
                         <a:t>ACTION_MEDIA_EJECT</a:t>
                       </a:r>
+                      <a:endParaRPr kumimoji="0" lang="en-US" altLang="zh-CN" sz="1200" b="0" i="0" u="none" strike="noStrike" cap="none" normalizeH="0" baseline="0">
+                        <a:ln>
+                          <a:noFill/>
+                        </a:ln>
+                        <a:solidFill>
+                          <a:schemeClr val="tx1"/>
+                        </a:solidFill>
+                        <a:effectLst/>
+                        <a:latin typeface="Times New Roman" panose="02020603050405020304" pitchFamily="18" charset="0"/>
+                        <a:ea typeface="宋体" panose="02010600030101010101" pitchFamily="2" charset="-122"/>
+                        <a:sym typeface="Times New Roman" panose="02020603050405020304" pitchFamily="18" charset="0"/>
+                      </a:endParaRPr>
                     </a:p>
                   </a:txBody>
                   <a:tcPr marL="68582" marR="68582" marT="0" marB="0" horzOverflow="overflow">
@@ -15955,6 +15579,18 @@
                         </a:rPr>
                         <a:t>插入或拔出外部媒体</a:t>
                       </a:r>
+                      <a:endParaRPr kumimoji="0" lang="zh-CN" altLang="en-US" sz="1200" b="1" i="0" u="none" strike="noStrike" cap="none" normalizeH="0" baseline="0">
+                        <a:ln>
+                          <a:noFill/>
+                        </a:ln>
+                        <a:solidFill>
+                          <a:srgbClr val="00B050"/>
+                        </a:solidFill>
+                        <a:effectLst/>
+                        <a:latin typeface="Times New Roman" panose="02020603050405020304" pitchFamily="18" charset="0"/>
+                        <a:ea typeface="宋体" panose="02010600030101010101" pitchFamily="2" charset="-122"/>
+                        <a:sym typeface="Times New Roman" panose="02020603050405020304" pitchFamily="18" charset="0"/>
+                      </a:endParaRPr>
                     </a:p>
                   </a:txBody>
                   <a:tcPr marL="68582" marR="68582" marT="0" marB="0" horzOverflow="overflow">
@@ -16003,11 +15639,6 @@
                     <a:noFill/>
                   </a:tcPr>
                 </a:tc>
-                <a:extLst>
-                  <a:ext uri="{0D108BD9-81ED-4DB2-BD59-A6C34878D82A}">
-                    <a16:rowId xmlns:a16="http://schemas.microsoft.com/office/drawing/2014/main" val="10006"/>
-                  </a:ext>
-                </a:extLst>
               </a:tr>
               <a:tr h="236196">
                 <a:tc>
@@ -16179,6 +15810,18 @@
                         </a:rPr>
                         <a:t>android.intent.action.ACTION_MEDIA_BUTTON</a:t>
                       </a:r>
+                      <a:endParaRPr kumimoji="0" lang="en-US" altLang="zh-CN" sz="1200" b="0" i="0" u="none" strike="noStrike" cap="none" normalizeH="0" baseline="0">
+                        <a:ln>
+                          <a:noFill/>
+                        </a:ln>
+                        <a:solidFill>
+                          <a:schemeClr val="tx1"/>
+                        </a:solidFill>
+                        <a:effectLst/>
+                        <a:latin typeface="Times New Roman" panose="02020603050405020304" pitchFamily="18" charset="0"/>
+                        <a:ea typeface="宋体" panose="02010600030101010101" pitchFamily="2" charset="-122"/>
+                        <a:sym typeface="Times New Roman" panose="02020603050405020304" pitchFamily="18" charset="0"/>
+                      </a:endParaRPr>
                     </a:p>
                   </a:txBody>
                   <a:tcPr marL="68582" marR="68582" marT="0" marB="0" horzOverflow="overflow">
@@ -16396,6 +16039,18 @@
                         </a:rPr>
                         <a:t>ACTION_MEDIA_BUTTON</a:t>
                       </a:r>
+                      <a:endParaRPr kumimoji="0" lang="en-US" altLang="zh-CN" sz="1200" b="0" i="0" u="none" strike="noStrike" cap="none" normalizeH="0" baseline="0">
+                        <a:ln>
+                          <a:noFill/>
+                        </a:ln>
+                        <a:solidFill>
+                          <a:schemeClr val="tx1"/>
+                        </a:solidFill>
+                        <a:effectLst/>
+                        <a:latin typeface="Times New Roman" panose="02020603050405020304" pitchFamily="18" charset="0"/>
+                        <a:ea typeface="宋体" panose="02010600030101010101" pitchFamily="2" charset="-122"/>
+                        <a:sym typeface="Times New Roman" panose="02020603050405020304" pitchFamily="18" charset="0"/>
+                      </a:endParaRPr>
                     </a:p>
                   </a:txBody>
                   <a:tcPr marL="68582" marR="68582" marT="0" marB="0" horzOverflow="overflow">
@@ -16613,6 +16268,18 @@
                         </a:rPr>
                         <a:t>按下多媒体</a:t>
                       </a:r>
+                      <a:endParaRPr kumimoji="0" lang="zh-CN" altLang="en-US" sz="1200" b="1" i="0" u="none" strike="noStrike" cap="none" normalizeH="0" baseline="0">
+                        <a:ln>
+                          <a:noFill/>
+                        </a:ln>
+                        <a:solidFill>
+                          <a:srgbClr val="00B050"/>
+                        </a:solidFill>
+                        <a:effectLst/>
+                        <a:latin typeface="Times New Roman" panose="02020603050405020304" pitchFamily="18" charset="0"/>
+                        <a:ea typeface="宋体" panose="02010600030101010101" pitchFamily="2" charset="-122"/>
+                        <a:sym typeface="Times New Roman" panose="02020603050405020304" pitchFamily="18" charset="0"/>
+                      </a:endParaRPr>
                     </a:p>
                   </a:txBody>
                   <a:tcPr marL="68582" marR="68582" marT="0" marB="0" horzOverflow="overflow">
@@ -16661,11 +16328,6 @@
                     <a:noFill/>
                   </a:tcPr>
                 </a:tc>
-                <a:extLst>
-                  <a:ext uri="{0D108BD9-81ED-4DB2-BD59-A6C34878D82A}">
-                    <a16:rowId xmlns:a16="http://schemas.microsoft.com/office/drawing/2014/main" val="10007"/>
-                  </a:ext>
-                </a:extLst>
               </a:tr>
               <a:tr h="235561">
                 <a:tc>
@@ -16837,6 +16499,18 @@
                         </a:rPr>
                         <a:t>android.intent.action.ACTION_PACKAGE_ADDED</a:t>
                       </a:r>
+                      <a:endParaRPr kumimoji="0" lang="en-US" altLang="zh-CN" sz="1200" b="0" i="0" u="none" strike="noStrike" cap="none" normalizeH="0" baseline="0">
+                        <a:ln>
+                          <a:noFill/>
+                        </a:ln>
+                        <a:solidFill>
+                          <a:schemeClr val="tx1"/>
+                        </a:solidFill>
+                        <a:effectLst/>
+                        <a:latin typeface="Times New Roman" panose="02020603050405020304" pitchFamily="18" charset="0"/>
+                        <a:ea typeface="宋体" panose="02010600030101010101" pitchFamily="2" charset="-122"/>
+                        <a:sym typeface="Times New Roman" panose="02020603050405020304" pitchFamily="18" charset="0"/>
+                      </a:endParaRPr>
                     </a:p>
                   </a:txBody>
                   <a:tcPr marL="68582" marR="68582" marT="0" marB="0" horzOverflow="overflow">
@@ -17054,6 +16728,18 @@
                         </a:rPr>
                         <a:t>ACTION_PACKAGE_ADDED</a:t>
                       </a:r>
+                      <a:endParaRPr kumimoji="0" lang="en-US" altLang="zh-CN" sz="1200" b="0" i="0" u="none" strike="noStrike" cap="none" normalizeH="0" baseline="0">
+                        <a:ln>
+                          <a:noFill/>
+                        </a:ln>
+                        <a:solidFill>
+                          <a:schemeClr val="tx1"/>
+                        </a:solidFill>
+                        <a:effectLst/>
+                        <a:latin typeface="Times New Roman" panose="02020603050405020304" pitchFamily="18" charset="0"/>
+                        <a:ea typeface="宋体" panose="02010600030101010101" pitchFamily="2" charset="-122"/>
+                        <a:sym typeface="Times New Roman" panose="02020603050405020304" pitchFamily="18" charset="0"/>
+                      </a:endParaRPr>
                     </a:p>
                   </a:txBody>
                   <a:tcPr marL="68582" marR="68582" marT="0" marB="0" horzOverflow="overflow">
@@ -17271,6 +16957,18 @@
                         </a:rPr>
                         <a:t>添加包</a:t>
                       </a:r>
+                      <a:endParaRPr kumimoji="0" lang="zh-CN" altLang="en-US" sz="1200" b="1" i="0" u="none" strike="noStrike" cap="none" normalizeH="0" baseline="0">
+                        <a:ln>
+                          <a:noFill/>
+                        </a:ln>
+                        <a:solidFill>
+                          <a:srgbClr val="00B050"/>
+                        </a:solidFill>
+                        <a:effectLst/>
+                        <a:latin typeface="Times New Roman" panose="02020603050405020304" pitchFamily="18" charset="0"/>
+                        <a:ea typeface="宋体" panose="02010600030101010101" pitchFamily="2" charset="-122"/>
+                        <a:sym typeface="Times New Roman" panose="02020603050405020304" pitchFamily="18" charset="0"/>
+                      </a:endParaRPr>
                     </a:p>
                   </a:txBody>
                   <a:tcPr marL="68582" marR="68582" marT="0" marB="0" horzOverflow="overflow">
@@ -17319,11 +17017,6 @@
                     <a:noFill/>
                   </a:tcPr>
                 </a:tc>
-                <a:extLst>
-                  <a:ext uri="{0D108BD9-81ED-4DB2-BD59-A6C34878D82A}">
-                    <a16:rowId xmlns:a16="http://schemas.microsoft.com/office/drawing/2014/main" val="10008"/>
-                  </a:ext>
-                </a:extLst>
               </a:tr>
               <a:tr h="236831">
                 <a:tc>
@@ -17495,6 +17188,18 @@
                         </a:rPr>
                         <a:t>android.intent.action.ACTION_PACKAGE_REMOVED</a:t>
                       </a:r>
+                      <a:endParaRPr kumimoji="0" lang="en-US" altLang="zh-CN" sz="1200" b="0" i="0" u="none" strike="noStrike" cap="none" normalizeH="0" baseline="0">
+                        <a:ln>
+                          <a:noFill/>
+                        </a:ln>
+                        <a:solidFill>
+                          <a:schemeClr val="tx1"/>
+                        </a:solidFill>
+                        <a:effectLst/>
+                        <a:latin typeface="Times New Roman" panose="02020603050405020304" pitchFamily="18" charset="0"/>
+                        <a:ea typeface="宋体" panose="02010600030101010101" pitchFamily="2" charset="-122"/>
+                        <a:sym typeface="Times New Roman" panose="02020603050405020304" pitchFamily="18" charset="0"/>
+                      </a:endParaRPr>
                     </a:p>
                   </a:txBody>
                   <a:tcPr marL="68582" marR="68582" marT="0" marB="0" horzOverflow="overflow">
@@ -17712,6 +17417,18 @@
                         </a:rPr>
                         <a:t>ACTION_PACKAGE_REMOVED</a:t>
                       </a:r>
+                      <a:endParaRPr kumimoji="0" lang="en-US" altLang="zh-CN" sz="1200" b="0" i="0" u="none" strike="noStrike" cap="none" normalizeH="0" baseline="0">
+                        <a:ln>
+                          <a:noFill/>
+                        </a:ln>
+                        <a:solidFill>
+                          <a:schemeClr val="tx1"/>
+                        </a:solidFill>
+                        <a:effectLst/>
+                        <a:latin typeface="Times New Roman" panose="02020603050405020304" pitchFamily="18" charset="0"/>
+                        <a:ea typeface="宋体" panose="02010600030101010101" pitchFamily="2" charset="-122"/>
+                        <a:sym typeface="Times New Roman" panose="02020603050405020304" pitchFamily="18" charset="0"/>
+                      </a:endParaRPr>
                     </a:p>
                   </a:txBody>
                   <a:tcPr marL="68582" marR="68582" marT="0" marB="0" horzOverflow="overflow">
@@ -17929,6 +17646,18 @@
                         </a:rPr>
                         <a:t>删除包</a:t>
                       </a:r>
+                      <a:endParaRPr kumimoji="0" lang="zh-CN" altLang="en-US" sz="1200" b="1" i="0" u="none" strike="noStrike" cap="none" normalizeH="0" baseline="0">
+                        <a:ln>
+                          <a:noFill/>
+                        </a:ln>
+                        <a:solidFill>
+                          <a:srgbClr val="00B050"/>
+                        </a:solidFill>
+                        <a:effectLst/>
+                        <a:latin typeface="Times New Roman" panose="02020603050405020304" pitchFamily="18" charset="0"/>
+                        <a:ea typeface="宋体" panose="02010600030101010101" pitchFamily="2" charset="-122"/>
+                        <a:sym typeface="Times New Roman" panose="02020603050405020304" pitchFamily="18" charset="0"/>
+                      </a:endParaRPr>
                     </a:p>
                   </a:txBody>
                   <a:tcPr marL="68582" marR="68582" marT="0" marB="0" horzOverflow="overflow">
@@ -17977,11 +17706,6 @@
                     <a:noFill/>
                   </a:tcPr>
                 </a:tc>
-                <a:extLst>
-                  <a:ext uri="{0D108BD9-81ED-4DB2-BD59-A6C34878D82A}">
-                    <a16:rowId xmlns:a16="http://schemas.microsoft.com/office/drawing/2014/main" val="10009"/>
-                  </a:ext>
-                </a:extLst>
               </a:tr>
               <a:tr h="236196">
                 <a:tc>
@@ -18153,6 +17877,18 @@
                         </a:rPr>
                         <a:t>android.intent.action.ACTION_POWER_CONNECTED</a:t>
                       </a:r>
+                      <a:endParaRPr kumimoji="0" lang="en-US" altLang="zh-CN" sz="1200" b="0" i="0" u="none" strike="noStrike" cap="none" normalizeH="0" baseline="0">
+                        <a:ln>
+                          <a:noFill/>
+                        </a:ln>
+                        <a:solidFill>
+                          <a:schemeClr val="tx1"/>
+                        </a:solidFill>
+                        <a:effectLst/>
+                        <a:latin typeface="Times New Roman" panose="02020603050405020304" pitchFamily="18" charset="0"/>
+                        <a:ea typeface="宋体" panose="02010600030101010101" pitchFamily="2" charset="-122"/>
+                        <a:sym typeface="Times New Roman" panose="02020603050405020304" pitchFamily="18" charset="0"/>
+                      </a:endParaRPr>
                     </a:p>
                   </a:txBody>
                   <a:tcPr marL="68582" marR="68582" marT="0" marB="0" horzOverflow="overflow">
@@ -18370,6 +18106,18 @@
                         </a:rPr>
                         <a:t>ACTION_POWER_CONNECTED</a:t>
                       </a:r>
+                      <a:endParaRPr kumimoji="0" lang="en-US" altLang="zh-CN" sz="1200" b="0" i="0" u="none" strike="noStrike" cap="none" normalizeH="0" baseline="0">
+                        <a:ln>
+                          <a:noFill/>
+                        </a:ln>
+                        <a:solidFill>
+                          <a:schemeClr val="tx1"/>
+                        </a:solidFill>
+                        <a:effectLst/>
+                        <a:latin typeface="Times New Roman" panose="02020603050405020304" pitchFamily="18" charset="0"/>
+                        <a:ea typeface="宋体" panose="02010600030101010101" pitchFamily="2" charset="-122"/>
+                        <a:sym typeface="Times New Roman" panose="02020603050405020304" pitchFamily="18" charset="0"/>
+                      </a:endParaRPr>
                     </a:p>
                   </a:txBody>
                   <a:tcPr marL="68582" marR="68582" marT="0" marB="0" horzOverflow="overflow">
@@ -18587,6 +18335,18 @@
                         </a:rPr>
                         <a:t>插上外部电源</a:t>
                       </a:r>
+                      <a:endParaRPr kumimoji="0" lang="zh-CN" altLang="en-US" sz="1200" b="1" i="0" u="none" strike="noStrike" cap="none" normalizeH="0" baseline="0">
+                        <a:ln>
+                          <a:noFill/>
+                        </a:ln>
+                        <a:solidFill>
+                          <a:srgbClr val="00B050"/>
+                        </a:solidFill>
+                        <a:effectLst/>
+                        <a:latin typeface="Times New Roman" panose="02020603050405020304" pitchFamily="18" charset="0"/>
+                        <a:ea typeface="宋体" panose="02010600030101010101" pitchFamily="2" charset="-122"/>
+                        <a:sym typeface="Times New Roman" panose="02020603050405020304" pitchFamily="18" charset="0"/>
+                      </a:endParaRPr>
                     </a:p>
                   </a:txBody>
                   <a:tcPr marL="68582" marR="68582" marT="0" marB="0" horzOverflow="overflow">
@@ -18635,11 +18395,6 @@
                     <a:noFill/>
                   </a:tcPr>
                 </a:tc>
-                <a:extLst>
-                  <a:ext uri="{0D108BD9-81ED-4DB2-BD59-A6C34878D82A}">
-                    <a16:rowId xmlns:a16="http://schemas.microsoft.com/office/drawing/2014/main" val="10010"/>
-                  </a:ext>
-                </a:extLst>
               </a:tr>
               <a:tr h="234926">
                 <a:tc>
@@ -18811,6 +18566,18 @@
                         </a:rPr>
                         <a:t>android.intent.action.ACTION_POWER_DISCONNECTED</a:t>
                       </a:r>
+                      <a:endParaRPr kumimoji="0" lang="en-US" altLang="zh-CN" sz="1200" b="0" i="0" u="none" strike="noStrike" cap="none" normalizeH="0" baseline="0">
+                        <a:ln>
+                          <a:noFill/>
+                        </a:ln>
+                        <a:solidFill>
+                          <a:schemeClr val="tx1"/>
+                        </a:solidFill>
+                        <a:effectLst/>
+                        <a:latin typeface="Times New Roman" panose="02020603050405020304" pitchFamily="18" charset="0"/>
+                        <a:ea typeface="宋体" panose="02010600030101010101" pitchFamily="2" charset="-122"/>
+                        <a:sym typeface="Times New Roman" panose="02020603050405020304" pitchFamily="18" charset="0"/>
+                      </a:endParaRPr>
                     </a:p>
                   </a:txBody>
                   <a:tcPr marL="68582" marR="68582" marT="0" marB="0" horzOverflow="overflow">
@@ -19028,6 +18795,18 @@
                         </a:rPr>
                         <a:t>ACTION_POWER_DISCONNECTED</a:t>
                       </a:r>
+                      <a:endParaRPr kumimoji="0" lang="en-US" altLang="zh-CN" sz="1200" b="0" i="0" u="none" strike="noStrike" cap="none" normalizeH="0" baseline="0">
+                        <a:ln>
+                          <a:noFill/>
+                        </a:ln>
+                        <a:solidFill>
+                          <a:schemeClr val="tx1"/>
+                        </a:solidFill>
+                        <a:effectLst/>
+                        <a:latin typeface="Times New Roman" panose="02020603050405020304" pitchFamily="18" charset="0"/>
+                        <a:ea typeface="宋体" panose="02010600030101010101" pitchFamily="2" charset="-122"/>
+                        <a:sym typeface="Times New Roman" panose="02020603050405020304" pitchFamily="18" charset="0"/>
+                      </a:endParaRPr>
                     </a:p>
                   </a:txBody>
                   <a:tcPr marL="68582" marR="68582" marT="0" marB="0" horzOverflow="overflow">
@@ -19245,6 +19024,18 @@
                         </a:rPr>
                         <a:t>断开外部电源</a:t>
                       </a:r>
+                      <a:endParaRPr kumimoji="0" lang="zh-CN" altLang="en-US" sz="1200" b="1" i="0" u="none" strike="noStrike" cap="none" normalizeH="0" baseline="0">
+                        <a:ln>
+                          <a:noFill/>
+                        </a:ln>
+                        <a:solidFill>
+                          <a:srgbClr val="00B050"/>
+                        </a:solidFill>
+                        <a:effectLst/>
+                        <a:latin typeface="Times New Roman" panose="02020603050405020304" pitchFamily="18" charset="0"/>
+                        <a:ea typeface="宋体" panose="02010600030101010101" pitchFamily="2" charset="-122"/>
+                        <a:sym typeface="Times New Roman" panose="02020603050405020304" pitchFamily="18" charset="0"/>
+                      </a:endParaRPr>
                     </a:p>
                   </a:txBody>
                   <a:tcPr marL="68582" marR="68582" marT="0" marB="0" horzOverflow="overflow">
@@ -19293,11 +19084,6 @@
                     <a:noFill/>
                   </a:tcPr>
                 </a:tc>
-                <a:extLst>
-                  <a:ext uri="{0D108BD9-81ED-4DB2-BD59-A6C34878D82A}">
-                    <a16:rowId xmlns:a16="http://schemas.microsoft.com/office/drawing/2014/main" val="10011"/>
-                  </a:ext>
-                </a:extLst>
               </a:tr>
               <a:tr h="182861">
                 <a:tc>
@@ -19698,6 +19484,18 @@
                         </a:rPr>
                         <a:t>Telephony.SMS_RECEIVED</a:t>
                       </a:r>
+                      <a:endParaRPr kumimoji="0" lang="en-US" altLang="zh-CN" sz="1200" b="0" i="0" u="none" strike="noStrike" cap="none" normalizeH="0" baseline="0">
+                        <a:ln>
+                          <a:noFill/>
+                        </a:ln>
+                        <a:solidFill>
+                          <a:schemeClr val="tx1"/>
+                        </a:solidFill>
+                        <a:effectLst/>
+                        <a:latin typeface="Times New Roman" panose="02020603050405020304" pitchFamily="18" charset="0"/>
+                        <a:ea typeface="宋体" panose="02010600030101010101" pitchFamily="2" charset="-122"/>
+                        <a:sym typeface="Times New Roman" panose="02020603050405020304" pitchFamily="18" charset="0"/>
+                      </a:endParaRPr>
                     </a:p>
                   </a:txBody>
                   <a:tcPr marL="68582" marR="68582" marT="0" marB="0" horzOverflow="overflow">
@@ -19915,6 +19713,18 @@
                         </a:rPr>
                         <a:t>接收短信</a:t>
                       </a:r>
+                      <a:endParaRPr kumimoji="0" lang="zh-CN" altLang="en-US" sz="1200" b="1" i="0" u="none" strike="noStrike" cap="none" normalizeH="0" baseline="0">
+                        <a:ln>
+                          <a:noFill/>
+                        </a:ln>
+                        <a:solidFill>
+                          <a:srgbClr val="00B050"/>
+                        </a:solidFill>
+                        <a:effectLst/>
+                        <a:latin typeface="Times New Roman" panose="02020603050405020304" pitchFamily="18" charset="0"/>
+                        <a:ea typeface="宋体" panose="02010600030101010101" pitchFamily="2" charset="-122"/>
+                        <a:sym typeface="Times New Roman" panose="02020603050405020304" pitchFamily="18" charset="0"/>
+                      </a:endParaRPr>
                     </a:p>
                   </a:txBody>
                   <a:tcPr marL="68582" marR="68582" marT="0" marB="0" horzOverflow="overflow">
@@ -19963,11 +19773,6 @@
                     <a:noFill/>
                   </a:tcPr>
                 </a:tc>
-                <a:extLst>
-                  <a:ext uri="{0D108BD9-81ED-4DB2-BD59-A6C34878D82A}">
-                    <a16:rowId xmlns:a16="http://schemas.microsoft.com/office/drawing/2014/main" val="10012"/>
-                  </a:ext>
-                </a:extLst>
               </a:tr>
               <a:tr h="182861">
                 <a:tc>
@@ -20139,6 +19944,18 @@
                         </a:rPr>
                         <a:t>android.intent.action.Send</a:t>
                       </a:r>
+                      <a:endParaRPr kumimoji="0" lang="en-US" altLang="zh-CN" sz="1200" b="0" i="0" u="none" strike="noStrike" cap="none" normalizeH="0" baseline="0">
+                        <a:ln>
+                          <a:noFill/>
+                        </a:ln>
+                        <a:solidFill>
+                          <a:schemeClr val="tx1"/>
+                        </a:solidFill>
+                        <a:effectLst/>
+                        <a:latin typeface="Times New Roman" panose="02020603050405020304" pitchFamily="18" charset="0"/>
+                        <a:ea typeface="宋体" panose="02010600030101010101" pitchFamily="2" charset="-122"/>
+                        <a:sym typeface="Times New Roman" panose="02020603050405020304" pitchFamily="18" charset="0"/>
+                      </a:endParaRPr>
                     </a:p>
                   </a:txBody>
                   <a:tcPr marL="68582" marR="68582" marT="0" marB="0" horzOverflow="overflow">
@@ -20356,6 +20173,18 @@
                         </a:rPr>
                         <a:t>Send</a:t>
                       </a:r>
+                      <a:endParaRPr kumimoji="0" lang="en-US" altLang="zh-CN" sz="1200" b="0" i="0" u="none" strike="noStrike" cap="none" normalizeH="0" baseline="0">
+                        <a:ln>
+                          <a:noFill/>
+                        </a:ln>
+                        <a:solidFill>
+                          <a:schemeClr val="tx1"/>
+                        </a:solidFill>
+                        <a:effectLst/>
+                        <a:latin typeface="Times New Roman" panose="02020603050405020304" pitchFamily="18" charset="0"/>
+                        <a:ea typeface="宋体" panose="02010600030101010101" pitchFamily="2" charset="-122"/>
+                        <a:sym typeface="Times New Roman" panose="02020603050405020304" pitchFamily="18" charset="0"/>
+                      </a:endParaRPr>
                     </a:p>
                   </a:txBody>
                   <a:tcPr marL="68582" marR="68582" marT="0" marB="0" horzOverflow="overflow">
@@ -20573,6 +20402,18 @@
                         </a:rPr>
                         <a:t>发送邮件</a:t>
                       </a:r>
+                      <a:endParaRPr kumimoji="0" lang="zh-CN" altLang="en-US" sz="1200" b="1" i="0" u="none" strike="noStrike" cap="none" normalizeH="0" baseline="0" dirty="0">
+                        <a:ln>
+                          <a:noFill/>
+                        </a:ln>
+                        <a:solidFill>
+                          <a:srgbClr val="00B050"/>
+                        </a:solidFill>
+                        <a:effectLst/>
+                        <a:latin typeface="Times New Roman" panose="02020603050405020304" pitchFamily="18" charset="0"/>
+                        <a:ea typeface="宋体" panose="02010600030101010101" pitchFamily="2" charset="-122"/>
+                        <a:sym typeface="Times New Roman" panose="02020603050405020304" pitchFamily="18" charset="0"/>
+                      </a:endParaRPr>
                     </a:p>
                   </a:txBody>
                   <a:tcPr marL="68582" marR="68582" marT="0" marB="0" horzOverflow="overflow">
@@ -20621,11 +20462,6 @@
                     <a:noFill/>
                   </a:tcPr>
                 </a:tc>
-                <a:extLst>
-                  <a:ext uri="{0D108BD9-81ED-4DB2-BD59-A6C34878D82A}">
-                    <a16:rowId xmlns:a16="http://schemas.microsoft.com/office/drawing/2014/main" val="10013"/>
-                  </a:ext>
-                </a:extLst>
               </a:tr>
             </a:tbl>
           </a:graphicData>
@@ -20633,13 +20469,7 @@
       </p:graphicFrame>
       <p:sp>
         <p:nvSpPr>
-          <p:cNvPr id="24640" name="文本框 1">
-            <a:extLst>
-              <a:ext uri="{FF2B5EF4-FFF2-40B4-BE49-F238E27FC236}">
-                <a16:creationId xmlns:a16="http://schemas.microsoft.com/office/drawing/2014/main" id="{2D14EF95-A9A4-4C4D-9FC0-5FA2A512A4BB}"/>
-              </a:ext>
-            </a:extLst>
-          </p:cNvPr>
+          <p:cNvPr id="24640" name="文本框 1"/>
           <p:cNvSpPr txBox="1">
             <a:spLocks noChangeArrowheads="1"/>
           </p:cNvSpPr>
@@ -20710,12 +20540,20 @@
               </a:rPr>
               <a:t>常见标准广播常量：</a:t>
             </a:r>
+            <a:endParaRPr lang="zh-CN" altLang="en-US">
+              <a:solidFill>
+                <a:schemeClr val="bg2"/>
+              </a:solidFill>
+              <a:latin typeface="黑体" panose="02010609060101010101" pitchFamily="49" charset="-122"/>
+              <a:ea typeface="黑体" panose="02010609060101010101" pitchFamily="49" charset="-122"/>
+              <a:sym typeface="微软雅黑" panose="020B0503020204020204" pitchFamily="34" charset="-122"/>
+            </a:endParaRPr>
           </a:p>
         </p:txBody>
       </p:sp>
     </p:spTree>
     <p:custDataLst>
-      <p:tags r:id="rId1"/>
+      <p:tags r:id="rId3"/>
     </p:custDataLst>
   </p:cSld>
   <p:clrMapOvr>
@@ -20744,20 +20582,14 @@
       </p:grpSpPr>
       <p:pic>
         <p:nvPicPr>
-          <p:cNvPr id="25601" name="Picture 2">
-            <a:extLst>
-              <a:ext uri="{FF2B5EF4-FFF2-40B4-BE49-F238E27FC236}">
-                <a16:creationId xmlns:a16="http://schemas.microsoft.com/office/drawing/2014/main" id="{36C5B450-3F02-462D-AFDF-98068A1545AC}"/>
-              </a:ext>
-            </a:extLst>
-          </p:cNvPr>
+          <p:cNvPr id="25601" name="Picture 2"/>
           <p:cNvPicPr>
             <a:picLocks noChangeAspect="1" noChangeArrowheads="1"/>
           </p:cNvPicPr>
           <p:nvPr/>
         </p:nvPicPr>
         <p:blipFill>
-          <a:blip r:embed="rId3">
+          <a:blip r:embed="rId1">
             <a:extLst>
               <a:ext uri="{28A0092B-C50C-407E-A947-70E740481C1C}">
                 <a14:useLocalDpi xmlns:a14="http://schemas.microsoft.com/office/drawing/2010/main" val="0"/>
@@ -20804,13 +20636,7 @@
       </p:pic>
       <p:sp>
         <p:nvSpPr>
-          <p:cNvPr id="30722" name="TextBox 108">
-            <a:extLst>
-              <a:ext uri="{FF2B5EF4-FFF2-40B4-BE49-F238E27FC236}">
-                <a16:creationId xmlns:a16="http://schemas.microsoft.com/office/drawing/2014/main" id="{221DA814-CF0D-467F-88E6-38B3110450F9}"/>
-              </a:ext>
-            </a:extLst>
-          </p:cNvPr>
+          <p:cNvPr id="30722" name="TextBox 108"/>
           <p:cNvSpPr/>
           <p:nvPr/>
         </p:nvSpPr>
@@ -20836,7 +20662,7 @@
             <a:r>
               <a:rPr lang="en-US" altLang="zh-CN" noProof="1">
                 <a:solidFill>
-                  <a:srgbClr val="000000"/>
+                  <a:schemeClr val="bg1"/>
                 </a:solidFill>
                 <a:latin typeface="微软雅黑" panose="020B0503020204020204" pitchFamily="34" charset="-122"/>
                 <a:ea typeface="微软雅黑" panose="020B0503020204020204" pitchFamily="34" charset="-122"/>
@@ -20847,7 +20673,7 @@
             <a:r>
               <a:rPr lang="zh-CN" altLang="en-US" noProof="1">
                 <a:solidFill>
-                  <a:srgbClr val="000000"/>
+                  <a:schemeClr val="bg1"/>
                 </a:solidFill>
                 <a:latin typeface="微软雅黑" panose="020B0503020204020204" pitchFamily="34" charset="-122"/>
                 <a:ea typeface="微软雅黑" panose="020B0503020204020204" pitchFamily="34" charset="-122"/>
@@ -20858,7 +20684,7 @@
             <a:r>
               <a:rPr lang="en-US" altLang="zh-CN" noProof="1">
                 <a:solidFill>
-                  <a:srgbClr val="000000"/>
+                  <a:schemeClr val="bg1"/>
                 </a:solidFill>
                 <a:latin typeface="微软雅黑" panose="020B0503020204020204" pitchFamily="34" charset="-122"/>
                 <a:ea typeface="微软雅黑" panose="020B0503020204020204" pitchFamily="34" charset="-122"/>
@@ -20869,7 +20695,7 @@
             <a:r>
               <a:rPr lang="zh-CN" altLang="en-US" noProof="1">
                 <a:solidFill>
-                  <a:srgbClr val="000000"/>
+                  <a:schemeClr val="bg1"/>
                 </a:solidFill>
                 <a:latin typeface="微软雅黑" panose="020B0503020204020204" pitchFamily="34" charset="-122"/>
                 <a:ea typeface="微软雅黑" panose="020B0503020204020204" pitchFamily="34" charset="-122"/>
@@ -20877,12 +20703,12 @@
               </a:rPr>
               <a:t>（动态，接收系统广播）</a:t>
             </a:r>
-            <a:endParaRPr lang="zh-CN" altLang="en-US" dirty="0">
+            <a:endParaRPr lang="zh-CN" altLang="en-US" noProof="1" dirty="0">
               <a:solidFill>
-                <a:schemeClr val="tx2"/>
+                <a:schemeClr val="bg1"/>
               </a:solidFill>
-              <a:latin typeface="+mn-ea"/>
-              <a:ea typeface="+mn-ea"/>
+              <a:latin typeface="微软雅黑" panose="020B0503020204020204" pitchFamily="34" charset="-122"/>
+              <a:ea typeface="微软雅黑" panose="020B0503020204020204" pitchFamily="34" charset="-122"/>
               <a:sym typeface="微软雅黑" panose="020B0503020204020204" pitchFamily="34" charset="-122"/>
             </a:endParaRPr>
           </a:p>
@@ -20890,13 +20716,7 @@
       </p:sp>
       <p:sp>
         <p:nvSpPr>
-          <p:cNvPr id="22532" name="矩形 3">
-            <a:extLst>
-              <a:ext uri="{FF2B5EF4-FFF2-40B4-BE49-F238E27FC236}">
-                <a16:creationId xmlns:a16="http://schemas.microsoft.com/office/drawing/2014/main" id="{79036E2F-AE9B-452E-B355-3097552B3C07}"/>
-              </a:ext>
-            </a:extLst>
-          </p:cNvPr>
+          <p:cNvPr id="22532" name="矩形 3"/>
           <p:cNvSpPr>
             <a:spLocks noChangeArrowheads="1"/>
           </p:cNvSpPr>
@@ -21046,6 +20866,11 @@
               </a:rPr>
               <a:t>实例说明：</a:t>
             </a:r>
+            <a:endParaRPr lang="zh-CN" altLang="en-US" sz="2000" b="1" dirty="0">
+              <a:latin typeface="+mn-ea"/>
+              <a:ea typeface="+mn-ea"/>
+              <a:sym typeface="微软雅黑" panose="020B0503020204020204" pitchFamily="34" charset="-122"/>
+            </a:endParaRPr>
           </a:p>
           <a:p>
             <a:pPr eaLnBrk="1" hangingPunct="1">
@@ -21071,6 +20896,11 @@
               </a:rPr>
               <a:t>调节模拟器电池电量</a:t>
             </a:r>
+            <a:endParaRPr lang="zh-CN" altLang="en-US" sz="2000" b="1" dirty="0">
+              <a:latin typeface="+mn-ea"/>
+              <a:ea typeface="+mn-ea"/>
+              <a:sym typeface="微软雅黑" panose="020B0503020204020204" pitchFamily="34" charset="-122"/>
+            </a:endParaRPr>
           </a:p>
           <a:p>
             <a:pPr marL="285750" indent="-285750" eaLnBrk="1" hangingPunct="1">
@@ -21086,6 +20916,11 @@
               </a:rPr>
               <a:t>电量发生改变会发出广播</a:t>
             </a:r>
+            <a:endParaRPr lang="zh-CN" altLang="en-US" sz="2000" b="1" dirty="0">
+              <a:latin typeface="+mn-ea"/>
+              <a:ea typeface="+mn-ea"/>
+              <a:sym typeface="微软雅黑" panose="020B0503020204020204" pitchFamily="34" charset="-122"/>
+            </a:endParaRPr>
           </a:p>
           <a:p>
             <a:pPr marL="285750" indent="-285750" eaLnBrk="1" hangingPunct="1">
@@ -21101,25 +20936,24 @@
               </a:rPr>
               <a:t>根据接收到的电量值做出响应</a:t>
             </a:r>
+            <a:endParaRPr lang="zh-CN" altLang="en-US" sz="2000" b="1" dirty="0">
+              <a:latin typeface="+mn-ea"/>
+              <a:ea typeface="+mn-ea"/>
+              <a:sym typeface="微软雅黑" panose="020B0503020204020204" pitchFamily="34" charset="-122"/>
+            </a:endParaRPr>
           </a:p>
         </p:txBody>
       </p:sp>
       <p:pic>
         <p:nvPicPr>
-          <p:cNvPr id="25604" name="图片 1" descr="TIM截图20171020170212">
-            <a:extLst>
-              <a:ext uri="{FF2B5EF4-FFF2-40B4-BE49-F238E27FC236}">
-                <a16:creationId xmlns:a16="http://schemas.microsoft.com/office/drawing/2014/main" id="{AF576A99-4611-43D0-8110-DFBEC2C0EC8C}"/>
-              </a:ext>
-            </a:extLst>
-          </p:cNvPr>
+          <p:cNvPr id="25604" name="图片 1" descr="TIM截图20171020170212"/>
           <p:cNvPicPr>
             <a:picLocks noChangeAspect="1" noChangeArrowheads="1"/>
           </p:cNvPicPr>
           <p:nvPr/>
         </p:nvPicPr>
         <p:blipFill>
-          <a:blip r:embed="rId4">
+          <a:blip r:embed="rId2">
             <a:extLst>
               <a:ext uri="{28A0092B-C50C-407E-A947-70E740481C1C}">
                 <a14:useLocalDpi xmlns:a14="http://schemas.microsoft.com/office/drawing/2010/main" val="0"/>
@@ -21166,13 +21000,7 @@
       </p:pic>
       <p:sp>
         <p:nvSpPr>
-          <p:cNvPr id="25605" name="文本框 2">
-            <a:extLst>
-              <a:ext uri="{FF2B5EF4-FFF2-40B4-BE49-F238E27FC236}">
-                <a16:creationId xmlns:a16="http://schemas.microsoft.com/office/drawing/2014/main" id="{454B8B43-E32B-4751-8942-CB6BB2FDB20F}"/>
-              </a:ext>
-            </a:extLst>
-          </p:cNvPr>
+          <p:cNvPr id="25605" name="文本框 2"/>
           <p:cNvSpPr txBox="1">
             <a:spLocks noChangeArrowheads="1"/>
           </p:cNvSpPr>
@@ -21205,18 +21033,13 @@
               <a:rPr lang="zh-CN" altLang="en-US"/>
               <a:t>&lt;uses-permission android:name="android.permission.BATTERY_STATS"/&gt;</a:t>
             </a:r>
+            <a:endParaRPr lang="zh-CN" altLang="en-US"/>
           </a:p>
         </p:txBody>
       </p:sp>
       <p:sp>
         <p:nvSpPr>
-          <p:cNvPr id="25606" name="文本框 3">
-            <a:extLst>
-              <a:ext uri="{FF2B5EF4-FFF2-40B4-BE49-F238E27FC236}">
-                <a16:creationId xmlns:a16="http://schemas.microsoft.com/office/drawing/2014/main" id="{1491F09B-6917-470D-B35C-D1976F92ACCC}"/>
-              </a:ext>
-            </a:extLst>
-          </p:cNvPr>
+          <p:cNvPr id="25606" name="文本框 3"/>
           <p:cNvSpPr txBox="1">
             <a:spLocks noChangeArrowheads="1"/>
           </p:cNvSpPr>
@@ -21264,12 +21087,13 @@
               <a:rPr lang="zh-CN" altLang="en-US"/>
               <a:t>Intent.ACTION_BATTERY_CHANGED</a:t>
             </a:r>
+            <a:endParaRPr lang="zh-CN" altLang="en-US"/>
           </a:p>
         </p:txBody>
       </p:sp>
     </p:spTree>
     <p:custDataLst>
-      <p:tags r:id="rId1"/>
+      <p:tags r:id="rId3"/>
     </p:custDataLst>
   </p:cSld>
   <p:clrMapOvr>
@@ -21298,20 +21122,14 @@
       </p:grpSpPr>
       <p:pic>
         <p:nvPicPr>
-          <p:cNvPr id="26625" name="Picture 2">
-            <a:extLst>
-              <a:ext uri="{FF2B5EF4-FFF2-40B4-BE49-F238E27FC236}">
-                <a16:creationId xmlns:a16="http://schemas.microsoft.com/office/drawing/2014/main" id="{B8EB9DEC-7DD7-4041-8D23-3FB9EE64D6DB}"/>
-              </a:ext>
-            </a:extLst>
-          </p:cNvPr>
+          <p:cNvPr id="26625" name="Picture 2"/>
           <p:cNvPicPr>
             <a:picLocks noChangeAspect="1" noChangeArrowheads="1"/>
           </p:cNvPicPr>
           <p:nvPr/>
         </p:nvPicPr>
         <p:blipFill>
-          <a:blip r:embed="rId3">
+          <a:blip r:embed="rId1">
             <a:extLst>
               <a:ext uri="{28A0092B-C50C-407E-A947-70E740481C1C}">
                 <a14:useLocalDpi xmlns:a14="http://schemas.microsoft.com/office/drawing/2010/main" val="0"/>
@@ -21358,13 +21176,7 @@
       </p:pic>
       <p:sp>
         <p:nvSpPr>
-          <p:cNvPr id="26626" name="TextBox 108">
-            <a:extLst>
-              <a:ext uri="{FF2B5EF4-FFF2-40B4-BE49-F238E27FC236}">
-                <a16:creationId xmlns:a16="http://schemas.microsoft.com/office/drawing/2014/main" id="{B4106AAE-7980-45C7-8F1F-2C2B5EA73726}"/>
-              </a:ext>
-            </a:extLst>
-          </p:cNvPr>
+          <p:cNvPr id="26626" name="TextBox 108"/>
           <p:cNvSpPr>
             <a:spLocks noChangeArrowheads="1"/>
           </p:cNvSpPr>
@@ -21411,7 +21223,7 @@
             <a:r>
               <a:rPr lang="en-US" altLang="zh-CN">
                 <a:solidFill>
-                  <a:srgbClr val="000000"/>
+                  <a:schemeClr val="bg1"/>
                 </a:solidFill>
                 <a:latin typeface="微软雅黑" panose="020B0503020204020204" pitchFamily="34" charset="-122"/>
                 <a:ea typeface="微软雅黑" panose="020B0503020204020204" pitchFamily="34" charset="-122"/>
@@ -21422,7 +21234,7 @@
             <a:r>
               <a:rPr lang="zh-CN" altLang="en-US">
                 <a:solidFill>
-                  <a:srgbClr val="000000"/>
+                  <a:schemeClr val="bg1"/>
                 </a:solidFill>
                 <a:latin typeface="微软雅黑" panose="020B0503020204020204" pitchFamily="34" charset="-122"/>
                 <a:ea typeface="微软雅黑" panose="020B0503020204020204" pitchFamily="34" charset="-122"/>
@@ -21433,7 +21245,7 @@
             <a:r>
               <a:rPr lang="en-US" altLang="zh-CN">
                 <a:solidFill>
-                  <a:srgbClr val="000000"/>
+                  <a:schemeClr val="bg1"/>
                 </a:solidFill>
                 <a:latin typeface="微软雅黑" panose="020B0503020204020204" pitchFamily="34" charset="-122"/>
                 <a:ea typeface="微软雅黑" panose="020B0503020204020204" pitchFamily="34" charset="-122"/>
@@ -21444,16 +21256,16 @@
             <a:r>
               <a:rPr lang="zh-CN" altLang="en-US">
                 <a:solidFill>
-                  <a:srgbClr val="000000"/>
+                  <a:schemeClr val="bg1"/>
                 </a:solidFill>
                 <a:latin typeface="微软雅黑" panose="020B0503020204020204" pitchFamily="34" charset="-122"/>
                 <a:ea typeface="微软雅黑" panose="020B0503020204020204" pitchFamily="34" charset="-122"/>
               </a:rPr>
               <a:t>（静态，接收自定义广播）</a:t>
             </a:r>
-            <a:endParaRPr lang="en-US" altLang="zh-CN">
+            <a:endParaRPr lang="zh-CN" altLang="en-US">
               <a:solidFill>
-                <a:srgbClr val="000000"/>
+                <a:schemeClr val="bg1"/>
               </a:solidFill>
               <a:latin typeface="微软雅黑" panose="020B0503020204020204" pitchFamily="34" charset="-122"/>
               <a:ea typeface="微软雅黑" panose="020B0503020204020204" pitchFamily="34" charset="-122"/>
@@ -21464,13 +21276,7 @@
       </p:sp>
       <p:sp>
         <p:nvSpPr>
-          <p:cNvPr id="26628" name="Rectangle 1">
-            <a:extLst>
-              <a:ext uri="{FF2B5EF4-FFF2-40B4-BE49-F238E27FC236}">
-                <a16:creationId xmlns:a16="http://schemas.microsoft.com/office/drawing/2014/main" id="{BA69DCFA-534D-4BA3-B290-70FE732B8F7C}"/>
-              </a:ext>
-            </a:extLst>
-          </p:cNvPr>
+          <p:cNvPr id="26628" name="Rectangle 1"/>
           <p:cNvSpPr>
             <a:spLocks noChangeArrowheads="1"/>
           </p:cNvSpPr>
@@ -21639,6 +21445,11 @@
               </a:rPr>
               <a:t>，</a:t>
             </a:r>
+            <a:endParaRPr lang="zh-CN" altLang="en-US" sz="2000" dirty="0">
+              <a:latin typeface="+mn-ea"/>
+              <a:ea typeface="+mn-ea"/>
+              <a:sym typeface="微软雅黑" panose="020B0503020204020204" pitchFamily="34" charset="-122"/>
+            </a:endParaRPr>
           </a:p>
           <a:p>
             <a:pPr>
@@ -21671,28 +21482,21 @@
               </a:rPr>
               <a:t>。</a:t>
             </a:r>
+            <a:endParaRPr lang="zh-CN" altLang="en-US" sz="2000" dirty="0">
+              <a:latin typeface="+mn-ea"/>
+              <a:ea typeface="+mn-ea"/>
+              <a:sym typeface="Times New Roman" panose="02020603050405020304" pitchFamily="18" charset="0"/>
+            </a:endParaRPr>
           </a:p>
         </p:txBody>
       </p:sp>
       <p:graphicFrame>
         <p:nvGraphicFramePr>
-          <p:cNvPr id="30725" name="表格 4">
-            <a:extLst>
-              <a:ext uri="{FF2B5EF4-FFF2-40B4-BE49-F238E27FC236}">
-                <a16:creationId xmlns:a16="http://schemas.microsoft.com/office/drawing/2014/main" id="{D683DB72-3379-4297-9FDE-E8C0E95C3ABE}"/>
-              </a:ext>
-            </a:extLst>
-          </p:cNvPr>
+          <p:cNvPr id="30725" name="表格 4"/>
           <p:cNvGraphicFramePr>
             <a:graphicFrameLocks noGrp="1"/>
           </p:cNvGraphicFramePr>
-          <p:nvPr>
-            <p:extLst>
-              <p:ext uri="{D42A27DB-BD31-4B8C-83A1-F6EECF244321}">
-                <p14:modId xmlns:p14="http://schemas.microsoft.com/office/powerpoint/2010/main" val="3197679383"/>
-              </p:ext>
-            </p:extLst>
-          </p:nvPr>
+          <p:nvPr/>
         </p:nvGraphicFramePr>
         <p:xfrm>
           <a:off x="457110" y="2643755"/>
@@ -21705,13 +21509,7 @@
                 <a:effectLst/>
               </a:tblPr>
               <a:tblGrid>
-                <a:gridCol w="5411788">
-                  <a:extLst>
-                    <a:ext uri="{9D8B030D-6E8A-4147-A177-3AD203B41FA5}">
-                      <a16:colId xmlns:a16="http://schemas.microsoft.com/office/drawing/2014/main" val="20000"/>
-                    </a:ext>
-                  </a:extLst>
-                </a:gridCol>
+                <a:gridCol w="5411788"/>
               </a:tblGrid>
               <a:tr h="500062">
                 <a:tc>
@@ -22051,11 +21849,6 @@
                     </a:solidFill>
                   </a:tcPr>
                 </a:tc>
-                <a:extLst>
-                  <a:ext uri="{0D108BD9-81ED-4DB2-BD59-A6C34878D82A}">
-                    <a16:rowId xmlns:a16="http://schemas.microsoft.com/office/drawing/2014/main" val="10000"/>
-                  </a:ext>
-                </a:extLst>
               </a:tr>
             </a:tbl>
           </a:graphicData>
@@ -22063,20 +21856,14 @@
       </p:graphicFrame>
       <p:pic>
         <p:nvPicPr>
-          <p:cNvPr id="26634" name="图片 1" descr="TIM截图20171020172025">
-            <a:extLst>
-              <a:ext uri="{FF2B5EF4-FFF2-40B4-BE49-F238E27FC236}">
-                <a16:creationId xmlns:a16="http://schemas.microsoft.com/office/drawing/2014/main" id="{4D5DD514-019A-4172-B37D-925E987A824C}"/>
-              </a:ext>
-            </a:extLst>
-          </p:cNvPr>
+          <p:cNvPr id="26634" name="图片 1" descr="TIM截图20171020172025"/>
           <p:cNvPicPr>
             <a:picLocks noChangeAspect="1" noChangeArrowheads="1"/>
           </p:cNvPicPr>
           <p:nvPr/>
         </p:nvPicPr>
         <p:blipFill>
-          <a:blip r:embed="rId4">
+          <a:blip r:embed="rId2">
             <a:extLst>
               <a:ext uri="{28A0092B-C50C-407E-A947-70E740481C1C}">
                 <a14:useLocalDpi xmlns:a14="http://schemas.microsoft.com/office/drawing/2010/main" val="0"/>
@@ -22123,13 +21910,7 @@
       </p:pic>
       <p:sp>
         <p:nvSpPr>
-          <p:cNvPr id="26635" name="文本框 2">
-            <a:extLst>
-              <a:ext uri="{FF2B5EF4-FFF2-40B4-BE49-F238E27FC236}">
-                <a16:creationId xmlns:a16="http://schemas.microsoft.com/office/drawing/2014/main" id="{833BA82A-D349-45D4-81AF-522F3189D750}"/>
-              </a:ext>
-            </a:extLst>
-          </p:cNvPr>
+          <p:cNvPr id="26635" name="文本框 2"/>
           <p:cNvSpPr txBox="1">
             <a:spLocks noChangeArrowheads="1"/>
           </p:cNvSpPr>
@@ -22276,6 +22057,7 @@
               <a:rPr lang="zh-CN" altLang="en-US" dirty="0"/>
               <a:t>创建一个自己的广播</a:t>
             </a:r>
+            <a:endParaRPr lang="zh-CN" altLang="en-US" dirty="0"/>
           </a:p>
           <a:p>
             <a:pPr>
@@ -22286,6 +22068,7 @@
               <a:rPr lang="zh-CN" altLang="en-US" dirty="0"/>
               <a:t>新建一个广播接收器，来接收自己发送的广播</a:t>
             </a:r>
+            <a:endParaRPr lang="zh-CN" altLang="en-US" dirty="0"/>
           </a:p>
           <a:p>
             <a:pPr>
@@ -22296,12 +22079,13 @@
               <a:rPr lang="zh-CN" altLang="en-US" dirty="0"/>
               <a:t>注册广播接收器</a:t>
             </a:r>
+            <a:endParaRPr lang="zh-CN" altLang="en-US" dirty="0"/>
           </a:p>
         </p:txBody>
       </p:sp>
     </p:spTree>
     <p:custDataLst>
-      <p:tags r:id="rId1"/>
+      <p:tags r:id="rId3"/>
     </p:custDataLst>
   </p:cSld>
   <p:clrMapOvr>
@@ -22330,20 +22114,14 @@
       </p:grpSpPr>
       <p:pic>
         <p:nvPicPr>
-          <p:cNvPr id="31746" name="图片 4" descr="2457331_082944614000_2.jpg">
-            <a:extLst>
-              <a:ext uri="{FF2B5EF4-FFF2-40B4-BE49-F238E27FC236}">
-                <a16:creationId xmlns:a16="http://schemas.microsoft.com/office/drawing/2014/main" id="{FCCE6244-C91F-4BBD-A691-F1BAA260E47D}"/>
-              </a:ext>
-            </a:extLst>
-          </p:cNvPr>
+          <p:cNvPr id="31746" name="图片 4" descr="2457331_082944614000_2.jpg"/>
           <p:cNvPicPr>
             <a:picLocks noChangeAspect="1" noChangeArrowheads="1"/>
           </p:cNvPicPr>
           <p:nvPr/>
         </p:nvPicPr>
         <p:blipFill>
-          <a:blip r:embed="rId3">
+          <a:blip r:embed="rId1">
             <a:extLst>
               <a:ext uri="{28A0092B-C50C-407E-A947-70E740481C1C}">
                 <a14:useLocalDpi xmlns:a14="http://schemas.microsoft.com/office/drawing/2010/main" val="0"/>
@@ -22390,13 +22168,7 @@
       </p:pic>
       <p:sp>
         <p:nvSpPr>
-          <p:cNvPr id="31747" name="TextBox 56">
-            <a:extLst>
-              <a:ext uri="{FF2B5EF4-FFF2-40B4-BE49-F238E27FC236}">
-                <a16:creationId xmlns:a16="http://schemas.microsoft.com/office/drawing/2014/main" id="{9D4EDD5E-3E62-4CE0-B76B-719000C62793}"/>
-              </a:ext>
-            </a:extLst>
-          </p:cNvPr>
+          <p:cNvPr id="31747" name="TextBox 56"/>
           <p:cNvSpPr>
             <a:spLocks noChangeArrowheads="1"/>
           </p:cNvSpPr>
@@ -22475,7 +22247,7 @@
       </p:sp>
     </p:spTree>
     <p:custDataLst>
-      <p:tags r:id="rId1"/>
+      <p:tags r:id="rId2"/>
     </p:custDataLst>
   </p:cSld>
   <p:clrMapOvr>
@@ -22491,7 +22263,7 @@
               <p:cTn id="2" dur="indefinite" nodeType="mainSeq">
                 <p:childTnLst>
                   <p:par>
-                    <p:cTn id="3" fill="hold" nodeType="clickPar">
+                    <p:cTn id="3" fill="hold">
                       <p:stCondLst>
                         <p:cond delay="indefinite"/>
                         <p:cond evt="onBegin" delay="0">
@@ -22500,7 +22272,7 @@
                       </p:stCondLst>
                       <p:childTnLst>
                         <p:par>
-                          <p:cTn id="4" fill="hold" nodeType="withGroup">
+                          <p:cTn id="4" fill="hold">
                             <p:stCondLst>
                               <p:cond delay="0"/>
                             </p:stCondLst>
@@ -22582,7 +22354,7 @@
                           </p:cTn>
                         </p:par>
                         <p:par>
-                          <p:cTn id="9" fill="hold" nodeType="afterGroup">
+                          <p:cTn id="9" fill="hold">
                             <p:stCondLst>
                               <p:cond delay="500"/>
                             </p:stCondLst>
@@ -22801,16 +22573,8 @@
       </p:grpSpPr>
       <p:grpSp>
         <p:nvGrpSpPr>
-          <p:cNvPr id="10241" name="组合 16">
-            <a:extLst>
-              <a:ext uri="{FF2B5EF4-FFF2-40B4-BE49-F238E27FC236}">
-                <a16:creationId xmlns:a16="http://schemas.microsoft.com/office/drawing/2014/main" id="{F571EC5D-5F7D-42B6-BC73-A7E76A81C2D7}"/>
-              </a:ext>
-            </a:extLst>
-          </p:cNvPr>
-          <p:cNvGrpSpPr>
-            <a:grpSpLocks/>
-          </p:cNvGrpSpPr>
+          <p:cNvPr id="10241" name="组合 16"/>
+          <p:cNvGrpSpPr/>
           <p:nvPr/>
         </p:nvGrpSpPr>
         <p:grpSpPr bwMode="auto">
@@ -22823,13 +22587,7 @@
         </p:grpSpPr>
         <p:sp>
           <p:nvSpPr>
-            <p:cNvPr id="10242" name="矩形 17">
-              <a:extLst>
-                <a:ext uri="{FF2B5EF4-FFF2-40B4-BE49-F238E27FC236}">
-                  <a16:creationId xmlns:a16="http://schemas.microsoft.com/office/drawing/2014/main" id="{8568F6F5-E74B-4E45-A40C-394910E57AA5}"/>
-                </a:ext>
-              </a:extLst>
-            </p:cNvPr>
+            <p:cNvPr id="10242" name="矩形 17"/>
             <p:cNvSpPr>
               <a:spLocks noChangeArrowheads="1"/>
             </p:cNvSpPr>
@@ -22891,13 +22649,7 @@
         </p:sp>
         <p:sp>
           <p:nvSpPr>
-            <p:cNvPr id="10243" name="矩形 18">
-              <a:extLst>
-                <a:ext uri="{FF2B5EF4-FFF2-40B4-BE49-F238E27FC236}">
-                  <a16:creationId xmlns:a16="http://schemas.microsoft.com/office/drawing/2014/main" id="{4D79278D-BB4A-4DA3-954D-79C977602A6D}"/>
-                </a:ext>
-              </a:extLst>
-            </p:cNvPr>
+            <p:cNvPr id="10243" name="矩形 18"/>
             <p:cNvSpPr>
               <a:spLocks noChangeArrowheads="1"/>
             </p:cNvSpPr>
@@ -22955,13 +22707,7 @@
       </p:grpSp>
       <p:sp>
         <p:nvSpPr>
-          <p:cNvPr id="10244" name="TextBox 108">
-            <a:extLst>
-              <a:ext uri="{FF2B5EF4-FFF2-40B4-BE49-F238E27FC236}">
-                <a16:creationId xmlns:a16="http://schemas.microsoft.com/office/drawing/2014/main" id="{2E82D8BF-D10D-4816-8436-DBCA26506CF7}"/>
-              </a:ext>
-            </a:extLst>
-          </p:cNvPr>
+          <p:cNvPr id="10244" name="TextBox 108"/>
           <p:cNvSpPr>
             <a:spLocks noChangeArrowheads="1"/>
           </p:cNvSpPr>
@@ -23029,13 +22775,7 @@
       </p:sp>
       <p:sp>
         <p:nvSpPr>
-          <p:cNvPr id="3077" name="矩形 32">
-            <a:extLst>
-              <a:ext uri="{FF2B5EF4-FFF2-40B4-BE49-F238E27FC236}">
-                <a16:creationId xmlns:a16="http://schemas.microsoft.com/office/drawing/2014/main" id="{A47A4950-6689-48EC-BFEA-9E8D226A286B}"/>
-              </a:ext>
-            </a:extLst>
-          </p:cNvPr>
+          <p:cNvPr id="3077" name="矩形 32"/>
           <p:cNvSpPr>
             <a:spLocks noChangeArrowheads="1"/>
           </p:cNvSpPr>
@@ -23044,7 +22784,7 @@
         <p:spPr bwMode="auto">
           <a:xfrm>
             <a:off x="320675" y="850900"/>
-            <a:ext cx="8247063" cy="3968750"/>
+            <a:ext cx="8247063" cy="3969385"/>
           </a:xfrm>
           <a:prstGeom prst="rect">
             <a:avLst/>
@@ -23201,6 +22941,12 @@
               </a:rPr>
               <a:t>broadcast</a:t>
             </a:r>
+            <a:endParaRPr lang="en-US" sz="4000" b="1" dirty="0">
+              <a:solidFill>
+                <a:srgbClr val="00B050"/>
+              </a:solidFill>
+              <a:sym typeface="微软雅黑" panose="020B0503020204020204" pitchFamily="34" charset="-122"/>
+            </a:endParaRPr>
           </a:p>
           <a:p>
             <a:pPr marL="628650" indent="-285750">
@@ -23223,6 +22969,12 @@
               </a:rPr>
               <a:t>全局监听器，Android四大组件之一</a:t>
             </a:r>
+            <a:endParaRPr dirty="0">
+              <a:solidFill>
+                <a:srgbClr val="000000"/>
+              </a:solidFill>
+              <a:sym typeface="微软雅黑" panose="020B0503020204020204" pitchFamily="34" charset="-122"/>
+            </a:endParaRPr>
           </a:p>
           <a:p>
             <a:pPr marL="628650" indent="-285750">
@@ -23246,8 +22998,41 @@
                 </a:highlight>
                 <a:sym typeface="微软雅黑" panose="020B0503020204020204" pitchFamily="34" charset="-122"/>
               </a:rPr>
-              <a:t>用于监听 / 接收 应用发出的广播消息，并做出响应</a:t>
-            </a:r>
+              <a:t>用于监听</a:t>
+            </a:r>
+            <a:r>
+              <a:rPr sz="1800" b="1" dirty="0">
+                <a:solidFill>
+                  <a:srgbClr val="000000"/>
+                </a:solidFill>
+                <a:highlight>
+                  <a:srgbClr val="FFFF00"/>
+                </a:highlight>
+                <a:sym typeface="微软雅黑" panose="020B0503020204020204" pitchFamily="34" charset="-122"/>
+              </a:rPr>
+              <a:t>/ 接收</a:t>
+            </a:r>
+            <a:r>
+              <a:rPr b="1" dirty="0">
+                <a:solidFill>
+                  <a:srgbClr val="000000"/>
+                </a:solidFill>
+                <a:highlight>
+                  <a:srgbClr val="FFFF00"/>
+                </a:highlight>
+                <a:sym typeface="微软雅黑" panose="020B0503020204020204" pitchFamily="34" charset="-122"/>
+              </a:rPr>
+              <a:t>应用发出的广播消息，并做出响应</a:t>
+            </a:r>
+            <a:endParaRPr b="1" dirty="0">
+              <a:solidFill>
+                <a:srgbClr val="000000"/>
+              </a:solidFill>
+              <a:highlight>
+                <a:srgbClr val="FFFF00"/>
+              </a:highlight>
+              <a:sym typeface="微软雅黑" panose="020B0503020204020204" pitchFamily="34" charset="-122"/>
+            </a:endParaRPr>
           </a:p>
           <a:p>
             <a:pPr>
@@ -23285,6 +23070,12 @@
               </a:rPr>
               <a:t>应用场景</a:t>
             </a:r>
+            <a:endParaRPr sz="2000" b="1" dirty="0">
+              <a:solidFill>
+                <a:srgbClr val="00B050"/>
+              </a:solidFill>
+              <a:sym typeface="微软雅黑" panose="020B0503020204020204" pitchFamily="34" charset="-122"/>
+            </a:endParaRPr>
           </a:p>
           <a:p>
             <a:pPr marL="628650" indent="-285750">
@@ -23307,6 +23098,12 @@
               </a:rPr>
               <a:t>不同组件之间通信（包括应用内 / 不同应用之间）</a:t>
             </a:r>
+            <a:endParaRPr dirty="0">
+              <a:solidFill>
+                <a:srgbClr val="000000"/>
+              </a:solidFill>
+              <a:sym typeface="微软雅黑" panose="020B0503020204020204" pitchFamily="34" charset="-122"/>
+            </a:endParaRPr>
           </a:p>
           <a:p>
             <a:pPr marL="628650" indent="-285750">
@@ -23374,6 +23171,12 @@
               </a:rPr>
               <a:t>。</a:t>
             </a:r>
+            <a:endParaRPr lang="zh-CN" dirty="0">
+              <a:solidFill>
+                <a:srgbClr val="000000"/>
+              </a:solidFill>
+              <a:sym typeface="微软雅黑" panose="020B0503020204020204" pitchFamily="34" charset="-122"/>
+            </a:endParaRPr>
           </a:p>
           <a:p>
             <a:pPr marL="628650" indent="-285750">
@@ -23396,25 +23199,25 @@
               </a:rPr>
               <a:t>多线程通信</a:t>
             </a:r>
+            <a:endParaRPr dirty="0">
+              <a:solidFill>
+                <a:srgbClr val="000000"/>
+              </a:solidFill>
+              <a:sym typeface="微软雅黑" panose="020B0503020204020204" pitchFamily="34" charset="-122"/>
+            </a:endParaRPr>
           </a:p>
         </p:txBody>
       </p:sp>
       <p:pic>
         <p:nvPicPr>
-          <p:cNvPr id="10246" name="Picture 2">
-            <a:extLst>
-              <a:ext uri="{FF2B5EF4-FFF2-40B4-BE49-F238E27FC236}">
-                <a16:creationId xmlns:a16="http://schemas.microsoft.com/office/drawing/2014/main" id="{C10E1637-B2E8-41AC-9061-18ADD2E96A64}"/>
-              </a:ext>
-            </a:extLst>
-          </p:cNvPr>
+          <p:cNvPr id="10246" name="Picture 2"/>
           <p:cNvPicPr>
             <a:picLocks noChangeAspect="1" noChangeArrowheads="1"/>
           </p:cNvPicPr>
           <p:nvPr/>
         </p:nvPicPr>
         <p:blipFill>
-          <a:blip r:embed="rId3">
+          <a:blip r:embed="rId1">
             <a:extLst>
               <a:ext uri="{28A0092B-C50C-407E-A947-70E740481C1C}">
                 <a14:useLocalDpi xmlns:a14="http://schemas.microsoft.com/office/drawing/2010/main" val="0"/>
@@ -23461,7 +23264,7 @@
       </p:pic>
     </p:spTree>
     <p:custDataLst>
-      <p:tags r:id="rId1"/>
+      <p:tags r:id="rId2"/>
     </p:custDataLst>
   </p:cSld>
   <p:clrMapOvr>
@@ -23490,13 +23293,7 @@
       </p:grpSpPr>
       <p:pic>
         <p:nvPicPr>
-          <p:cNvPr id="11265" name="内容占位符 6" descr="944365-0896ba8d9155140e">
-            <a:extLst>
-              <a:ext uri="{FF2B5EF4-FFF2-40B4-BE49-F238E27FC236}">
-                <a16:creationId xmlns:a16="http://schemas.microsoft.com/office/drawing/2014/main" id="{2514DB2F-C9C9-451E-9316-B4B2963265AE}"/>
-              </a:ext>
-            </a:extLst>
-          </p:cNvPr>
+          <p:cNvPr id="11265" name="内容占位符 6" descr="944365-0896ba8d9155140e"/>
           <p:cNvPicPr>
             <a:picLocks noGrp="1" noChangeAspect="1" noChangeArrowheads="1"/>
           </p:cNvPicPr>
@@ -23505,7 +23302,7 @@
           </p:nvPr>
         </p:nvPicPr>
         <p:blipFill>
-          <a:blip r:embed="rId3">
+          <a:blip r:embed="rId1">
             <a:extLst>
               <a:ext uri="{28A0092B-C50C-407E-A947-70E740481C1C}">
                 <a14:useLocalDpi xmlns:a14="http://schemas.microsoft.com/office/drawing/2010/main" val="0"/>
@@ -23546,13 +23343,7 @@
       </p:pic>
       <p:sp>
         <p:nvSpPr>
-          <p:cNvPr id="11266" name="标题 5">
-            <a:extLst>
-              <a:ext uri="{FF2B5EF4-FFF2-40B4-BE49-F238E27FC236}">
-                <a16:creationId xmlns:a16="http://schemas.microsoft.com/office/drawing/2014/main" id="{F345A5ED-F5E7-4391-AE8F-7365471B4564}"/>
-              </a:ext>
-            </a:extLst>
-          </p:cNvPr>
+          <p:cNvPr id="11266" name="标题 5"/>
           <p:cNvSpPr>
             <a:spLocks noGrp="1" noChangeArrowheads="1"/>
           </p:cNvSpPr>
@@ -23574,18 +23365,13 @@
               <a:rPr lang="zh-CN" altLang="en-US"/>
               <a:t>模型中有3个角色</a:t>
             </a:r>
+            <a:endParaRPr lang="zh-CN" altLang="en-US"/>
           </a:p>
         </p:txBody>
       </p:sp>
       <p:sp>
         <p:nvSpPr>
-          <p:cNvPr id="11267" name="文本框 7">
-            <a:extLst>
-              <a:ext uri="{FF2B5EF4-FFF2-40B4-BE49-F238E27FC236}">
-                <a16:creationId xmlns:a16="http://schemas.microsoft.com/office/drawing/2014/main" id="{5E034ADF-B0F6-4873-AE9E-D3309E69AA7E}"/>
-              </a:ext>
-            </a:extLst>
-          </p:cNvPr>
+          <p:cNvPr id="11267" name="文本框 7"/>
           <p:cNvSpPr txBox="1">
             <a:spLocks noChangeArrowheads="1"/>
           </p:cNvSpPr>
@@ -23732,6 +23518,7 @@
               <a:rPr lang="zh-CN" altLang="en-US" dirty="0"/>
               <a:t>消息订阅者（广播接收者）</a:t>
             </a:r>
+            <a:endParaRPr lang="zh-CN" altLang="en-US" dirty="0"/>
           </a:p>
           <a:p>
             <a:pPr>
@@ -23742,6 +23529,7 @@
               <a:rPr lang="zh-CN" altLang="en-US" dirty="0"/>
               <a:t>消息发布者（广播发布者）</a:t>
             </a:r>
+            <a:endParaRPr lang="zh-CN" altLang="en-US" dirty="0"/>
           </a:p>
           <a:p>
             <a:pPr>
@@ -23752,18 +23540,13 @@
               <a:rPr lang="zh-CN" altLang="en-US" dirty="0"/>
               <a:t>消息中心（AMS，即Activity Manager Service）</a:t>
             </a:r>
+            <a:endParaRPr lang="zh-CN" altLang="en-US" dirty="0"/>
           </a:p>
         </p:txBody>
       </p:sp>
       <p:sp>
         <p:nvSpPr>
-          <p:cNvPr id="11268" name="文本框 8">
-            <a:extLst>
-              <a:ext uri="{FF2B5EF4-FFF2-40B4-BE49-F238E27FC236}">
-                <a16:creationId xmlns:a16="http://schemas.microsoft.com/office/drawing/2014/main" id="{31047B60-AE6E-42B5-91F2-EA9573320404}"/>
-              </a:ext>
-            </a:extLst>
-          </p:cNvPr>
+          <p:cNvPr id="11268" name="文本框 8"/>
           <p:cNvSpPr txBox="1">
             <a:spLocks noChangeArrowheads="1"/>
           </p:cNvSpPr>
@@ -23772,7 +23555,7 @@
         <p:spPr bwMode="auto">
           <a:xfrm>
             <a:off x="785195" y="3885610"/>
-            <a:ext cx="6433743" cy="400110"/>
+            <a:ext cx="6433743" cy="553085"/>
           </a:xfrm>
           <a:prstGeom prst="rect">
             <a:avLst/>
@@ -23797,7 +23580,15 @@
               <a:t>特别注意：广播发送者 和 广播接收者的执行是</a:t>
             </a:r>
             <a:r>
-              <a:rPr lang="zh-CN" altLang="en-US" sz="1000" b="1" u="sng" dirty="0"/>
+              <a:rPr lang="zh-CN" altLang="en-US" sz="2000" b="1" u="sng" dirty="0">
+                <a:ln/>
+                <a:solidFill>
+                  <a:srgbClr val="FF0000"/>
+                </a:solidFill>
+                <a:effectLst>
+                  <a:reflection blurRad="6350" stA="53000" endA="300" endPos="35500" dir="5400000" sy="-90000" algn="bl" rotWithShape="0"/>
+                </a:effectLst>
+              </a:rPr>
               <a:t>异步</a:t>
             </a:r>
             <a:r>
@@ -23811,12 +23602,13 @@
               <a:rPr lang="zh-CN" altLang="en-US" sz="1000" b="1" dirty="0"/>
               <a:t>发出去的广播不会关心有无接收者接收，也不确定接收者到底是何时才能接收到。</a:t>
             </a:r>
+            <a:endParaRPr lang="zh-CN" altLang="en-US" sz="1000" b="1" dirty="0"/>
           </a:p>
         </p:txBody>
       </p:sp>
     </p:spTree>
     <p:custDataLst>
-      <p:tags r:id="rId1"/>
+      <p:tags r:id="rId2"/>
     </p:custDataLst>
   </p:cSld>
   <p:clrMapOvr>
@@ -23844,13 +23636,7 @@
       </p:grpSpPr>
       <p:sp>
         <p:nvSpPr>
-          <p:cNvPr id="12289" name="TextBox 108">
-            <a:extLst>
-              <a:ext uri="{FF2B5EF4-FFF2-40B4-BE49-F238E27FC236}">
-                <a16:creationId xmlns:a16="http://schemas.microsoft.com/office/drawing/2014/main" id="{DB7FD146-A9BE-4997-964F-3A9C9B6D29C6}"/>
-              </a:ext>
-            </a:extLst>
-          </p:cNvPr>
+          <p:cNvPr id="12289" name="TextBox 108"/>
           <p:cNvSpPr/>
           <p:nvPr/>
         </p:nvSpPr>
@@ -23952,20 +23738,14 @@
       </p:sp>
       <p:pic>
         <p:nvPicPr>
-          <p:cNvPr id="12290" name="Picture 2">
-            <a:extLst>
-              <a:ext uri="{FF2B5EF4-FFF2-40B4-BE49-F238E27FC236}">
-                <a16:creationId xmlns:a16="http://schemas.microsoft.com/office/drawing/2014/main" id="{D924A0DB-3C89-4132-BA1A-04626FDD7DEF}"/>
-              </a:ext>
-            </a:extLst>
-          </p:cNvPr>
+          <p:cNvPr id="12290" name="Picture 2"/>
           <p:cNvPicPr>
             <a:picLocks noChangeAspect="1" noChangeArrowheads="1"/>
           </p:cNvPicPr>
           <p:nvPr/>
         </p:nvPicPr>
         <p:blipFill>
-          <a:blip r:embed="rId3">
+          <a:blip r:embed="rId1">
             <a:extLst>
               <a:ext uri="{28A0092B-C50C-407E-A947-70E740481C1C}">
                 <a14:useLocalDpi xmlns:a14="http://schemas.microsoft.com/office/drawing/2010/main" val="0"/>
@@ -24012,13 +23792,7 @@
       </p:pic>
       <p:sp>
         <p:nvSpPr>
-          <p:cNvPr id="12291" name="文本框 1">
-            <a:extLst>
-              <a:ext uri="{FF2B5EF4-FFF2-40B4-BE49-F238E27FC236}">
-                <a16:creationId xmlns:a16="http://schemas.microsoft.com/office/drawing/2014/main" id="{773A0A5A-0312-4498-AC94-A6907531F1A3}"/>
-              </a:ext>
-            </a:extLst>
-          </p:cNvPr>
+          <p:cNvPr id="12291" name="文本框 1"/>
           <p:cNvSpPr txBox="1">
             <a:spLocks noChangeArrowheads="1"/>
           </p:cNvSpPr>
@@ -24078,6 +23852,7 @@
               <a:rPr lang="en-US" altLang="zh-CN" dirty="0"/>
               <a:t>	</a:t>
             </a:r>
+            <a:endParaRPr lang="en-US" altLang="zh-CN" dirty="0"/>
           </a:p>
           <a:p>
             <a:r>
@@ -24088,6 +23863,7 @@
               <a:rPr lang="zh-CN" altLang="en-US" dirty="0"/>
               <a:t>依次传递</a:t>
             </a:r>
+            <a:endParaRPr lang="zh-CN" altLang="en-US" dirty="0"/>
           </a:p>
           <a:p>
             <a:endParaRPr lang="zh-CN" altLang="en-US" dirty="0"/>
@@ -24117,6 +23893,7 @@
               <a:rPr lang="en-US" altLang="zh-CN" dirty="0"/>
               <a:t>	</a:t>
             </a:r>
+            <a:endParaRPr lang="en-US" altLang="zh-CN" dirty="0"/>
           </a:p>
           <a:p>
             <a:r>
@@ -24125,8 +23902,21 @@
             </a:r>
             <a:r>
               <a:rPr lang="zh-CN" altLang="en-US" dirty="0"/>
-              <a:t>处理顺序是按照不同优先级来区分</a:t>
-            </a:r>
+              <a:t>处理顺序是按照不同</a:t>
+            </a:r>
+            <a:r>
+              <a:rPr lang="zh-CN" altLang="en-US" dirty="0">
+                <a:solidFill>
+                  <a:srgbClr val="FF0000"/>
+                </a:solidFill>
+              </a:rPr>
+              <a:t>优先级</a:t>
+            </a:r>
+            <a:r>
+              <a:rPr lang="zh-CN" altLang="en-US" dirty="0"/>
+              <a:t>来区分</a:t>
+            </a:r>
+            <a:endParaRPr lang="zh-CN" altLang="en-US" dirty="0"/>
           </a:p>
           <a:p>
             <a:endParaRPr lang="zh-CN" altLang="en-US" dirty="0"/>
@@ -24156,6 +23946,7 @@
               <a:rPr lang="en-US" altLang="zh-CN" dirty="0"/>
               <a:t>	</a:t>
             </a:r>
+            <a:endParaRPr lang="en-US" altLang="zh-CN" dirty="0"/>
           </a:p>
           <a:p>
             <a:r>
@@ -24166,12 +23957,13 @@
               <a:rPr lang="zh-CN" altLang="en-US" dirty="0"/>
               <a:t>在Android 5.0 &amp; API 21中已经失效，不建议使用。</a:t>
             </a:r>
+            <a:endParaRPr lang="zh-CN" altLang="en-US" dirty="0"/>
           </a:p>
         </p:txBody>
       </p:sp>
     </p:spTree>
     <p:custDataLst>
-      <p:tags r:id="rId1"/>
+      <p:tags r:id="rId2"/>
     </p:custDataLst>
   </p:cSld>
   <p:clrMapOvr>
@@ -24200,20 +23992,14 @@
       </p:grpSpPr>
       <p:pic>
         <p:nvPicPr>
-          <p:cNvPr id="13313" name="Picture 2">
-            <a:extLst>
-              <a:ext uri="{FF2B5EF4-FFF2-40B4-BE49-F238E27FC236}">
-                <a16:creationId xmlns:a16="http://schemas.microsoft.com/office/drawing/2014/main" id="{8EB1ED84-C388-4F21-8107-F2F7C18A1902}"/>
-              </a:ext>
-            </a:extLst>
-          </p:cNvPr>
+          <p:cNvPr id="13313" name="Picture 2"/>
           <p:cNvPicPr>
             <a:picLocks noChangeAspect="1" noChangeArrowheads="1"/>
           </p:cNvPicPr>
           <p:nvPr/>
         </p:nvPicPr>
         <p:blipFill>
-          <a:blip r:embed="rId3">
+          <a:blip r:embed="rId1">
             <a:extLst>
               <a:ext uri="{28A0092B-C50C-407E-A947-70E740481C1C}">
                 <a14:useLocalDpi xmlns:a14="http://schemas.microsoft.com/office/drawing/2010/main" val="0"/>
@@ -24260,13 +24046,7 @@
       </p:pic>
       <p:sp>
         <p:nvSpPr>
-          <p:cNvPr id="6147" name="TextBox 5">
-            <a:extLst>
-              <a:ext uri="{FF2B5EF4-FFF2-40B4-BE49-F238E27FC236}">
-                <a16:creationId xmlns:a16="http://schemas.microsoft.com/office/drawing/2014/main" id="{C2DB0F8F-5792-4FE8-BBCB-4670BBFC85CE}"/>
-              </a:ext>
-            </a:extLst>
-          </p:cNvPr>
+          <p:cNvPr id="6147" name="TextBox 5"/>
           <p:cNvSpPr>
             <a:spLocks noChangeArrowheads="1"/>
           </p:cNvSpPr>
@@ -24472,13 +24252,24 @@
             <a:r>
               <a:rPr lang="zh-CN" altLang="en-US" sz="2000" b="1" dirty="0">
                 <a:solidFill>
-                  <a:srgbClr val="00B050"/>
+                  <a:srgbClr val="FF0000"/>
                 </a:solidFill>
                 <a:latin typeface="+mn-ea"/>
                 <a:ea typeface="+mn-ea"/>
                 <a:sym typeface="微软雅黑" panose="020B0503020204020204" pitchFamily="34" charset="-122"/>
               </a:rPr>
-              <a:t>全局唯一的字符串标识</a:t>
+              <a:t>全局唯一</a:t>
+            </a:r>
+            <a:r>
+              <a:rPr lang="zh-CN" altLang="en-US" sz="2000" b="1" dirty="0">
+                <a:solidFill>
+                  <a:srgbClr val="00B050"/>
+                </a:solidFill>
+                <a:latin typeface="+mn-ea"/>
+                <a:ea typeface="+mn-ea"/>
+                <a:sym typeface="微软雅黑" panose="020B0503020204020204" pitchFamily="34" charset="-122"/>
+              </a:rPr>
+              <a:t>的字符串标识</a:t>
             </a:r>
             <a:r>
               <a:rPr lang="zh-CN" altLang="en-US" sz="2000" dirty="0">
@@ -24498,23 +24289,11 @@
       </p:sp>
       <p:graphicFrame>
         <p:nvGraphicFramePr>
-          <p:cNvPr id="9221" name="表格 1">
-            <a:extLst>
-              <a:ext uri="{FF2B5EF4-FFF2-40B4-BE49-F238E27FC236}">
-                <a16:creationId xmlns:a16="http://schemas.microsoft.com/office/drawing/2014/main" id="{96A59397-4433-4133-84AF-9EC7A348766A}"/>
-              </a:ext>
-            </a:extLst>
-          </p:cNvPr>
+          <p:cNvPr id="9221" name="表格 1"/>
           <p:cNvGraphicFramePr>
             <a:graphicFrameLocks noGrp="1"/>
           </p:cNvGraphicFramePr>
-          <p:nvPr>
-            <p:extLst>
-              <p:ext uri="{D42A27DB-BD31-4B8C-83A1-F6EECF244321}">
-                <p14:modId xmlns:p14="http://schemas.microsoft.com/office/powerpoint/2010/main" val="690481823"/>
-              </p:ext>
-            </p:extLst>
-          </p:nvPr>
+          <p:nvPr/>
         </p:nvGraphicFramePr>
         <p:xfrm>
           <a:off x="347663" y="2114550"/>
@@ -24525,13 +24304,7 @@
             <a:tbl>
               <a:tblPr/>
               <a:tblGrid>
-                <a:gridCol w="8245475">
-                  <a:extLst>
-                    <a:ext uri="{9D8B030D-6E8A-4147-A177-3AD203B41FA5}">
-                      <a16:colId xmlns:a16="http://schemas.microsoft.com/office/drawing/2014/main" val="20000"/>
-                    </a:ext>
-                  </a:extLst>
-                </a:gridCol>
+                <a:gridCol w="8245475"/>
               </a:tblGrid>
               <a:tr h="1439863">
                 <a:tc>
@@ -24792,6 +24565,18 @@
                         </a:rPr>
                         <a:t>;</a:t>
                       </a:r>
+                      <a:endParaRPr kumimoji="0" lang="en-US" altLang="zh-CN" sz="1600" b="1" i="0" u="none" strike="noStrike" cap="none" normalizeH="0" baseline="0" dirty="0">
+                        <a:ln>
+                          <a:noFill/>
+                        </a:ln>
+                        <a:solidFill>
+                          <a:srgbClr val="0070C0"/>
+                        </a:solidFill>
+                        <a:effectLst/>
+                        <a:latin typeface="Times New Roman" panose="02020603050405020304" pitchFamily="18" charset="0"/>
+                        <a:ea typeface="宋体" panose="02010600030101010101" pitchFamily="2" charset="-122"/>
+                        <a:sym typeface="Times New Roman" panose="02020603050405020304" pitchFamily="18" charset="0"/>
+                      </a:endParaRPr>
                     </a:p>
                     <a:p>
                       <a:pPr marL="0" marR="0" lvl="0" indent="266700" algn="just" defTabSz="914400" rtl="0" eaLnBrk="1" fontAlgn="base" latinLnBrk="0" hangingPunct="1">
@@ -25093,6 +24878,18 @@
                         </a:rPr>
                         <a:t>）；</a:t>
                       </a:r>
+                      <a:endParaRPr kumimoji="0" lang="zh-CN" altLang="en-US" sz="1600" b="0" i="0" u="none" strike="noStrike" cap="none" normalizeH="0" baseline="0" dirty="0">
+                        <a:ln>
+                          <a:noFill/>
+                        </a:ln>
+                        <a:solidFill>
+                          <a:schemeClr val="tx1"/>
+                        </a:solidFill>
+                        <a:effectLst/>
+                        <a:latin typeface="Times New Roman" panose="02020603050405020304" pitchFamily="18" charset="0"/>
+                        <a:ea typeface="宋体" panose="02010600030101010101" pitchFamily="2" charset="-122"/>
+                        <a:sym typeface="Times New Roman" panose="02020603050405020304" pitchFamily="18" charset="0"/>
+                      </a:endParaRPr>
                     </a:p>
                     <a:p>
                       <a:pPr marL="0" marR="0" lvl="0" indent="266700" algn="just" defTabSz="914400" rtl="0" eaLnBrk="1" fontAlgn="base" latinLnBrk="0" hangingPunct="1">
@@ -25170,6 +24967,18 @@
                         </a:rPr>
                         <a:t>）；</a:t>
                       </a:r>
+                      <a:endParaRPr kumimoji="0" lang="zh-CN" altLang="en-US" sz="1600" b="0" i="0" u="none" strike="noStrike" cap="none" normalizeH="0" baseline="0" dirty="0">
+                        <a:ln>
+                          <a:noFill/>
+                        </a:ln>
+                        <a:solidFill>
+                          <a:schemeClr val="tx1"/>
+                        </a:solidFill>
+                        <a:effectLst/>
+                        <a:latin typeface="Times New Roman" panose="02020603050405020304" pitchFamily="18" charset="0"/>
+                        <a:ea typeface="宋体" panose="02010600030101010101" pitchFamily="2" charset="-122"/>
+                        <a:sym typeface="Times New Roman" panose="02020603050405020304" pitchFamily="18" charset="0"/>
+                      </a:endParaRPr>
                     </a:p>
                   </a:txBody>
                   <a:tcPr marL="68580" marR="68580" marT="0" marB="0" horzOverflow="overflow">
@@ -25222,11 +25031,6 @@
                     </a:solidFill>
                   </a:tcPr>
                 </a:tc>
-                <a:extLst>
-                  <a:ext uri="{0D108BD9-81ED-4DB2-BD59-A6C34878D82A}">
-                    <a16:rowId xmlns:a16="http://schemas.microsoft.com/office/drawing/2014/main" val="10000"/>
-                  </a:ext>
-                </a:extLst>
               </a:tr>
             </a:tbl>
           </a:graphicData>
@@ -25234,13 +25038,7 @@
       </p:graphicFrame>
       <p:sp>
         <p:nvSpPr>
-          <p:cNvPr id="14345" name="TextBox 108">
-            <a:extLst>
-              <a:ext uri="{FF2B5EF4-FFF2-40B4-BE49-F238E27FC236}">
-                <a16:creationId xmlns:a16="http://schemas.microsoft.com/office/drawing/2014/main" id="{C53D3742-0182-4C6B-AFAC-379BBA5F9C5F}"/>
-              </a:ext>
-            </a:extLst>
-          </p:cNvPr>
+          <p:cNvPr id="14345" name="TextBox 108"/>
           <p:cNvSpPr/>
           <p:nvPr/>
         </p:nvSpPr>
@@ -25266,7 +25064,7 @@
             <a:r>
               <a:rPr lang="en-US" altLang="zh-CN" noProof="1">
                 <a:solidFill>
-                  <a:srgbClr val="000000"/>
+                  <a:schemeClr val="bg1"/>
                 </a:solidFill>
                 <a:latin typeface="微软雅黑" panose="020B0503020204020204" pitchFamily="34" charset="-122"/>
                 <a:ea typeface="微软雅黑" panose="020B0503020204020204" pitchFamily="34" charset="-122"/>
@@ -25277,7 +25075,7 @@
             <a:r>
               <a:rPr lang="zh-CN" altLang="en-US" noProof="1">
                 <a:solidFill>
-                  <a:srgbClr val="000000"/>
+                  <a:schemeClr val="bg1"/>
                 </a:solidFill>
                 <a:latin typeface="微软雅黑" panose="020B0503020204020204" pitchFamily="34" charset="-122"/>
                 <a:ea typeface="微软雅黑" panose="020B0503020204020204" pitchFamily="34" charset="-122"/>
@@ -25288,7 +25086,7 @@
             <a:r>
               <a:rPr lang="en-US" altLang="zh-CN" noProof="1">
                 <a:solidFill>
-                  <a:srgbClr val="000000"/>
+                  <a:schemeClr val="bg1"/>
                 </a:solidFill>
                 <a:latin typeface="微软雅黑" panose="020B0503020204020204" pitchFamily="34" charset="-122"/>
                 <a:ea typeface="微软雅黑" panose="020B0503020204020204" pitchFamily="34" charset="-122"/>
@@ -25299,7 +25097,7 @@
             <a:r>
               <a:rPr lang="zh-CN" altLang="en-US" noProof="1">
                 <a:solidFill>
-                  <a:srgbClr val="000000"/>
+                  <a:schemeClr val="bg1"/>
                 </a:solidFill>
                 <a:latin typeface="微软雅黑" panose="020B0503020204020204" pitchFamily="34" charset="-122"/>
                 <a:ea typeface="微软雅黑" panose="020B0503020204020204" pitchFamily="34" charset="-122"/>
@@ -25309,18 +25107,21 @@
             </a:r>
             <a:r>
               <a:rPr lang="zh-CN" altLang="en-US" dirty="0">
+                <a:solidFill>
+                  <a:schemeClr val="bg1"/>
+                </a:solidFill>
                 <a:latin typeface="+mn-ea"/>
                 <a:ea typeface="+mn-ea"/>
                 <a:sym typeface="微软雅黑" panose="020B0503020204020204" pitchFamily="34" charset="-122"/>
               </a:rPr>
               <a:t> </a:t>
             </a:r>
-            <a:endParaRPr lang="en-US" altLang="zh-CN" noProof="1">
+            <a:endParaRPr lang="zh-CN" altLang="en-US" noProof="1" dirty="0">
               <a:solidFill>
-                <a:srgbClr val="000000"/>
+                <a:schemeClr val="bg1"/>
               </a:solidFill>
-              <a:latin typeface="微软雅黑" panose="020B0503020204020204" pitchFamily="34" charset="-122"/>
-              <a:ea typeface="微软雅黑" panose="020B0503020204020204" pitchFamily="34" charset="-122"/>
+              <a:latin typeface="+mn-ea"/>
+              <a:ea typeface="+mn-ea"/>
               <a:sym typeface="微软雅黑" panose="020B0503020204020204" pitchFamily="34" charset="-122"/>
             </a:endParaRPr>
           </a:p>
@@ -25328,7 +25129,7 @@
       </p:sp>
     </p:spTree>
     <p:custDataLst>
-      <p:tags r:id="rId1"/>
+      <p:tags r:id="rId2"/>
     </p:custDataLst>
   </p:cSld>
   <p:clrMapOvr>
@@ -25357,20 +25158,14 @@
       </p:grpSpPr>
       <p:pic>
         <p:nvPicPr>
-          <p:cNvPr id="14337" name="Picture 2">
-            <a:extLst>
-              <a:ext uri="{FF2B5EF4-FFF2-40B4-BE49-F238E27FC236}">
-                <a16:creationId xmlns:a16="http://schemas.microsoft.com/office/drawing/2014/main" id="{27587797-A450-4855-8A8A-DA55E9874C80}"/>
-              </a:ext>
-            </a:extLst>
-          </p:cNvPr>
+          <p:cNvPr id="14337" name="Picture 2"/>
           <p:cNvPicPr>
             <a:picLocks noChangeAspect="1" noChangeArrowheads="1"/>
           </p:cNvPicPr>
           <p:nvPr/>
         </p:nvPicPr>
         <p:blipFill>
-          <a:blip r:embed="rId3">
+          <a:blip r:embed="rId1">
             <a:extLst>
               <a:ext uri="{28A0092B-C50C-407E-A947-70E740481C1C}">
                 <a14:useLocalDpi xmlns:a14="http://schemas.microsoft.com/office/drawing/2010/main" val="0"/>
@@ -25417,13 +25212,7 @@
       </p:pic>
       <p:sp>
         <p:nvSpPr>
-          <p:cNvPr id="14338" name="TextBox 108">
-            <a:extLst>
-              <a:ext uri="{FF2B5EF4-FFF2-40B4-BE49-F238E27FC236}">
-                <a16:creationId xmlns:a16="http://schemas.microsoft.com/office/drawing/2014/main" id="{54DC5380-FDFE-4409-9963-339B3910009B}"/>
-              </a:ext>
-            </a:extLst>
-          </p:cNvPr>
+          <p:cNvPr id="14338" name="TextBox 108"/>
           <p:cNvSpPr>
             <a:spLocks noChangeArrowheads="1"/>
           </p:cNvSpPr>
@@ -25470,7 +25259,7 @@
             <a:r>
               <a:rPr lang="en-US" altLang="zh-CN">
                 <a:solidFill>
-                  <a:srgbClr val="000000"/>
+                  <a:schemeClr val="bg1"/>
                 </a:solidFill>
                 <a:latin typeface="微软雅黑" panose="020B0503020204020204" pitchFamily="34" charset="-122"/>
                 <a:ea typeface="微软雅黑" panose="020B0503020204020204" pitchFamily="34" charset="-122"/>
@@ -25481,7 +25270,7 @@
             <a:r>
               <a:rPr lang="zh-CN" altLang="en-US">
                 <a:solidFill>
-                  <a:srgbClr val="000000"/>
+                  <a:schemeClr val="bg1"/>
                 </a:solidFill>
                 <a:latin typeface="微软雅黑" panose="020B0503020204020204" pitchFamily="34" charset="-122"/>
                 <a:ea typeface="微软雅黑" panose="020B0503020204020204" pitchFamily="34" charset="-122"/>
@@ -25489,9 +25278,9 @@
               </a:rPr>
               <a:t>接收广播</a:t>
             </a:r>
-            <a:endParaRPr lang="en-US" altLang="zh-CN">
+            <a:endParaRPr lang="zh-CN" altLang="en-US">
               <a:solidFill>
-                <a:srgbClr val="000000"/>
+                <a:schemeClr val="bg1"/>
               </a:solidFill>
               <a:latin typeface="微软雅黑" panose="020B0503020204020204" pitchFamily="34" charset="-122"/>
               <a:ea typeface="微软雅黑" panose="020B0503020204020204" pitchFamily="34" charset="-122"/>
@@ -25502,13 +25291,7 @@
       </p:sp>
       <p:sp>
         <p:nvSpPr>
-          <p:cNvPr id="7172" name="Rectangle 3">
-            <a:extLst>
-              <a:ext uri="{FF2B5EF4-FFF2-40B4-BE49-F238E27FC236}">
-                <a16:creationId xmlns:a16="http://schemas.microsoft.com/office/drawing/2014/main" id="{2BC78F94-4ADF-40CE-9A2C-75F53B22CC18}"/>
-              </a:ext>
-            </a:extLst>
-          </p:cNvPr>
+          <p:cNvPr id="7172" name="Rectangle 3"/>
           <p:cNvSpPr>
             <a:spLocks noChangeArrowheads="1"/>
           </p:cNvSpPr>
@@ -25667,6 +25450,11 @@
               </a:rPr>
               <a:t>广播接收器自定义实现：</a:t>
             </a:r>
+            <a:endParaRPr lang="zh-CN" altLang="en-US" sz="2400" dirty="0">
+              <a:latin typeface="+mn-ea"/>
+              <a:ea typeface="+mn-ea"/>
+              <a:sym typeface="微软雅黑" panose="020B0503020204020204" pitchFamily="34" charset="-122"/>
+            </a:endParaRPr>
           </a:p>
           <a:p>
             <a:pPr lvl="1" eaLnBrk="1" hangingPunct="1">
@@ -25707,6 +25495,11 @@
               </a:rPr>
               <a:t>类</a:t>
             </a:r>
+            <a:endParaRPr lang="zh-CN" altLang="en-US" dirty="0">
+              <a:latin typeface="+mn-ea"/>
+              <a:ea typeface="+mn-ea"/>
+              <a:sym typeface="微软雅黑" panose="020B0503020204020204" pitchFamily="34" charset="-122"/>
+            </a:endParaRPr>
           </a:p>
           <a:p>
             <a:pPr lvl="1" eaLnBrk="1" hangingPunct="1">
@@ -25758,6 +25551,11 @@
               </a:rPr>
               <a:t>方法，在该方法中实现对广播事件的相关处理</a:t>
             </a:r>
+            <a:endParaRPr lang="zh-CN" altLang="en-US" dirty="0">
+              <a:latin typeface="+mn-ea"/>
+              <a:ea typeface="+mn-ea"/>
+              <a:sym typeface="微软雅黑" panose="020B0503020204020204" pitchFamily="34" charset="-122"/>
+            </a:endParaRPr>
           </a:p>
           <a:p>
             <a:pPr lvl="1" eaLnBrk="1" hangingPunct="1">
@@ -25790,6 +25588,11 @@
               </a:rPr>
               <a:t>系统接收到与之匹配的广播消息</a:t>
             </a:r>
+            <a:endParaRPr lang="zh-CN" altLang="en-US" dirty="0">
+              <a:latin typeface="+mn-ea"/>
+              <a:ea typeface="+mn-ea"/>
+              <a:sym typeface="微软雅黑" panose="020B0503020204020204" pitchFamily="34" charset="-122"/>
+            </a:endParaRPr>
           </a:p>
           <a:p>
             <a:pPr lvl="1" eaLnBrk="1" hangingPunct="1">
@@ -25840,7 +25643,7 @@
       </p:sp>
     </p:spTree>
     <p:custDataLst>
-      <p:tags r:id="rId1"/>
+      <p:tags r:id="rId2"/>
     </p:custDataLst>
   </p:cSld>
   <p:clrMapOvr>
@@ -25869,20 +25672,14 @@
       </p:grpSpPr>
       <p:pic>
         <p:nvPicPr>
-          <p:cNvPr id="15361" name="Picture 2">
-            <a:extLst>
-              <a:ext uri="{FF2B5EF4-FFF2-40B4-BE49-F238E27FC236}">
-                <a16:creationId xmlns:a16="http://schemas.microsoft.com/office/drawing/2014/main" id="{060D6F14-9359-4D93-9885-DC2BBE860286}"/>
-              </a:ext>
-            </a:extLst>
-          </p:cNvPr>
+          <p:cNvPr id="15361" name="Picture 2"/>
           <p:cNvPicPr>
             <a:picLocks noChangeAspect="1" noChangeArrowheads="1"/>
           </p:cNvPicPr>
           <p:nvPr/>
         </p:nvPicPr>
         <p:blipFill>
-          <a:blip r:embed="rId3">
+          <a:blip r:embed="rId1">
             <a:extLst>
               <a:ext uri="{28A0092B-C50C-407E-A947-70E740481C1C}">
                 <a14:useLocalDpi xmlns:a14="http://schemas.microsoft.com/office/drawing/2010/main" val="0"/>
@@ -25929,13 +25726,7 @@
       </p:pic>
       <p:sp>
         <p:nvSpPr>
-          <p:cNvPr id="15362" name="TextBox 20">
-            <a:extLst>
-              <a:ext uri="{FF2B5EF4-FFF2-40B4-BE49-F238E27FC236}">
-                <a16:creationId xmlns:a16="http://schemas.microsoft.com/office/drawing/2014/main" id="{CF07073A-3D95-4316-87D8-6F0522693708}"/>
-              </a:ext>
-            </a:extLst>
-          </p:cNvPr>
+          <p:cNvPr id="15362" name="TextBox 20"/>
           <p:cNvSpPr>
             <a:spLocks noChangeArrowheads="1"/>
           </p:cNvSpPr>
@@ -26064,83 +25855,16 @@
               </a:rPr>
               <a:t>名称</a:t>
             </a:r>
-          </a:p>
-          <a:p>
-            <a:r>
-              <a:rPr lang="zh-CN" altLang="en-US" sz="1600" dirty="0">
-                <a:sym typeface="Arial" panose="020B0604020202020204" pitchFamily="34" charset="0"/>
-              </a:rPr>
-              <a:t> </a:t>
-            </a:r>
-          </a:p>
-          <a:p>
-            <a:r>
-              <a:rPr lang="en-US" altLang="zh-CN" sz="1600" dirty="0">
-                <a:sym typeface="Arial" panose="020B0604020202020204" pitchFamily="34" charset="0"/>
-              </a:rPr>
-              <a:t>    public void </a:t>
-            </a:r>
-            <a:r>
-              <a:rPr lang="en-US" altLang="zh-CN" sz="1600" b="1" dirty="0" err="1">
-                <a:solidFill>
-                  <a:srgbClr val="00B050"/>
-                </a:solidFill>
-                <a:sym typeface="Arial" panose="020B0604020202020204" pitchFamily="34" charset="0"/>
-              </a:rPr>
-              <a:t>onReceive</a:t>
-            </a:r>
-            <a:r>
-              <a:rPr lang="en-US" altLang="zh-CN" sz="1600" dirty="0">
-                <a:sym typeface="Arial" panose="020B0604020202020204" pitchFamily="34" charset="0"/>
-              </a:rPr>
-              <a:t>(Context </a:t>
-            </a:r>
-            <a:r>
-              <a:rPr lang="en-US" altLang="zh-CN" sz="1600" dirty="0" err="1">
-                <a:sym typeface="Arial" panose="020B0604020202020204" pitchFamily="34" charset="0"/>
-              </a:rPr>
-              <a:t>context</a:t>
-            </a:r>
-            <a:r>
-              <a:rPr lang="en-US" altLang="zh-CN" sz="1600" dirty="0">
-                <a:sym typeface="Arial" panose="020B0604020202020204" pitchFamily="34" charset="0"/>
-              </a:rPr>
-              <a:t>, Intent intent) { </a:t>
-            </a:r>
             <a:endParaRPr lang="zh-CN" altLang="en-US" sz="1600" dirty="0">
               <a:sym typeface="Arial" panose="020B0604020202020204" pitchFamily="34" charset="0"/>
             </a:endParaRPr>
           </a:p>
           <a:p>
             <a:r>
-              <a:rPr lang="en-US" altLang="zh-CN" sz="1600" dirty="0">
+              <a:rPr lang="zh-CN" altLang="en-US" sz="1600" dirty="0">
                 <a:sym typeface="Arial" panose="020B0604020202020204" pitchFamily="34" charset="0"/>
               </a:rPr>
-              <a:t>      if ( </a:t>
-            </a:r>
-            <a:r>
-              <a:rPr lang="en-US" altLang="zh-CN" sz="1600" dirty="0" err="1">
-                <a:sym typeface="Arial" panose="020B0604020202020204" pitchFamily="34" charset="0"/>
-              </a:rPr>
-              <a:t>intent.getAction</a:t>
-            </a:r>
-            <a:r>
-              <a:rPr lang="en-US" altLang="zh-CN" sz="1600" dirty="0">
-                <a:sym typeface="Arial" panose="020B0604020202020204" pitchFamily="34" charset="0"/>
-              </a:rPr>
-              <a:t>().equals( </a:t>
-            </a:r>
-            <a:r>
-              <a:rPr lang="en-US" altLang="zh-CN" sz="1600" dirty="0" err="1">
-                <a:sym typeface="Arial" panose="020B0604020202020204" pitchFamily="34" charset="0"/>
-              </a:rPr>
-              <a:t>Intent_Action</a:t>
-            </a:r>
-            <a:r>
-              <a:rPr lang="en-US" altLang="zh-CN" sz="1600" dirty="0">
-                <a:sym typeface="Arial" panose="020B0604020202020204" pitchFamily="34" charset="0"/>
-              </a:rPr>
-              <a:t>)) { </a:t>
+              <a:t> </a:t>
             </a:r>
             <a:endParaRPr lang="zh-CN" altLang="en-US" sz="1600" dirty="0">
               <a:sym typeface="Arial" panose="020B0604020202020204" pitchFamily="34" charset="0"/>
@@ -26151,6 +25875,79 @@
               <a:rPr lang="en-US" altLang="zh-CN" sz="1600" dirty="0">
                 <a:sym typeface="Arial" panose="020B0604020202020204" pitchFamily="34" charset="0"/>
               </a:rPr>
+              <a:t>    public void </a:t>
+            </a:r>
+            <a:r>
+              <a:rPr lang="en-US" altLang="zh-CN" sz="1600" b="1" dirty="0" err="1">
+                <a:solidFill>
+                  <a:srgbClr val="00B050"/>
+                </a:solidFill>
+                <a:sym typeface="Arial" panose="020B0604020202020204" pitchFamily="34" charset="0"/>
+              </a:rPr>
+              <a:t>onReceive</a:t>
+            </a:r>
+            <a:r>
+              <a:rPr lang="en-US" altLang="zh-CN" sz="1600" dirty="0">
+                <a:sym typeface="Arial" panose="020B0604020202020204" pitchFamily="34" charset="0"/>
+              </a:rPr>
+              <a:t>(Context </a:t>
+            </a:r>
+            <a:r>
+              <a:rPr lang="en-US" altLang="zh-CN" sz="1600" dirty="0" err="1">
+                <a:sym typeface="Arial" panose="020B0604020202020204" pitchFamily="34" charset="0"/>
+              </a:rPr>
+              <a:t>context</a:t>
+            </a:r>
+            <a:r>
+              <a:rPr lang="en-US" altLang="zh-CN" sz="1600" dirty="0">
+                <a:sym typeface="Arial" panose="020B0604020202020204" pitchFamily="34" charset="0"/>
+              </a:rPr>
+              <a:t>, Intent intent) { </a:t>
+            </a:r>
+            <a:endParaRPr lang="zh-CN" altLang="en-US" sz="1600" dirty="0">
+              <a:sym typeface="Arial" panose="020B0604020202020204" pitchFamily="34" charset="0"/>
+            </a:endParaRPr>
+          </a:p>
+          <a:p>
+            <a:r>
+              <a:rPr lang="en-US" altLang="zh-CN" sz="1600" dirty="0">
+                <a:sym typeface="Arial" panose="020B0604020202020204" pitchFamily="34" charset="0"/>
+              </a:rPr>
+              <a:t>      if ( </a:t>
+            </a:r>
+            <a:r>
+              <a:rPr lang="en-US" altLang="zh-CN" sz="1600" dirty="0" err="1">
+                <a:sym typeface="Arial" panose="020B0604020202020204" pitchFamily="34" charset="0"/>
+              </a:rPr>
+              <a:t>intent.getAction</a:t>
+            </a:r>
+            <a:r>
+              <a:rPr lang="en-US" altLang="zh-CN" sz="1600" dirty="0">
+                <a:sym typeface="Arial" panose="020B0604020202020204" pitchFamily="34" charset="0"/>
+              </a:rPr>
+              <a:t>().equals( </a:t>
+            </a:r>
+            <a:r>
+              <a:rPr lang="en-US" altLang="zh-CN" sz="1600" dirty="0" err="1">
+                <a:sym typeface="Arial" panose="020B0604020202020204" pitchFamily="34" charset="0"/>
+              </a:rPr>
+              <a:t>Intent_Action</a:t>
+            </a:r>
+            <a:r>
+              <a:rPr lang="en-US" altLang="zh-CN" sz="1600" dirty="0">
+                <a:sym typeface="Arial" panose="020B0604020202020204" pitchFamily="34" charset="0"/>
+              </a:rPr>
+              <a:t>)) { </a:t>
+            </a:r>
+            <a:endParaRPr lang="zh-CN" altLang="en-US" sz="1600" dirty="0">
+              <a:sym typeface="Arial" panose="020B0604020202020204" pitchFamily="34" charset="0"/>
+            </a:endParaRPr>
+          </a:p>
+          <a:p>
+            <a:r>
+              <a:rPr lang="en-US" altLang="zh-CN" sz="1600" dirty="0">
+                <a:sym typeface="Arial" panose="020B0604020202020204" pitchFamily="34" charset="0"/>
+              </a:rPr>
               <a:t>        //</a:t>
             </a:r>
             <a:r>
@@ -26159,6 +25956,9 @@
               </a:rPr>
               <a:t>相应事件的处理</a:t>
             </a:r>
+            <a:endParaRPr lang="zh-CN" altLang="en-US" sz="1600" dirty="0">
+              <a:sym typeface="Arial" panose="020B0604020202020204" pitchFamily="34" charset="0"/>
+            </a:endParaRPr>
           </a:p>
           <a:p>
             <a:r>
@@ -26180,13 +25980,7 @@
       </p:sp>
       <p:sp>
         <p:nvSpPr>
-          <p:cNvPr id="8196" name="矩形 1">
-            <a:extLst>
-              <a:ext uri="{FF2B5EF4-FFF2-40B4-BE49-F238E27FC236}">
-                <a16:creationId xmlns:a16="http://schemas.microsoft.com/office/drawing/2014/main" id="{77833678-6923-4E8F-BEFB-A23202CE9B47}"/>
-              </a:ext>
-            </a:extLst>
-          </p:cNvPr>
+          <p:cNvPr id="8196" name="矩形 1"/>
           <p:cNvSpPr>
             <a:spLocks noChangeArrowheads="1"/>
           </p:cNvSpPr>
@@ -26365,18 +26159,20 @@
               </a:rPr>
               <a:t>广播接收的过程：</a:t>
             </a:r>
+            <a:endParaRPr lang="zh-CN" altLang="en-US" dirty="0">
+              <a:solidFill>
+                <a:srgbClr val="000000"/>
+              </a:solidFill>
+              <a:latin typeface="+mn-ea"/>
+              <a:ea typeface="+mn-ea"/>
+              <a:sym typeface="微软雅黑" panose="020B0503020204020204" pitchFamily="34" charset="-122"/>
+            </a:endParaRPr>
           </a:p>
         </p:txBody>
       </p:sp>
       <p:sp>
         <p:nvSpPr>
-          <p:cNvPr id="8197" name="TextBox 21">
-            <a:extLst>
-              <a:ext uri="{FF2B5EF4-FFF2-40B4-BE49-F238E27FC236}">
-                <a16:creationId xmlns:a16="http://schemas.microsoft.com/office/drawing/2014/main" id="{664154A2-BD5E-48E5-AB7E-9F475C2DECB1}"/>
-              </a:ext>
-            </a:extLst>
-          </p:cNvPr>
+          <p:cNvPr id="8197" name="TextBox 21"/>
           <p:cNvSpPr>
             <a:spLocks noChangeArrowheads="1"/>
           </p:cNvSpPr>
@@ -26593,6 +26389,9 @@
             </a:r>
             <a:r>
               <a:rPr lang="en-US" altLang="zh-CN" sz="1400" dirty="0">
+                <a:solidFill>
+                  <a:srgbClr val="FF0000"/>
+                </a:solidFill>
                 <a:highlight>
                   <a:srgbClr val="FFFF00"/>
                 </a:highlight>
@@ -26601,6 +26400,20 @@
                 <a:sym typeface="微软雅黑" panose="020B0503020204020204" pitchFamily="34" charset="-122"/>
               </a:rPr>
               <a:t>10</a:t>
+            </a:r>
+            <a:r>
+              <a:rPr lang="zh-CN" altLang="en-US" sz="1400" dirty="0">
+                <a:solidFill>
+                  <a:srgbClr val="FF0000"/>
+                </a:solidFill>
+                <a:highlight>
+                  <a:srgbClr val="FFFF00"/>
+                </a:highlight>
+                <a:latin typeface="+mn-ea"/>
+                <a:ea typeface="+mn-ea"/>
+                <a:sym typeface="微软雅黑" panose="020B0503020204020204" pitchFamily="34" charset="-122"/>
+              </a:rPr>
+              <a:t>秒钟内</a:t>
             </a:r>
             <a:r>
               <a:rPr lang="zh-CN" altLang="en-US" sz="1400" dirty="0">
@@ -26611,7 +26424,7 @@
                 <a:ea typeface="+mn-ea"/>
                 <a:sym typeface="微软雅黑" panose="020B0503020204020204" pitchFamily="34" charset="-122"/>
               </a:rPr>
-              <a:t>秒钟内执行完事件</a:t>
+              <a:t>执行完事件</a:t>
             </a:r>
             <a:r>
               <a:rPr lang="zh-CN" altLang="en-US" sz="1400" dirty="0">
@@ -26666,13 +26479,7 @@
       </p:sp>
       <p:sp>
         <p:nvSpPr>
-          <p:cNvPr id="15365" name="TextBox 108">
-            <a:extLst>
-              <a:ext uri="{FF2B5EF4-FFF2-40B4-BE49-F238E27FC236}">
-                <a16:creationId xmlns:a16="http://schemas.microsoft.com/office/drawing/2014/main" id="{A66703D8-EF66-49EF-AA00-0FD76ABA95BC}"/>
-              </a:ext>
-            </a:extLst>
-          </p:cNvPr>
+          <p:cNvPr id="15365" name="TextBox 108"/>
           <p:cNvSpPr>
             <a:spLocks noChangeArrowheads="1"/>
           </p:cNvSpPr>
@@ -26719,7 +26526,7 @@
             <a:r>
               <a:rPr lang="en-US" altLang="zh-CN">
                 <a:solidFill>
-                  <a:srgbClr val="000000"/>
+                  <a:schemeClr val="bg1"/>
                 </a:solidFill>
                 <a:latin typeface="微软雅黑" panose="020B0503020204020204" pitchFamily="34" charset="-122"/>
                 <a:ea typeface="微软雅黑" panose="020B0503020204020204" pitchFamily="34" charset="-122"/>
@@ -26730,7 +26537,7 @@
             <a:r>
               <a:rPr lang="zh-CN" altLang="en-US">
                 <a:solidFill>
-                  <a:srgbClr val="000000"/>
+                  <a:schemeClr val="bg1"/>
                 </a:solidFill>
                 <a:latin typeface="微软雅黑" panose="020B0503020204020204" pitchFamily="34" charset="-122"/>
                 <a:ea typeface="微软雅黑" panose="020B0503020204020204" pitchFamily="34" charset="-122"/>
@@ -26738,9 +26545,9 @@
               </a:rPr>
               <a:t>接收广播</a:t>
             </a:r>
-            <a:endParaRPr lang="en-US" altLang="zh-CN">
+            <a:endParaRPr lang="zh-CN" altLang="en-US">
               <a:solidFill>
-                <a:srgbClr val="000000"/>
+                <a:schemeClr val="bg1"/>
               </a:solidFill>
               <a:latin typeface="微软雅黑" panose="020B0503020204020204" pitchFamily="34" charset="-122"/>
               <a:ea typeface="微软雅黑" panose="020B0503020204020204" pitchFamily="34" charset="-122"/>
@@ -26751,7 +26558,7 @@
       </p:sp>
     </p:spTree>
     <p:custDataLst>
-      <p:tags r:id="rId1"/>
+      <p:tags r:id="rId2"/>
     </p:custDataLst>
   </p:cSld>
   <p:clrMapOvr>
@@ -26780,13 +26587,7 @@
       </p:grpSpPr>
       <p:sp>
         <p:nvSpPr>
-          <p:cNvPr id="3" name="内容占位符 2">
-            <a:extLst>
-              <a:ext uri="{FF2B5EF4-FFF2-40B4-BE49-F238E27FC236}">
-                <a16:creationId xmlns:a16="http://schemas.microsoft.com/office/drawing/2014/main" id="{BF1E120B-5676-43B2-8616-D86E4E5DAC51}"/>
-              </a:ext>
-            </a:extLst>
-          </p:cNvPr>
+          <p:cNvPr id="3" name="内容占位符 2"/>
           <p:cNvSpPr>
             <a:spLocks noGrp="1"/>
           </p:cNvSpPr>
@@ -26827,6 +26628,9 @@
             </a:r>
             <a:r>
               <a:rPr lang="en-US" altLang="zh-CN" sz="2400" b="1" noProof="1">
+                <a:solidFill>
+                  <a:srgbClr val="FF0000"/>
+                </a:solidFill>
                 <a:highlight>
                   <a:srgbClr val="FFFF00"/>
                 </a:highlight>
@@ -26875,6 +26679,10 @@
               </a:rPr>
               <a:t>。</a:t>
             </a:r>
+            <a:endParaRPr lang="zh-CN" altLang="en-US" sz="1600" noProof="1">
+              <a:latin typeface="微软雅黑" panose="020B0503020204020204" pitchFamily="34" charset="-122"/>
+              <a:ea typeface="微软雅黑" panose="020B0503020204020204" pitchFamily="34" charset="-122"/>
+            </a:endParaRPr>
           </a:p>
           <a:p>
             <a:pPr fontAlgn="auto">
@@ -26932,6 +26740,10 @@
               </a:rPr>
               <a:t>”。</a:t>
             </a:r>
+            <a:endParaRPr lang="zh-CN" altLang="en-US" sz="1600" noProof="1">
+              <a:latin typeface="微软雅黑" panose="020B0503020204020204" pitchFamily="34" charset="-122"/>
+              <a:ea typeface="微软雅黑" panose="020B0503020204020204" pitchFamily="34" charset="-122"/>
+            </a:endParaRPr>
           </a:p>
           <a:p>
             <a:pPr fontAlgn="auto">
@@ -26955,6 +26767,10 @@
               </a:rPr>
               <a:t>在程序里对响应性能的设计很重要，这样系统不会显示ANR给用户。</a:t>
             </a:r>
+            <a:endParaRPr lang="zh-CN" altLang="en-US" sz="1600" noProof="1">
+              <a:latin typeface="微软雅黑" panose="020B0503020204020204" pitchFamily="34" charset="-122"/>
+              <a:ea typeface="微软雅黑" panose="020B0503020204020204" pitchFamily="34" charset="-122"/>
+            </a:endParaRPr>
           </a:p>
           <a:p>
             <a:pPr fontAlgn="auto">
@@ -26978,6 +26794,10 @@
               </a:rPr>
               <a:t>默认Activity的最长执行时间5秒。</a:t>
             </a:r>
+            <a:endParaRPr lang="zh-CN" altLang="en-US" sz="1600" noProof="1">
+              <a:latin typeface="微软雅黑" panose="020B0503020204020204" pitchFamily="34" charset="-122"/>
+              <a:ea typeface="微软雅黑" panose="020B0503020204020204" pitchFamily="34" charset="-122"/>
+            </a:endParaRPr>
           </a:p>
           <a:p>
             <a:pPr fontAlgn="auto">
@@ -27009,18 +26829,16 @@
               </a:rPr>
               <a:t>BroadcastReceiver的最长执行时间10秒。</a:t>
             </a:r>
+            <a:endParaRPr lang="zh-CN" altLang="en-US" sz="1600" noProof="1">
+              <a:latin typeface="微软雅黑" panose="020B0503020204020204" pitchFamily="34" charset="-122"/>
+              <a:ea typeface="微软雅黑" panose="020B0503020204020204" pitchFamily="34" charset="-122"/>
+            </a:endParaRPr>
           </a:p>
         </p:txBody>
       </p:sp>
       <p:sp>
         <p:nvSpPr>
-          <p:cNvPr id="16386" name="标题 5">
-            <a:extLst>
-              <a:ext uri="{FF2B5EF4-FFF2-40B4-BE49-F238E27FC236}">
-                <a16:creationId xmlns:a16="http://schemas.microsoft.com/office/drawing/2014/main" id="{25C97489-823A-4FF6-B470-268CDB3F3378}"/>
-              </a:ext>
-            </a:extLst>
-          </p:cNvPr>
+          <p:cNvPr id="16386" name="标题 5"/>
           <p:cNvSpPr>
             <a:spLocks noGrp="1" noChangeArrowheads="1"/>
           </p:cNvSpPr>
@@ -27061,25 +26879,20 @@
               <a:rPr lang="zh-CN" altLang="en-US" dirty="0"/>
               <a:t>）</a:t>
             </a:r>
+            <a:endParaRPr lang="zh-CN" altLang="en-US" dirty="0"/>
           </a:p>
         </p:txBody>
       </p:sp>
       <p:pic>
         <p:nvPicPr>
-          <p:cNvPr id="16387" name="图片 7" descr="timgHP6GAUJL">
-            <a:extLst>
-              <a:ext uri="{FF2B5EF4-FFF2-40B4-BE49-F238E27FC236}">
-                <a16:creationId xmlns:a16="http://schemas.microsoft.com/office/drawing/2014/main" id="{195F28F2-0E10-4093-B210-95F6D8D6155E}"/>
-              </a:ext>
-            </a:extLst>
-          </p:cNvPr>
+          <p:cNvPr id="16387" name="图片 7" descr="timgHP6GAUJL"/>
           <p:cNvPicPr>
             <a:picLocks noChangeAspect="1" noChangeArrowheads="1"/>
           </p:cNvPicPr>
           <p:nvPr/>
         </p:nvPicPr>
         <p:blipFill>
-          <a:blip r:embed="rId3">
+          <a:blip r:embed="rId1">
             <a:extLst>
               <a:ext uri="{28A0092B-C50C-407E-A947-70E740481C1C}">
                 <a14:useLocalDpi xmlns:a14="http://schemas.microsoft.com/office/drawing/2010/main" val="0"/>
@@ -27126,20 +26939,14 @@
       </p:pic>
       <p:pic>
         <p:nvPicPr>
-          <p:cNvPr id="2" name="图片 1">
-            <a:extLst>
-              <a:ext uri="{FF2B5EF4-FFF2-40B4-BE49-F238E27FC236}">
-                <a16:creationId xmlns:a16="http://schemas.microsoft.com/office/drawing/2014/main" id="{A16EB404-7E63-49B8-BD43-BC58DED56B27}"/>
-              </a:ext>
-            </a:extLst>
-          </p:cNvPr>
+          <p:cNvPr id="2" name="图片 1"/>
           <p:cNvPicPr>
             <a:picLocks noChangeAspect="1"/>
           </p:cNvPicPr>
           <p:nvPr/>
         </p:nvPicPr>
         <p:blipFill>
-          <a:blip r:embed="rId4"/>
+          <a:blip r:embed="rId2"/>
           <a:stretch>
             <a:fillRect/>
           </a:stretch>
@@ -27156,7 +26963,7 @@
       </p:pic>
     </p:spTree>
     <p:custDataLst>
-      <p:tags r:id="rId1"/>
+      <p:tags r:id="rId3"/>
     </p:custDataLst>
   </p:cSld>
   <p:clrMapOvr>
@@ -27184,20 +26991,14 @@
       </p:grpSpPr>
       <p:pic>
         <p:nvPicPr>
-          <p:cNvPr id="17409" name="Picture 2">
-            <a:extLst>
-              <a:ext uri="{FF2B5EF4-FFF2-40B4-BE49-F238E27FC236}">
-                <a16:creationId xmlns:a16="http://schemas.microsoft.com/office/drawing/2014/main" id="{D2F5773B-B6C8-4CB2-93B4-4FC902F5F7FB}"/>
-              </a:ext>
-            </a:extLst>
-          </p:cNvPr>
+          <p:cNvPr id="17409" name="Picture 2"/>
           <p:cNvPicPr>
             <a:picLocks noChangeAspect="1" noChangeArrowheads="1"/>
           </p:cNvPicPr>
           <p:nvPr/>
         </p:nvPicPr>
         <p:blipFill>
-          <a:blip r:embed="rId3">
+          <a:blip r:embed="rId1">
             <a:extLst>
               <a:ext uri="{28A0092B-C50C-407E-A947-70E740481C1C}">
                 <a14:useLocalDpi xmlns:a14="http://schemas.microsoft.com/office/drawing/2010/main" val="0"/>
@@ -27244,13 +27045,7 @@
       </p:pic>
       <p:sp>
         <p:nvSpPr>
-          <p:cNvPr id="17410" name="TextBox 108">
-            <a:extLst>
-              <a:ext uri="{FF2B5EF4-FFF2-40B4-BE49-F238E27FC236}">
-                <a16:creationId xmlns:a16="http://schemas.microsoft.com/office/drawing/2014/main" id="{D4E72EF2-2B22-40DD-AF85-4671AAECCAC9}"/>
-              </a:ext>
-            </a:extLst>
-          </p:cNvPr>
+          <p:cNvPr id="17410" name="TextBox 108"/>
           <p:cNvSpPr/>
           <p:nvPr/>
         </p:nvSpPr>
@@ -27276,7 +27071,7 @@
             <a:r>
               <a:rPr lang="en-US" altLang="zh-CN" noProof="1">
                 <a:solidFill>
-                  <a:srgbClr val="000000"/>
+                  <a:schemeClr val="bg1"/>
                 </a:solidFill>
                 <a:latin typeface="微软雅黑" panose="020B0503020204020204" pitchFamily="34" charset="-122"/>
                 <a:ea typeface="微软雅黑" panose="020B0503020204020204" pitchFamily="34" charset="-122"/>
@@ -27287,7 +27082,7 @@
             <a:r>
               <a:rPr lang="zh-CN" altLang="en-US" noProof="1">
                 <a:solidFill>
-                  <a:srgbClr val="000000"/>
+                  <a:schemeClr val="bg1"/>
                 </a:solidFill>
                 <a:latin typeface="微软雅黑" panose="020B0503020204020204" pitchFamily="34" charset="-122"/>
                 <a:ea typeface="微软雅黑" panose="020B0503020204020204" pitchFamily="34" charset="-122"/>
@@ -27298,7 +27093,7 @@
             <a:r>
               <a:rPr lang="zh-CN" altLang="en-US" dirty="0">
                 <a:solidFill>
-                  <a:srgbClr val="000000"/>
+                  <a:schemeClr val="bg1"/>
                 </a:solidFill>
                 <a:latin typeface="+mn-ea"/>
                 <a:ea typeface="+mn-ea"/>
@@ -27309,7 +27104,7 @@
             <a:r>
               <a:rPr lang="en-US" altLang="zh-CN" dirty="0">
                 <a:solidFill>
-                  <a:srgbClr val="000000"/>
+                  <a:schemeClr val="bg1"/>
                 </a:solidFill>
                 <a:latin typeface="+mn-ea"/>
                 <a:ea typeface="+mn-ea"/>
@@ -27320,7 +27115,7 @@
             <a:r>
               <a:rPr lang="zh-CN" altLang="en-US" dirty="0">
                 <a:solidFill>
-                  <a:srgbClr val="000000"/>
+                  <a:schemeClr val="bg1"/>
                 </a:solidFill>
                 <a:latin typeface="+mn-ea"/>
                 <a:ea typeface="+mn-ea"/>
@@ -27331,7 +27126,7 @@
             <a:r>
               <a:rPr lang="zh-CN" altLang="en-US" dirty="0">
                 <a:solidFill>
-                  <a:srgbClr val="000000"/>
+                  <a:schemeClr val="bg1"/>
                 </a:solidFill>
                 <a:latin typeface="+mn-ea"/>
                 <a:ea typeface="+mn-ea"/>
@@ -27342,7 +27137,7 @@
             <a:r>
               <a:rPr lang="en-US" altLang="zh-CN" dirty="0">
                 <a:solidFill>
-                  <a:srgbClr val="000000"/>
+                  <a:schemeClr val="bg1"/>
                 </a:solidFill>
                 <a:latin typeface="+mn-ea"/>
                 <a:ea typeface="+mn-ea"/>
@@ -27350,12 +27145,12 @@
               </a:rPr>
               <a:t> </a:t>
             </a:r>
-            <a:endParaRPr lang="en-US" altLang="zh-CN" noProof="1">
+            <a:endParaRPr lang="en-US" altLang="zh-CN" noProof="1" dirty="0">
               <a:solidFill>
-                <a:srgbClr val="000000"/>
+                <a:schemeClr val="bg1"/>
               </a:solidFill>
-              <a:latin typeface="微软雅黑" panose="020B0503020204020204" pitchFamily="34" charset="-122"/>
-              <a:ea typeface="微软雅黑" panose="020B0503020204020204" pitchFamily="34" charset="-122"/>
+              <a:latin typeface="+mn-ea"/>
+              <a:ea typeface="+mn-ea"/>
               <a:sym typeface="微软雅黑" panose="020B0503020204020204" pitchFamily="34" charset="-122"/>
             </a:endParaRPr>
           </a:p>
@@ -27363,13 +27158,7 @@
       </p:sp>
       <p:sp>
         <p:nvSpPr>
-          <p:cNvPr id="17411" name="Rectangle 6">
-            <a:extLst>
-              <a:ext uri="{FF2B5EF4-FFF2-40B4-BE49-F238E27FC236}">
-                <a16:creationId xmlns:a16="http://schemas.microsoft.com/office/drawing/2014/main" id="{928F98A8-3A82-4D3B-A97D-6BAE0215CD97}"/>
-              </a:ext>
-            </a:extLst>
-          </p:cNvPr>
+          <p:cNvPr id="17411" name="Rectangle 6"/>
           <p:cNvSpPr>
             <a:spLocks noChangeArrowheads="1"/>
           </p:cNvSpPr>
@@ -27416,6 +27205,12 @@
               </a:rPr>
               <a:t>生成广播接收器</a:t>
             </a:r>
+            <a:endParaRPr lang="zh-CN" altLang="en-US" sz="1400" dirty="0">
+              <a:solidFill>
+                <a:srgbClr val="00B050"/>
+              </a:solidFill>
+              <a:sym typeface="Arial" panose="020B0604020202020204" pitchFamily="34" charset="0"/>
+            </a:endParaRPr>
           </a:p>
           <a:p>
             <a:r>
@@ -27463,6 +27258,12 @@
               </a:rPr>
               <a:t> ();</a:t>
             </a:r>
+            <a:endParaRPr lang="en-US" altLang="zh-CN" sz="1400" dirty="0">
+              <a:solidFill>
+                <a:srgbClr val="00B050"/>
+              </a:solidFill>
+              <a:sym typeface="Arial" panose="020B0604020202020204" pitchFamily="34" charset="0"/>
+            </a:endParaRPr>
           </a:p>
           <a:p>
             <a:r>
@@ -27483,6 +27284,12 @@
               </a:rPr>
               <a:t>实例化过滤器并设置要过滤的广播</a:t>
             </a:r>
+            <a:endParaRPr lang="zh-CN" altLang="en-US" sz="1400" dirty="0">
+              <a:solidFill>
+                <a:srgbClr val="00B050"/>
+              </a:solidFill>
+              <a:sym typeface="Arial" panose="020B0604020202020204" pitchFamily="34" charset="0"/>
+            </a:endParaRPr>
           </a:p>
           <a:p>
             <a:r>
@@ -27557,6 +27364,12 @@
               </a:rPr>
               <a:t>");</a:t>
             </a:r>
+            <a:endParaRPr lang="en-US" altLang="zh-CN" sz="1400" dirty="0">
+              <a:solidFill>
+                <a:srgbClr val="00B050"/>
+              </a:solidFill>
+              <a:sym typeface="Arial" panose="020B0604020202020204" pitchFamily="34" charset="0"/>
+            </a:endParaRPr>
           </a:p>
           <a:p>
             <a:r>
@@ -27577,6 +27390,12 @@
               </a:rPr>
               <a:t>注册广播</a:t>
             </a:r>
+            <a:endParaRPr lang="zh-CN" altLang="en-US" sz="1400" dirty="0">
+              <a:solidFill>
+                <a:srgbClr val="00B050"/>
+              </a:solidFill>
+              <a:sym typeface="Arial" panose="020B0604020202020204" pitchFamily="34" charset="0"/>
+            </a:endParaRPr>
           </a:p>
           <a:p>
             <a:r>
@@ -27624,18 +27443,18 @@
               </a:rPr>
               <a:t>);</a:t>
             </a:r>
+            <a:endParaRPr lang="en-US" altLang="zh-CN" sz="1400" dirty="0">
+              <a:solidFill>
+                <a:srgbClr val="00B050"/>
+              </a:solidFill>
+              <a:sym typeface="Arial" panose="020B0604020202020204" pitchFamily="34" charset="0"/>
+            </a:endParaRPr>
           </a:p>
         </p:txBody>
       </p:sp>
       <p:sp>
         <p:nvSpPr>
-          <p:cNvPr id="17412" name="Text Box 8">
-            <a:extLst>
-              <a:ext uri="{FF2B5EF4-FFF2-40B4-BE49-F238E27FC236}">
-                <a16:creationId xmlns:a16="http://schemas.microsoft.com/office/drawing/2014/main" id="{F2E78656-F262-4AFA-BD60-D9C768927479}"/>
-              </a:ext>
-            </a:extLst>
-          </p:cNvPr>
+          <p:cNvPr id="17412" name="Text Box 8"/>
           <p:cNvSpPr>
             <a:spLocks noChangeArrowheads="1"/>
           </p:cNvSpPr>
@@ -27702,13 +27521,7 @@
       </p:sp>
       <p:sp>
         <p:nvSpPr>
-          <p:cNvPr id="17413" name="TextBox 3">
-            <a:extLst>
-              <a:ext uri="{FF2B5EF4-FFF2-40B4-BE49-F238E27FC236}">
-                <a16:creationId xmlns:a16="http://schemas.microsoft.com/office/drawing/2014/main" id="{8A4F302A-B6CD-4908-B384-D31A4F054B36}"/>
-              </a:ext>
-            </a:extLst>
-          </p:cNvPr>
+          <p:cNvPr id="17413" name="TextBox 3"/>
           <p:cNvSpPr>
             <a:spLocks noChangeArrowheads="1"/>
           </p:cNvSpPr>
@@ -27786,18 +27599,20 @@
               </a:rPr>
               <a:t>）：</a:t>
             </a:r>
+            <a:endParaRPr lang="zh-CN" altLang="en-US" sz="2000" b="1" i="1">
+              <a:solidFill>
+                <a:schemeClr val="tx2"/>
+              </a:solidFill>
+              <a:latin typeface="微软雅黑" panose="020B0503020204020204" pitchFamily="34" charset="-122"/>
+              <a:ea typeface="微软雅黑" panose="020B0503020204020204" pitchFamily="34" charset="-122"/>
+              <a:sym typeface="微软雅黑" panose="020B0503020204020204" pitchFamily="34" charset="-122"/>
+            </a:endParaRPr>
           </a:p>
         </p:txBody>
       </p:sp>
       <p:sp>
         <p:nvSpPr>
-          <p:cNvPr id="17414" name="Rectangle 10">
-            <a:extLst>
-              <a:ext uri="{FF2B5EF4-FFF2-40B4-BE49-F238E27FC236}">
-                <a16:creationId xmlns:a16="http://schemas.microsoft.com/office/drawing/2014/main" id="{7C9D1BE6-764A-462F-859E-29259E0D9749}"/>
-              </a:ext>
-            </a:extLst>
-          </p:cNvPr>
+          <p:cNvPr id="17414" name="Rectangle 10"/>
           <p:cNvSpPr>
             <a:spLocks noChangeArrowheads="1"/>
           </p:cNvSpPr>
@@ -27844,6 +27659,12 @@
               </a:rPr>
               <a:t>receiver</a:t>
             </a:r>
+            <a:endParaRPr lang="en-US" altLang="zh-CN" sz="1400" b="1" dirty="0">
+              <a:solidFill>
+                <a:srgbClr val="00B050"/>
+              </a:solidFill>
+              <a:sym typeface="Arial" panose="020B0604020202020204" pitchFamily="34" charset="0"/>
+            </a:endParaRPr>
           </a:p>
           <a:p>
             <a:r>
@@ -27891,6 +27712,12 @@
               </a:rPr>
               <a:t>" &gt;</a:t>
             </a:r>
+            <a:endParaRPr lang="en-US" altLang="zh-CN" sz="1400" dirty="0">
+              <a:solidFill>
+                <a:srgbClr val="00B050"/>
+              </a:solidFill>
+              <a:sym typeface="Arial" panose="020B0604020202020204" pitchFamily="34" charset="0"/>
+            </a:endParaRPr>
           </a:p>
           <a:p>
             <a:r>
@@ -27902,6 +27729,12 @@
               </a:rPr>
               <a:t>  &lt;intent-filter&gt;</a:t>
             </a:r>
+            <a:endParaRPr lang="en-US" altLang="zh-CN" sz="1400" dirty="0">
+              <a:solidFill>
+                <a:srgbClr val="00B050"/>
+              </a:solidFill>
+              <a:sym typeface="Arial" panose="020B0604020202020204" pitchFamily="34" charset="0"/>
+            </a:endParaRPr>
           </a:p>
           <a:p>
             <a:r>
@@ -27949,6 +27782,12 @@
               </a:rPr>
               <a:t>"/&gt;</a:t>
             </a:r>
+            <a:endParaRPr lang="en-US" altLang="zh-CN" sz="1400" dirty="0">
+              <a:solidFill>
+                <a:srgbClr val="00B050"/>
+              </a:solidFill>
+              <a:sym typeface="Arial" panose="020B0604020202020204" pitchFamily="34" charset="0"/>
+            </a:endParaRPr>
           </a:p>
           <a:p>
             <a:r>
@@ -27960,6 +27799,12 @@
               </a:rPr>
               <a:t>  &lt;/intent-filter&gt;</a:t>
             </a:r>
+            <a:endParaRPr lang="en-US" altLang="zh-CN" sz="1400" dirty="0">
+              <a:solidFill>
+                <a:srgbClr val="00B050"/>
+              </a:solidFill>
+              <a:sym typeface="Arial" panose="020B0604020202020204" pitchFamily="34" charset="0"/>
+            </a:endParaRPr>
           </a:p>
           <a:p>
             <a:r>
@@ -27989,18 +27834,18 @@
               </a:rPr>
               <a:t>&gt;</a:t>
             </a:r>
+            <a:endParaRPr lang="en-US" altLang="zh-CN" sz="1400" dirty="0">
+              <a:solidFill>
+                <a:srgbClr val="00B050"/>
+              </a:solidFill>
+              <a:sym typeface="Arial" panose="020B0604020202020204" pitchFamily="34" charset="0"/>
+            </a:endParaRPr>
           </a:p>
         </p:txBody>
       </p:sp>
       <p:sp>
         <p:nvSpPr>
-          <p:cNvPr id="17415" name="文本框 1">
-            <a:extLst>
-              <a:ext uri="{FF2B5EF4-FFF2-40B4-BE49-F238E27FC236}">
-                <a16:creationId xmlns:a16="http://schemas.microsoft.com/office/drawing/2014/main" id="{C43FD3BA-3502-4650-810D-C31B7FE4A65B}"/>
-              </a:ext>
-            </a:extLst>
-          </p:cNvPr>
+          <p:cNvPr id="17415" name="文本框 1"/>
           <p:cNvSpPr txBox="1">
             <a:spLocks noChangeArrowheads="1"/>
           </p:cNvSpPr>
@@ -28109,12 +27954,20 @@
               </a:rPr>
               <a:t>）：</a:t>
             </a:r>
+            <a:endParaRPr lang="zh-CN" altLang="en-US" sz="2000" b="1" i="1">
+              <a:solidFill>
+                <a:schemeClr val="tx2"/>
+              </a:solidFill>
+              <a:latin typeface="微软雅黑" panose="020B0503020204020204" pitchFamily="34" charset="-122"/>
+              <a:ea typeface="微软雅黑" panose="020B0503020204020204" pitchFamily="34" charset="-122"/>
+              <a:sym typeface="微软雅黑" panose="020B0503020204020204" pitchFamily="34" charset="-122"/>
+            </a:endParaRPr>
           </a:p>
         </p:txBody>
       </p:sp>
     </p:spTree>
     <p:custDataLst>
-      <p:tags r:id="rId1"/>
+      <p:tags r:id="rId2"/>
     </p:custDataLst>
   </p:cSld>
   <p:clrMapOvr>
@@ -28125,129 +27978,7 @@
 </file>
 
 <file path=ppt/tags/tag1.xml><?xml version="1.0" encoding="utf-8"?>
-<p:tagLst xmlns:a="http://schemas.openxmlformats.org/drawingml/2006/main" xmlns:r="http://schemas.openxmlformats.org/officeDocument/2006/relationships" xmlns:p="http://schemas.openxmlformats.org/presentationml/2006/main">
-  <p:tag name="KSO_WM_TAG_VERSION" val="1.0"/>
-  <p:tag name="KSO_WM_TEMPLATE_CATEGORY" val="custom"/>
-  <p:tag name="KSO_WM_TEMPLATE_INDEX" val="160404"/>
-</p:tagLst>
-</file>
-
-<file path=ppt/tags/tag10.xml><?xml version="1.0" encoding="utf-8"?>
-<p:tagLst xmlns:a="http://schemas.openxmlformats.org/drawingml/2006/main" xmlns:r="http://schemas.openxmlformats.org/officeDocument/2006/relationships" xmlns:p="http://schemas.openxmlformats.org/presentationml/2006/main">
-  <p:tag name="KSO_WM_TEMPLATE_CATEGORY" val="custom"/>
-  <p:tag name="KSO_WM_TEMPLATE_INDEX" val="160404"/>
-</p:tagLst>
-</file>
-
-<file path=ppt/tags/tag11.xml><?xml version="1.0" encoding="utf-8"?>
-<p:tagLst xmlns:a="http://schemas.openxmlformats.org/drawingml/2006/main" xmlns:r="http://schemas.openxmlformats.org/officeDocument/2006/relationships" xmlns:p="http://schemas.openxmlformats.org/presentationml/2006/main">
-  <p:tag name="KSO_WM_TEMPLATE_CATEGORY" val="custom"/>
-  <p:tag name="KSO_WM_TEMPLATE_INDEX" val="160404"/>
-</p:tagLst>
-</file>
-
-<file path=ppt/tags/tag12.xml><?xml version="1.0" encoding="utf-8"?>
-<p:tagLst xmlns:a="http://schemas.openxmlformats.org/drawingml/2006/main" xmlns:r="http://schemas.openxmlformats.org/officeDocument/2006/relationships" xmlns:p="http://schemas.openxmlformats.org/presentationml/2006/main">
-  <p:tag name="KSO_WM_TEMPLATE_CATEGORY" val="custom"/>
-  <p:tag name="KSO_WM_TEMPLATE_INDEX" val="160404"/>
-</p:tagLst>
-</file>
-
-<file path=ppt/tags/tag13.xml><?xml version="1.0" encoding="utf-8"?>
-<p:tagLst xmlns:a="http://schemas.openxmlformats.org/drawingml/2006/main" xmlns:r="http://schemas.openxmlformats.org/officeDocument/2006/relationships" xmlns:p="http://schemas.openxmlformats.org/presentationml/2006/main">
-  <p:tag name="KSO_WM_BEAUTIFY_FLAG" val="#wm#"/>
-  <p:tag name="KSO_WM_TEMPLATE_CATEGORY" val="custom"/>
-  <p:tag name="KSO_WM_TEMPLATE_INDEX" val="160404"/>
-</p:tagLst>
-</file>
-
-<file path=ppt/tags/tag14.xml><?xml version="1.0" encoding="utf-8"?>
-<p:tagLst xmlns:a="http://schemas.openxmlformats.org/drawingml/2006/main" xmlns:r="http://schemas.openxmlformats.org/officeDocument/2006/relationships" xmlns:p="http://schemas.openxmlformats.org/presentationml/2006/main">
-  <p:tag name="KSO_WM_TEMPLATE_CATEGORY" val="custom"/>
-  <p:tag name="KSO_WM_TEMPLATE_INDEX" val="160404"/>
-</p:tagLst>
-</file>
-
-<file path=ppt/tags/tag15.xml><?xml version="1.0" encoding="utf-8"?>
-<p:tagLst xmlns:a="http://schemas.openxmlformats.org/drawingml/2006/main" xmlns:r="http://schemas.openxmlformats.org/officeDocument/2006/relationships" xmlns:p="http://schemas.openxmlformats.org/presentationml/2006/main">
-  <p:tag name="KSO_WM_TEMPLATE_CATEGORY" val="custom"/>
-  <p:tag name="KSO_WM_TEMPLATE_INDEX" val="160404"/>
-</p:tagLst>
-</file>
-
-<file path=ppt/tags/tag16.xml><?xml version="1.0" encoding="utf-8"?>
-<p:tagLst xmlns:a="http://schemas.openxmlformats.org/drawingml/2006/main" xmlns:r="http://schemas.openxmlformats.org/officeDocument/2006/relationships" xmlns:p="http://schemas.openxmlformats.org/presentationml/2006/main">
-  <p:tag name="KSO_WM_TEMPLATE_CATEGORY" val="custom"/>
-  <p:tag name="KSO_WM_TEMPLATE_INDEX" val="160404"/>
-</p:tagLst>
-</file>
-
-<file path=ppt/tags/tag17.xml><?xml version="1.0" encoding="utf-8"?>
-<p:tagLst xmlns:a="http://schemas.openxmlformats.org/drawingml/2006/main" xmlns:r="http://schemas.openxmlformats.org/officeDocument/2006/relationships" xmlns:p="http://schemas.openxmlformats.org/presentationml/2006/main">
-  <p:tag name="KSO_WM_TEMPLATE_CATEGORY" val="custom"/>
-  <p:tag name="KSO_WM_TEMPLATE_INDEX" val="160404"/>
-</p:tagLst>
-</file>
-
-<file path=ppt/tags/tag18.xml><?xml version="1.0" encoding="utf-8"?>
-<p:tagLst xmlns:a="http://schemas.openxmlformats.org/drawingml/2006/main" xmlns:r="http://schemas.openxmlformats.org/officeDocument/2006/relationships" xmlns:p="http://schemas.openxmlformats.org/presentationml/2006/main">
-  <p:tag name="KSO_WM_TEMPLATE_CATEGORY" val="custom"/>
-  <p:tag name="KSO_WM_TEMPLATE_INDEX" val="160404"/>
-</p:tagLst>
-</file>
-
-<file path=ppt/tags/tag19.xml><?xml version="1.0" encoding="utf-8"?>
-<p:tagLst xmlns:a="http://schemas.openxmlformats.org/drawingml/2006/main" xmlns:r="http://schemas.openxmlformats.org/officeDocument/2006/relationships" xmlns:p="http://schemas.openxmlformats.org/presentationml/2006/main">
-  <p:tag name="KSO_WM_TEMPLATE_CATEGORY" val="custom"/>
-  <p:tag name="KSO_WM_TEMPLATE_INDEX" val="160404"/>
-</p:tagLst>
-</file>
-
-<file path=ppt/tags/tag2.xml><?xml version="1.0" encoding="utf-8"?>
-<p:tagLst xmlns:a="http://schemas.openxmlformats.org/drawingml/2006/main" xmlns:r="http://schemas.openxmlformats.org/officeDocument/2006/relationships" xmlns:p="http://schemas.openxmlformats.org/presentationml/2006/main">
-  <p:tag name="KSO_WM_TAG_VERSION" val="1.0"/>
-  <p:tag name="KSO_WM_TEMPLATE_CATEGORY" val="custom"/>
-  <p:tag name="KSO_WM_TEMPLATE_INDEX" val="160404"/>
-</p:tagLst>
-</file>
-
-<file path=ppt/tags/tag20.xml><?xml version="1.0" encoding="utf-8"?>
-<p:tagLst xmlns:a="http://schemas.openxmlformats.org/drawingml/2006/main" xmlns:r="http://schemas.openxmlformats.org/officeDocument/2006/relationships" xmlns:p="http://schemas.openxmlformats.org/presentationml/2006/main">
-  <p:tag name="KSO_WM_TEMPLATE_CATEGORY" val="custom"/>
-  <p:tag name="KSO_WM_TEMPLATE_INDEX" val="160404"/>
-</p:tagLst>
-</file>
-
-<file path=ppt/tags/tag21.xml><?xml version="1.0" encoding="utf-8"?>
-<p:tagLst xmlns:a="http://schemas.openxmlformats.org/drawingml/2006/main" xmlns:r="http://schemas.openxmlformats.org/officeDocument/2006/relationships" xmlns:p="http://schemas.openxmlformats.org/presentationml/2006/main">
-  <p:tag name="KSO_WM_TEMPLATE_CATEGORY" val="custom"/>
-  <p:tag name="KSO_WM_TEMPLATE_INDEX" val="160404"/>
-</p:tagLst>
-</file>
-
-<file path=ppt/tags/tag22.xml><?xml version="1.0" encoding="utf-8"?>
-<p:tagLst xmlns:a="http://schemas.openxmlformats.org/drawingml/2006/main" xmlns:r="http://schemas.openxmlformats.org/officeDocument/2006/relationships" xmlns:p="http://schemas.openxmlformats.org/presentationml/2006/main">
-  <p:tag name="KSO_WM_TEMPLATE_CATEGORY" val="custom"/>
-  <p:tag name="KSO_WM_TEMPLATE_INDEX" val="160404"/>
-</p:tagLst>
-</file>
-
-<file path=ppt/tags/tag23.xml><?xml version="1.0" encoding="utf-8"?>
-<p:tagLst xmlns:a="http://schemas.openxmlformats.org/drawingml/2006/main" xmlns:r="http://schemas.openxmlformats.org/officeDocument/2006/relationships" xmlns:p="http://schemas.openxmlformats.org/presentationml/2006/main">
-  <p:tag name="KSO_WM_TEMPLATE_CATEGORY" val="custom"/>
-  <p:tag name="KSO_WM_TEMPLATE_INDEX" val="160404"/>
-</p:tagLst>
-</file>
-
-<file path=ppt/tags/tag24.xml><?xml version="1.0" encoding="utf-8"?>
-<p:tagLst xmlns:a="http://schemas.openxmlformats.org/drawingml/2006/main" xmlns:r="http://schemas.openxmlformats.org/officeDocument/2006/relationships" xmlns:p="http://schemas.openxmlformats.org/presentationml/2006/main">
-  <p:tag name="KSO_WM_TEMPLATE_CATEGORY" val="custom"/>
-  <p:tag name="KSO_WM_TEMPLATE_INDEX" val="160404"/>
-</p:tagLst>
-</file>
-
-<file path=ppt/tags/tag3.xml><?xml version="1.0" encoding="utf-8"?>
-<p:tagLst xmlns:a="http://schemas.openxmlformats.org/drawingml/2006/main" xmlns:r="http://schemas.openxmlformats.org/officeDocument/2006/relationships" xmlns:p="http://schemas.openxmlformats.org/presentationml/2006/main">
+<p:tagLst xmlns:p="http://schemas.openxmlformats.org/presentationml/2006/main">
   <p:tag name="KSO_WM_TAG_VERSION" val="1.0"/>
   <p:tag name="KSO_WM_BEAUTIFY_FLAG" val="#wm#"/>
   <p:tag name="KSO_WM_UNIT_TYPE" val="i"/>
@@ -28257,8 +27988,79 @@
 </p:tagLst>
 </file>
 
-<file path=ppt/tags/tag4.xml><?xml version="1.0" encoding="utf-8"?>
-<p:tagLst xmlns:a="http://schemas.openxmlformats.org/drawingml/2006/main" xmlns:r="http://schemas.openxmlformats.org/officeDocument/2006/relationships" xmlns:p="http://schemas.openxmlformats.org/presentationml/2006/main">
+<file path=ppt/tags/tag10.xml><?xml version="1.0" encoding="utf-8"?>
+<p:tagLst xmlns:p="http://schemas.openxmlformats.org/presentationml/2006/main">
+  <p:tag name="KSO_WM_TEMPLATE_CATEGORY" val="custom"/>
+  <p:tag name="KSO_WM_TEMPLATE_INDEX" val="160404"/>
+</p:tagLst>
+</file>
+
+<file path=ppt/tags/tag11.xml><?xml version="1.0" encoding="utf-8"?>
+<p:tagLst xmlns:p="http://schemas.openxmlformats.org/presentationml/2006/main">
+  <p:tag name="KSO_WM_TEMPLATE_CATEGORY" val="custom"/>
+  <p:tag name="KSO_WM_TEMPLATE_INDEX" val="160404"/>
+</p:tagLst>
+</file>
+
+<file path=ppt/tags/tag12.xml><?xml version="1.0" encoding="utf-8"?>
+<p:tagLst xmlns:p="http://schemas.openxmlformats.org/presentationml/2006/main">
+  <p:tag name="KSO_WM_TEMPLATE_CATEGORY" val="custom"/>
+  <p:tag name="KSO_WM_TEMPLATE_INDEX" val="160404"/>
+</p:tagLst>
+</file>
+
+<file path=ppt/tags/tag13.xml><?xml version="1.0" encoding="utf-8"?>
+<p:tagLst xmlns:p="http://schemas.openxmlformats.org/presentationml/2006/main">
+  <p:tag name="KSO_WM_BEAUTIFY_FLAG" val="#wm#"/>
+  <p:tag name="KSO_WM_TEMPLATE_CATEGORY" val="custom"/>
+  <p:tag name="KSO_WM_TEMPLATE_INDEX" val="160404"/>
+</p:tagLst>
+</file>
+
+<file path=ppt/tags/tag14.xml><?xml version="1.0" encoding="utf-8"?>
+<p:tagLst xmlns:p="http://schemas.openxmlformats.org/presentationml/2006/main">
+  <p:tag name="KSO_WM_TEMPLATE_CATEGORY" val="custom"/>
+  <p:tag name="KSO_WM_TEMPLATE_INDEX" val="160404"/>
+</p:tagLst>
+</file>
+
+<file path=ppt/tags/tag15.xml><?xml version="1.0" encoding="utf-8"?>
+<p:tagLst xmlns:p="http://schemas.openxmlformats.org/presentationml/2006/main">
+  <p:tag name="KSO_WM_TEMPLATE_CATEGORY" val="custom"/>
+  <p:tag name="KSO_WM_TEMPLATE_INDEX" val="160404"/>
+</p:tagLst>
+</file>
+
+<file path=ppt/tags/tag16.xml><?xml version="1.0" encoding="utf-8"?>
+<p:tagLst xmlns:p="http://schemas.openxmlformats.org/presentationml/2006/main">
+  <p:tag name="KSO_WM_TEMPLATE_CATEGORY" val="custom"/>
+  <p:tag name="KSO_WM_TEMPLATE_INDEX" val="160404"/>
+</p:tagLst>
+</file>
+
+<file path=ppt/tags/tag17.xml><?xml version="1.0" encoding="utf-8"?>
+<p:tagLst xmlns:p="http://schemas.openxmlformats.org/presentationml/2006/main">
+  <p:tag name="KSO_WM_TEMPLATE_CATEGORY" val="custom"/>
+  <p:tag name="KSO_WM_TEMPLATE_INDEX" val="160404"/>
+</p:tagLst>
+</file>
+
+<file path=ppt/tags/tag18.xml><?xml version="1.0" encoding="utf-8"?>
+<p:tagLst xmlns:p="http://schemas.openxmlformats.org/presentationml/2006/main">
+  <p:tag name="KSO_WM_TEMPLATE_CATEGORY" val="custom"/>
+  <p:tag name="KSO_WM_TEMPLATE_INDEX" val="160404"/>
+</p:tagLst>
+</file>
+
+<file path=ppt/tags/tag19.xml><?xml version="1.0" encoding="utf-8"?>
+<p:tagLst xmlns:p="http://schemas.openxmlformats.org/presentationml/2006/main">
+  <p:tag name="KSO_WM_TEMPLATE_CATEGORY" val="custom"/>
+  <p:tag name="KSO_WM_TEMPLATE_INDEX" val="160404"/>
+</p:tagLst>
+</file>
+
+<file path=ppt/tags/tag2.xml><?xml version="1.0" encoding="utf-8"?>
+<p:tagLst xmlns:p="http://schemas.openxmlformats.org/presentationml/2006/main">
   <p:tag name="KSO_WM_TAG_VERSION" val="1.0"/>
   <p:tag name="KSO_WM_BEAUTIFY_FLAG" val="#wm#"/>
   <p:tag name="KSO_WM_UNIT_TYPE" val="i"/>
@@ -28268,8 +28070,49 @@
 </p:tagLst>
 </file>
 
-<file path=ppt/tags/tag5.xml><?xml version="1.0" encoding="utf-8"?>
-<p:tagLst xmlns:a="http://schemas.openxmlformats.org/drawingml/2006/main" xmlns:r="http://schemas.openxmlformats.org/officeDocument/2006/relationships" xmlns:p="http://schemas.openxmlformats.org/presentationml/2006/main">
+<file path=ppt/tags/tag20.xml><?xml version="1.0" encoding="utf-8"?>
+<p:tagLst xmlns:p="http://schemas.openxmlformats.org/presentationml/2006/main">
+  <p:tag name="KSO_WM_TEMPLATE_CATEGORY" val="custom"/>
+  <p:tag name="KSO_WM_TEMPLATE_INDEX" val="160404"/>
+</p:tagLst>
+</file>
+
+<file path=ppt/tags/tag21.xml><?xml version="1.0" encoding="utf-8"?>
+<p:tagLst xmlns:p="http://schemas.openxmlformats.org/presentationml/2006/main">
+  <p:tag name="KSO_WM_UNIT_TABLE_BEAUTIFY" val="smartTable{7cf1bf67-9dca-4276-bc55-bdfaf821814c}"/>
+</p:tagLst>
+</file>
+
+<file path=ppt/tags/tag22.xml><?xml version="1.0" encoding="utf-8"?>
+<p:tagLst xmlns:p="http://schemas.openxmlformats.org/presentationml/2006/main">
+  <p:tag name="KSO_WM_TEMPLATE_CATEGORY" val="custom"/>
+  <p:tag name="KSO_WM_TEMPLATE_INDEX" val="160404"/>
+</p:tagLst>
+</file>
+
+<file path=ppt/tags/tag23.xml><?xml version="1.0" encoding="utf-8"?>
+<p:tagLst xmlns:p="http://schemas.openxmlformats.org/presentationml/2006/main">
+  <p:tag name="KSO_WM_TEMPLATE_CATEGORY" val="custom"/>
+  <p:tag name="KSO_WM_TEMPLATE_INDEX" val="160404"/>
+</p:tagLst>
+</file>
+
+<file path=ppt/tags/tag24.xml><?xml version="1.0" encoding="utf-8"?>
+<p:tagLst xmlns:p="http://schemas.openxmlformats.org/presentationml/2006/main">
+  <p:tag name="KSO_WM_TEMPLATE_CATEGORY" val="custom"/>
+  <p:tag name="KSO_WM_TEMPLATE_INDEX" val="160404"/>
+</p:tagLst>
+</file>
+
+<file path=ppt/tags/tag25.xml><?xml version="1.0" encoding="utf-8"?>
+<p:tagLst xmlns:p="http://schemas.openxmlformats.org/presentationml/2006/main">
+  <p:tag name="KSO_WM_TEMPLATE_CATEGORY" val="custom"/>
+  <p:tag name="KSO_WM_TEMPLATE_INDEX" val="160404"/>
+</p:tagLst>
+</file>
+
+<file path=ppt/tags/tag3.xml><?xml version="1.0" encoding="utf-8"?>
+<p:tagLst xmlns:p="http://schemas.openxmlformats.org/presentationml/2006/main">
   <p:tag name="KSO_WM_TAG_VERSION" val="1.0"/>
   <p:tag name="KSO_WM_BEAUTIFY_FLAG" val="#wm#"/>
   <p:tag name="KSO_WM_UNIT_TYPE" val="i"/>
@@ -28279,22 +28122,38 @@
 </p:tagLst>
 </file>
 
+<file path=ppt/tags/tag4.xml><?xml version="1.0" encoding="utf-8"?>
+<p:tagLst xmlns:p="http://schemas.openxmlformats.org/presentationml/2006/main">
+  <p:tag name="KSO_WM_TAG_VERSION" val="1.0"/>
+  <p:tag name="KSO_WM_TEMPLATE_CATEGORY" val="custom"/>
+  <p:tag name="KSO_WM_TEMPLATE_INDEX" val="160404"/>
+</p:tagLst>
+</file>
+
+<file path=ppt/tags/tag5.xml><?xml version="1.0" encoding="utf-8"?>
+<p:tagLst xmlns:p="http://schemas.openxmlformats.org/presentationml/2006/main">
+  <p:tag name="KSO_WM_TAG_VERSION" val="1.0"/>
+  <p:tag name="KSO_WM_TEMPLATE_CATEGORY" val="custom"/>
+  <p:tag name="KSO_WM_TEMPLATE_INDEX" val="160404"/>
+</p:tagLst>
+</file>
+
 <file path=ppt/tags/tag6.xml><?xml version="1.0" encoding="utf-8"?>
-<p:tagLst xmlns:a="http://schemas.openxmlformats.org/drawingml/2006/main" xmlns:r="http://schemas.openxmlformats.org/officeDocument/2006/relationships" xmlns:p="http://schemas.openxmlformats.org/presentationml/2006/main">
+<p:tagLst xmlns:p="http://schemas.openxmlformats.org/presentationml/2006/main">
   <p:tag name="KSO_WM_TEMPLATE_CATEGORY" val="custom"/>
   <p:tag name="KSO_WM_TEMPLATE_INDEX" val="160404"/>
 </p:tagLst>
 </file>
 
 <file path=ppt/tags/tag7.xml><?xml version="1.0" encoding="utf-8"?>
-<p:tagLst xmlns:a="http://schemas.openxmlformats.org/drawingml/2006/main" xmlns:r="http://schemas.openxmlformats.org/officeDocument/2006/relationships" xmlns:p="http://schemas.openxmlformats.org/presentationml/2006/main">
+<p:tagLst xmlns:p="http://schemas.openxmlformats.org/presentationml/2006/main">
   <p:tag name="KSO_WM_TEMPLATE_CATEGORY" val="custom"/>
   <p:tag name="KSO_WM_TEMPLATE_INDEX" val="160404"/>
 </p:tagLst>
 </file>
 
 <file path=ppt/tags/tag8.xml><?xml version="1.0" encoding="utf-8"?>
-<p:tagLst xmlns:a="http://schemas.openxmlformats.org/drawingml/2006/main" xmlns:r="http://schemas.openxmlformats.org/officeDocument/2006/relationships" xmlns:p="http://schemas.openxmlformats.org/presentationml/2006/main">
+<p:tagLst xmlns:p="http://schemas.openxmlformats.org/presentationml/2006/main">
   <p:tag name="KSO_WM_BEAUTIFY_FLAG" val="#wm#"/>
   <p:tag name="KSO_WM_TEMPLATE_CATEGORY" val="custom"/>
   <p:tag name="KSO_WM_TEMPLATE_INDEX" val="160404"/>
@@ -28302,7 +28161,7 @@
 </file>
 
 <file path=ppt/tags/tag9.xml><?xml version="1.0" encoding="utf-8"?>
-<p:tagLst xmlns:a="http://schemas.openxmlformats.org/drawingml/2006/main" xmlns:r="http://schemas.openxmlformats.org/officeDocument/2006/relationships" xmlns:p="http://schemas.openxmlformats.org/presentationml/2006/main">
+<p:tagLst xmlns:p="http://schemas.openxmlformats.org/presentationml/2006/main">
   <p:tag name="KSO_WM_TEMPLATE_CATEGORY" val="custom"/>
   <p:tag name="KSO_WM_TEMPLATE_INDEX" val="160404"/>
 </p:tagLst>
@@ -28559,8 +28418,6 @@
       </a:bgFillStyleLst>
     </a:fmtScheme>
   </a:themeElements>
-  <a:objectDefaults/>
-  <a:extraClrSchemeLst/>
   <a:extLst>
     <a:ext uri="{05A4C25C-085E-4340-85A3-A5531E510DB2}">
       <thm15:themeFamily xmlns:thm15="http://schemas.microsoft.com/office/thememl/2012/main" name="Office Theme" id="{62F939B6-93AF-4DB8-9C6B-D6C7DFDC589F}" vid="{4A3C46E8-61CC-4603-A589-7422A47A8E4A}"/>
@@ -28849,8 +28706,6 @@
       </a:bgFillStyleLst>
     </a:fmtScheme>
   </a:themeElements>
-  <a:objectDefaults/>
-  <a:extraClrSchemeLst/>
   <a:extLst>
     <a:ext uri="{05A4C25C-085E-4340-85A3-A5531E510DB2}">
       <thm15:themeFamily xmlns:thm15="http://schemas.microsoft.com/office/thememl/2012/main" name="Office Theme" id="{62F939B6-93AF-4DB8-9C6B-D6C7DFDC589F}" vid="{4A3C46E8-61CC-4603-A589-7422A47A8E4A}"/>
